--- a/Courseware/Bonsai On A Budget (running).pptx
+++ b/Courseware/Bonsai On A Budget (running).pptx
@@ -910,7 +910,7 @@
             <a:fld id="{B61BEF0D-F0BB-DE4B-95CE-6DB70DBA9567}" type="datetimeFigureOut">
               <a:rPr lang="en-US" smtClean="0"/>
               <a:pPr/>
-              <a:t>6/12/2024</a:t>
+              <a:t>7/3/2024</a:t>
             </a:fld>
             <a:endParaRPr lang="en-US" dirty="0"/>
           </a:p>
@@ -1163,7 +1163,7 @@
             <a:fld id="{B61BEF0D-F0BB-DE4B-95CE-6DB70DBA9567}" type="datetimeFigureOut">
               <a:rPr lang="en-US" smtClean="0"/>
               <a:pPr/>
-              <a:t>6/12/2024</a:t>
+              <a:t>7/3/2024</a:t>
             </a:fld>
             <a:endParaRPr lang="en-US" dirty="0"/>
           </a:p>
@@ -1479,7 +1479,7 @@
             <a:fld id="{B61BEF0D-F0BB-DE4B-95CE-6DB70DBA9567}" type="datetimeFigureOut">
               <a:rPr lang="en-US" smtClean="0"/>
               <a:pPr/>
-              <a:t>6/12/2024</a:t>
+              <a:t>7/3/2024</a:t>
             </a:fld>
             <a:endParaRPr lang="en-US" dirty="0"/>
           </a:p>
@@ -1822,7 +1822,7 @@
             <a:fld id="{B61BEF0D-F0BB-DE4B-95CE-6DB70DBA9567}" type="datetimeFigureOut">
               <a:rPr lang="en-US" smtClean="0"/>
               <a:pPr/>
-              <a:t>6/12/2024</a:t>
+              <a:t>7/3/2024</a:t>
             </a:fld>
             <a:endParaRPr lang="en-US" dirty="0"/>
           </a:p>
@@ -2138,7 +2138,7 @@
             <a:fld id="{B61BEF0D-F0BB-DE4B-95CE-6DB70DBA9567}" type="datetimeFigureOut">
               <a:rPr lang="en-US" smtClean="0"/>
               <a:pPr/>
-              <a:t>6/12/2024</a:t>
+              <a:t>7/3/2024</a:t>
             </a:fld>
             <a:endParaRPr lang="en-US" dirty="0"/>
           </a:p>
@@ -2533,7 +2533,7 @@
             <a:fld id="{B61BEF0D-F0BB-DE4B-95CE-6DB70DBA9567}" type="datetimeFigureOut">
               <a:rPr lang="en-US" smtClean="0"/>
               <a:pPr/>
-              <a:t>6/12/2024</a:t>
+              <a:t>7/3/2024</a:t>
             </a:fld>
             <a:endParaRPr lang="en-US" dirty="0"/>
           </a:p>
@@ -2704,7 +2704,7 @@
           <a:p>
             <a:fld id="{55C6B4A9-1611-4792-9094-5F34BCA07E0B}" type="datetimeFigureOut">
               <a:rPr lang="en-US" smtClean="0"/>
-              <a:t>6/12/2024</a:t>
+              <a:t>7/3/2024</a:t>
             </a:fld>
             <a:endParaRPr lang="en-US" dirty="0"/>
           </a:p>
@@ -2885,7 +2885,7 @@
             <a:fld id="{B61BEF0D-F0BB-DE4B-95CE-6DB70DBA9567}" type="datetimeFigureOut">
               <a:rPr lang="en-US" smtClean="0"/>
               <a:pPr/>
-              <a:t>6/12/2024</a:t>
+              <a:t>7/3/2024</a:t>
             </a:fld>
             <a:endParaRPr lang="en-US" dirty="0"/>
           </a:p>
@@ -3063,7 +3063,7 @@
             <a:fld id="{B61BEF0D-F0BB-DE4B-95CE-6DB70DBA9567}" type="datetimeFigureOut">
               <a:rPr lang="en-US" smtClean="0"/>
               <a:pPr/>
-              <a:t>6/12/2024</a:t>
+              <a:t>7/3/2024</a:t>
             </a:fld>
             <a:endParaRPr lang="en-US" dirty="0"/>
           </a:p>
@@ -3312,7 +3312,7 @@
             <a:fld id="{B61BEF0D-F0BB-DE4B-95CE-6DB70DBA9567}" type="datetimeFigureOut">
               <a:rPr lang="en-US" smtClean="0"/>
               <a:pPr/>
-              <a:t>6/12/2024</a:t>
+              <a:t>7/3/2024</a:t>
             </a:fld>
             <a:endParaRPr lang="en-US" dirty="0"/>
           </a:p>
@@ -3545,7 +3545,7 @@
           <a:p>
             <a:fld id="{EB712588-04B1-427B-82EE-E8DB90309F08}" type="datetimeFigureOut">
               <a:rPr lang="en-US" smtClean="0"/>
-              <a:t>6/12/2024</a:t>
+              <a:t>7/3/2024</a:t>
             </a:fld>
             <a:endParaRPr lang="en-US" dirty="0"/>
           </a:p>
@@ -3920,7 +3920,7 @@
             <a:fld id="{B61BEF0D-F0BB-DE4B-95CE-6DB70DBA9567}" type="datetimeFigureOut">
               <a:rPr lang="en-US" smtClean="0"/>
               <a:pPr/>
-              <a:t>6/12/2024</a:t>
+              <a:t>7/3/2024</a:t>
             </a:fld>
             <a:endParaRPr lang="en-US" dirty="0"/>
           </a:p>
@@ -4045,7 +4045,7 @@
             <a:fld id="{B61BEF0D-F0BB-DE4B-95CE-6DB70DBA9567}" type="datetimeFigureOut">
               <a:rPr lang="en-US" smtClean="0"/>
               <a:pPr/>
-              <a:t>6/12/2024</a:t>
+              <a:t>7/3/2024</a:t>
             </a:fld>
             <a:endParaRPr lang="en-US" dirty="0"/>
           </a:p>
@@ -4142,7 +4142,7 @@
             <a:fld id="{B61BEF0D-F0BB-DE4B-95CE-6DB70DBA9567}" type="datetimeFigureOut">
               <a:rPr lang="en-US" smtClean="0"/>
               <a:pPr/>
-              <a:t>6/12/2024</a:t>
+              <a:t>7/3/2024</a:t>
             </a:fld>
             <a:endParaRPr lang="en-US" dirty="0"/>
           </a:p>
@@ -4398,7 +4398,7 @@
           <a:p>
             <a:fld id="{42A54C80-263E-416B-A8E0-580EDEADCBDC}" type="datetimeFigureOut">
               <a:rPr lang="en-US" smtClean="0"/>
-              <a:t>6/12/2024</a:t>
+              <a:t>7/3/2024</a:t>
             </a:fld>
             <a:endParaRPr lang="en-US" dirty="0"/>
           </a:p>
@@ -4662,7 +4662,7 @@
             <a:fld id="{B61BEF0D-F0BB-DE4B-95CE-6DB70DBA9567}" type="datetimeFigureOut">
               <a:rPr lang="en-US" smtClean="0"/>
               <a:pPr/>
-              <a:t>6/12/2024</a:t>
+              <a:t>7/3/2024</a:t>
             </a:fld>
             <a:endParaRPr lang="en-US" dirty="0"/>
           </a:p>
@@ -5407,7 +5407,7 @@
             <a:fld id="{B61BEF0D-F0BB-DE4B-95CE-6DB70DBA9567}" type="datetimeFigureOut">
               <a:rPr lang="en-US" smtClean="0"/>
               <a:pPr/>
-              <a:t>6/12/2024</a:t>
+              <a:t>7/3/2024</a:t>
             </a:fld>
             <a:endParaRPr lang="en-US" dirty="0"/>
           </a:p>
@@ -24035,8 +24035,18 @@
           <a:lstStyle/>
           <a:p>
             <a:r>
+              <a:rPr lang="en-US"/>
+              <a:t>Be aware of the history and culture of bonsai</a:t>
+            </a:r>
+          </a:p>
+          <a:p>
+            <a:r>
+              <a:rPr lang="en-US"/>
+              <a:t>Understand </a:t>
+            </a:r>
+            <a:r>
               <a:rPr lang="en-US" dirty="0"/>
-              <a:t>Understand (at a high level) how a bonsai is produced</a:t>
+              <a:t>(at a high level) how a bonsai is produced</a:t>
             </a:r>
           </a:p>
           <a:p>

--- a/Courseware/Bonsai On A Budget (running).pptx
+++ b/Courseware/Bonsai On A Budget (running).pptx
@@ -31,6 +31,7 @@
     <p:sldId id="275" r:id="rId25"/>
     <p:sldId id="278" r:id="rId26"/>
     <p:sldId id="261" r:id="rId27"/>
+    <p:sldId id="285" r:id="rId28"/>
   </p:sldIdLst>
   <p:sldSz cx="12192000" cy="6858000"/>
   <p:notesSz cx="6858000" cy="9144000"/>
@@ -35896,6 +35897,5593 @@
 </p:sld>
 </file>
 
+<file path=ppt/slides/slide27.xml><?xml version="1.0" encoding="utf-8"?>
+<p:sld xmlns:a="http://schemas.openxmlformats.org/drawingml/2006/main" xmlns:r="http://schemas.openxmlformats.org/officeDocument/2006/relationships" xmlns:p="http://schemas.openxmlformats.org/presentationml/2006/main">
+  <p:cSld>
+    <p:spTree>
+      <p:nvGrpSpPr>
+        <p:cNvPr id="1" name=""/>
+        <p:cNvGrpSpPr/>
+        <p:nvPr/>
+      </p:nvGrpSpPr>
+      <p:grpSpPr>
+        <a:xfrm>
+          <a:off x="0" y="0"/>
+          <a:ext cx="0" cy="0"/>
+          <a:chOff x="0" y="0"/>
+          <a:chExt cx="0" cy="0"/>
+        </a:xfrm>
+      </p:grpSpPr>
+      <p:sp>
+        <p:nvSpPr>
+          <p:cNvPr id="4" name="Parallelogram 3">
+            <a:extLst>
+              <a:ext uri="{FF2B5EF4-FFF2-40B4-BE49-F238E27FC236}">
+                <a16:creationId xmlns:a16="http://schemas.microsoft.com/office/drawing/2014/main" id="{B64F6F81-92AB-7C0F-84F7-FAA6E5FC3CF2}"/>
+              </a:ext>
+            </a:extLst>
+          </p:cNvPr>
+          <p:cNvSpPr/>
+          <p:nvPr/>
+        </p:nvSpPr>
+        <p:spPr>
+          <a:xfrm>
+            <a:off x="6833360" y="-18874"/>
+            <a:ext cx="5069541" cy="6876874"/>
+          </a:xfrm>
+          <a:prstGeom prst="parallelogram">
+            <a:avLst>
+              <a:gd name="adj" fmla="val 19695"/>
+            </a:avLst>
+          </a:prstGeom>
+          <a:solidFill>
+            <a:schemeClr val="bg1"/>
+          </a:solidFill>
+          <a:ln>
+            <a:solidFill>
+              <a:schemeClr val="bg1"/>
+            </a:solidFill>
+          </a:ln>
+        </p:spPr>
+        <p:style>
+          <a:lnRef idx="2">
+            <a:schemeClr val="accent1">
+              <a:shade val="15000"/>
+            </a:schemeClr>
+          </a:lnRef>
+          <a:fillRef idx="1">
+            <a:schemeClr val="accent1"/>
+          </a:fillRef>
+          <a:effectRef idx="0">
+            <a:schemeClr val="accent1"/>
+          </a:effectRef>
+          <a:fontRef idx="minor">
+            <a:schemeClr val="lt1"/>
+          </a:fontRef>
+        </p:style>
+        <p:txBody>
+          <a:bodyPr rtlCol="0" anchor="ctr"/>
+          <a:lstStyle/>
+          <a:p>
+            <a:pPr algn="ctr"/>
+            <a:endParaRPr lang="en-GB"/>
+          </a:p>
+        </p:txBody>
+      </p:sp>
+      <p:sp>
+        <p:nvSpPr>
+          <p:cNvPr id="2" name="Title 1">
+            <a:extLst>
+              <a:ext uri="{FF2B5EF4-FFF2-40B4-BE49-F238E27FC236}">
+                <a16:creationId xmlns:a16="http://schemas.microsoft.com/office/drawing/2014/main" id="{701973DA-B0F9-E1A4-AE56-F1BD7BF4C677}"/>
+              </a:ext>
+            </a:extLst>
+          </p:cNvPr>
+          <p:cNvSpPr>
+            <a:spLocks noGrp="1"/>
+          </p:cNvSpPr>
+          <p:nvPr>
+            <p:ph type="title"/>
+          </p:nvPr>
+        </p:nvSpPr>
+        <p:spPr>
+          <a:xfrm>
+            <a:off x="677334" y="609599"/>
+            <a:ext cx="10107206" cy="1151965"/>
+          </a:xfrm>
+        </p:spPr>
+        <p:txBody>
+          <a:bodyPr>
+            <a:normAutofit/>
+          </a:bodyPr>
+          <a:lstStyle/>
+          <a:p>
+            <a:r>
+              <a:rPr lang="en-US" dirty="0"/>
+              <a:t>Wiring a Bonsai Pot</a:t>
+            </a:r>
+            <a:br>
+              <a:rPr lang="en-US" dirty="0"/>
+            </a:br>
+            <a:r>
+              <a:rPr lang="en-US" sz="2800" dirty="0"/>
+              <a:t>What could go wrong?</a:t>
+            </a:r>
+            <a:endParaRPr lang="en-GB" dirty="0"/>
+          </a:p>
+        </p:txBody>
+      </p:sp>
+      <p:sp>
+        <p:nvSpPr>
+          <p:cNvPr id="6" name="Rectangle: Rounded Corners 5">
+            <a:extLst>
+              <a:ext uri="{FF2B5EF4-FFF2-40B4-BE49-F238E27FC236}">
+                <a16:creationId xmlns:a16="http://schemas.microsoft.com/office/drawing/2014/main" id="{96E04AE0-7F6E-3209-9ABD-73480984CE23}"/>
+              </a:ext>
+            </a:extLst>
+          </p:cNvPr>
+          <p:cNvSpPr/>
+          <p:nvPr/>
+        </p:nvSpPr>
+        <p:spPr>
+          <a:xfrm>
+            <a:off x="969787" y="2896293"/>
+            <a:ext cx="2756647" cy="1713752"/>
+          </a:xfrm>
+          <a:prstGeom prst="roundRect">
+            <a:avLst/>
+          </a:prstGeom>
+          <a:solidFill>
+            <a:schemeClr val="tx2">
+              <a:lumMod val="60000"/>
+              <a:lumOff val="40000"/>
+            </a:schemeClr>
+          </a:solidFill>
+          <a:ln>
+            <a:noFill/>
+          </a:ln>
+        </p:spPr>
+        <p:style>
+          <a:lnRef idx="2">
+            <a:schemeClr val="accent1">
+              <a:shade val="15000"/>
+            </a:schemeClr>
+          </a:lnRef>
+          <a:fillRef idx="1">
+            <a:schemeClr val="accent1"/>
+          </a:fillRef>
+          <a:effectRef idx="0">
+            <a:schemeClr val="accent1"/>
+          </a:effectRef>
+          <a:fontRef idx="minor">
+            <a:schemeClr val="lt1"/>
+          </a:fontRef>
+        </p:style>
+        <p:txBody>
+          <a:bodyPr rtlCol="0" anchor="ctr"/>
+          <a:lstStyle/>
+          <a:p>
+            <a:pPr algn="ctr"/>
+            <a:endParaRPr lang="en-GB"/>
+          </a:p>
+        </p:txBody>
+      </p:sp>
+      <p:sp>
+        <p:nvSpPr>
+          <p:cNvPr id="7" name="Rectangle: Rounded Corners 6">
+            <a:extLst>
+              <a:ext uri="{FF2B5EF4-FFF2-40B4-BE49-F238E27FC236}">
+                <a16:creationId xmlns:a16="http://schemas.microsoft.com/office/drawing/2014/main" id="{059FC436-FBC8-C200-05EC-77B212162561}"/>
+              </a:ext>
+            </a:extLst>
+          </p:cNvPr>
+          <p:cNvSpPr/>
+          <p:nvPr/>
+        </p:nvSpPr>
+        <p:spPr>
+          <a:xfrm>
+            <a:off x="1144598" y="3092769"/>
+            <a:ext cx="2407024" cy="1320800"/>
+          </a:xfrm>
+          <a:prstGeom prst="roundRect">
+            <a:avLst/>
+          </a:prstGeom>
+          <a:solidFill>
+            <a:schemeClr val="tx2">
+              <a:lumMod val="40000"/>
+              <a:lumOff val="60000"/>
+            </a:schemeClr>
+          </a:solidFill>
+          <a:ln>
+            <a:noFill/>
+          </a:ln>
+        </p:spPr>
+        <p:style>
+          <a:lnRef idx="2">
+            <a:schemeClr val="accent1">
+              <a:shade val="15000"/>
+            </a:schemeClr>
+          </a:lnRef>
+          <a:fillRef idx="1">
+            <a:schemeClr val="accent1"/>
+          </a:fillRef>
+          <a:effectRef idx="0">
+            <a:schemeClr val="accent1"/>
+          </a:effectRef>
+          <a:fontRef idx="minor">
+            <a:schemeClr val="lt1"/>
+          </a:fontRef>
+        </p:style>
+        <p:txBody>
+          <a:bodyPr rtlCol="0" anchor="ctr"/>
+          <a:lstStyle/>
+          <a:p>
+            <a:pPr algn="ctr"/>
+            <a:endParaRPr lang="en-GB" dirty="0"/>
+          </a:p>
+        </p:txBody>
+      </p:sp>
+      <p:sp>
+        <p:nvSpPr>
+          <p:cNvPr id="8" name="Oval 7">
+            <a:extLst>
+              <a:ext uri="{FF2B5EF4-FFF2-40B4-BE49-F238E27FC236}">
+                <a16:creationId xmlns:a16="http://schemas.microsoft.com/office/drawing/2014/main" id="{EC817C04-335D-7557-74D9-0BF47A65E2C5}"/>
+              </a:ext>
+            </a:extLst>
+          </p:cNvPr>
+          <p:cNvSpPr/>
+          <p:nvPr/>
+        </p:nvSpPr>
+        <p:spPr>
+          <a:xfrm>
+            <a:off x="1876161" y="3281220"/>
+            <a:ext cx="943896" cy="943896"/>
+          </a:xfrm>
+          <a:prstGeom prst="ellipse">
+            <a:avLst/>
+          </a:prstGeom>
+          <a:pattFill prst="smGrid">
+            <a:fgClr>
+              <a:schemeClr val="tx1"/>
+            </a:fgClr>
+            <a:bgClr>
+              <a:schemeClr val="tx2">
+                <a:lumMod val="40000"/>
+                <a:lumOff val="60000"/>
+              </a:schemeClr>
+            </a:bgClr>
+          </a:pattFill>
+          <a:ln>
+            <a:noFill/>
+          </a:ln>
+        </p:spPr>
+        <p:style>
+          <a:lnRef idx="2">
+            <a:schemeClr val="accent1">
+              <a:shade val="15000"/>
+            </a:schemeClr>
+          </a:lnRef>
+          <a:fillRef idx="1">
+            <a:schemeClr val="accent1"/>
+          </a:fillRef>
+          <a:effectRef idx="0">
+            <a:schemeClr val="accent1"/>
+          </a:effectRef>
+          <a:fontRef idx="minor">
+            <a:schemeClr val="lt1"/>
+          </a:fontRef>
+        </p:style>
+        <p:txBody>
+          <a:bodyPr rtlCol="0" anchor="ctr"/>
+          <a:lstStyle/>
+          <a:p>
+            <a:pPr algn="ctr"/>
+            <a:endParaRPr lang="en-GB"/>
+          </a:p>
+        </p:txBody>
+      </p:sp>
+      <p:sp>
+        <p:nvSpPr>
+          <p:cNvPr id="9" name="Oval 8">
+            <a:extLst>
+              <a:ext uri="{FF2B5EF4-FFF2-40B4-BE49-F238E27FC236}">
+                <a16:creationId xmlns:a16="http://schemas.microsoft.com/office/drawing/2014/main" id="{00735D05-10DD-BA3B-5D27-89DF969441B9}"/>
+              </a:ext>
+            </a:extLst>
+          </p:cNvPr>
+          <p:cNvSpPr/>
+          <p:nvPr/>
+        </p:nvSpPr>
+        <p:spPr>
+          <a:xfrm>
+            <a:off x="2011933" y="3416992"/>
+            <a:ext cx="672353" cy="672353"/>
+          </a:xfrm>
+          <a:prstGeom prst="ellipse">
+            <a:avLst/>
+          </a:prstGeom>
+          <a:pattFill prst="smGrid">
+            <a:fgClr>
+              <a:schemeClr val="tx1"/>
+            </a:fgClr>
+            <a:bgClr>
+              <a:schemeClr val="bg1"/>
+            </a:bgClr>
+          </a:pattFill>
+          <a:ln>
+            <a:noFill/>
+          </a:ln>
+        </p:spPr>
+        <p:style>
+          <a:lnRef idx="2">
+            <a:schemeClr val="accent1">
+              <a:shade val="15000"/>
+            </a:schemeClr>
+          </a:lnRef>
+          <a:fillRef idx="1">
+            <a:schemeClr val="accent1"/>
+          </a:fillRef>
+          <a:effectRef idx="0">
+            <a:schemeClr val="accent1"/>
+          </a:effectRef>
+          <a:fontRef idx="minor">
+            <a:schemeClr val="lt1"/>
+          </a:fontRef>
+        </p:style>
+        <p:txBody>
+          <a:bodyPr rtlCol="0" anchor="ctr"/>
+          <a:lstStyle/>
+          <a:p>
+            <a:pPr algn="ctr"/>
+            <a:endParaRPr lang="en-GB"/>
+          </a:p>
+        </p:txBody>
+      </p:sp>
+      <p:cxnSp>
+        <p:nvCxnSpPr>
+          <p:cNvPr id="10" name="Straight Connector 9">
+            <a:extLst>
+              <a:ext uri="{FF2B5EF4-FFF2-40B4-BE49-F238E27FC236}">
+                <a16:creationId xmlns:a16="http://schemas.microsoft.com/office/drawing/2014/main" id="{21754F60-6732-D235-D782-A8436C7B6DE9}"/>
+              </a:ext>
+            </a:extLst>
+          </p:cNvPr>
+          <p:cNvCxnSpPr>
+            <a:stCxn id="9" idx="2"/>
+          </p:cNvCxnSpPr>
+          <p:nvPr/>
+        </p:nvCxnSpPr>
+        <p:spPr>
+          <a:xfrm flipV="1">
+            <a:off x="2011933" y="3753168"/>
+            <a:ext cx="672353" cy="1"/>
+          </a:xfrm>
+          <a:prstGeom prst="line">
+            <a:avLst/>
+          </a:prstGeom>
+          <a:ln w="50800">
+            <a:solidFill>
+              <a:schemeClr val="accent3"/>
+            </a:solidFill>
+          </a:ln>
+        </p:spPr>
+        <p:style>
+          <a:lnRef idx="3">
+            <a:schemeClr val="accent3"/>
+          </a:lnRef>
+          <a:fillRef idx="0">
+            <a:schemeClr val="accent3"/>
+          </a:fillRef>
+          <a:effectRef idx="2">
+            <a:schemeClr val="accent3"/>
+          </a:effectRef>
+          <a:fontRef idx="minor">
+            <a:schemeClr val="tx1"/>
+          </a:fontRef>
+        </p:style>
+      </p:cxnSp>
+      <p:cxnSp>
+        <p:nvCxnSpPr>
+          <p:cNvPr id="11" name="Straight Connector 10">
+            <a:extLst>
+              <a:ext uri="{FF2B5EF4-FFF2-40B4-BE49-F238E27FC236}">
+                <a16:creationId xmlns:a16="http://schemas.microsoft.com/office/drawing/2014/main" id="{0A410DA4-A247-5F3E-A06F-F7E8439164C4}"/>
+              </a:ext>
+            </a:extLst>
+          </p:cNvPr>
+          <p:cNvCxnSpPr>
+            <a:cxnSpLocks/>
+          </p:cNvCxnSpPr>
+          <p:nvPr/>
+        </p:nvCxnSpPr>
+        <p:spPr>
+          <a:xfrm>
+            <a:off x="2630499" y="3753167"/>
+            <a:ext cx="325330" cy="0"/>
+          </a:xfrm>
+          <a:prstGeom prst="line">
+            <a:avLst/>
+          </a:prstGeom>
+          <a:ln w="50800">
+            <a:solidFill>
+              <a:schemeClr val="accent3">
+                <a:lumMod val="50000"/>
+              </a:schemeClr>
+            </a:solidFill>
+          </a:ln>
+        </p:spPr>
+        <p:style>
+          <a:lnRef idx="3">
+            <a:schemeClr val="accent3"/>
+          </a:lnRef>
+          <a:fillRef idx="0">
+            <a:schemeClr val="accent3"/>
+          </a:fillRef>
+          <a:effectRef idx="2">
+            <a:schemeClr val="accent3"/>
+          </a:effectRef>
+          <a:fontRef idx="minor">
+            <a:schemeClr val="tx1"/>
+          </a:fontRef>
+        </p:style>
+      </p:cxnSp>
+      <p:cxnSp>
+        <p:nvCxnSpPr>
+          <p:cNvPr id="12" name="Straight Connector 11">
+            <a:extLst>
+              <a:ext uri="{FF2B5EF4-FFF2-40B4-BE49-F238E27FC236}">
+                <a16:creationId xmlns:a16="http://schemas.microsoft.com/office/drawing/2014/main" id="{43DB57BE-6F85-80F4-807E-4FC815181512}"/>
+              </a:ext>
+            </a:extLst>
+          </p:cNvPr>
+          <p:cNvCxnSpPr>
+            <a:cxnSpLocks/>
+          </p:cNvCxnSpPr>
+          <p:nvPr/>
+        </p:nvCxnSpPr>
+        <p:spPr>
+          <a:xfrm>
+            <a:off x="1713496" y="3752694"/>
+            <a:ext cx="325330" cy="0"/>
+          </a:xfrm>
+          <a:prstGeom prst="line">
+            <a:avLst/>
+          </a:prstGeom>
+          <a:ln w="50800">
+            <a:solidFill>
+              <a:schemeClr val="accent3">
+                <a:lumMod val="50000"/>
+              </a:schemeClr>
+            </a:solidFill>
+          </a:ln>
+        </p:spPr>
+        <p:style>
+          <a:lnRef idx="3">
+            <a:schemeClr val="accent3"/>
+          </a:lnRef>
+          <a:fillRef idx="0">
+            <a:schemeClr val="accent3"/>
+          </a:fillRef>
+          <a:effectRef idx="2">
+            <a:schemeClr val="accent3"/>
+          </a:effectRef>
+          <a:fontRef idx="minor">
+            <a:schemeClr val="tx1"/>
+          </a:fontRef>
+        </p:style>
+      </p:cxnSp>
+      <p:sp>
+        <p:nvSpPr>
+          <p:cNvPr id="13" name="Content Placeholder 2">
+            <a:extLst>
+              <a:ext uri="{FF2B5EF4-FFF2-40B4-BE49-F238E27FC236}">
+                <a16:creationId xmlns:a16="http://schemas.microsoft.com/office/drawing/2014/main" id="{4A4B71D3-413B-0D1D-3EE9-9CEEA61C86B3}"/>
+              </a:ext>
+            </a:extLst>
+          </p:cNvPr>
+          <p:cNvSpPr txBox="1">
+            <a:spLocks/>
+          </p:cNvSpPr>
+          <p:nvPr/>
+        </p:nvSpPr>
+        <p:spPr>
+          <a:xfrm>
+            <a:off x="677334" y="1765807"/>
+            <a:ext cx="3782124" cy="728806"/>
+          </a:xfrm>
+          <a:prstGeom prst="rect">
+            <a:avLst/>
+          </a:prstGeom>
+        </p:spPr>
+        <p:txBody>
+          <a:bodyPr vert="horz" lIns="91440" tIns="45720" rIns="91440" bIns="45720" rtlCol="0">
+            <a:normAutofit fontScale="92500" lnSpcReduction="10000"/>
+          </a:bodyPr>
+          <a:lstStyle>
+            <a:lvl1pPr marL="342900" indent="-342900" algn="l" defTabSz="457200" rtl="0" eaLnBrk="1" latinLnBrk="0" hangingPunct="1">
+              <a:spcBef>
+                <a:spcPts val="1000"/>
+              </a:spcBef>
+              <a:spcAft>
+                <a:spcPts val="0"/>
+              </a:spcAft>
+              <a:buClr>
+                <a:schemeClr val="accent1"/>
+              </a:buClr>
+              <a:buSzPct val="80000"/>
+              <a:buFont typeface="Wingdings 3" charset="2"/>
+              <a:buChar char=""/>
+              <a:defRPr sz="1800" kern="1200">
+                <a:solidFill>
+                  <a:schemeClr val="tx1">
+                    <a:lumMod val="75000"/>
+                    <a:lumOff val="25000"/>
+                  </a:schemeClr>
+                </a:solidFill>
+                <a:latin typeface="+mn-lt"/>
+                <a:ea typeface="+mn-ea"/>
+                <a:cs typeface="+mn-cs"/>
+              </a:defRPr>
+            </a:lvl1pPr>
+            <a:lvl2pPr marL="742950" indent="-285750" algn="l" defTabSz="457200" rtl="0" eaLnBrk="1" latinLnBrk="0" hangingPunct="1">
+              <a:spcBef>
+                <a:spcPts val="1000"/>
+              </a:spcBef>
+              <a:spcAft>
+                <a:spcPts val="0"/>
+              </a:spcAft>
+              <a:buClr>
+                <a:schemeClr val="accent1"/>
+              </a:buClr>
+              <a:buSzPct val="80000"/>
+              <a:buFont typeface="Wingdings 3" charset="2"/>
+              <a:buChar char=""/>
+              <a:defRPr sz="1600" kern="1200">
+                <a:solidFill>
+                  <a:schemeClr val="tx1">
+                    <a:lumMod val="75000"/>
+                    <a:lumOff val="25000"/>
+                  </a:schemeClr>
+                </a:solidFill>
+                <a:latin typeface="+mn-lt"/>
+                <a:ea typeface="+mn-ea"/>
+                <a:cs typeface="+mn-cs"/>
+              </a:defRPr>
+            </a:lvl2pPr>
+            <a:lvl3pPr marL="1143000" indent="-228600" algn="l" defTabSz="457200" rtl="0" eaLnBrk="1" latinLnBrk="0" hangingPunct="1">
+              <a:spcBef>
+                <a:spcPts val="1000"/>
+              </a:spcBef>
+              <a:spcAft>
+                <a:spcPts val="0"/>
+              </a:spcAft>
+              <a:buClr>
+                <a:schemeClr val="accent1"/>
+              </a:buClr>
+              <a:buSzPct val="80000"/>
+              <a:buFont typeface="Wingdings 3" charset="2"/>
+              <a:buChar char=""/>
+              <a:defRPr sz="1400" kern="1200">
+                <a:solidFill>
+                  <a:schemeClr val="tx1">
+                    <a:lumMod val="75000"/>
+                    <a:lumOff val="25000"/>
+                  </a:schemeClr>
+                </a:solidFill>
+                <a:latin typeface="+mn-lt"/>
+                <a:ea typeface="+mn-ea"/>
+                <a:cs typeface="+mn-cs"/>
+              </a:defRPr>
+            </a:lvl3pPr>
+            <a:lvl4pPr marL="1600200" indent="-228600" algn="l" defTabSz="457200" rtl="0" eaLnBrk="1" latinLnBrk="0" hangingPunct="1">
+              <a:spcBef>
+                <a:spcPts val="1000"/>
+              </a:spcBef>
+              <a:spcAft>
+                <a:spcPts val="0"/>
+              </a:spcAft>
+              <a:buClr>
+                <a:schemeClr val="accent1"/>
+              </a:buClr>
+              <a:buSzPct val="80000"/>
+              <a:buFont typeface="Wingdings 3" charset="2"/>
+              <a:buChar char=""/>
+              <a:defRPr sz="1200" kern="1200">
+                <a:solidFill>
+                  <a:schemeClr val="tx1">
+                    <a:lumMod val="75000"/>
+                    <a:lumOff val="25000"/>
+                  </a:schemeClr>
+                </a:solidFill>
+                <a:latin typeface="+mn-lt"/>
+                <a:ea typeface="+mn-ea"/>
+                <a:cs typeface="+mn-cs"/>
+              </a:defRPr>
+            </a:lvl4pPr>
+            <a:lvl5pPr marL="2057400" indent="-228600" algn="l" defTabSz="457200" rtl="0" eaLnBrk="1" latinLnBrk="0" hangingPunct="1">
+              <a:spcBef>
+                <a:spcPts val="1000"/>
+              </a:spcBef>
+              <a:spcAft>
+                <a:spcPts val="0"/>
+              </a:spcAft>
+              <a:buClr>
+                <a:schemeClr val="accent1"/>
+              </a:buClr>
+              <a:buSzPct val="80000"/>
+              <a:buFont typeface="Wingdings 3" charset="2"/>
+              <a:buChar char=""/>
+              <a:defRPr sz="1200" kern="1200">
+                <a:solidFill>
+                  <a:schemeClr val="tx1">
+                    <a:lumMod val="75000"/>
+                    <a:lumOff val="25000"/>
+                  </a:schemeClr>
+                </a:solidFill>
+                <a:latin typeface="+mn-lt"/>
+                <a:ea typeface="+mn-ea"/>
+                <a:cs typeface="+mn-cs"/>
+              </a:defRPr>
+            </a:lvl5pPr>
+            <a:lvl6pPr marL="2514600" indent="-228600" algn="l" defTabSz="457200" rtl="0" eaLnBrk="1" latinLnBrk="0" hangingPunct="1">
+              <a:spcBef>
+                <a:spcPts val="1000"/>
+              </a:spcBef>
+              <a:spcAft>
+                <a:spcPts val="0"/>
+              </a:spcAft>
+              <a:buClr>
+                <a:schemeClr val="accent1"/>
+              </a:buClr>
+              <a:buSzPct val="80000"/>
+              <a:buFont typeface="Wingdings 3" charset="2"/>
+              <a:buChar char=""/>
+              <a:defRPr sz="1200" kern="1200">
+                <a:solidFill>
+                  <a:schemeClr val="tx1">
+                    <a:lumMod val="75000"/>
+                    <a:lumOff val="25000"/>
+                  </a:schemeClr>
+                </a:solidFill>
+                <a:latin typeface="+mn-lt"/>
+                <a:ea typeface="+mn-ea"/>
+                <a:cs typeface="+mn-cs"/>
+              </a:defRPr>
+            </a:lvl6pPr>
+            <a:lvl7pPr marL="2971800" indent="-228600" algn="l" defTabSz="457200" rtl="0" eaLnBrk="1" latinLnBrk="0" hangingPunct="1">
+              <a:spcBef>
+                <a:spcPts val="1000"/>
+              </a:spcBef>
+              <a:spcAft>
+                <a:spcPts val="0"/>
+              </a:spcAft>
+              <a:buClr>
+                <a:schemeClr val="accent1"/>
+              </a:buClr>
+              <a:buSzPct val="80000"/>
+              <a:buFont typeface="Wingdings 3" charset="2"/>
+              <a:buChar char=""/>
+              <a:defRPr sz="1200" kern="1200">
+                <a:solidFill>
+                  <a:schemeClr val="tx1">
+                    <a:lumMod val="75000"/>
+                    <a:lumOff val="25000"/>
+                  </a:schemeClr>
+                </a:solidFill>
+                <a:latin typeface="+mn-lt"/>
+                <a:ea typeface="+mn-ea"/>
+                <a:cs typeface="+mn-cs"/>
+              </a:defRPr>
+            </a:lvl7pPr>
+            <a:lvl8pPr marL="3429000" indent="-228600" algn="l" defTabSz="457200" rtl="0" eaLnBrk="1" latinLnBrk="0" hangingPunct="1">
+              <a:spcBef>
+                <a:spcPts val="1000"/>
+              </a:spcBef>
+              <a:spcAft>
+                <a:spcPts val="0"/>
+              </a:spcAft>
+              <a:buClr>
+                <a:schemeClr val="accent1"/>
+              </a:buClr>
+              <a:buSzPct val="80000"/>
+              <a:buFont typeface="Wingdings 3" charset="2"/>
+              <a:buChar char=""/>
+              <a:defRPr sz="1200" kern="1200">
+                <a:solidFill>
+                  <a:schemeClr val="tx1">
+                    <a:lumMod val="75000"/>
+                    <a:lumOff val="25000"/>
+                  </a:schemeClr>
+                </a:solidFill>
+                <a:latin typeface="+mn-lt"/>
+                <a:ea typeface="+mn-ea"/>
+                <a:cs typeface="+mn-cs"/>
+              </a:defRPr>
+            </a:lvl8pPr>
+            <a:lvl9pPr marL="3886200" indent="-228600" algn="l" defTabSz="457200" rtl="0" eaLnBrk="1" latinLnBrk="0" hangingPunct="1">
+              <a:spcBef>
+                <a:spcPts val="1000"/>
+              </a:spcBef>
+              <a:spcAft>
+                <a:spcPts val="0"/>
+              </a:spcAft>
+              <a:buClr>
+                <a:schemeClr val="accent1"/>
+              </a:buClr>
+              <a:buSzPct val="80000"/>
+              <a:buFont typeface="Wingdings 3" charset="2"/>
+              <a:buChar char=""/>
+              <a:defRPr sz="1200" kern="1200">
+                <a:solidFill>
+                  <a:schemeClr val="tx1">
+                    <a:lumMod val="75000"/>
+                    <a:lumOff val="25000"/>
+                  </a:schemeClr>
+                </a:solidFill>
+                <a:latin typeface="+mn-lt"/>
+                <a:ea typeface="+mn-ea"/>
+                <a:cs typeface="+mn-cs"/>
+              </a:defRPr>
+            </a:lvl9pPr>
+          </a:lstStyle>
+          <a:p>
+            <a:pPr marL="0" indent="0">
+              <a:buFont typeface="Wingdings 3" charset="2"/>
+              <a:buNone/>
+            </a:pPr>
+            <a:r>
+              <a:rPr lang="en-US" b="1" dirty="0"/>
+              <a:t>Mesh &amp; Staple</a:t>
+            </a:r>
+          </a:p>
+          <a:p>
+            <a:pPr marL="0" indent="0">
+              <a:buFont typeface="Wingdings 3" charset="2"/>
+              <a:buNone/>
+            </a:pPr>
+            <a:r>
+              <a:rPr lang="en-US" dirty="0"/>
+              <a:t>(Plastic mesh, 2mm alum. wire)</a:t>
+            </a:r>
+          </a:p>
+        </p:txBody>
+      </p:sp>
+      <p:sp>
+        <p:nvSpPr>
+          <p:cNvPr id="14" name="Rectangle: Rounded Corners 13">
+            <a:extLst>
+              <a:ext uri="{FF2B5EF4-FFF2-40B4-BE49-F238E27FC236}">
+                <a16:creationId xmlns:a16="http://schemas.microsoft.com/office/drawing/2014/main" id="{011E81AF-E7BB-EBA8-971F-BF4A2EE8C7EB}"/>
+              </a:ext>
+            </a:extLst>
+          </p:cNvPr>
+          <p:cNvSpPr/>
+          <p:nvPr/>
+        </p:nvSpPr>
+        <p:spPr>
+          <a:xfrm>
+            <a:off x="5455036" y="2896293"/>
+            <a:ext cx="2756647" cy="1713752"/>
+          </a:xfrm>
+          <a:prstGeom prst="roundRect">
+            <a:avLst/>
+          </a:prstGeom>
+          <a:solidFill>
+            <a:schemeClr val="tx2">
+              <a:lumMod val="60000"/>
+              <a:lumOff val="40000"/>
+            </a:schemeClr>
+          </a:solidFill>
+          <a:ln>
+            <a:noFill/>
+          </a:ln>
+        </p:spPr>
+        <p:style>
+          <a:lnRef idx="2">
+            <a:schemeClr val="accent1">
+              <a:shade val="15000"/>
+            </a:schemeClr>
+          </a:lnRef>
+          <a:fillRef idx="1">
+            <a:schemeClr val="accent1"/>
+          </a:fillRef>
+          <a:effectRef idx="0">
+            <a:schemeClr val="accent1"/>
+          </a:effectRef>
+          <a:fontRef idx="minor">
+            <a:schemeClr val="lt1"/>
+          </a:fontRef>
+        </p:style>
+        <p:txBody>
+          <a:bodyPr rtlCol="0" anchor="ctr"/>
+          <a:lstStyle/>
+          <a:p>
+            <a:pPr algn="ctr"/>
+            <a:endParaRPr lang="en-GB"/>
+          </a:p>
+        </p:txBody>
+      </p:sp>
+      <p:sp>
+        <p:nvSpPr>
+          <p:cNvPr id="15" name="Rectangle: Rounded Corners 14">
+            <a:extLst>
+              <a:ext uri="{FF2B5EF4-FFF2-40B4-BE49-F238E27FC236}">
+                <a16:creationId xmlns:a16="http://schemas.microsoft.com/office/drawing/2014/main" id="{0FD1B102-EECA-4B77-8336-93A9141DC4EB}"/>
+              </a:ext>
+            </a:extLst>
+          </p:cNvPr>
+          <p:cNvSpPr/>
+          <p:nvPr/>
+        </p:nvSpPr>
+        <p:spPr>
+          <a:xfrm>
+            <a:off x="5629847" y="3092769"/>
+            <a:ext cx="2407024" cy="1320800"/>
+          </a:xfrm>
+          <a:prstGeom prst="roundRect">
+            <a:avLst/>
+          </a:prstGeom>
+          <a:solidFill>
+            <a:schemeClr val="tx2">
+              <a:lumMod val="40000"/>
+              <a:lumOff val="60000"/>
+            </a:schemeClr>
+          </a:solidFill>
+          <a:ln>
+            <a:noFill/>
+          </a:ln>
+        </p:spPr>
+        <p:style>
+          <a:lnRef idx="2">
+            <a:schemeClr val="accent1">
+              <a:shade val="15000"/>
+            </a:schemeClr>
+          </a:lnRef>
+          <a:fillRef idx="1">
+            <a:schemeClr val="accent1"/>
+          </a:fillRef>
+          <a:effectRef idx="0">
+            <a:schemeClr val="accent1"/>
+          </a:effectRef>
+          <a:fontRef idx="minor">
+            <a:schemeClr val="lt1"/>
+          </a:fontRef>
+        </p:style>
+        <p:txBody>
+          <a:bodyPr rtlCol="0" anchor="ctr"/>
+          <a:lstStyle/>
+          <a:p>
+            <a:pPr algn="ctr"/>
+            <a:endParaRPr lang="en-GB" dirty="0"/>
+          </a:p>
+        </p:txBody>
+      </p:sp>
+      <p:sp>
+        <p:nvSpPr>
+          <p:cNvPr id="16" name="Oval 15">
+            <a:extLst>
+              <a:ext uri="{FF2B5EF4-FFF2-40B4-BE49-F238E27FC236}">
+                <a16:creationId xmlns:a16="http://schemas.microsoft.com/office/drawing/2014/main" id="{24B1E828-6DBE-E3E4-A1C0-652C66E2EFF8}"/>
+              </a:ext>
+            </a:extLst>
+          </p:cNvPr>
+          <p:cNvSpPr/>
+          <p:nvPr/>
+        </p:nvSpPr>
+        <p:spPr>
+          <a:xfrm>
+            <a:off x="6361410" y="3281220"/>
+            <a:ext cx="943896" cy="943896"/>
+          </a:xfrm>
+          <a:prstGeom prst="ellipse">
+            <a:avLst/>
+          </a:prstGeom>
+          <a:pattFill prst="smGrid">
+            <a:fgClr>
+              <a:schemeClr val="tx1"/>
+            </a:fgClr>
+            <a:bgClr>
+              <a:schemeClr val="tx2">
+                <a:lumMod val="40000"/>
+                <a:lumOff val="60000"/>
+              </a:schemeClr>
+            </a:bgClr>
+          </a:pattFill>
+          <a:ln>
+            <a:noFill/>
+          </a:ln>
+        </p:spPr>
+        <p:style>
+          <a:lnRef idx="2">
+            <a:schemeClr val="accent1">
+              <a:shade val="15000"/>
+            </a:schemeClr>
+          </a:lnRef>
+          <a:fillRef idx="1">
+            <a:schemeClr val="accent1"/>
+          </a:fillRef>
+          <a:effectRef idx="0">
+            <a:schemeClr val="accent1"/>
+          </a:effectRef>
+          <a:fontRef idx="minor">
+            <a:schemeClr val="lt1"/>
+          </a:fontRef>
+        </p:style>
+        <p:txBody>
+          <a:bodyPr rtlCol="0" anchor="ctr"/>
+          <a:lstStyle/>
+          <a:p>
+            <a:pPr algn="ctr"/>
+            <a:endParaRPr lang="en-GB"/>
+          </a:p>
+        </p:txBody>
+      </p:sp>
+      <p:sp>
+        <p:nvSpPr>
+          <p:cNvPr id="17" name="Oval 16">
+            <a:extLst>
+              <a:ext uri="{FF2B5EF4-FFF2-40B4-BE49-F238E27FC236}">
+                <a16:creationId xmlns:a16="http://schemas.microsoft.com/office/drawing/2014/main" id="{C769894A-17F9-B18E-4296-AA15240CDBA8}"/>
+              </a:ext>
+            </a:extLst>
+          </p:cNvPr>
+          <p:cNvSpPr/>
+          <p:nvPr/>
+        </p:nvSpPr>
+        <p:spPr>
+          <a:xfrm>
+            <a:off x="6497182" y="3416992"/>
+            <a:ext cx="672353" cy="672353"/>
+          </a:xfrm>
+          <a:prstGeom prst="ellipse">
+            <a:avLst/>
+          </a:prstGeom>
+          <a:pattFill prst="smGrid">
+            <a:fgClr>
+              <a:schemeClr val="tx1"/>
+            </a:fgClr>
+            <a:bgClr>
+              <a:schemeClr val="bg1"/>
+            </a:bgClr>
+          </a:pattFill>
+          <a:ln>
+            <a:noFill/>
+          </a:ln>
+        </p:spPr>
+        <p:style>
+          <a:lnRef idx="2">
+            <a:schemeClr val="accent1">
+              <a:shade val="15000"/>
+            </a:schemeClr>
+          </a:lnRef>
+          <a:fillRef idx="1">
+            <a:schemeClr val="accent1"/>
+          </a:fillRef>
+          <a:effectRef idx="0">
+            <a:schemeClr val="accent1"/>
+          </a:effectRef>
+          <a:fontRef idx="minor">
+            <a:schemeClr val="lt1"/>
+          </a:fontRef>
+        </p:style>
+        <p:txBody>
+          <a:bodyPr rtlCol="0" anchor="ctr"/>
+          <a:lstStyle/>
+          <a:p>
+            <a:pPr algn="ctr"/>
+            <a:endParaRPr lang="en-GB"/>
+          </a:p>
+        </p:txBody>
+      </p:sp>
+      <p:cxnSp>
+        <p:nvCxnSpPr>
+          <p:cNvPr id="18" name="Straight Connector 17">
+            <a:extLst>
+              <a:ext uri="{FF2B5EF4-FFF2-40B4-BE49-F238E27FC236}">
+                <a16:creationId xmlns:a16="http://schemas.microsoft.com/office/drawing/2014/main" id="{8EE373AD-6B80-9B02-0738-E1D8B5A9F4C0}"/>
+              </a:ext>
+            </a:extLst>
+          </p:cNvPr>
+          <p:cNvCxnSpPr>
+            <a:stCxn id="17" idx="2"/>
+          </p:cNvCxnSpPr>
+          <p:nvPr/>
+        </p:nvCxnSpPr>
+        <p:spPr>
+          <a:xfrm flipV="1">
+            <a:off x="6497182" y="3753168"/>
+            <a:ext cx="672353" cy="1"/>
+          </a:xfrm>
+          <a:prstGeom prst="line">
+            <a:avLst/>
+          </a:prstGeom>
+          <a:ln w="50800">
+            <a:solidFill>
+              <a:schemeClr val="accent3"/>
+            </a:solidFill>
+          </a:ln>
+        </p:spPr>
+        <p:style>
+          <a:lnRef idx="3">
+            <a:schemeClr val="accent3"/>
+          </a:lnRef>
+          <a:fillRef idx="0">
+            <a:schemeClr val="accent3"/>
+          </a:fillRef>
+          <a:effectRef idx="2">
+            <a:schemeClr val="accent3"/>
+          </a:effectRef>
+          <a:fontRef idx="minor">
+            <a:schemeClr val="tx1"/>
+          </a:fontRef>
+        </p:style>
+      </p:cxnSp>
+      <p:cxnSp>
+        <p:nvCxnSpPr>
+          <p:cNvPr id="19" name="Straight Connector 18">
+            <a:extLst>
+              <a:ext uri="{FF2B5EF4-FFF2-40B4-BE49-F238E27FC236}">
+                <a16:creationId xmlns:a16="http://schemas.microsoft.com/office/drawing/2014/main" id="{E1BC597F-FDC2-E749-CDA9-E82598A36F8F}"/>
+              </a:ext>
+            </a:extLst>
+          </p:cNvPr>
+          <p:cNvCxnSpPr>
+            <a:cxnSpLocks/>
+          </p:cNvCxnSpPr>
+          <p:nvPr/>
+        </p:nvCxnSpPr>
+        <p:spPr>
+          <a:xfrm>
+            <a:off x="7115748" y="3753167"/>
+            <a:ext cx="325330" cy="0"/>
+          </a:xfrm>
+          <a:prstGeom prst="line">
+            <a:avLst/>
+          </a:prstGeom>
+          <a:ln w="50800">
+            <a:solidFill>
+              <a:schemeClr val="accent3">
+                <a:lumMod val="50000"/>
+              </a:schemeClr>
+            </a:solidFill>
+          </a:ln>
+        </p:spPr>
+        <p:style>
+          <a:lnRef idx="3">
+            <a:schemeClr val="accent3"/>
+          </a:lnRef>
+          <a:fillRef idx="0">
+            <a:schemeClr val="accent3"/>
+          </a:fillRef>
+          <a:effectRef idx="2">
+            <a:schemeClr val="accent3"/>
+          </a:effectRef>
+          <a:fontRef idx="minor">
+            <a:schemeClr val="tx1"/>
+          </a:fontRef>
+        </p:style>
+      </p:cxnSp>
+      <p:cxnSp>
+        <p:nvCxnSpPr>
+          <p:cNvPr id="20" name="Straight Connector 19">
+            <a:extLst>
+              <a:ext uri="{FF2B5EF4-FFF2-40B4-BE49-F238E27FC236}">
+                <a16:creationId xmlns:a16="http://schemas.microsoft.com/office/drawing/2014/main" id="{AD006556-8608-6A0A-B228-EBB606A13F2D}"/>
+              </a:ext>
+            </a:extLst>
+          </p:cNvPr>
+          <p:cNvCxnSpPr>
+            <a:cxnSpLocks/>
+          </p:cNvCxnSpPr>
+          <p:nvPr/>
+        </p:nvCxnSpPr>
+        <p:spPr>
+          <a:xfrm>
+            <a:off x="6198745" y="3752694"/>
+            <a:ext cx="325330" cy="0"/>
+          </a:xfrm>
+          <a:prstGeom prst="line">
+            <a:avLst/>
+          </a:prstGeom>
+          <a:ln w="50800">
+            <a:solidFill>
+              <a:schemeClr val="accent3">
+                <a:lumMod val="50000"/>
+              </a:schemeClr>
+            </a:solidFill>
+          </a:ln>
+        </p:spPr>
+        <p:style>
+          <a:lnRef idx="3">
+            <a:schemeClr val="accent3"/>
+          </a:lnRef>
+          <a:fillRef idx="0">
+            <a:schemeClr val="accent3"/>
+          </a:fillRef>
+          <a:effectRef idx="2">
+            <a:schemeClr val="accent3"/>
+          </a:effectRef>
+          <a:fontRef idx="minor">
+            <a:schemeClr val="tx1"/>
+          </a:fontRef>
+        </p:style>
+      </p:cxnSp>
+      <p:sp>
+        <p:nvSpPr>
+          <p:cNvPr id="21" name="Content Placeholder 2">
+            <a:extLst>
+              <a:ext uri="{FF2B5EF4-FFF2-40B4-BE49-F238E27FC236}">
+                <a16:creationId xmlns:a16="http://schemas.microsoft.com/office/drawing/2014/main" id="{6611E626-EA52-751A-4E30-66F8E7A09D2F}"/>
+              </a:ext>
+            </a:extLst>
+          </p:cNvPr>
+          <p:cNvSpPr txBox="1">
+            <a:spLocks/>
+          </p:cNvSpPr>
+          <p:nvPr/>
+        </p:nvSpPr>
+        <p:spPr>
+          <a:xfrm>
+            <a:off x="5090581" y="1761564"/>
+            <a:ext cx="4728668" cy="724553"/>
+          </a:xfrm>
+          <a:prstGeom prst="rect">
+            <a:avLst/>
+          </a:prstGeom>
+        </p:spPr>
+        <p:txBody>
+          <a:bodyPr vert="horz" lIns="91440" tIns="45720" rIns="91440" bIns="45720" rtlCol="0">
+            <a:normAutofit lnSpcReduction="10000"/>
+          </a:bodyPr>
+          <a:lstStyle>
+            <a:lvl1pPr marL="342900" indent="-342900" algn="l" defTabSz="457200" rtl="0" eaLnBrk="1" latinLnBrk="0" hangingPunct="1">
+              <a:spcBef>
+                <a:spcPts val="1000"/>
+              </a:spcBef>
+              <a:spcAft>
+                <a:spcPts val="0"/>
+              </a:spcAft>
+              <a:buClr>
+                <a:schemeClr val="accent1"/>
+              </a:buClr>
+              <a:buSzPct val="80000"/>
+              <a:buFont typeface="Wingdings 3" charset="2"/>
+              <a:buChar char=""/>
+              <a:defRPr sz="1800" kern="1200">
+                <a:solidFill>
+                  <a:schemeClr val="tx1">
+                    <a:lumMod val="75000"/>
+                    <a:lumOff val="25000"/>
+                  </a:schemeClr>
+                </a:solidFill>
+                <a:latin typeface="+mn-lt"/>
+                <a:ea typeface="+mn-ea"/>
+                <a:cs typeface="+mn-cs"/>
+              </a:defRPr>
+            </a:lvl1pPr>
+            <a:lvl2pPr marL="742950" indent="-285750" algn="l" defTabSz="457200" rtl="0" eaLnBrk="1" latinLnBrk="0" hangingPunct="1">
+              <a:spcBef>
+                <a:spcPts val="1000"/>
+              </a:spcBef>
+              <a:spcAft>
+                <a:spcPts val="0"/>
+              </a:spcAft>
+              <a:buClr>
+                <a:schemeClr val="accent1"/>
+              </a:buClr>
+              <a:buSzPct val="80000"/>
+              <a:buFont typeface="Wingdings 3" charset="2"/>
+              <a:buChar char=""/>
+              <a:defRPr sz="1600" kern="1200">
+                <a:solidFill>
+                  <a:schemeClr val="tx1">
+                    <a:lumMod val="75000"/>
+                    <a:lumOff val="25000"/>
+                  </a:schemeClr>
+                </a:solidFill>
+                <a:latin typeface="+mn-lt"/>
+                <a:ea typeface="+mn-ea"/>
+                <a:cs typeface="+mn-cs"/>
+              </a:defRPr>
+            </a:lvl2pPr>
+            <a:lvl3pPr marL="1143000" indent="-228600" algn="l" defTabSz="457200" rtl="0" eaLnBrk="1" latinLnBrk="0" hangingPunct="1">
+              <a:spcBef>
+                <a:spcPts val="1000"/>
+              </a:spcBef>
+              <a:spcAft>
+                <a:spcPts val="0"/>
+              </a:spcAft>
+              <a:buClr>
+                <a:schemeClr val="accent1"/>
+              </a:buClr>
+              <a:buSzPct val="80000"/>
+              <a:buFont typeface="Wingdings 3" charset="2"/>
+              <a:buChar char=""/>
+              <a:defRPr sz="1400" kern="1200">
+                <a:solidFill>
+                  <a:schemeClr val="tx1">
+                    <a:lumMod val="75000"/>
+                    <a:lumOff val="25000"/>
+                  </a:schemeClr>
+                </a:solidFill>
+                <a:latin typeface="+mn-lt"/>
+                <a:ea typeface="+mn-ea"/>
+                <a:cs typeface="+mn-cs"/>
+              </a:defRPr>
+            </a:lvl3pPr>
+            <a:lvl4pPr marL="1600200" indent="-228600" algn="l" defTabSz="457200" rtl="0" eaLnBrk="1" latinLnBrk="0" hangingPunct="1">
+              <a:spcBef>
+                <a:spcPts val="1000"/>
+              </a:spcBef>
+              <a:spcAft>
+                <a:spcPts val="0"/>
+              </a:spcAft>
+              <a:buClr>
+                <a:schemeClr val="accent1"/>
+              </a:buClr>
+              <a:buSzPct val="80000"/>
+              <a:buFont typeface="Wingdings 3" charset="2"/>
+              <a:buChar char=""/>
+              <a:defRPr sz="1200" kern="1200">
+                <a:solidFill>
+                  <a:schemeClr val="tx1">
+                    <a:lumMod val="75000"/>
+                    <a:lumOff val="25000"/>
+                  </a:schemeClr>
+                </a:solidFill>
+                <a:latin typeface="+mn-lt"/>
+                <a:ea typeface="+mn-ea"/>
+                <a:cs typeface="+mn-cs"/>
+              </a:defRPr>
+            </a:lvl4pPr>
+            <a:lvl5pPr marL="2057400" indent="-228600" algn="l" defTabSz="457200" rtl="0" eaLnBrk="1" latinLnBrk="0" hangingPunct="1">
+              <a:spcBef>
+                <a:spcPts val="1000"/>
+              </a:spcBef>
+              <a:spcAft>
+                <a:spcPts val="0"/>
+              </a:spcAft>
+              <a:buClr>
+                <a:schemeClr val="accent1"/>
+              </a:buClr>
+              <a:buSzPct val="80000"/>
+              <a:buFont typeface="Wingdings 3" charset="2"/>
+              <a:buChar char=""/>
+              <a:defRPr sz="1200" kern="1200">
+                <a:solidFill>
+                  <a:schemeClr val="tx1">
+                    <a:lumMod val="75000"/>
+                    <a:lumOff val="25000"/>
+                  </a:schemeClr>
+                </a:solidFill>
+                <a:latin typeface="+mn-lt"/>
+                <a:ea typeface="+mn-ea"/>
+                <a:cs typeface="+mn-cs"/>
+              </a:defRPr>
+            </a:lvl5pPr>
+            <a:lvl6pPr marL="2514600" indent="-228600" algn="l" defTabSz="457200" rtl="0" eaLnBrk="1" latinLnBrk="0" hangingPunct="1">
+              <a:spcBef>
+                <a:spcPts val="1000"/>
+              </a:spcBef>
+              <a:spcAft>
+                <a:spcPts val="0"/>
+              </a:spcAft>
+              <a:buClr>
+                <a:schemeClr val="accent1"/>
+              </a:buClr>
+              <a:buSzPct val="80000"/>
+              <a:buFont typeface="Wingdings 3" charset="2"/>
+              <a:buChar char=""/>
+              <a:defRPr sz="1200" kern="1200">
+                <a:solidFill>
+                  <a:schemeClr val="tx1">
+                    <a:lumMod val="75000"/>
+                    <a:lumOff val="25000"/>
+                  </a:schemeClr>
+                </a:solidFill>
+                <a:latin typeface="+mn-lt"/>
+                <a:ea typeface="+mn-ea"/>
+                <a:cs typeface="+mn-cs"/>
+              </a:defRPr>
+            </a:lvl6pPr>
+            <a:lvl7pPr marL="2971800" indent="-228600" algn="l" defTabSz="457200" rtl="0" eaLnBrk="1" latinLnBrk="0" hangingPunct="1">
+              <a:spcBef>
+                <a:spcPts val="1000"/>
+              </a:spcBef>
+              <a:spcAft>
+                <a:spcPts val="0"/>
+              </a:spcAft>
+              <a:buClr>
+                <a:schemeClr val="accent1"/>
+              </a:buClr>
+              <a:buSzPct val="80000"/>
+              <a:buFont typeface="Wingdings 3" charset="2"/>
+              <a:buChar char=""/>
+              <a:defRPr sz="1200" kern="1200">
+                <a:solidFill>
+                  <a:schemeClr val="tx1">
+                    <a:lumMod val="75000"/>
+                    <a:lumOff val="25000"/>
+                  </a:schemeClr>
+                </a:solidFill>
+                <a:latin typeface="+mn-lt"/>
+                <a:ea typeface="+mn-ea"/>
+                <a:cs typeface="+mn-cs"/>
+              </a:defRPr>
+            </a:lvl7pPr>
+            <a:lvl8pPr marL="3429000" indent="-228600" algn="l" defTabSz="457200" rtl="0" eaLnBrk="1" latinLnBrk="0" hangingPunct="1">
+              <a:spcBef>
+                <a:spcPts val="1000"/>
+              </a:spcBef>
+              <a:spcAft>
+                <a:spcPts val="0"/>
+              </a:spcAft>
+              <a:buClr>
+                <a:schemeClr val="accent1"/>
+              </a:buClr>
+              <a:buSzPct val="80000"/>
+              <a:buFont typeface="Wingdings 3" charset="2"/>
+              <a:buChar char=""/>
+              <a:defRPr sz="1200" kern="1200">
+                <a:solidFill>
+                  <a:schemeClr val="tx1">
+                    <a:lumMod val="75000"/>
+                    <a:lumOff val="25000"/>
+                  </a:schemeClr>
+                </a:solidFill>
+                <a:latin typeface="+mn-lt"/>
+                <a:ea typeface="+mn-ea"/>
+                <a:cs typeface="+mn-cs"/>
+              </a:defRPr>
+            </a:lvl8pPr>
+            <a:lvl9pPr marL="3886200" indent="-228600" algn="l" defTabSz="457200" rtl="0" eaLnBrk="1" latinLnBrk="0" hangingPunct="1">
+              <a:spcBef>
+                <a:spcPts val="1000"/>
+              </a:spcBef>
+              <a:spcAft>
+                <a:spcPts val="0"/>
+              </a:spcAft>
+              <a:buClr>
+                <a:schemeClr val="accent1"/>
+              </a:buClr>
+              <a:buSzPct val="80000"/>
+              <a:buFont typeface="Wingdings 3" charset="2"/>
+              <a:buChar char=""/>
+              <a:defRPr sz="1200" kern="1200">
+                <a:solidFill>
+                  <a:schemeClr val="tx1">
+                    <a:lumMod val="75000"/>
+                    <a:lumOff val="25000"/>
+                  </a:schemeClr>
+                </a:solidFill>
+                <a:latin typeface="+mn-lt"/>
+                <a:ea typeface="+mn-ea"/>
+                <a:cs typeface="+mn-cs"/>
+              </a:defRPr>
+            </a:lvl9pPr>
+          </a:lstStyle>
+          <a:p>
+            <a:pPr marL="0" indent="0">
+              <a:buFont typeface="Wingdings 3" charset="2"/>
+              <a:buNone/>
+            </a:pPr>
+            <a:r>
+              <a:rPr lang="en-US" b="1" dirty="0"/>
+              <a:t>Guy wires</a:t>
+            </a:r>
+          </a:p>
+          <a:p>
+            <a:pPr marL="0" indent="0">
+              <a:buFont typeface="Wingdings 3" charset="2"/>
+              <a:buNone/>
+            </a:pPr>
+            <a:r>
+              <a:rPr lang="en-US" dirty="0"/>
+              <a:t>(1.5mm alum. wire x 2)</a:t>
+            </a:r>
+          </a:p>
+        </p:txBody>
+      </p:sp>
+      <p:cxnSp>
+        <p:nvCxnSpPr>
+          <p:cNvPr id="25" name="Straight Arrow Connector 24">
+            <a:extLst>
+              <a:ext uri="{FF2B5EF4-FFF2-40B4-BE49-F238E27FC236}">
+                <a16:creationId xmlns:a16="http://schemas.microsoft.com/office/drawing/2014/main" id="{83CC1F30-384E-4767-41A8-A9EC83EC9A12}"/>
+              </a:ext>
+            </a:extLst>
+          </p:cNvPr>
+          <p:cNvCxnSpPr>
+            <a:cxnSpLocks/>
+          </p:cNvCxnSpPr>
+          <p:nvPr/>
+        </p:nvCxnSpPr>
+        <p:spPr>
+          <a:xfrm>
+            <a:off x="1467394" y="2818303"/>
+            <a:ext cx="853820" cy="934391"/>
+          </a:xfrm>
+          <a:prstGeom prst="straightConnector1">
+            <a:avLst/>
+          </a:prstGeom>
+          <a:ln w="31750">
+            <a:tailEnd type="triangle"/>
+          </a:ln>
+        </p:spPr>
+        <p:style>
+          <a:lnRef idx="1">
+            <a:schemeClr val="dk1"/>
+          </a:lnRef>
+          <a:fillRef idx="0">
+            <a:schemeClr val="dk1"/>
+          </a:fillRef>
+          <a:effectRef idx="0">
+            <a:schemeClr val="dk1"/>
+          </a:effectRef>
+          <a:fontRef idx="minor">
+            <a:schemeClr val="tx1"/>
+          </a:fontRef>
+        </p:style>
+      </p:cxnSp>
+      <p:sp>
+        <p:nvSpPr>
+          <p:cNvPr id="30" name="Content Placeholder 2">
+            <a:extLst>
+              <a:ext uri="{FF2B5EF4-FFF2-40B4-BE49-F238E27FC236}">
+                <a16:creationId xmlns:a16="http://schemas.microsoft.com/office/drawing/2014/main" id="{FF03EB65-89B9-0E14-1095-1CF0D71519C3}"/>
+              </a:ext>
+            </a:extLst>
+          </p:cNvPr>
+          <p:cNvSpPr txBox="1">
+            <a:spLocks/>
+          </p:cNvSpPr>
+          <p:nvPr/>
+        </p:nvSpPr>
+        <p:spPr>
+          <a:xfrm>
+            <a:off x="2422102" y="2576433"/>
+            <a:ext cx="2259040" cy="418098"/>
+          </a:xfrm>
+          <a:prstGeom prst="rect">
+            <a:avLst/>
+          </a:prstGeom>
+        </p:spPr>
+        <p:txBody>
+          <a:bodyPr vert="horz" lIns="91440" tIns="45720" rIns="91440" bIns="45720" rtlCol="0">
+            <a:normAutofit/>
+          </a:bodyPr>
+          <a:lstStyle>
+            <a:lvl1pPr marL="342900" indent="-342900" algn="l" defTabSz="457200" rtl="0" eaLnBrk="1" latinLnBrk="0" hangingPunct="1">
+              <a:spcBef>
+                <a:spcPts val="1000"/>
+              </a:spcBef>
+              <a:spcAft>
+                <a:spcPts val="0"/>
+              </a:spcAft>
+              <a:buClr>
+                <a:schemeClr val="accent1"/>
+              </a:buClr>
+              <a:buSzPct val="80000"/>
+              <a:buFont typeface="Wingdings 3" charset="2"/>
+              <a:buChar char=""/>
+              <a:defRPr sz="1800" kern="1200">
+                <a:solidFill>
+                  <a:schemeClr val="tx1">
+                    <a:lumMod val="75000"/>
+                    <a:lumOff val="25000"/>
+                  </a:schemeClr>
+                </a:solidFill>
+                <a:latin typeface="+mn-lt"/>
+                <a:ea typeface="+mn-ea"/>
+                <a:cs typeface="+mn-cs"/>
+              </a:defRPr>
+            </a:lvl1pPr>
+            <a:lvl2pPr marL="742950" indent="-285750" algn="l" defTabSz="457200" rtl="0" eaLnBrk="1" latinLnBrk="0" hangingPunct="1">
+              <a:spcBef>
+                <a:spcPts val="1000"/>
+              </a:spcBef>
+              <a:spcAft>
+                <a:spcPts val="0"/>
+              </a:spcAft>
+              <a:buClr>
+                <a:schemeClr val="accent1"/>
+              </a:buClr>
+              <a:buSzPct val="80000"/>
+              <a:buFont typeface="Wingdings 3" charset="2"/>
+              <a:buChar char=""/>
+              <a:defRPr sz="1600" kern="1200">
+                <a:solidFill>
+                  <a:schemeClr val="tx1">
+                    <a:lumMod val="75000"/>
+                    <a:lumOff val="25000"/>
+                  </a:schemeClr>
+                </a:solidFill>
+                <a:latin typeface="+mn-lt"/>
+                <a:ea typeface="+mn-ea"/>
+                <a:cs typeface="+mn-cs"/>
+              </a:defRPr>
+            </a:lvl2pPr>
+            <a:lvl3pPr marL="1143000" indent="-228600" algn="l" defTabSz="457200" rtl="0" eaLnBrk="1" latinLnBrk="0" hangingPunct="1">
+              <a:spcBef>
+                <a:spcPts val="1000"/>
+              </a:spcBef>
+              <a:spcAft>
+                <a:spcPts val="0"/>
+              </a:spcAft>
+              <a:buClr>
+                <a:schemeClr val="accent1"/>
+              </a:buClr>
+              <a:buSzPct val="80000"/>
+              <a:buFont typeface="Wingdings 3" charset="2"/>
+              <a:buChar char=""/>
+              <a:defRPr sz="1400" kern="1200">
+                <a:solidFill>
+                  <a:schemeClr val="tx1">
+                    <a:lumMod val="75000"/>
+                    <a:lumOff val="25000"/>
+                  </a:schemeClr>
+                </a:solidFill>
+                <a:latin typeface="+mn-lt"/>
+                <a:ea typeface="+mn-ea"/>
+                <a:cs typeface="+mn-cs"/>
+              </a:defRPr>
+            </a:lvl3pPr>
+            <a:lvl4pPr marL="1600200" indent="-228600" algn="l" defTabSz="457200" rtl="0" eaLnBrk="1" latinLnBrk="0" hangingPunct="1">
+              <a:spcBef>
+                <a:spcPts val="1000"/>
+              </a:spcBef>
+              <a:spcAft>
+                <a:spcPts val="0"/>
+              </a:spcAft>
+              <a:buClr>
+                <a:schemeClr val="accent1"/>
+              </a:buClr>
+              <a:buSzPct val="80000"/>
+              <a:buFont typeface="Wingdings 3" charset="2"/>
+              <a:buChar char=""/>
+              <a:defRPr sz="1200" kern="1200">
+                <a:solidFill>
+                  <a:schemeClr val="tx1">
+                    <a:lumMod val="75000"/>
+                    <a:lumOff val="25000"/>
+                  </a:schemeClr>
+                </a:solidFill>
+                <a:latin typeface="+mn-lt"/>
+                <a:ea typeface="+mn-ea"/>
+                <a:cs typeface="+mn-cs"/>
+              </a:defRPr>
+            </a:lvl4pPr>
+            <a:lvl5pPr marL="2057400" indent="-228600" algn="l" defTabSz="457200" rtl="0" eaLnBrk="1" latinLnBrk="0" hangingPunct="1">
+              <a:spcBef>
+                <a:spcPts val="1000"/>
+              </a:spcBef>
+              <a:spcAft>
+                <a:spcPts val="0"/>
+              </a:spcAft>
+              <a:buClr>
+                <a:schemeClr val="accent1"/>
+              </a:buClr>
+              <a:buSzPct val="80000"/>
+              <a:buFont typeface="Wingdings 3" charset="2"/>
+              <a:buChar char=""/>
+              <a:defRPr sz="1200" kern="1200">
+                <a:solidFill>
+                  <a:schemeClr val="tx1">
+                    <a:lumMod val="75000"/>
+                    <a:lumOff val="25000"/>
+                  </a:schemeClr>
+                </a:solidFill>
+                <a:latin typeface="+mn-lt"/>
+                <a:ea typeface="+mn-ea"/>
+                <a:cs typeface="+mn-cs"/>
+              </a:defRPr>
+            </a:lvl5pPr>
+            <a:lvl6pPr marL="2514600" indent="-228600" algn="l" defTabSz="457200" rtl="0" eaLnBrk="1" latinLnBrk="0" hangingPunct="1">
+              <a:spcBef>
+                <a:spcPts val="1000"/>
+              </a:spcBef>
+              <a:spcAft>
+                <a:spcPts val="0"/>
+              </a:spcAft>
+              <a:buClr>
+                <a:schemeClr val="accent1"/>
+              </a:buClr>
+              <a:buSzPct val="80000"/>
+              <a:buFont typeface="Wingdings 3" charset="2"/>
+              <a:buChar char=""/>
+              <a:defRPr sz="1200" kern="1200">
+                <a:solidFill>
+                  <a:schemeClr val="tx1">
+                    <a:lumMod val="75000"/>
+                    <a:lumOff val="25000"/>
+                  </a:schemeClr>
+                </a:solidFill>
+                <a:latin typeface="+mn-lt"/>
+                <a:ea typeface="+mn-ea"/>
+                <a:cs typeface="+mn-cs"/>
+              </a:defRPr>
+            </a:lvl6pPr>
+            <a:lvl7pPr marL="2971800" indent="-228600" algn="l" defTabSz="457200" rtl="0" eaLnBrk="1" latinLnBrk="0" hangingPunct="1">
+              <a:spcBef>
+                <a:spcPts val="1000"/>
+              </a:spcBef>
+              <a:spcAft>
+                <a:spcPts val="0"/>
+              </a:spcAft>
+              <a:buClr>
+                <a:schemeClr val="accent1"/>
+              </a:buClr>
+              <a:buSzPct val="80000"/>
+              <a:buFont typeface="Wingdings 3" charset="2"/>
+              <a:buChar char=""/>
+              <a:defRPr sz="1200" kern="1200">
+                <a:solidFill>
+                  <a:schemeClr val="tx1">
+                    <a:lumMod val="75000"/>
+                    <a:lumOff val="25000"/>
+                  </a:schemeClr>
+                </a:solidFill>
+                <a:latin typeface="+mn-lt"/>
+                <a:ea typeface="+mn-ea"/>
+                <a:cs typeface="+mn-cs"/>
+              </a:defRPr>
+            </a:lvl7pPr>
+            <a:lvl8pPr marL="3429000" indent="-228600" algn="l" defTabSz="457200" rtl="0" eaLnBrk="1" latinLnBrk="0" hangingPunct="1">
+              <a:spcBef>
+                <a:spcPts val="1000"/>
+              </a:spcBef>
+              <a:spcAft>
+                <a:spcPts val="0"/>
+              </a:spcAft>
+              <a:buClr>
+                <a:schemeClr val="accent1"/>
+              </a:buClr>
+              <a:buSzPct val="80000"/>
+              <a:buFont typeface="Wingdings 3" charset="2"/>
+              <a:buChar char=""/>
+              <a:defRPr sz="1200" kern="1200">
+                <a:solidFill>
+                  <a:schemeClr val="tx1">
+                    <a:lumMod val="75000"/>
+                    <a:lumOff val="25000"/>
+                  </a:schemeClr>
+                </a:solidFill>
+                <a:latin typeface="+mn-lt"/>
+                <a:ea typeface="+mn-ea"/>
+                <a:cs typeface="+mn-cs"/>
+              </a:defRPr>
+            </a:lvl8pPr>
+            <a:lvl9pPr marL="3886200" indent="-228600" algn="l" defTabSz="457200" rtl="0" eaLnBrk="1" latinLnBrk="0" hangingPunct="1">
+              <a:spcBef>
+                <a:spcPts val="1000"/>
+              </a:spcBef>
+              <a:spcAft>
+                <a:spcPts val="0"/>
+              </a:spcAft>
+              <a:buClr>
+                <a:schemeClr val="accent1"/>
+              </a:buClr>
+              <a:buSzPct val="80000"/>
+              <a:buFont typeface="Wingdings 3" charset="2"/>
+              <a:buChar char=""/>
+              <a:defRPr sz="1200" kern="1200">
+                <a:solidFill>
+                  <a:schemeClr val="tx1">
+                    <a:lumMod val="75000"/>
+                    <a:lumOff val="25000"/>
+                  </a:schemeClr>
+                </a:solidFill>
+                <a:latin typeface="+mn-lt"/>
+                <a:ea typeface="+mn-ea"/>
+                <a:cs typeface="+mn-cs"/>
+              </a:defRPr>
+            </a:lvl9pPr>
+          </a:lstStyle>
+          <a:p>
+            <a:pPr marL="0" indent="0">
+              <a:buFont typeface="Wingdings 3" charset="2"/>
+              <a:buNone/>
+            </a:pPr>
+            <a:r>
+              <a:rPr lang="en-US" sz="1400" b="1" dirty="0"/>
+              <a:t>wire below mesh &amp; pot</a:t>
+            </a:r>
+            <a:endParaRPr lang="en-US" sz="1400" dirty="0"/>
+          </a:p>
+        </p:txBody>
+      </p:sp>
+      <p:sp>
+        <p:nvSpPr>
+          <p:cNvPr id="31" name="Content Placeholder 2">
+            <a:extLst>
+              <a:ext uri="{FF2B5EF4-FFF2-40B4-BE49-F238E27FC236}">
+                <a16:creationId xmlns:a16="http://schemas.microsoft.com/office/drawing/2014/main" id="{2334840D-6E5D-E52D-A497-AB06B4935C05}"/>
+              </a:ext>
+            </a:extLst>
+          </p:cNvPr>
+          <p:cNvSpPr txBox="1">
+            <a:spLocks/>
+          </p:cNvSpPr>
+          <p:nvPr/>
+        </p:nvSpPr>
+        <p:spPr>
+          <a:xfrm>
+            <a:off x="561017" y="2576433"/>
+            <a:ext cx="2259040" cy="418098"/>
+          </a:xfrm>
+          <a:prstGeom prst="rect">
+            <a:avLst/>
+          </a:prstGeom>
+        </p:spPr>
+        <p:txBody>
+          <a:bodyPr vert="horz" lIns="91440" tIns="45720" rIns="91440" bIns="45720" rtlCol="0">
+            <a:normAutofit/>
+          </a:bodyPr>
+          <a:lstStyle>
+            <a:lvl1pPr marL="342900" indent="-342900" algn="l" defTabSz="457200" rtl="0" eaLnBrk="1" latinLnBrk="0" hangingPunct="1">
+              <a:spcBef>
+                <a:spcPts val="1000"/>
+              </a:spcBef>
+              <a:spcAft>
+                <a:spcPts val="0"/>
+              </a:spcAft>
+              <a:buClr>
+                <a:schemeClr val="accent1"/>
+              </a:buClr>
+              <a:buSzPct val="80000"/>
+              <a:buFont typeface="Wingdings 3" charset="2"/>
+              <a:buChar char=""/>
+              <a:defRPr sz="1800" kern="1200">
+                <a:solidFill>
+                  <a:schemeClr val="tx1">
+                    <a:lumMod val="75000"/>
+                    <a:lumOff val="25000"/>
+                  </a:schemeClr>
+                </a:solidFill>
+                <a:latin typeface="+mn-lt"/>
+                <a:ea typeface="+mn-ea"/>
+                <a:cs typeface="+mn-cs"/>
+              </a:defRPr>
+            </a:lvl1pPr>
+            <a:lvl2pPr marL="742950" indent="-285750" algn="l" defTabSz="457200" rtl="0" eaLnBrk="1" latinLnBrk="0" hangingPunct="1">
+              <a:spcBef>
+                <a:spcPts val="1000"/>
+              </a:spcBef>
+              <a:spcAft>
+                <a:spcPts val="0"/>
+              </a:spcAft>
+              <a:buClr>
+                <a:schemeClr val="accent1"/>
+              </a:buClr>
+              <a:buSzPct val="80000"/>
+              <a:buFont typeface="Wingdings 3" charset="2"/>
+              <a:buChar char=""/>
+              <a:defRPr sz="1600" kern="1200">
+                <a:solidFill>
+                  <a:schemeClr val="tx1">
+                    <a:lumMod val="75000"/>
+                    <a:lumOff val="25000"/>
+                  </a:schemeClr>
+                </a:solidFill>
+                <a:latin typeface="+mn-lt"/>
+                <a:ea typeface="+mn-ea"/>
+                <a:cs typeface="+mn-cs"/>
+              </a:defRPr>
+            </a:lvl2pPr>
+            <a:lvl3pPr marL="1143000" indent="-228600" algn="l" defTabSz="457200" rtl="0" eaLnBrk="1" latinLnBrk="0" hangingPunct="1">
+              <a:spcBef>
+                <a:spcPts val="1000"/>
+              </a:spcBef>
+              <a:spcAft>
+                <a:spcPts val="0"/>
+              </a:spcAft>
+              <a:buClr>
+                <a:schemeClr val="accent1"/>
+              </a:buClr>
+              <a:buSzPct val="80000"/>
+              <a:buFont typeface="Wingdings 3" charset="2"/>
+              <a:buChar char=""/>
+              <a:defRPr sz="1400" kern="1200">
+                <a:solidFill>
+                  <a:schemeClr val="tx1">
+                    <a:lumMod val="75000"/>
+                    <a:lumOff val="25000"/>
+                  </a:schemeClr>
+                </a:solidFill>
+                <a:latin typeface="+mn-lt"/>
+                <a:ea typeface="+mn-ea"/>
+                <a:cs typeface="+mn-cs"/>
+              </a:defRPr>
+            </a:lvl3pPr>
+            <a:lvl4pPr marL="1600200" indent="-228600" algn="l" defTabSz="457200" rtl="0" eaLnBrk="1" latinLnBrk="0" hangingPunct="1">
+              <a:spcBef>
+                <a:spcPts val="1000"/>
+              </a:spcBef>
+              <a:spcAft>
+                <a:spcPts val="0"/>
+              </a:spcAft>
+              <a:buClr>
+                <a:schemeClr val="accent1"/>
+              </a:buClr>
+              <a:buSzPct val="80000"/>
+              <a:buFont typeface="Wingdings 3" charset="2"/>
+              <a:buChar char=""/>
+              <a:defRPr sz="1200" kern="1200">
+                <a:solidFill>
+                  <a:schemeClr val="tx1">
+                    <a:lumMod val="75000"/>
+                    <a:lumOff val="25000"/>
+                  </a:schemeClr>
+                </a:solidFill>
+                <a:latin typeface="+mn-lt"/>
+                <a:ea typeface="+mn-ea"/>
+                <a:cs typeface="+mn-cs"/>
+              </a:defRPr>
+            </a:lvl4pPr>
+            <a:lvl5pPr marL="2057400" indent="-228600" algn="l" defTabSz="457200" rtl="0" eaLnBrk="1" latinLnBrk="0" hangingPunct="1">
+              <a:spcBef>
+                <a:spcPts val="1000"/>
+              </a:spcBef>
+              <a:spcAft>
+                <a:spcPts val="0"/>
+              </a:spcAft>
+              <a:buClr>
+                <a:schemeClr val="accent1"/>
+              </a:buClr>
+              <a:buSzPct val="80000"/>
+              <a:buFont typeface="Wingdings 3" charset="2"/>
+              <a:buChar char=""/>
+              <a:defRPr sz="1200" kern="1200">
+                <a:solidFill>
+                  <a:schemeClr val="tx1">
+                    <a:lumMod val="75000"/>
+                    <a:lumOff val="25000"/>
+                  </a:schemeClr>
+                </a:solidFill>
+                <a:latin typeface="+mn-lt"/>
+                <a:ea typeface="+mn-ea"/>
+                <a:cs typeface="+mn-cs"/>
+              </a:defRPr>
+            </a:lvl5pPr>
+            <a:lvl6pPr marL="2514600" indent="-228600" algn="l" defTabSz="457200" rtl="0" eaLnBrk="1" latinLnBrk="0" hangingPunct="1">
+              <a:spcBef>
+                <a:spcPts val="1000"/>
+              </a:spcBef>
+              <a:spcAft>
+                <a:spcPts val="0"/>
+              </a:spcAft>
+              <a:buClr>
+                <a:schemeClr val="accent1"/>
+              </a:buClr>
+              <a:buSzPct val="80000"/>
+              <a:buFont typeface="Wingdings 3" charset="2"/>
+              <a:buChar char=""/>
+              <a:defRPr sz="1200" kern="1200">
+                <a:solidFill>
+                  <a:schemeClr val="tx1">
+                    <a:lumMod val="75000"/>
+                    <a:lumOff val="25000"/>
+                  </a:schemeClr>
+                </a:solidFill>
+                <a:latin typeface="+mn-lt"/>
+                <a:ea typeface="+mn-ea"/>
+                <a:cs typeface="+mn-cs"/>
+              </a:defRPr>
+            </a:lvl6pPr>
+            <a:lvl7pPr marL="2971800" indent="-228600" algn="l" defTabSz="457200" rtl="0" eaLnBrk="1" latinLnBrk="0" hangingPunct="1">
+              <a:spcBef>
+                <a:spcPts val="1000"/>
+              </a:spcBef>
+              <a:spcAft>
+                <a:spcPts val="0"/>
+              </a:spcAft>
+              <a:buClr>
+                <a:schemeClr val="accent1"/>
+              </a:buClr>
+              <a:buSzPct val="80000"/>
+              <a:buFont typeface="Wingdings 3" charset="2"/>
+              <a:buChar char=""/>
+              <a:defRPr sz="1200" kern="1200">
+                <a:solidFill>
+                  <a:schemeClr val="tx1">
+                    <a:lumMod val="75000"/>
+                    <a:lumOff val="25000"/>
+                  </a:schemeClr>
+                </a:solidFill>
+                <a:latin typeface="+mn-lt"/>
+                <a:ea typeface="+mn-ea"/>
+                <a:cs typeface="+mn-cs"/>
+              </a:defRPr>
+            </a:lvl7pPr>
+            <a:lvl8pPr marL="3429000" indent="-228600" algn="l" defTabSz="457200" rtl="0" eaLnBrk="1" latinLnBrk="0" hangingPunct="1">
+              <a:spcBef>
+                <a:spcPts val="1000"/>
+              </a:spcBef>
+              <a:spcAft>
+                <a:spcPts val="0"/>
+              </a:spcAft>
+              <a:buClr>
+                <a:schemeClr val="accent1"/>
+              </a:buClr>
+              <a:buSzPct val="80000"/>
+              <a:buFont typeface="Wingdings 3" charset="2"/>
+              <a:buChar char=""/>
+              <a:defRPr sz="1200" kern="1200">
+                <a:solidFill>
+                  <a:schemeClr val="tx1">
+                    <a:lumMod val="75000"/>
+                    <a:lumOff val="25000"/>
+                  </a:schemeClr>
+                </a:solidFill>
+                <a:latin typeface="+mn-lt"/>
+                <a:ea typeface="+mn-ea"/>
+                <a:cs typeface="+mn-cs"/>
+              </a:defRPr>
+            </a:lvl8pPr>
+            <a:lvl9pPr marL="3886200" indent="-228600" algn="l" defTabSz="457200" rtl="0" eaLnBrk="1" latinLnBrk="0" hangingPunct="1">
+              <a:spcBef>
+                <a:spcPts val="1000"/>
+              </a:spcBef>
+              <a:spcAft>
+                <a:spcPts val="0"/>
+              </a:spcAft>
+              <a:buClr>
+                <a:schemeClr val="accent1"/>
+              </a:buClr>
+              <a:buSzPct val="80000"/>
+              <a:buFont typeface="Wingdings 3" charset="2"/>
+              <a:buChar char=""/>
+              <a:defRPr sz="1200" kern="1200">
+                <a:solidFill>
+                  <a:schemeClr val="tx1">
+                    <a:lumMod val="75000"/>
+                    <a:lumOff val="25000"/>
+                  </a:schemeClr>
+                </a:solidFill>
+                <a:latin typeface="+mn-lt"/>
+                <a:ea typeface="+mn-ea"/>
+                <a:cs typeface="+mn-cs"/>
+              </a:defRPr>
+            </a:lvl9pPr>
+          </a:lstStyle>
+          <a:p>
+            <a:pPr marL="0" indent="0">
+              <a:buFont typeface="Wingdings 3" charset="2"/>
+              <a:buNone/>
+            </a:pPr>
+            <a:r>
+              <a:rPr lang="en-US" sz="1400" b="1" dirty="0"/>
+              <a:t>wire above mesh</a:t>
+            </a:r>
+            <a:endParaRPr lang="en-US" sz="1400" dirty="0"/>
+          </a:p>
+        </p:txBody>
+      </p:sp>
+      <p:cxnSp>
+        <p:nvCxnSpPr>
+          <p:cNvPr id="32" name="Straight Arrow Connector 31">
+            <a:extLst>
+              <a:ext uri="{FF2B5EF4-FFF2-40B4-BE49-F238E27FC236}">
+                <a16:creationId xmlns:a16="http://schemas.microsoft.com/office/drawing/2014/main" id="{163B9D37-2439-C38B-6CBA-9549F4A70B69}"/>
+              </a:ext>
+            </a:extLst>
+          </p:cNvPr>
+          <p:cNvCxnSpPr>
+            <a:cxnSpLocks/>
+          </p:cNvCxnSpPr>
+          <p:nvPr/>
+        </p:nvCxnSpPr>
+        <p:spPr>
+          <a:xfrm flipH="1">
+            <a:off x="1823131" y="2809491"/>
+            <a:ext cx="1387326" cy="914449"/>
+          </a:xfrm>
+          <a:prstGeom prst="straightConnector1">
+            <a:avLst/>
+          </a:prstGeom>
+          <a:ln w="31750">
+            <a:tailEnd type="triangle"/>
+          </a:ln>
+        </p:spPr>
+        <p:style>
+          <a:lnRef idx="1">
+            <a:schemeClr val="dk1"/>
+          </a:lnRef>
+          <a:fillRef idx="0">
+            <a:schemeClr val="dk1"/>
+          </a:fillRef>
+          <a:effectRef idx="0">
+            <a:schemeClr val="dk1"/>
+          </a:effectRef>
+          <a:fontRef idx="minor">
+            <a:schemeClr val="tx1"/>
+          </a:fontRef>
+        </p:style>
+      </p:cxnSp>
+      <p:cxnSp>
+        <p:nvCxnSpPr>
+          <p:cNvPr id="35" name="Straight Arrow Connector 34">
+            <a:extLst>
+              <a:ext uri="{FF2B5EF4-FFF2-40B4-BE49-F238E27FC236}">
+                <a16:creationId xmlns:a16="http://schemas.microsoft.com/office/drawing/2014/main" id="{6E069F8E-E3BB-A2B4-6D70-EA182BC691B9}"/>
+              </a:ext>
+            </a:extLst>
+          </p:cNvPr>
+          <p:cNvCxnSpPr>
+            <a:cxnSpLocks/>
+          </p:cNvCxnSpPr>
+          <p:nvPr/>
+        </p:nvCxnSpPr>
+        <p:spPr>
+          <a:xfrm flipH="1">
+            <a:off x="2869995" y="2814263"/>
+            <a:ext cx="718645" cy="938431"/>
+          </a:xfrm>
+          <a:prstGeom prst="straightConnector1">
+            <a:avLst/>
+          </a:prstGeom>
+          <a:ln w="31750">
+            <a:tailEnd type="triangle"/>
+          </a:ln>
+        </p:spPr>
+        <p:style>
+          <a:lnRef idx="1">
+            <a:schemeClr val="dk1"/>
+          </a:lnRef>
+          <a:fillRef idx="0">
+            <a:schemeClr val="dk1"/>
+          </a:fillRef>
+          <a:effectRef idx="0">
+            <a:schemeClr val="dk1"/>
+          </a:effectRef>
+          <a:fontRef idx="minor">
+            <a:schemeClr val="tx1"/>
+          </a:fontRef>
+        </p:style>
+      </p:cxnSp>
+      <p:cxnSp>
+        <p:nvCxnSpPr>
+          <p:cNvPr id="44" name="Straight Connector 43">
+            <a:extLst>
+              <a:ext uri="{FF2B5EF4-FFF2-40B4-BE49-F238E27FC236}">
+                <a16:creationId xmlns:a16="http://schemas.microsoft.com/office/drawing/2014/main" id="{961DE2D4-144E-728E-7E14-884AA8D1F715}"/>
+              </a:ext>
+            </a:extLst>
+          </p:cNvPr>
+          <p:cNvCxnSpPr>
+            <a:cxnSpLocks/>
+          </p:cNvCxnSpPr>
+          <p:nvPr/>
+        </p:nvCxnSpPr>
+        <p:spPr>
+          <a:xfrm>
+            <a:off x="6543925" y="3687484"/>
+            <a:ext cx="566912" cy="0"/>
+          </a:xfrm>
+          <a:prstGeom prst="line">
+            <a:avLst/>
+          </a:prstGeom>
+          <a:ln w="31750">
+            <a:solidFill>
+              <a:schemeClr val="accent3">
+                <a:lumMod val="50000"/>
+              </a:schemeClr>
+            </a:solidFill>
+          </a:ln>
+        </p:spPr>
+        <p:style>
+          <a:lnRef idx="1">
+            <a:schemeClr val="accent1"/>
+          </a:lnRef>
+          <a:fillRef idx="0">
+            <a:schemeClr val="accent1"/>
+          </a:fillRef>
+          <a:effectRef idx="0">
+            <a:schemeClr val="accent1"/>
+          </a:effectRef>
+          <a:fontRef idx="minor">
+            <a:schemeClr val="tx1"/>
+          </a:fontRef>
+        </p:style>
+      </p:cxnSp>
+      <p:cxnSp>
+        <p:nvCxnSpPr>
+          <p:cNvPr id="51" name="Straight Connector 50">
+            <a:extLst>
+              <a:ext uri="{FF2B5EF4-FFF2-40B4-BE49-F238E27FC236}">
+                <a16:creationId xmlns:a16="http://schemas.microsoft.com/office/drawing/2014/main" id="{FD8D3F51-1C88-AE8D-A3A2-F2EE6D1B06AD}"/>
+              </a:ext>
+            </a:extLst>
+          </p:cNvPr>
+          <p:cNvCxnSpPr>
+            <a:cxnSpLocks/>
+          </p:cNvCxnSpPr>
+          <p:nvPr/>
+        </p:nvCxnSpPr>
+        <p:spPr>
+          <a:xfrm>
+            <a:off x="6543925" y="3831933"/>
+            <a:ext cx="566912" cy="0"/>
+          </a:xfrm>
+          <a:prstGeom prst="line">
+            <a:avLst/>
+          </a:prstGeom>
+          <a:ln w="31750">
+            <a:solidFill>
+              <a:schemeClr val="accent3">
+                <a:lumMod val="50000"/>
+              </a:schemeClr>
+            </a:solidFill>
+          </a:ln>
+        </p:spPr>
+        <p:style>
+          <a:lnRef idx="1">
+            <a:schemeClr val="accent1"/>
+          </a:lnRef>
+          <a:fillRef idx="0">
+            <a:schemeClr val="accent1"/>
+          </a:fillRef>
+          <a:effectRef idx="0">
+            <a:schemeClr val="accent1"/>
+          </a:effectRef>
+          <a:fontRef idx="minor">
+            <a:schemeClr val="tx1"/>
+          </a:fontRef>
+        </p:style>
+      </p:cxnSp>
+      <p:cxnSp>
+        <p:nvCxnSpPr>
+          <p:cNvPr id="43" name="Straight Connector 42">
+            <a:extLst>
+              <a:ext uri="{FF2B5EF4-FFF2-40B4-BE49-F238E27FC236}">
+                <a16:creationId xmlns:a16="http://schemas.microsoft.com/office/drawing/2014/main" id="{F34BA1C4-23FB-877A-1EA3-02AEEF9772E4}"/>
+              </a:ext>
+            </a:extLst>
+          </p:cNvPr>
+          <p:cNvCxnSpPr>
+            <a:cxnSpLocks/>
+          </p:cNvCxnSpPr>
+          <p:nvPr/>
+        </p:nvCxnSpPr>
+        <p:spPr>
+          <a:xfrm>
+            <a:off x="5058188" y="3459027"/>
+            <a:ext cx="1476264" cy="230420"/>
+          </a:xfrm>
+          <a:prstGeom prst="line">
+            <a:avLst/>
+          </a:prstGeom>
+          <a:ln w="31750">
+            <a:solidFill>
+              <a:schemeClr val="accent3"/>
+            </a:solidFill>
+          </a:ln>
+        </p:spPr>
+        <p:style>
+          <a:lnRef idx="1">
+            <a:schemeClr val="accent1"/>
+          </a:lnRef>
+          <a:fillRef idx="0">
+            <a:schemeClr val="accent1"/>
+          </a:fillRef>
+          <a:effectRef idx="0">
+            <a:schemeClr val="accent1"/>
+          </a:effectRef>
+          <a:fontRef idx="minor">
+            <a:schemeClr val="tx1"/>
+          </a:fontRef>
+        </p:style>
+      </p:cxnSp>
+      <p:cxnSp>
+        <p:nvCxnSpPr>
+          <p:cNvPr id="56" name="Straight Connector 55">
+            <a:extLst>
+              <a:ext uri="{FF2B5EF4-FFF2-40B4-BE49-F238E27FC236}">
+                <a16:creationId xmlns:a16="http://schemas.microsoft.com/office/drawing/2014/main" id="{77FBE1BC-19E6-EAB0-5D8C-5A1AF5C58654}"/>
+              </a:ext>
+            </a:extLst>
+          </p:cNvPr>
+          <p:cNvCxnSpPr>
+            <a:cxnSpLocks/>
+          </p:cNvCxnSpPr>
+          <p:nvPr/>
+        </p:nvCxnSpPr>
+        <p:spPr>
+          <a:xfrm flipV="1">
+            <a:off x="5058188" y="3837942"/>
+            <a:ext cx="1476264" cy="230420"/>
+          </a:xfrm>
+          <a:prstGeom prst="line">
+            <a:avLst/>
+          </a:prstGeom>
+          <a:ln w="31750">
+            <a:solidFill>
+              <a:schemeClr val="accent3"/>
+            </a:solidFill>
+          </a:ln>
+        </p:spPr>
+        <p:style>
+          <a:lnRef idx="1">
+            <a:schemeClr val="accent1"/>
+          </a:lnRef>
+          <a:fillRef idx="0">
+            <a:schemeClr val="accent1"/>
+          </a:fillRef>
+          <a:effectRef idx="0">
+            <a:schemeClr val="accent1"/>
+          </a:effectRef>
+          <a:fontRef idx="minor">
+            <a:schemeClr val="tx1"/>
+          </a:fontRef>
+        </p:style>
+      </p:cxnSp>
+      <p:cxnSp>
+        <p:nvCxnSpPr>
+          <p:cNvPr id="57" name="Straight Connector 56">
+            <a:extLst>
+              <a:ext uri="{FF2B5EF4-FFF2-40B4-BE49-F238E27FC236}">
+                <a16:creationId xmlns:a16="http://schemas.microsoft.com/office/drawing/2014/main" id="{BF095F32-98B4-816D-5C58-687813A63259}"/>
+              </a:ext>
+            </a:extLst>
+          </p:cNvPr>
+          <p:cNvCxnSpPr>
+            <a:cxnSpLocks/>
+          </p:cNvCxnSpPr>
+          <p:nvPr/>
+        </p:nvCxnSpPr>
+        <p:spPr>
+          <a:xfrm flipH="1">
+            <a:off x="7108621" y="3459027"/>
+            <a:ext cx="1939464" cy="226296"/>
+          </a:xfrm>
+          <a:prstGeom prst="line">
+            <a:avLst/>
+          </a:prstGeom>
+          <a:ln w="31750">
+            <a:solidFill>
+              <a:schemeClr val="accent3"/>
+            </a:solidFill>
+          </a:ln>
+        </p:spPr>
+        <p:style>
+          <a:lnRef idx="1">
+            <a:schemeClr val="accent1"/>
+          </a:lnRef>
+          <a:fillRef idx="0">
+            <a:schemeClr val="accent1"/>
+          </a:fillRef>
+          <a:effectRef idx="0">
+            <a:schemeClr val="accent1"/>
+          </a:effectRef>
+          <a:fontRef idx="minor">
+            <a:schemeClr val="tx1"/>
+          </a:fontRef>
+        </p:style>
+      </p:cxnSp>
+      <p:cxnSp>
+        <p:nvCxnSpPr>
+          <p:cNvPr id="62" name="Straight Connector 61">
+            <a:extLst>
+              <a:ext uri="{FF2B5EF4-FFF2-40B4-BE49-F238E27FC236}">
+                <a16:creationId xmlns:a16="http://schemas.microsoft.com/office/drawing/2014/main" id="{D7662BF7-AA9D-8F3D-00D7-7F1A85222EA7}"/>
+              </a:ext>
+            </a:extLst>
+          </p:cNvPr>
+          <p:cNvCxnSpPr>
+            <a:cxnSpLocks/>
+          </p:cNvCxnSpPr>
+          <p:nvPr/>
+        </p:nvCxnSpPr>
+        <p:spPr>
+          <a:xfrm flipH="1" flipV="1">
+            <a:off x="7108621" y="3832123"/>
+            <a:ext cx="1939464" cy="226296"/>
+          </a:xfrm>
+          <a:prstGeom prst="line">
+            <a:avLst/>
+          </a:prstGeom>
+          <a:ln w="31750">
+            <a:solidFill>
+              <a:schemeClr val="accent3"/>
+            </a:solidFill>
+          </a:ln>
+        </p:spPr>
+        <p:style>
+          <a:lnRef idx="1">
+            <a:schemeClr val="accent1"/>
+          </a:lnRef>
+          <a:fillRef idx="0">
+            <a:schemeClr val="accent1"/>
+          </a:fillRef>
+          <a:effectRef idx="0">
+            <a:schemeClr val="accent1"/>
+          </a:effectRef>
+          <a:fontRef idx="minor">
+            <a:schemeClr val="tx1"/>
+          </a:fontRef>
+        </p:style>
+      </p:cxnSp>
+      <p:cxnSp>
+        <p:nvCxnSpPr>
+          <p:cNvPr id="66" name="Straight Arrow Connector 65">
+            <a:extLst>
+              <a:ext uri="{FF2B5EF4-FFF2-40B4-BE49-F238E27FC236}">
+                <a16:creationId xmlns:a16="http://schemas.microsoft.com/office/drawing/2014/main" id="{F101BD3A-9CBD-A901-BF26-3A3859C489DC}"/>
+              </a:ext>
+            </a:extLst>
+          </p:cNvPr>
+          <p:cNvCxnSpPr>
+            <a:cxnSpLocks/>
+          </p:cNvCxnSpPr>
+          <p:nvPr/>
+        </p:nvCxnSpPr>
+        <p:spPr>
+          <a:xfrm>
+            <a:off x="6067945" y="2818303"/>
+            <a:ext cx="765415" cy="825177"/>
+          </a:xfrm>
+          <a:prstGeom prst="straightConnector1">
+            <a:avLst/>
+          </a:prstGeom>
+          <a:ln w="31750">
+            <a:tailEnd type="triangle"/>
+          </a:ln>
+        </p:spPr>
+        <p:style>
+          <a:lnRef idx="1">
+            <a:schemeClr val="dk1"/>
+          </a:lnRef>
+          <a:fillRef idx="0">
+            <a:schemeClr val="dk1"/>
+          </a:fillRef>
+          <a:effectRef idx="0">
+            <a:schemeClr val="dk1"/>
+          </a:effectRef>
+          <a:fontRef idx="minor">
+            <a:schemeClr val="tx1"/>
+          </a:fontRef>
+        </p:style>
+      </p:cxnSp>
+      <p:sp>
+        <p:nvSpPr>
+          <p:cNvPr id="67" name="Content Placeholder 2">
+            <a:extLst>
+              <a:ext uri="{FF2B5EF4-FFF2-40B4-BE49-F238E27FC236}">
+                <a16:creationId xmlns:a16="http://schemas.microsoft.com/office/drawing/2014/main" id="{9C917727-F7BF-5535-8328-69280EDAD674}"/>
+              </a:ext>
+            </a:extLst>
+          </p:cNvPr>
+          <p:cNvSpPr txBox="1">
+            <a:spLocks/>
+          </p:cNvSpPr>
+          <p:nvPr/>
+        </p:nvSpPr>
+        <p:spPr>
+          <a:xfrm>
+            <a:off x="7083743" y="2576433"/>
+            <a:ext cx="3601788" cy="418098"/>
+          </a:xfrm>
+          <a:prstGeom prst="rect">
+            <a:avLst/>
+          </a:prstGeom>
+        </p:spPr>
+        <p:txBody>
+          <a:bodyPr vert="horz" lIns="91440" tIns="45720" rIns="91440" bIns="45720" rtlCol="0">
+            <a:normAutofit/>
+          </a:bodyPr>
+          <a:lstStyle>
+            <a:lvl1pPr marL="342900" indent="-342900" algn="l" defTabSz="457200" rtl="0" eaLnBrk="1" latinLnBrk="0" hangingPunct="1">
+              <a:spcBef>
+                <a:spcPts val="1000"/>
+              </a:spcBef>
+              <a:spcAft>
+                <a:spcPts val="0"/>
+              </a:spcAft>
+              <a:buClr>
+                <a:schemeClr val="accent1"/>
+              </a:buClr>
+              <a:buSzPct val="80000"/>
+              <a:buFont typeface="Wingdings 3" charset="2"/>
+              <a:buChar char=""/>
+              <a:defRPr sz="1800" kern="1200">
+                <a:solidFill>
+                  <a:schemeClr val="tx1">
+                    <a:lumMod val="75000"/>
+                    <a:lumOff val="25000"/>
+                  </a:schemeClr>
+                </a:solidFill>
+                <a:latin typeface="+mn-lt"/>
+                <a:ea typeface="+mn-ea"/>
+                <a:cs typeface="+mn-cs"/>
+              </a:defRPr>
+            </a:lvl1pPr>
+            <a:lvl2pPr marL="742950" indent="-285750" algn="l" defTabSz="457200" rtl="0" eaLnBrk="1" latinLnBrk="0" hangingPunct="1">
+              <a:spcBef>
+                <a:spcPts val="1000"/>
+              </a:spcBef>
+              <a:spcAft>
+                <a:spcPts val="0"/>
+              </a:spcAft>
+              <a:buClr>
+                <a:schemeClr val="accent1"/>
+              </a:buClr>
+              <a:buSzPct val="80000"/>
+              <a:buFont typeface="Wingdings 3" charset="2"/>
+              <a:buChar char=""/>
+              <a:defRPr sz="1600" kern="1200">
+                <a:solidFill>
+                  <a:schemeClr val="tx1">
+                    <a:lumMod val="75000"/>
+                    <a:lumOff val="25000"/>
+                  </a:schemeClr>
+                </a:solidFill>
+                <a:latin typeface="+mn-lt"/>
+                <a:ea typeface="+mn-ea"/>
+                <a:cs typeface="+mn-cs"/>
+              </a:defRPr>
+            </a:lvl2pPr>
+            <a:lvl3pPr marL="1143000" indent="-228600" algn="l" defTabSz="457200" rtl="0" eaLnBrk="1" latinLnBrk="0" hangingPunct="1">
+              <a:spcBef>
+                <a:spcPts val="1000"/>
+              </a:spcBef>
+              <a:spcAft>
+                <a:spcPts val="0"/>
+              </a:spcAft>
+              <a:buClr>
+                <a:schemeClr val="accent1"/>
+              </a:buClr>
+              <a:buSzPct val="80000"/>
+              <a:buFont typeface="Wingdings 3" charset="2"/>
+              <a:buChar char=""/>
+              <a:defRPr sz="1400" kern="1200">
+                <a:solidFill>
+                  <a:schemeClr val="tx1">
+                    <a:lumMod val="75000"/>
+                    <a:lumOff val="25000"/>
+                  </a:schemeClr>
+                </a:solidFill>
+                <a:latin typeface="+mn-lt"/>
+                <a:ea typeface="+mn-ea"/>
+                <a:cs typeface="+mn-cs"/>
+              </a:defRPr>
+            </a:lvl3pPr>
+            <a:lvl4pPr marL="1600200" indent="-228600" algn="l" defTabSz="457200" rtl="0" eaLnBrk="1" latinLnBrk="0" hangingPunct="1">
+              <a:spcBef>
+                <a:spcPts val="1000"/>
+              </a:spcBef>
+              <a:spcAft>
+                <a:spcPts val="0"/>
+              </a:spcAft>
+              <a:buClr>
+                <a:schemeClr val="accent1"/>
+              </a:buClr>
+              <a:buSzPct val="80000"/>
+              <a:buFont typeface="Wingdings 3" charset="2"/>
+              <a:buChar char=""/>
+              <a:defRPr sz="1200" kern="1200">
+                <a:solidFill>
+                  <a:schemeClr val="tx1">
+                    <a:lumMod val="75000"/>
+                    <a:lumOff val="25000"/>
+                  </a:schemeClr>
+                </a:solidFill>
+                <a:latin typeface="+mn-lt"/>
+                <a:ea typeface="+mn-ea"/>
+                <a:cs typeface="+mn-cs"/>
+              </a:defRPr>
+            </a:lvl4pPr>
+            <a:lvl5pPr marL="2057400" indent="-228600" algn="l" defTabSz="457200" rtl="0" eaLnBrk="1" latinLnBrk="0" hangingPunct="1">
+              <a:spcBef>
+                <a:spcPts val="1000"/>
+              </a:spcBef>
+              <a:spcAft>
+                <a:spcPts val="0"/>
+              </a:spcAft>
+              <a:buClr>
+                <a:schemeClr val="accent1"/>
+              </a:buClr>
+              <a:buSzPct val="80000"/>
+              <a:buFont typeface="Wingdings 3" charset="2"/>
+              <a:buChar char=""/>
+              <a:defRPr sz="1200" kern="1200">
+                <a:solidFill>
+                  <a:schemeClr val="tx1">
+                    <a:lumMod val="75000"/>
+                    <a:lumOff val="25000"/>
+                  </a:schemeClr>
+                </a:solidFill>
+                <a:latin typeface="+mn-lt"/>
+                <a:ea typeface="+mn-ea"/>
+                <a:cs typeface="+mn-cs"/>
+              </a:defRPr>
+            </a:lvl5pPr>
+            <a:lvl6pPr marL="2514600" indent="-228600" algn="l" defTabSz="457200" rtl="0" eaLnBrk="1" latinLnBrk="0" hangingPunct="1">
+              <a:spcBef>
+                <a:spcPts val="1000"/>
+              </a:spcBef>
+              <a:spcAft>
+                <a:spcPts val="0"/>
+              </a:spcAft>
+              <a:buClr>
+                <a:schemeClr val="accent1"/>
+              </a:buClr>
+              <a:buSzPct val="80000"/>
+              <a:buFont typeface="Wingdings 3" charset="2"/>
+              <a:buChar char=""/>
+              <a:defRPr sz="1200" kern="1200">
+                <a:solidFill>
+                  <a:schemeClr val="tx1">
+                    <a:lumMod val="75000"/>
+                    <a:lumOff val="25000"/>
+                  </a:schemeClr>
+                </a:solidFill>
+                <a:latin typeface="+mn-lt"/>
+                <a:ea typeface="+mn-ea"/>
+                <a:cs typeface="+mn-cs"/>
+              </a:defRPr>
+            </a:lvl6pPr>
+            <a:lvl7pPr marL="2971800" indent="-228600" algn="l" defTabSz="457200" rtl="0" eaLnBrk="1" latinLnBrk="0" hangingPunct="1">
+              <a:spcBef>
+                <a:spcPts val="1000"/>
+              </a:spcBef>
+              <a:spcAft>
+                <a:spcPts val="0"/>
+              </a:spcAft>
+              <a:buClr>
+                <a:schemeClr val="accent1"/>
+              </a:buClr>
+              <a:buSzPct val="80000"/>
+              <a:buFont typeface="Wingdings 3" charset="2"/>
+              <a:buChar char=""/>
+              <a:defRPr sz="1200" kern="1200">
+                <a:solidFill>
+                  <a:schemeClr val="tx1">
+                    <a:lumMod val="75000"/>
+                    <a:lumOff val="25000"/>
+                  </a:schemeClr>
+                </a:solidFill>
+                <a:latin typeface="+mn-lt"/>
+                <a:ea typeface="+mn-ea"/>
+                <a:cs typeface="+mn-cs"/>
+              </a:defRPr>
+            </a:lvl7pPr>
+            <a:lvl8pPr marL="3429000" indent="-228600" algn="l" defTabSz="457200" rtl="0" eaLnBrk="1" latinLnBrk="0" hangingPunct="1">
+              <a:spcBef>
+                <a:spcPts val="1000"/>
+              </a:spcBef>
+              <a:spcAft>
+                <a:spcPts val="0"/>
+              </a:spcAft>
+              <a:buClr>
+                <a:schemeClr val="accent1"/>
+              </a:buClr>
+              <a:buSzPct val="80000"/>
+              <a:buFont typeface="Wingdings 3" charset="2"/>
+              <a:buChar char=""/>
+              <a:defRPr sz="1200" kern="1200">
+                <a:solidFill>
+                  <a:schemeClr val="tx1">
+                    <a:lumMod val="75000"/>
+                    <a:lumOff val="25000"/>
+                  </a:schemeClr>
+                </a:solidFill>
+                <a:latin typeface="+mn-lt"/>
+                <a:ea typeface="+mn-ea"/>
+                <a:cs typeface="+mn-cs"/>
+              </a:defRPr>
+            </a:lvl8pPr>
+            <a:lvl9pPr marL="3886200" indent="-228600" algn="l" defTabSz="457200" rtl="0" eaLnBrk="1" latinLnBrk="0" hangingPunct="1">
+              <a:spcBef>
+                <a:spcPts val="1000"/>
+              </a:spcBef>
+              <a:spcAft>
+                <a:spcPts val="0"/>
+              </a:spcAft>
+              <a:buClr>
+                <a:schemeClr val="accent1"/>
+              </a:buClr>
+              <a:buSzPct val="80000"/>
+              <a:buFont typeface="Wingdings 3" charset="2"/>
+              <a:buChar char=""/>
+              <a:defRPr sz="1200" kern="1200">
+                <a:solidFill>
+                  <a:schemeClr val="tx1">
+                    <a:lumMod val="75000"/>
+                    <a:lumOff val="25000"/>
+                  </a:schemeClr>
+                </a:solidFill>
+                <a:latin typeface="+mn-lt"/>
+                <a:ea typeface="+mn-ea"/>
+                <a:cs typeface="+mn-cs"/>
+              </a:defRPr>
+            </a:lvl9pPr>
+          </a:lstStyle>
+          <a:p>
+            <a:pPr marL="0" indent="0">
+              <a:buFont typeface="Wingdings 3" charset="2"/>
+              <a:buNone/>
+            </a:pPr>
+            <a:r>
+              <a:rPr lang="en-US" sz="1400" b="1" dirty="0"/>
+              <a:t>wire above mesh &amp; along sides of pot</a:t>
+            </a:r>
+            <a:endParaRPr lang="en-US" sz="1400" dirty="0"/>
+          </a:p>
+        </p:txBody>
+      </p:sp>
+      <p:sp>
+        <p:nvSpPr>
+          <p:cNvPr id="68" name="Content Placeholder 2">
+            <a:extLst>
+              <a:ext uri="{FF2B5EF4-FFF2-40B4-BE49-F238E27FC236}">
+                <a16:creationId xmlns:a16="http://schemas.microsoft.com/office/drawing/2014/main" id="{C60A51E7-39E8-99C3-198F-1C90B3CE7E7C}"/>
+              </a:ext>
+            </a:extLst>
+          </p:cNvPr>
+          <p:cNvSpPr txBox="1">
+            <a:spLocks/>
+          </p:cNvSpPr>
+          <p:nvPr/>
+        </p:nvSpPr>
+        <p:spPr>
+          <a:xfrm>
+            <a:off x="5161568" y="2576433"/>
+            <a:ext cx="2259040" cy="418098"/>
+          </a:xfrm>
+          <a:prstGeom prst="rect">
+            <a:avLst/>
+          </a:prstGeom>
+        </p:spPr>
+        <p:txBody>
+          <a:bodyPr vert="horz" lIns="91440" tIns="45720" rIns="91440" bIns="45720" rtlCol="0">
+            <a:normAutofit/>
+          </a:bodyPr>
+          <a:lstStyle>
+            <a:lvl1pPr marL="342900" indent="-342900" algn="l" defTabSz="457200" rtl="0" eaLnBrk="1" latinLnBrk="0" hangingPunct="1">
+              <a:spcBef>
+                <a:spcPts val="1000"/>
+              </a:spcBef>
+              <a:spcAft>
+                <a:spcPts val="0"/>
+              </a:spcAft>
+              <a:buClr>
+                <a:schemeClr val="accent1"/>
+              </a:buClr>
+              <a:buSzPct val="80000"/>
+              <a:buFont typeface="Wingdings 3" charset="2"/>
+              <a:buChar char=""/>
+              <a:defRPr sz="1800" kern="1200">
+                <a:solidFill>
+                  <a:schemeClr val="tx1">
+                    <a:lumMod val="75000"/>
+                    <a:lumOff val="25000"/>
+                  </a:schemeClr>
+                </a:solidFill>
+                <a:latin typeface="+mn-lt"/>
+                <a:ea typeface="+mn-ea"/>
+                <a:cs typeface="+mn-cs"/>
+              </a:defRPr>
+            </a:lvl1pPr>
+            <a:lvl2pPr marL="742950" indent="-285750" algn="l" defTabSz="457200" rtl="0" eaLnBrk="1" latinLnBrk="0" hangingPunct="1">
+              <a:spcBef>
+                <a:spcPts val="1000"/>
+              </a:spcBef>
+              <a:spcAft>
+                <a:spcPts val="0"/>
+              </a:spcAft>
+              <a:buClr>
+                <a:schemeClr val="accent1"/>
+              </a:buClr>
+              <a:buSzPct val="80000"/>
+              <a:buFont typeface="Wingdings 3" charset="2"/>
+              <a:buChar char=""/>
+              <a:defRPr sz="1600" kern="1200">
+                <a:solidFill>
+                  <a:schemeClr val="tx1">
+                    <a:lumMod val="75000"/>
+                    <a:lumOff val="25000"/>
+                  </a:schemeClr>
+                </a:solidFill>
+                <a:latin typeface="+mn-lt"/>
+                <a:ea typeface="+mn-ea"/>
+                <a:cs typeface="+mn-cs"/>
+              </a:defRPr>
+            </a:lvl2pPr>
+            <a:lvl3pPr marL="1143000" indent="-228600" algn="l" defTabSz="457200" rtl="0" eaLnBrk="1" latinLnBrk="0" hangingPunct="1">
+              <a:spcBef>
+                <a:spcPts val="1000"/>
+              </a:spcBef>
+              <a:spcAft>
+                <a:spcPts val="0"/>
+              </a:spcAft>
+              <a:buClr>
+                <a:schemeClr val="accent1"/>
+              </a:buClr>
+              <a:buSzPct val="80000"/>
+              <a:buFont typeface="Wingdings 3" charset="2"/>
+              <a:buChar char=""/>
+              <a:defRPr sz="1400" kern="1200">
+                <a:solidFill>
+                  <a:schemeClr val="tx1">
+                    <a:lumMod val="75000"/>
+                    <a:lumOff val="25000"/>
+                  </a:schemeClr>
+                </a:solidFill>
+                <a:latin typeface="+mn-lt"/>
+                <a:ea typeface="+mn-ea"/>
+                <a:cs typeface="+mn-cs"/>
+              </a:defRPr>
+            </a:lvl3pPr>
+            <a:lvl4pPr marL="1600200" indent="-228600" algn="l" defTabSz="457200" rtl="0" eaLnBrk="1" latinLnBrk="0" hangingPunct="1">
+              <a:spcBef>
+                <a:spcPts val="1000"/>
+              </a:spcBef>
+              <a:spcAft>
+                <a:spcPts val="0"/>
+              </a:spcAft>
+              <a:buClr>
+                <a:schemeClr val="accent1"/>
+              </a:buClr>
+              <a:buSzPct val="80000"/>
+              <a:buFont typeface="Wingdings 3" charset="2"/>
+              <a:buChar char=""/>
+              <a:defRPr sz="1200" kern="1200">
+                <a:solidFill>
+                  <a:schemeClr val="tx1">
+                    <a:lumMod val="75000"/>
+                    <a:lumOff val="25000"/>
+                  </a:schemeClr>
+                </a:solidFill>
+                <a:latin typeface="+mn-lt"/>
+                <a:ea typeface="+mn-ea"/>
+                <a:cs typeface="+mn-cs"/>
+              </a:defRPr>
+            </a:lvl4pPr>
+            <a:lvl5pPr marL="2057400" indent="-228600" algn="l" defTabSz="457200" rtl="0" eaLnBrk="1" latinLnBrk="0" hangingPunct="1">
+              <a:spcBef>
+                <a:spcPts val="1000"/>
+              </a:spcBef>
+              <a:spcAft>
+                <a:spcPts val="0"/>
+              </a:spcAft>
+              <a:buClr>
+                <a:schemeClr val="accent1"/>
+              </a:buClr>
+              <a:buSzPct val="80000"/>
+              <a:buFont typeface="Wingdings 3" charset="2"/>
+              <a:buChar char=""/>
+              <a:defRPr sz="1200" kern="1200">
+                <a:solidFill>
+                  <a:schemeClr val="tx1">
+                    <a:lumMod val="75000"/>
+                    <a:lumOff val="25000"/>
+                  </a:schemeClr>
+                </a:solidFill>
+                <a:latin typeface="+mn-lt"/>
+                <a:ea typeface="+mn-ea"/>
+                <a:cs typeface="+mn-cs"/>
+              </a:defRPr>
+            </a:lvl5pPr>
+            <a:lvl6pPr marL="2514600" indent="-228600" algn="l" defTabSz="457200" rtl="0" eaLnBrk="1" latinLnBrk="0" hangingPunct="1">
+              <a:spcBef>
+                <a:spcPts val="1000"/>
+              </a:spcBef>
+              <a:spcAft>
+                <a:spcPts val="0"/>
+              </a:spcAft>
+              <a:buClr>
+                <a:schemeClr val="accent1"/>
+              </a:buClr>
+              <a:buSzPct val="80000"/>
+              <a:buFont typeface="Wingdings 3" charset="2"/>
+              <a:buChar char=""/>
+              <a:defRPr sz="1200" kern="1200">
+                <a:solidFill>
+                  <a:schemeClr val="tx1">
+                    <a:lumMod val="75000"/>
+                    <a:lumOff val="25000"/>
+                  </a:schemeClr>
+                </a:solidFill>
+                <a:latin typeface="+mn-lt"/>
+                <a:ea typeface="+mn-ea"/>
+                <a:cs typeface="+mn-cs"/>
+              </a:defRPr>
+            </a:lvl6pPr>
+            <a:lvl7pPr marL="2971800" indent="-228600" algn="l" defTabSz="457200" rtl="0" eaLnBrk="1" latinLnBrk="0" hangingPunct="1">
+              <a:spcBef>
+                <a:spcPts val="1000"/>
+              </a:spcBef>
+              <a:spcAft>
+                <a:spcPts val="0"/>
+              </a:spcAft>
+              <a:buClr>
+                <a:schemeClr val="accent1"/>
+              </a:buClr>
+              <a:buSzPct val="80000"/>
+              <a:buFont typeface="Wingdings 3" charset="2"/>
+              <a:buChar char=""/>
+              <a:defRPr sz="1200" kern="1200">
+                <a:solidFill>
+                  <a:schemeClr val="tx1">
+                    <a:lumMod val="75000"/>
+                    <a:lumOff val="25000"/>
+                  </a:schemeClr>
+                </a:solidFill>
+                <a:latin typeface="+mn-lt"/>
+                <a:ea typeface="+mn-ea"/>
+                <a:cs typeface="+mn-cs"/>
+              </a:defRPr>
+            </a:lvl7pPr>
+            <a:lvl8pPr marL="3429000" indent="-228600" algn="l" defTabSz="457200" rtl="0" eaLnBrk="1" latinLnBrk="0" hangingPunct="1">
+              <a:spcBef>
+                <a:spcPts val="1000"/>
+              </a:spcBef>
+              <a:spcAft>
+                <a:spcPts val="0"/>
+              </a:spcAft>
+              <a:buClr>
+                <a:schemeClr val="accent1"/>
+              </a:buClr>
+              <a:buSzPct val="80000"/>
+              <a:buFont typeface="Wingdings 3" charset="2"/>
+              <a:buChar char=""/>
+              <a:defRPr sz="1200" kern="1200">
+                <a:solidFill>
+                  <a:schemeClr val="tx1">
+                    <a:lumMod val="75000"/>
+                    <a:lumOff val="25000"/>
+                  </a:schemeClr>
+                </a:solidFill>
+                <a:latin typeface="+mn-lt"/>
+                <a:ea typeface="+mn-ea"/>
+                <a:cs typeface="+mn-cs"/>
+              </a:defRPr>
+            </a:lvl8pPr>
+            <a:lvl9pPr marL="3886200" indent="-228600" algn="l" defTabSz="457200" rtl="0" eaLnBrk="1" latinLnBrk="0" hangingPunct="1">
+              <a:spcBef>
+                <a:spcPts val="1000"/>
+              </a:spcBef>
+              <a:spcAft>
+                <a:spcPts val="0"/>
+              </a:spcAft>
+              <a:buClr>
+                <a:schemeClr val="accent1"/>
+              </a:buClr>
+              <a:buSzPct val="80000"/>
+              <a:buFont typeface="Wingdings 3" charset="2"/>
+              <a:buChar char=""/>
+              <a:defRPr sz="1200" kern="1200">
+                <a:solidFill>
+                  <a:schemeClr val="tx1">
+                    <a:lumMod val="75000"/>
+                    <a:lumOff val="25000"/>
+                  </a:schemeClr>
+                </a:solidFill>
+                <a:latin typeface="+mn-lt"/>
+                <a:ea typeface="+mn-ea"/>
+                <a:cs typeface="+mn-cs"/>
+              </a:defRPr>
+            </a:lvl9pPr>
+          </a:lstStyle>
+          <a:p>
+            <a:pPr marL="0" indent="0">
+              <a:buFont typeface="Wingdings 3" charset="2"/>
+              <a:buNone/>
+            </a:pPr>
+            <a:r>
+              <a:rPr lang="en-US" sz="1400" b="1" dirty="0"/>
+              <a:t>wire below mesh</a:t>
+            </a:r>
+            <a:endParaRPr lang="en-US" sz="1400" dirty="0"/>
+          </a:p>
+        </p:txBody>
+      </p:sp>
+      <p:cxnSp>
+        <p:nvCxnSpPr>
+          <p:cNvPr id="69" name="Straight Arrow Connector 68">
+            <a:extLst>
+              <a:ext uri="{FF2B5EF4-FFF2-40B4-BE49-F238E27FC236}">
+                <a16:creationId xmlns:a16="http://schemas.microsoft.com/office/drawing/2014/main" id="{C050A6AB-7CA5-BAB9-F2E9-94D19B145E91}"/>
+              </a:ext>
+            </a:extLst>
+          </p:cNvPr>
+          <p:cNvCxnSpPr>
+            <a:cxnSpLocks/>
+          </p:cNvCxnSpPr>
+          <p:nvPr/>
+        </p:nvCxnSpPr>
+        <p:spPr>
+          <a:xfrm flipH="1">
+            <a:off x="5912075" y="2809491"/>
+            <a:ext cx="1898933" cy="693921"/>
+          </a:xfrm>
+          <a:prstGeom prst="straightConnector1">
+            <a:avLst/>
+          </a:prstGeom>
+          <a:ln w="31750">
+            <a:tailEnd type="triangle"/>
+          </a:ln>
+        </p:spPr>
+        <p:style>
+          <a:lnRef idx="1">
+            <a:schemeClr val="dk1"/>
+          </a:lnRef>
+          <a:fillRef idx="0">
+            <a:schemeClr val="dk1"/>
+          </a:fillRef>
+          <a:effectRef idx="0">
+            <a:schemeClr val="dk1"/>
+          </a:effectRef>
+          <a:fontRef idx="minor">
+            <a:schemeClr val="tx1"/>
+          </a:fontRef>
+        </p:style>
+      </p:cxnSp>
+      <p:cxnSp>
+        <p:nvCxnSpPr>
+          <p:cNvPr id="70" name="Straight Arrow Connector 69">
+            <a:extLst>
+              <a:ext uri="{FF2B5EF4-FFF2-40B4-BE49-F238E27FC236}">
+                <a16:creationId xmlns:a16="http://schemas.microsoft.com/office/drawing/2014/main" id="{91D53113-3E76-D57D-38CA-49E7E9299371}"/>
+              </a:ext>
+            </a:extLst>
+          </p:cNvPr>
+          <p:cNvCxnSpPr>
+            <a:cxnSpLocks/>
+          </p:cNvCxnSpPr>
+          <p:nvPr/>
+        </p:nvCxnSpPr>
+        <p:spPr>
+          <a:xfrm flipH="1">
+            <a:off x="7884731" y="2814263"/>
+            <a:ext cx="304460" cy="758994"/>
+          </a:xfrm>
+          <a:prstGeom prst="straightConnector1">
+            <a:avLst/>
+          </a:prstGeom>
+          <a:ln w="31750">
+            <a:tailEnd type="triangle"/>
+          </a:ln>
+        </p:spPr>
+        <p:style>
+          <a:lnRef idx="1">
+            <a:schemeClr val="dk1"/>
+          </a:lnRef>
+          <a:fillRef idx="0">
+            <a:schemeClr val="dk1"/>
+          </a:fillRef>
+          <a:effectRef idx="0">
+            <a:schemeClr val="dk1"/>
+          </a:effectRef>
+          <a:fontRef idx="minor">
+            <a:schemeClr val="tx1"/>
+          </a:fontRef>
+        </p:style>
+      </p:cxnSp>
+      <p:cxnSp>
+        <p:nvCxnSpPr>
+          <p:cNvPr id="72" name="Straight Arrow Connector 71">
+            <a:extLst>
+              <a:ext uri="{FF2B5EF4-FFF2-40B4-BE49-F238E27FC236}">
+                <a16:creationId xmlns:a16="http://schemas.microsoft.com/office/drawing/2014/main" id="{B378E88A-F926-AEE1-2A4F-99CA0AC7F99F}"/>
+              </a:ext>
+            </a:extLst>
+          </p:cNvPr>
+          <p:cNvCxnSpPr>
+            <a:cxnSpLocks/>
+          </p:cNvCxnSpPr>
+          <p:nvPr/>
+        </p:nvCxnSpPr>
+        <p:spPr>
+          <a:xfrm>
+            <a:off x="6012896" y="2826448"/>
+            <a:ext cx="812229" cy="1005483"/>
+          </a:xfrm>
+          <a:prstGeom prst="straightConnector1">
+            <a:avLst/>
+          </a:prstGeom>
+          <a:ln w="31750">
+            <a:tailEnd type="triangle"/>
+          </a:ln>
+        </p:spPr>
+        <p:style>
+          <a:lnRef idx="1">
+            <a:schemeClr val="dk1"/>
+          </a:lnRef>
+          <a:fillRef idx="0">
+            <a:schemeClr val="dk1"/>
+          </a:fillRef>
+          <a:effectRef idx="0">
+            <a:schemeClr val="dk1"/>
+          </a:effectRef>
+          <a:fontRef idx="minor">
+            <a:schemeClr val="tx1"/>
+          </a:fontRef>
+        </p:style>
+      </p:cxnSp>
+      <p:cxnSp>
+        <p:nvCxnSpPr>
+          <p:cNvPr id="78" name="Straight Arrow Connector 77">
+            <a:extLst>
+              <a:ext uri="{FF2B5EF4-FFF2-40B4-BE49-F238E27FC236}">
+                <a16:creationId xmlns:a16="http://schemas.microsoft.com/office/drawing/2014/main" id="{30340AA8-0A4E-3F38-1F5A-28708C92A011}"/>
+              </a:ext>
+            </a:extLst>
+          </p:cNvPr>
+          <p:cNvCxnSpPr>
+            <a:cxnSpLocks/>
+          </p:cNvCxnSpPr>
+          <p:nvPr/>
+        </p:nvCxnSpPr>
+        <p:spPr>
+          <a:xfrm flipH="1">
+            <a:off x="5756947" y="2828448"/>
+            <a:ext cx="2089592" cy="1090285"/>
+          </a:xfrm>
+          <a:prstGeom prst="straightConnector1">
+            <a:avLst/>
+          </a:prstGeom>
+          <a:ln w="31750">
+            <a:tailEnd type="triangle"/>
+          </a:ln>
+        </p:spPr>
+        <p:style>
+          <a:lnRef idx="1">
+            <a:schemeClr val="dk1"/>
+          </a:lnRef>
+          <a:fillRef idx="0">
+            <a:schemeClr val="dk1"/>
+          </a:fillRef>
+          <a:effectRef idx="0">
+            <a:schemeClr val="dk1"/>
+          </a:effectRef>
+          <a:fontRef idx="minor">
+            <a:schemeClr val="tx1"/>
+          </a:fontRef>
+        </p:style>
+      </p:cxnSp>
+      <p:cxnSp>
+        <p:nvCxnSpPr>
+          <p:cNvPr id="81" name="Straight Arrow Connector 80">
+            <a:extLst>
+              <a:ext uri="{FF2B5EF4-FFF2-40B4-BE49-F238E27FC236}">
+                <a16:creationId xmlns:a16="http://schemas.microsoft.com/office/drawing/2014/main" id="{8E631242-11E8-03C1-F1F2-071EE26823B6}"/>
+              </a:ext>
+            </a:extLst>
+          </p:cNvPr>
+          <p:cNvCxnSpPr>
+            <a:cxnSpLocks/>
+          </p:cNvCxnSpPr>
+          <p:nvPr/>
+        </p:nvCxnSpPr>
+        <p:spPr>
+          <a:xfrm flipH="1">
+            <a:off x="7920262" y="2826448"/>
+            <a:ext cx="285982" cy="1092285"/>
+          </a:xfrm>
+          <a:prstGeom prst="straightConnector1">
+            <a:avLst/>
+          </a:prstGeom>
+          <a:ln w="31750">
+            <a:tailEnd type="triangle"/>
+          </a:ln>
+        </p:spPr>
+        <p:style>
+          <a:lnRef idx="1">
+            <a:schemeClr val="dk1"/>
+          </a:lnRef>
+          <a:fillRef idx="0">
+            <a:schemeClr val="dk1"/>
+          </a:fillRef>
+          <a:effectRef idx="0">
+            <a:schemeClr val="dk1"/>
+          </a:effectRef>
+          <a:fontRef idx="minor">
+            <a:schemeClr val="tx1"/>
+          </a:fontRef>
+        </p:style>
+      </p:cxnSp>
+      <p:sp>
+        <p:nvSpPr>
+          <p:cNvPr id="87" name="Rectangle: Rounded Corners 86">
+            <a:extLst>
+              <a:ext uri="{FF2B5EF4-FFF2-40B4-BE49-F238E27FC236}">
+                <a16:creationId xmlns:a16="http://schemas.microsoft.com/office/drawing/2014/main" id="{D49A3499-174F-4BBD-0755-68D200AEEBDB}"/>
+              </a:ext>
+            </a:extLst>
+          </p:cNvPr>
+          <p:cNvSpPr/>
+          <p:nvPr/>
+        </p:nvSpPr>
+        <p:spPr>
+          <a:xfrm>
+            <a:off x="1082053" y="5255903"/>
+            <a:ext cx="2589940" cy="1032313"/>
+          </a:xfrm>
+          <a:prstGeom prst="roundRect">
+            <a:avLst/>
+          </a:prstGeom>
+          <a:solidFill>
+            <a:schemeClr val="tx2">
+              <a:lumMod val="60000"/>
+              <a:lumOff val="40000"/>
+            </a:schemeClr>
+          </a:solidFill>
+          <a:ln>
+            <a:noFill/>
+          </a:ln>
+        </p:spPr>
+        <p:style>
+          <a:lnRef idx="2">
+            <a:schemeClr val="accent1">
+              <a:shade val="15000"/>
+            </a:schemeClr>
+          </a:lnRef>
+          <a:fillRef idx="1">
+            <a:schemeClr val="accent1"/>
+          </a:fillRef>
+          <a:effectRef idx="0">
+            <a:schemeClr val="accent1"/>
+          </a:effectRef>
+          <a:fontRef idx="minor">
+            <a:schemeClr val="lt1"/>
+          </a:fontRef>
+        </p:style>
+        <p:txBody>
+          <a:bodyPr rtlCol="0" anchor="ctr"/>
+          <a:lstStyle/>
+          <a:p>
+            <a:pPr algn="ctr"/>
+            <a:endParaRPr lang="en-GB"/>
+          </a:p>
+        </p:txBody>
+      </p:sp>
+      <p:sp>
+        <p:nvSpPr>
+          <p:cNvPr id="88" name="Rectangle: Rounded Corners 87">
+            <a:extLst>
+              <a:ext uri="{FF2B5EF4-FFF2-40B4-BE49-F238E27FC236}">
+                <a16:creationId xmlns:a16="http://schemas.microsoft.com/office/drawing/2014/main" id="{4D6F330E-B1F6-760C-6225-23B5FCFA0D51}"/>
+              </a:ext>
+            </a:extLst>
+          </p:cNvPr>
+          <p:cNvSpPr/>
+          <p:nvPr/>
+        </p:nvSpPr>
+        <p:spPr>
+          <a:xfrm>
+            <a:off x="1173511" y="5255903"/>
+            <a:ext cx="2407024" cy="943213"/>
+          </a:xfrm>
+          <a:prstGeom prst="roundRect">
+            <a:avLst/>
+          </a:prstGeom>
+          <a:solidFill>
+            <a:schemeClr val="tx2">
+              <a:lumMod val="40000"/>
+              <a:lumOff val="60000"/>
+            </a:schemeClr>
+          </a:solidFill>
+          <a:ln>
+            <a:noFill/>
+          </a:ln>
+        </p:spPr>
+        <p:style>
+          <a:lnRef idx="2">
+            <a:schemeClr val="accent1">
+              <a:shade val="15000"/>
+            </a:schemeClr>
+          </a:lnRef>
+          <a:fillRef idx="1">
+            <a:schemeClr val="accent1"/>
+          </a:fillRef>
+          <a:effectRef idx="0">
+            <a:schemeClr val="accent1"/>
+          </a:effectRef>
+          <a:fontRef idx="minor">
+            <a:schemeClr val="lt1"/>
+          </a:fontRef>
+        </p:style>
+        <p:txBody>
+          <a:bodyPr rtlCol="0" anchor="ctr"/>
+          <a:lstStyle/>
+          <a:p>
+            <a:pPr algn="ctr"/>
+            <a:endParaRPr lang="en-GB" dirty="0"/>
+          </a:p>
+        </p:txBody>
+      </p:sp>
+      <p:sp>
+        <p:nvSpPr>
+          <p:cNvPr id="90" name="Oval 89">
+            <a:extLst>
+              <a:ext uri="{FF2B5EF4-FFF2-40B4-BE49-F238E27FC236}">
+                <a16:creationId xmlns:a16="http://schemas.microsoft.com/office/drawing/2014/main" id="{88656620-5B3F-801D-2962-C390E69856FA}"/>
+              </a:ext>
+            </a:extLst>
+          </p:cNvPr>
+          <p:cNvSpPr/>
+          <p:nvPr/>
+        </p:nvSpPr>
+        <p:spPr>
+          <a:xfrm>
+            <a:off x="1002979" y="5307913"/>
+            <a:ext cx="161071" cy="164757"/>
+          </a:xfrm>
+          <a:prstGeom prst="ellipse">
+            <a:avLst/>
+          </a:prstGeom>
+          <a:solidFill>
+            <a:schemeClr val="tx2">
+              <a:lumMod val="60000"/>
+              <a:lumOff val="40000"/>
+            </a:schemeClr>
+          </a:solidFill>
+          <a:ln>
+            <a:noFill/>
+          </a:ln>
+        </p:spPr>
+        <p:style>
+          <a:lnRef idx="2">
+            <a:schemeClr val="accent1">
+              <a:shade val="15000"/>
+            </a:schemeClr>
+          </a:lnRef>
+          <a:fillRef idx="1">
+            <a:schemeClr val="accent1"/>
+          </a:fillRef>
+          <a:effectRef idx="0">
+            <a:schemeClr val="accent1"/>
+          </a:effectRef>
+          <a:fontRef idx="minor">
+            <a:schemeClr val="lt1"/>
+          </a:fontRef>
+        </p:style>
+        <p:txBody>
+          <a:bodyPr rtlCol="0" anchor="ctr"/>
+          <a:lstStyle/>
+          <a:p>
+            <a:pPr algn="ctr"/>
+            <a:endParaRPr lang="en-GB"/>
+          </a:p>
+        </p:txBody>
+      </p:sp>
+      <p:sp>
+        <p:nvSpPr>
+          <p:cNvPr id="91" name="Oval 90">
+            <a:extLst>
+              <a:ext uri="{FF2B5EF4-FFF2-40B4-BE49-F238E27FC236}">
+                <a16:creationId xmlns:a16="http://schemas.microsoft.com/office/drawing/2014/main" id="{E0F3D925-1143-12DB-BA8E-DEB68214AA02}"/>
+              </a:ext>
+            </a:extLst>
+          </p:cNvPr>
+          <p:cNvSpPr/>
+          <p:nvPr/>
+        </p:nvSpPr>
+        <p:spPr>
+          <a:xfrm>
+            <a:off x="3580535" y="5303794"/>
+            <a:ext cx="161071" cy="164757"/>
+          </a:xfrm>
+          <a:prstGeom prst="ellipse">
+            <a:avLst/>
+          </a:prstGeom>
+          <a:solidFill>
+            <a:schemeClr val="tx2">
+              <a:lumMod val="60000"/>
+              <a:lumOff val="40000"/>
+            </a:schemeClr>
+          </a:solidFill>
+          <a:ln>
+            <a:noFill/>
+          </a:ln>
+        </p:spPr>
+        <p:style>
+          <a:lnRef idx="2">
+            <a:schemeClr val="accent1">
+              <a:shade val="15000"/>
+            </a:schemeClr>
+          </a:lnRef>
+          <a:fillRef idx="1">
+            <a:schemeClr val="accent1"/>
+          </a:fillRef>
+          <a:effectRef idx="0">
+            <a:schemeClr val="accent1"/>
+          </a:effectRef>
+          <a:fontRef idx="minor">
+            <a:schemeClr val="lt1"/>
+          </a:fontRef>
+        </p:style>
+        <p:txBody>
+          <a:bodyPr rtlCol="0" anchor="ctr"/>
+          <a:lstStyle/>
+          <a:p>
+            <a:pPr algn="ctr"/>
+            <a:endParaRPr lang="en-GB"/>
+          </a:p>
+        </p:txBody>
+      </p:sp>
+      <p:sp>
+        <p:nvSpPr>
+          <p:cNvPr id="89" name="Rectangle 88">
+            <a:extLst>
+              <a:ext uri="{FF2B5EF4-FFF2-40B4-BE49-F238E27FC236}">
+                <a16:creationId xmlns:a16="http://schemas.microsoft.com/office/drawing/2014/main" id="{ED52FBFA-6DE1-9E2E-18EC-A407FF11E26B}"/>
+              </a:ext>
+            </a:extLst>
+          </p:cNvPr>
+          <p:cNvSpPr/>
+          <p:nvPr/>
+        </p:nvSpPr>
+        <p:spPr>
+          <a:xfrm>
+            <a:off x="969787" y="5221416"/>
+            <a:ext cx="2836094" cy="164757"/>
+          </a:xfrm>
+          <a:prstGeom prst="rect">
+            <a:avLst/>
+          </a:prstGeom>
+          <a:solidFill>
+            <a:schemeClr val="bg1"/>
+          </a:solidFill>
+          <a:ln>
+            <a:noFill/>
+          </a:ln>
+        </p:spPr>
+        <p:style>
+          <a:lnRef idx="2">
+            <a:schemeClr val="accent1">
+              <a:shade val="15000"/>
+            </a:schemeClr>
+          </a:lnRef>
+          <a:fillRef idx="1">
+            <a:schemeClr val="accent1"/>
+          </a:fillRef>
+          <a:effectRef idx="0">
+            <a:schemeClr val="accent1"/>
+          </a:effectRef>
+          <a:fontRef idx="minor">
+            <a:schemeClr val="lt1"/>
+          </a:fontRef>
+        </p:style>
+        <p:txBody>
+          <a:bodyPr rtlCol="0" anchor="ctr"/>
+          <a:lstStyle/>
+          <a:p>
+            <a:pPr algn="ctr"/>
+            <a:endParaRPr lang="en-GB"/>
+          </a:p>
+        </p:txBody>
+      </p:sp>
+      <p:sp>
+        <p:nvSpPr>
+          <p:cNvPr id="92" name="Rectangle 91">
+            <a:extLst>
+              <a:ext uri="{FF2B5EF4-FFF2-40B4-BE49-F238E27FC236}">
+                <a16:creationId xmlns:a16="http://schemas.microsoft.com/office/drawing/2014/main" id="{ADFED797-D4F0-0F15-4909-7D05BF37ED38}"/>
+              </a:ext>
+            </a:extLst>
+          </p:cNvPr>
+          <p:cNvSpPr/>
+          <p:nvPr/>
+        </p:nvSpPr>
+        <p:spPr>
+          <a:xfrm>
+            <a:off x="2011933" y="6199117"/>
+            <a:ext cx="672353" cy="117114"/>
+          </a:xfrm>
+          <a:prstGeom prst="rect">
+            <a:avLst/>
+          </a:prstGeom>
+          <a:solidFill>
+            <a:schemeClr val="bg1"/>
+          </a:solidFill>
+          <a:ln>
+            <a:noFill/>
+          </a:ln>
+        </p:spPr>
+        <p:style>
+          <a:lnRef idx="2">
+            <a:schemeClr val="accent1">
+              <a:shade val="15000"/>
+            </a:schemeClr>
+          </a:lnRef>
+          <a:fillRef idx="1">
+            <a:schemeClr val="accent1"/>
+          </a:fillRef>
+          <a:effectRef idx="0">
+            <a:schemeClr val="accent1"/>
+          </a:effectRef>
+          <a:fontRef idx="minor">
+            <a:schemeClr val="lt1"/>
+          </a:fontRef>
+        </p:style>
+        <p:txBody>
+          <a:bodyPr rtlCol="0" anchor="ctr"/>
+          <a:lstStyle/>
+          <a:p>
+            <a:pPr algn="ctr"/>
+            <a:endParaRPr lang="en-GB"/>
+          </a:p>
+        </p:txBody>
+      </p:sp>
+      <p:sp>
+        <p:nvSpPr>
+          <p:cNvPr id="93" name="Rectangle 92">
+            <a:extLst>
+              <a:ext uri="{FF2B5EF4-FFF2-40B4-BE49-F238E27FC236}">
+                <a16:creationId xmlns:a16="http://schemas.microsoft.com/office/drawing/2014/main" id="{993D89EC-EE58-629B-D333-B7B138982BA4}"/>
+              </a:ext>
+            </a:extLst>
+          </p:cNvPr>
+          <p:cNvSpPr/>
+          <p:nvPr/>
+        </p:nvSpPr>
+        <p:spPr>
+          <a:xfrm>
+            <a:off x="1876161" y="6148173"/>
+            <a:ext cx="943896" cy="50943"/>
+          </a:xfrm>
+          <a:prstGeom prst="rect">
+            <a:avLst/>
+          </a:prstGeom>
+          <a:pattFill prst="smGrid">
+            <a:fgClr>
+              <a:schemeClr val="tx1"/>
+            </a:fgClr>
+            <a:bgClr>
+              <a:schemeClr val="tx2">
+                <a:lumMod val="40000"/>
+                <a:lumOff val="60000"/>
+              </a:schemeClr>
+            </a:bgClr>
+          </a:pattFill>
+          <a:ln>
+            <a:noFill/>
+          </a:ln>
+        </p:spPr>
+        <p:style>
+          <a:lnRef idx="2">
+            <a:schemeClr val="accent1">
+              <a:shade val="15000"/>
+            </a:schemeClr>
+          </a:lnRef>
+          <a:fillRef idx="1">
+            <a:schemeClr val="accent1"/>
+          </a:fillRef>
+          <a:effectRef idx="0">
+            <a:schemeClr val="accent1"/>
+          </a:effectRef>
+          <a:fontRef idx="minor">
+            <a:schemeClr val="lt1"/>
+          </a:fontRef>
+        </p:style>
+        <p:txBody>
+          <a:bodyPr rtlCol="0" anchor="ctr"/>
+          <a:lstStyle/>
+          <a:p>
+            <a:pPr algn="ctr"/>
+            <a:endParaRPr lang="en-GB"/>
+          </a:p>
+        </p:txBody>
+      </p:sp>
+      <p:cxnSp>
+        <p:nvCxnSpPr>
+          <p:cNvPr id="98" name="Straight Connector 97">
+            <a:extLst>
+              <a:ext uri="{FF2B5EF4-FFF2-40B4-BE49-F238E27FC236}">
+                <a16:creationId xmlns:a16="http://schemas.microsoft.com/office/drawing/2014/main" id="{C2B817EB-8B6E-E4D2-C1F5-88E277151700}"/>
+              </a:ext>
+            </a:extLst>
+          </p:cNvPr>
+          <p:cNvCxnSpPr>
+            <a:cxnSpLocks/>
+          </p:cNvCxnSpPr>
+          <p:nvPr/>
+        </p:nvCxnSpPr>
+        <p:spPr>
+          <a:xfrm>
+            <a:off x="2639588" y="6315156"/>
+            <a:ext cx="312762" cy="0"/>
+          </a:xfrm>
+          <a:prstGeom prst="line">
+            <a:avLst/>
+          </a:prstGeom>
+          <a:ln w="50800">
+            <a:solidFill>
+              <a:schemeClr val="accent3">
+                <a:lumMod val="75000"/>
+              </a:schemeClr>
+            </a:solidFill>
+          </a:ln>
+          <a:effectLst/>
+        </p:spPr>
+        <p:style>
+          <a:lnRef idx="3">
+            <a:schemeClr val="accent3"/>
+          </a:lnRef>
+          <a:fillRef idx="0">
+            <a:schemeClr val="accent3"/>
+          </a:fillRef>
+          <a:effectRef idx="2">
+            <a:schemeClr val="accent3"/>
+          </a:effectRef>
+          <a:fontRef idx="minor">
+            <a:schemeClr val="tx1"/>
+          </a:fontRef>
+        </p:style>
+      </p:cxnSp>
+      <p:cxnSp>
+        <p:nvCxnSpPr>
+          <p:cNvPr id="99" name="Straight Connector 98">
+            <a:extLst>
+              <a:ext uri="{FF2B5EF4-FFF2-40B4-BE49-F238E27FC236}">
+                <a16:creationId xmlns:a16="http://schemas.microsoft.com/office/drawing/2014/main" id="{7038CE37-FDEF-C42B-C23F-FC6EAE25381A}"/>
+              </a:ext>
+            </a:extLst>
+          </p:cNvPr>
+          <p:cNvCxnSpPr>
+            <a:cxnSpLocks/>
+          </p:cNvCxnSpPr>
+          <p:nvPr/>
+        </p:nvCxnSpPr>
+        <p:spPr>
+          <a:xfrm>
+            <a:off x="1710017" y="6314683"/>
+            <a:ext cx="343055" cy="0"/>
+          </a:xfrm>
+          <a:prstGeom prst="line">
+            <a:avLst/>
+          </a:prstGeom>
+          <a:ln w="50800">
+            <a:solidFill>
+              <a:schemeClr val="accent3">
+                <a:lumMod val="75000"/>
+              </a:schemeClr>
+            </a:solidFill>
+          </a:ln>
+          <a:effectLst/>
+        </p:spPr>
+        <p:style>
+          <a:lnRef idx="3">
+            <a:schemeClr val="accent3"/>
+          </a:lnRef>
+          <a:fillRef idx="0">
+            <a:schemeClr val="accent3"/>
+          </a:fillRef>
+          <a:effectRef idx="2">
+            <a:schemeClr val="accent3"/>
+          </a:effectRef>
+          <a:fontRef idx="minor">
+            <a:schemeClr val="tx1"/>
+          </a:fontRef>
+        </p:style>
+      </p:cxnSp>
+      <p:cxnSp>
+        <p:nvCxnSpPr>
+          <p:cNvPr id="100" name="Straight Connector 99">
+            <a:extLst>
+              <a:ext uri="{FF2B5EF4-FFF2-40B4-BE49-F238E27FC236}">
+                <a16:creationId xmlns:a16="http://schemas.microsoft.com/office/drawing/2014/main" id="{658226BC-C27D-E220-3517-4F2CB38232DA}"/>
+              </a:ext>
+            </a:extLst>
+          </p:cNvPr>
+          <p:cNvCxnSpPr>
+            <a:cxnSpLocks/>
+          </p:cNvCxnSpPr>
+          <p:nvPr/>
+        </p:nvCxnSpPr>
+        <p:spPr>
+          <a:xfrm flipV="1">
+            <a:off x="2053072" y="6122329"/>
+            <a:ext cx="0" cy="187934"/>
+          </a:xfrm>
+          <a:prstGeom prst="line">
+            <a:avLst/>
+          </a:prstGeom>
+          <a:ln w="50800">
+            <a:solidFill>
+              <a:schemeClr val="accent3">
+                <a:lumMod val="75000"/>
+              </a:schemeClr>
+            </a:solidFill>
+          </a:ln>
+          <a:effectLst/>
+        </p:spPr>
+        <p:style>
+          <a:lnRef idx="3">
+            <a:schemeClr val="accent3"/>
+          </a:lnRef>
+          <a:fillRef idx="0">
+            <a:schemeClr val="accent3"/>
+          </a:fillRef>
+          <a:effectRef idx="2">
+            <a:schemeClr val="accent3"/>
+          </a:effectRef>
+          <a:fontRef idx="minor">
+            <a:schemeClr val="tx1"/>
+          </a:fontRef>
+        </p:style>
+      </p:cxnSp>
+      <p:cxnSp>
+        <p:nvCxnSpPr>
+          <p:cNvPr id="107" name="Straight Connector 106">
+            <a:extLst>
+              <a:ext uri="{FF2B5EF4-FFF2-40B4-BE49-F238E27FC236}">
+                <a16:creationId xmlns:a16="http://schemas.microsoft.com/office/drawing/2014/main" id="{35481D82-AE5F-DC0A-16A2-0C0DDEFAFAB2}"/>
+              </a:ext>
+            </a:extLst>
+          </p:cNvPr>
+          <p:cNvCxnSpPr>
+            <a:cxnSpLocks/>
+          </p:cNvCxnSpPr>
+          <p:nvPr/>
+        </p:nvCxnSpPr>
+        <p:spPr>
+          <a:xfrm flipV="1">
+            <a:off x="2639588" y="6122329"/>
+            <a:ext cx="0" cy="187934"/>
+          </a:xfrm>
+          <a:prstGeom prst="line">
+            <a:avLst/>
+          </a:prstGeom>
+          <a:ln w="50800">
+            <a:solidFill>
+              <a:schemeClr val="accent3">
+                <a:lumMod val="75000"/>
+              </a:schemeClr>
+            </a:solidFill>
+          </a:ln>
+          <a:effectLst/>
+        </p:spPr>
+        <p:style>
+          <a:lnRef idx="3">
+            <a:schemeClr val="accent3"/>
+          </a:lnRef>
+          <a:fillRef idx="0">
+            <a:schemeClr val="accent3"/>
+          </a:fillRef>
+          <a:effectRef idx="2">
+            <a:schemeClr val="accent3"/>
+          </a:effectRef>
+          <a:fontRef idx="minor">
+            <a:schemeClr val="tx1"/>
+          </a:fontRef>
+        </p:style>
+      </p:cxnSp>
+      <p:cxnSp>
+        <p:nvCxnSpPr>
+          <p:cNvPr id="97" name="Straight Connector 96">
+            <a:extLst>
+              <a:ext uri="{FF2B5EF4-FFF2-40B4-BE49-F238E27FC236}">
+                <a16:creationId xmlns:a16="http://schemas.microsoft.com/office/drawing/2014/main" id="{4A9D9ACE-6611-C8B9-333B-BFB3BD34D77C}"/>
+              </a:ext>
+            </a:extLst>
+          </p:cNvPr>
+          <p:cNvCxnSpPr>
+            <a:cxnSpLocks/>
+          </p:cNvCxnSpPr>
+          <p:nvPr/>
+        </p:nvCxnSpPr>
+        <p:spPr>
+          <a:xfrm>
+            <a:off x="2053072" y="6116361"/>
+            <a:ext cx="586516" cy="3797"/>
+          </a:xfrm>
+          <a:prstGeom prst="line">
+            <a:avLst/>
+          </a:prstGeom>
+          <a:ln w="50800">
+            <a:solidFill>
+              <a:schemeClr val="accent3">
+                <a:lumMod val="75000"/>
+              </a:schemeClr>
+            </a:solidFill>
+          </a:ln>
+          <a:effectLst/>
+        </p:spPr>
+        <p:style>
+          <a:lnRef idx="3">
+            <a:schemeClr val="accent3"/>
+          </a:lnRef>
+          <a:fillRef idx="0">
+            <a:schemeClr val="accent3"/>
+          </a:fillRef>
+          <a:effectRef idx="2">
+            <a:schemeClr val="accent3"/>
+          </a:effectRef>
+          <a:fontRef idx="minor">
+            <a:schemeClr val="tx1"/>
+          </a:fontRef>
+        </p:style>
+      </p:cxnSp>
+      <p:sp>
+        <p:nvSpPr>
+          <p:cNvPr id="116" name="Rectangle: Rounded Corners 115">
+            <a:extLst>
+              <a:ext uri="{FF2B5EF4-FFF2-40B4-BE49-F238E27FC236}">
+                <a16:creationId xmlns:a16="http://schemas.microsoft.com/office/drawing/2014/main" id="{D18A0AF8-0EFD-8EDC-056D-94AFB7B485FB}"/>
+              </a:ext>
+            </a:extLst>
+          </p:cNvPr>
+          <p:cNvSpPr/>
+          <p:nvPr/>
+        </p:nvSpPr>
+        <p:spPr>
+          <a:xfrm>
+            <a:off x="5493692" y="5255903"/>
+            <a:ext cx="2589940" cy="1032313"/>
+          </a:xfrm>
+          <a:prstGeom prst="roundRect">
+            <a:avLst/>
+          </a:prstGeom>
+          <a:solidFill>
+            <a:schemeClr val="tx2">
+              <a:lumMod val="60000"/>
+              <a:lumOff val="40000"/>
+            </a:schemeClr>
+          </a:solidFill>
+          <a:ln>
+            <a:noFill/>
+          </a:ln>
+        </p:spPr>
+        <p:style>
+          <a:lnRef idx="2">
+            <a:schemeClr val="accent1">
+              <a:shade val="15000"/>
+            </a:schemeClr>
+          </a:lnRef>
+          <a:fillRef idx="1">
+            <a:schemeClr val="accent1"/>
+          </a:fillRef>
+          <a:effectRef idx="0">
+            <a:schemeClr val="accent1"/>
+          </a:effectRef>
+          <a:fontRef idx="minor">
+            <a:schemeClr val="lt1"/>
+          </a:fontRef>
+        </p:style>
+        <p:txBody>
+          <a:bodyPr rtlCol="0" anchor="ctr"/>
+          <a:lstStyle/>
+          <a:p>
+            <a:pPr algn="ctr"/>
+            <a:endParaRPr lang="en-GB"/>
+          </a:p>
+        </p:txBody>
+      </p:sp>
+      <p:sp>
+        <p:nvSpPr>
+          <p:cNvPr id="117" name="Rectangle: Rounded Corners 116">
+            <a:extLst>
+              <a:ext uri="{FF2B5EF4-FFF2-40B4-BE49-F238E27FC236}">
+                <a16:creationId xmlns:a16="http://schemas.microsoft.com/office/drawing/2014/main" id="{4C5ECD66-F919-348D-F236-F9AF8A60F638}"/>
+              </a:ext>
+            </a:extLst>
+          </p:cNvPr>
+          <p:cNvSpPr/>
+          <p:nvPr/>
+        </p:nvSpPr>
+        <p:spPr>
+          <a:xfrm>
+            <a:off x="5585150" y="5255903"/>
+            <a:ext cx="2407024" cy="943213"/>
+          </a:xfrm>
+          <a:prstGeom prst="roundRect">
+            <a:avLst/>
+          </a:prstGeom>
+          <a:solidFill>
+            <a:schemeClr val="tx2">
+              <a:lumMod val="40000"/>
+              <a:lumOff val="60000"/>
+            </a:schemeClr>
+          </a:solidFill>
+          <a:ln>
+            <a:noFill/>
+          </a:ln>
+        </p:spPr>
+        <p:style>
+          <a:lnRef idx="2">
+            <a:schemeClr val="accent1">
+              <a:shade val="15000"/>
+            </a:schemeClr>
+          </a:lnRef>
+          <a:fillRef idx="1">
+            <a:schemeClr val="accent1"/>
+          </a:fillRef>
+          <a:effectRef idx="0">
+            <a:schemeClr val="accent1"/>
+          </a:effectRef>
+          <a:fontRef idx="minor">
+            <a:schemeClr val="lt1"/>
+          </a:fontRef>
+        </p:style>
+        <p:txBody>
+          <a:bodyPr rtlCol="0" anchor="ctr"/>
+          <a:lstStyle/>
+          <a:p>
+            <a:pPr algn="ctr"/>
+            <a:endParaRPr lang="en-GB" dirty="0"/>
+          </a:p>
+        </p:txBody>
+      </p:sp>
+      <p:sp>
+        <p:nvSpPr>
+          <p:cNvPr id="118" name="Oval 117">
+            <a:extLst>
+              <a:ext uri="{FF2B5EF4-FFF2-40B4-BE49-F238E27FC236}">
+                <a16:creationId xmlns:a16="http://schemas.microsoft.com/office/drawing/2014/main" id="{1856209A-F215-216B-22CE-75185813DF31}"/>
+              </a:ext>
+            </a:extLst>
+          </p:cNvPr>
+          <p:cNvSpPr/>
+          <p:nvPr/>
+        </p:nvSpPr>
+        <p:spPr>
+          <a:xfrm>
+            <a:off x="5414618" y="5307913"/>
+            <a:ext cx="161071" cy="164757"/>
+          </a:xfrm>
+          <a:prstGeom prst="ellipse">
+            <a:avLst/>
+          </a:prstGeom>
+          <a:solidFill>
+            <a:schemeClr val="tx2">
+              <a:lumMod val="60000"/>
+              <a:lumOff val="40000"/>
+            </a:schemeClr>
+          </a:solidFill>
+          <a:ln>
+            <a:noFill/>
+          </a:ln>
+        </p:spPr>
+        <p:style>
+          <a:lnRef idx="2">
+            <a:schemeClr val="accent1">
+              <a:shade val="15000"/>
+            </a:schemeClr>
+          </a:lnRef>
+          <a:fillRef idx="1">
+            <a:schemeClr val="accent1"/>
+          </a:fillRef>
+          <a:effectRef idx="0">
+            <a:schemeClr val="accent1"/>
+          </a:effectRef>
+          <a:fontRef idx="minor">
+            <a:schemeClr val="lt1"/>
+          </a:fontRef>
+        </p:style>
+        <p:txBody>
+          <a:bodyPr rtlCol="0" anchor="ctr"/>
+          <a:lstStyle/>
+          <a:p>
+            <a:pPr algn="ctr"/>
+            <a:endParaRPr lang="en-GB"/>
+          </a:p>
+        </p:txBody>
+      </p:sp>
+      <p:sp>
+        <p:nvSpPr>
+          <p:cNvPr id="119" name="Oval 118">
+            <a:extLst>
+              <a:ext uri="{FF2B5EF4-FFF2-40B4-BE49-F238E27FC236}">
+                <a16:creationId xmlns:a16="http://schemas.microsoft.com/office/drawing/2014/main" id="{C13E42A6-4E79-79EE-6202-A0A2E824B4E8}"/>
+              </a:ext>
+            </a:extLst>
+          </p:cNvPr>
+          <p:cNvSpPr/>
+          <p:nvPr/>
+        </p:nvSpPr>
+        <p:spPr>
+          <a:xfrm>
+            <a:off x="7992174" y="5303794"/>
+            <a:ext cx="161071" cy="164757"/>
+          </a:xfrm>
+          <a:prstGeom prst="ellipse">
+            <a:avLst/>
+          </a:prstGeom>
+          <a:solidFill>
+            <a:schemeClr val="tx2">
+              <a:lumMod val="60000"/>
+              <a:lumOff val="40000"/>
+            </a:schemeClr>
+          </a:solidFill>
+          <a:ln>
+            <a:noFill/>
+          </a:ln>
+        </p:spPr>
+        <p:style>
+          <a:lnRef idx="2">
+            <a:schemeClr val="accent1">
+              <a:shade val="15000"/>
+            </a:schemeClr>
+          </a:lnRef>
+          <a:fillRef idx="1">
+            <a:schemeClr val="accent1"/>
+          </a:fillRef>
+          <a:effectRef idx="0">
+            <a:schemeClr val="accent1"/>
+          </a:effectRef>
+          <a:fontRef idx="minor">
+            <a:schemeClr val="lt1"/>
+          </a:fontRef>
+        </p:style>
+        <p:txBody>
+          <a:bodyPr rtlCol="0" anchor="ctr"/>
+          <a:lstStyle/>
+          <a:p>
+            <a:pPr algn="ctr"/>
+            <a:endParaRPr lang="en-GB"/>
+          </a:p>
+        </p:txBody>
+      </p:sp>
+      <p:sp>
+        <p:nvSpPr>
+          <p:cNvPr id="120" name="Rectangle 119">
+            <a:extLst>
+              <a:ext uri="{FF2B5EF4-FFF2-40B4-BE49-F238E27FC236}">
+                <a16:creationId xmlns:a16="http://schemas.microsoft.com/office/drawing/2014/main" id="{55931C5B-D3C2-3BDD-574C-5FD8B4855A41}"/>
+              </a:ext>
+            </a:extLst>
+          </p:cNvPr>
+          <p:cNvSpPr/>
+          <p:nvPr/>
+        </p:nvSpPr>
+        <p:spPr>
+          <a:xfrm>
+            <a:off x="5381426" y="5221416"/>
+            <a:ext cx="2836094" cy="164757"/>
+          </a:xfrm>
+          <a:prstGeom prst="rect">
+            <a:avLst/>
+          </a:prstGeom>
+          <a:solidFill>
+            <a:schemeClr val="bg1"/>
+          </a:solidFill>
+          <a:ln>
+            <a:noFill/>
+          </a:ln>
+        </p:spPr>
+        <p:style>
+          <a:lnRef idx="2">
+            <a:schemeClr val="accent1">
+              <a:shade val="15000"/>
+            </a:schemeClr>
+          </a:lnRef>
+          <a:fillRef idx="1">
+            <a:schemeClr val="accent1"/>
+          </a:fillRef>
+          <a:effectRef idx="0">
+            <a:schemeClr val="accent1"/>
+          </a:effectRef>
+          <a:fontRef idx="minor">
+            <a:schemeClr val="lt1"/>
+          </a:fontRef>
+        </p:style>
+        <p:txBody>
+          <a:bodyPr rtlCol="0" anchor="ctr"/>
+          <a:lstStyle/>
+          <a:p>
+            <a:pPr algn="ctr"/>
+            <a:endParaRPr lang="en-GB"/>
+          </a:p>
+        </p:txBody>
+      </p:sp>
+      <p:sp>
+        <p:nvSpPr>
+          <p:cNvPr id="121" name="Rectangle 120">
+            <a:extLst>
+              <a:ext uri="{FF2B5EF4-FFF2-40B4-BE49-F238E27FC236}">
+                <a16:creationId xmlns:a16="http://schemas.microsoft.com/office/drawing/2014/main" id="{B7CA6282-1B6D-4DC4-BBDC-D83006816879}"/>
+              </a:ext>
+            </a:extLst>
+          </p:cNvPr>
+          <p:cNvSpPr/>
+          <p:nvPr/>
+        </p:nvSpPr>
+        <p:spPr>
+          <a:xfrm>
+            <a:off x="6423572" y="6199117"/>
+            <a:ext cx="672353" cy="117114"/>
+          </a:xfrm>
+          <a:prstGeom prst="rect">
+            <a:avLst/>
+          </a:prstGeom>
+          <a:solidFill>
+            <a:schemeClr val="bg1"/>
+          </a:solidFill>
+          <a:ln>
+            <a:noFill/>
+          </a:ln>
+        </p:spPr>
+        <p:style>
+          <a:lnRef idx="2">
+            <a:schemeClr val="accent1">
+              <a:shade val="15000"/>
+            </a:schemeClr>
+          </a:lnRef>
+          <a:fillRef idx="1">
+            <a:schemeClr val="accent1"/>
+          </a:fillRef>
+          <a:effectRef idx="0">
+            <a:schemeClr val="accent1"/>
+          </a:effectRef>
+          <a:fontRef idx="minor">
+            <a:schemeClr val="lt1"/>
+          </a:fontRef>
+        </p:style>
+        <p:txBody>
+          <a:bodyPr rtlCol="0" anchor="ctr"/>
+          <a:lstStyle/>
+          <a:p>
+            <a:pPr algn="ctr"/>
+            <a:endParaRPr lang="en-GB"/>
+          </a:p>
+        </p:txBody>
+      </p:sp>
+      <p:sp>
+        <p:nvSpPr>
+          <p:cNvPr id="122" name="Rectangle 121">
+            <a:extLst>
+              <a:ext uri="{FF2B5EF4-FFF2-40B4-BE49-F238E27FC236}">
+                <a16:creationId xmlns:a16="http://schemas.microsoft.com/office/drawing/2014/main" id="{2F5247CA-7138-4B83-C380-57373DDDEBD9}"/>
+              </a:ext>
+            </a:extLst>
+          </p:cNvPr>
+          <p:cNvSpPr/>
+          <p:nvPr/>
+        </p:nvSpPr>
+        <p:spPr>
+          <a:xfrm>
+            <a:off x="6287800" y="6148173"/>
+            <a:ext cx="943896" cy="50943"/>
+          </a:xfrm>
+          <a:prstGeom prst="rect">
+            <a:avLst/>
+          </a:prstGeom>
+          <a:pattFill prst="smGrid">
+            <a:fgClr>
+              <a:schemeClr val="tx1"/>
+            </a:fgClr>
+            <a:bgClr>
+              <a:schemeClr val="tx2">
+                <a:lumMod val="40000"/>
+                <a:lumOff val="60000"/>
+              </a:schemeClr>
+            </a:bgClr>
+          </a:pattFill>
+          <a:ln>
+            <a:noFill/>
+          </a:ln>
+        </p:spPr>
+        <p:style>
+          <a:lnRef idx="2">
+            <a:schemeClr val="accent1">
+              <a:shade val="15000"/>
+            </a:schemeClr>
+          </a:lnRef>
+          <a:fillRef idx="1">
+            <a:schemeClr val="accent1"/>
+          </a:fillRef>
+          <a:effectRef idx="0">
+            <a:schemeClr val="accent1"/>
+          </a:effectRef>
+          <a:fontRef idx="minor">
+            <a:schemeClr val="lt1"/>
+          </a:fontRef>
+        </p:style>
+        <p:txBody>
+          <a:bodyPr rtlCol="0" anchor="ctr"/>
+          <a:lstStyle/>
+          <a:p>
+            <a:pPr algn="ctr"/>
+            <a:endParaRPr lang="en-GB"/>
+          </a:p>
+        </p:txBody>
+      </p:sp>
+      <p:cxnSp>
+        <p:nvCxnSpPr>
+          <p:cNvPr id="123" name="Straight Connector 122">
+            <a:extLst>
+              <a:ext uri="{FF2B5EF4-FFF2-40B4-BE49-F238E27FC236}">
+                <a16:creationId xmlns:a16="http://schemas.microsoft.com/office/drawing/2014/main" id="{DE4BAB1D-01BF-4024-7F13-2F877A912D25}"/>
+              </a:ext>
+            </a:extLst>
+          </p:cNvPr>
+          <p:cNvCxnSpPr>
+            <a:cxnSpLocks/>
+          </p:cNvCxnSpPr>
+          <p:nvPr/>
+        </p:nvCxnSpPr>
+        <p:spPr>
+          <a:xfrm>
+            <a:off x="7051227" y="6315156"/>
+            <a:ext cx="312762" cy="0"/>
+          </a:xfrm>
+          <a:prstGeom prst="line">
+            <a:avLst/>
+          </a:prstGeom>
+          <a:ln w="50800">
+            <a:solidFill>
+              <a:schemeClr val="accent3">
+                <a:lumMod val="75000"/>
+              </a:schemeClr>
+            </a:solidFill>
+          </a:ln>
+          <a:effectLst/>
+        </p:spPr>
+        <p:style>
+          <a:lnRef idx="3">
+            <a:schemeClr val="accent3"/>
+          </a:lnRef>
+          <a:fillRef idx="0">
+            <a:schemeClr val="accent3"/>
+          </a:fillRef>
+          <a:effectRef idx="2">
+            <a:schemeClr val="accent3"/>
+          </a:effectRef>
+          <a:fontRef idx="minor">
+            <a:schemeClr val="tx1"/>
+          </a:fontRef>
+        </p:style>
+      </p:cxnSp>
+      <p:cxnSp>
+        <p:nvCxnSpPr>
+          <p:cNvPr id="124" name="Straight Connector 123">
+            <a:extLst>
+              <a:ext uri="{FF2B5EF4-FFF2-40B4-BE49-F238E27FC236}">
+                <a16:creationId xmlns:a16="http://schemas.microsoft.com/office/drawing/2014/main" id="{4AF9F2BE-75FE-CD4B-32D9-260A6A580ADF}"/>
+              </a:ext>
+            </a:extLst>
+          </p:cNvPr>
+          <p:cNvCxnSpPr>
+            <a:cxnSpLocks/>
+          </p:cNvCxnSpPr>
+          <p:nvPr/>
+        </p:nvCxnSpPr>
+        <p:spPr>
+          <a:xfrm>
+            <a:off x="6121656" y="6314683"/>
+            <a:ext cx="343055" cy="0"/>
+          </a:xfrm>
+          <a:prstGeom prst="line">
+            <a:avLst/>
+          </a:prstGeom>
+          <a:ln w="50800">
+            <a:solidFill>
+              <a:schemeClr val="accent3">
+                <a:lumMod val="75000"/>
+              </a:schemeClr>
+            </a:solidFill>
+          </a:ln>
+          <a:effectLst/>
+        </p:spPr>
+        <p:style>
+          <a:lnRef idx="3">
+            <a:schemeClr val="accent3"/>
+          </a:lnRef>
+          <a:fillRef idx="0">
+            <a:schemeClr val="accent3"/>
+          </a:fillRef>
+          <a:effectRef idx="2">
+            <a:schemeClr val="accent3"/>
+          </a:effectRef>
+          <a:fontRef idx="minor">
+            <a:schemeClr val="tx1"/>
+          </a:fontRef>
+        </p:style>
+      </p:cxnSp>
+      <p:cxnSp>
+        <p:nvCxnSpPr>
+          <p:cNvPr id="125" name="Straight Connector 124">
+            <a:extLst>
+              <a:ext uri="{FF2B5EF4-FFF2-40B4-BE49-F238E27FC236}">
+                <a16:creationId xmlns:a16="http://schemas.microsoft.com/office/drawing/2014/main" id="{4F196451-24F1-7F90-2DBB-3788A693A0E0}"/>
+              </a:ext>
+            </a:extLst>
+          </p:cNvPr>
+          <p:cNvCxnSpPr>
+            <a:cxnSpLocks/>
+          </p:cNvCxnSpPr>
+          <p:nvPr/>
+        </p:nvCxnSpPr>
+        <p:spPr>
+          <a:xfrm flipV="1">
+            <a:off x="6464711" y="6122329"/>
+            <a:ext cx="0" cy="187934"/>
+          </a:xfrm>
+          <a:prstGeom prst="line">
+            <a:avLst/>
+          </a:prstGeom>
+          <a:ln w="50800">
+            <a:solidFill>
+              <a:schemeClr val="accent3">
+                <a:lumMod val="75000"/>
+              </a:schemeClr>
+            </a:solidFill>
+          </a:ln>
+          <a:effectLst/>
+        </p:spPr>
+        <p:style>
+          <a:lnRef idx="3">
+            <a:schemeClr val="accent3"/>
+          </a:lnRef>
+          <a:fillRef idx="0">
+            <a:schemeClr val="accent3"/>
+          </a:fillRef>
+          <a:effectRef idx="2">
+            <a:schemeClr val="accent3"/>
+          </a:effectRef>
+          <a:fontRef idx="minor">
+            <a:schemeClr val="tx1"/>
+          </a:fontRef>
+        </p:style>
+      </p:cxnSp>
+      <p:cxnSp>
+        <p:nvCxnSpPr>
+          <p:cNvPr id="126" name="Straight Connector 125">
+            <a:extLst>
+              <a:ext uri="{FF2B5EF4-FFF2-40B4-BE49-F238E27FC236}">
+                <a16:creationId xmlns:a16="http://schemas.microsoft.com/office/drawing/2014/main" id="{0F66B825-A6A4-59F6-0A2B-C29D2835A49A}"/>
+              </a:ext>
+            </a:extLst>
+          </p:cNvPr>
+          <p:cNvCxnSpPr>
+            <a:cxnSpLocks/>
+          </p:cNvCxnSpPr>
+          <p:nvPr/>
+        </p:nvCxnSpPr>
+        <p:spPr>
+          <a:xfrm flipV="1">
+            <a:off x="7051227" y="6122329"/>
+            <a:ext cx="0" cy="187934"/>
+          </a:xfrm>
+          <a:prstGeom prst="line">
+            <a:avLst/>
+          </a:prstGeom>
+          <a:ln w="50800">
+            <a:solidFill>
+              <a:schemeClr val="accent3">
+                <a:lumMod val="75000"/>
+              </a:schemeClr>
+            </a:solidFill>
+          </a:ln>
+          <a:effectLst/>
+        </p:spPr>
+        <p:style>
+          <a:lnRef idx="3">
+            <a:schemeClr val="accent3"/>
+          </a:lnRef>
+          <a:fillRef idx="0">
+            <a:schemeClr val="accent3"/>
+          </a:fillRef>
+          <a:effectRef idx="2">
+            <a:schemeClr val="accent3"/>
+          </a:effectRef>
+          <a:fontRef idx="minor">
+            <a:schemeClr val="tx1"/>
+          </a:fontRef>
+        </p:style>
+      </p:cxnSp>
+      <p:cxnSp>
+        <p:nvCxnSpPr>
+          <p:cNvPr id="127" name="Straight Connector 126">
+            <a:extLst>
+              <a:ext uri="{FF2B5EF4-FFF2-40B4-BE49-F238E27FC236}">
+                <a16:creationId xmlns:a16="http://schemas.microsoft.com/office/drawing/2014/main" id="{A79AF807-D340-5D91-5296-5ED14AE78C04}"/>
+              </a:ext>
+            </a:extLst>
+          </p:cNvPr>
+          <p:cNvCxnSpPr>
+            <a:cxnSpLocks/>
+          </p:cNvCxnSpPr>
+          <p:nvPr/>
+        </p:nvCxnSpPr>
+        <p:spPr>
+          <a:xfrm>
+            <a:off x="6464711" y="6116361"/>
+            <a:ext cx="586516" cy="3797"/>
+          </a:xfrm>
+          <a:prstGeom prst="line">
+            <a:avLst/>
+          </a:prstGeom>
+          <a:ln w="50800">
+            <a:solidFill>
+              <a:schemeClr val="accent3">
+                <a:lumMod val="75000"/>
+              </a:schemeClr>
+            </a:solidFill>
+          </a:ln>
+          <a:effectLst/>
+        </p:spPr>
+        <p:style>
+          <a:lnRef idx="3">
+            <a:schemeClr val="accent3"/>
+          </a:lnRef>
+          <a:fillRef idx="0">
+            <a:schemeClr val="accent3"/>
+          </a:fillRef>
+          <a:effectRef idx="2">
+            <a:schemeClr val="accent3"/>
+          </a:effectRef>
+          <a:fontRef idx="minor">
+            <a:schemeClr val="tx1"/>
+          </a:fontRef>
+        </p:style>
+      </p:cxnSp>
+      <p:cxnSp>
+        <p:nvCxnSpPr>
+          <p:cNvPr id="128" name="Straight Connector 127">
+            <a:extLst>
+              <a:ext uri="{FF2B5EF4-FFF2-40B4-BE49-F238E27FC236}">
+                <a16:creationId xmlns:a16="http://schemas.microsoft.com/office/drawing/2014/main" id="{CA7CB1A1-3DA7-B388-A7CE-2D294E88B172}"/>
+              </a:ext>
+            </a:extLst>
+          </p:cNvPr>
+          <p:cNvCxnSpPr>
+            <a:cxnSpLocks/>
+          </p:cNvCxnSpPr>
+          <p:nvPr/>
+        </p:nvCxnSpPr>
+        <p:spPr>
+          <a:xfrm flipH="1">
+            <a:off x="6534452" y="6218210"/>
+            <a:ext cx="434349" cy="0"/>
+          </a:xfrm>
+          <a:prstGeom prst="line">
+            <a:avLst/>
+          </a:prstGeom>
+          <a:ln w="31750">
+            <a:solidFill>
+              <a:schemeClr val="accent3"/>
+            </a:solidFill>
+          </a:ln>
+        </p:spPr>
+        <p:style>
+          <a:lnRef idx="1">
+            <a:schemeClr val="accent1"/>
+          </a:lnRef>
+          <a:fillRef idx="0">
+            <a:schemeClr val="accent1"/>
+          </a:fillRef>
+          <a:effectRef idx="0">
+            <a:schemeClr val="accent1"/>
+          </a:effectRef>
+          <a:fontRef idx="minor">
+            <a:schemeClr val="tx1"/>
+          </a:fontRef>
+        </p:style>
+      </p:cxnSp>
+      <p:cxnSp>
+        <p:nvCxnSpPr>
+          <p:cNvPr id="131" name="Straight Connector 130">
+            <a:extLst>
+              <a:ext uri="{FF2B5EF4-FFF2-40B4-BE49-F238E27FC236}">
+                <a16:creationId xmlns:a16="http://schemas.microsoft.com/office/drawing/2014/main" id="{9928B966-5818-4F0B-9FDA-9E8C7319D896}"/>
+              </a:ext>
+            </a:extLst>
+          </p:cNvPr>
+          <p:cNvCxnSpPr>
+            <a:cxnSpLocks/>
+          </p:cNvCxnSpPr>
+          <p:nvPr/>
+        </p:nvCxnSpPr>
+        <p:spPr>
+          <a:xfrm flipH="1">
+            <a:off x="6981253" y="6125051"/>
+            <a:ext cx="129584" cy="85088"/>
+          </a:xfrm>
+          <a:prstGeom prst="line">
+            <a:avLst/>
+          </a:prstGeom>
+          <a:ln w="31750">
+            <a:solidFill>
+              <a:schemeClr val="accent3"/>
+            </a:solidFill>
+          </a:ln>
+        </p:spPr>
+        <p:style>
+          <a:lnRef idx="1">
+            <a:schemeClr val="accent1"/>
+          </a:lnRef>
+          <a:fillRef idx="0">
+            <a:schemeClr val="accent1"/>
+          </a:fillRef>
+          <a:effectRef idx="0">
+            <a:schemeClr val="accent1"/>
+          </a:effectRef>
+          <a:fontRef idx="minor">
+            <a:schemeClr val="tx1"/>
+          </a:fontRef>
+        </p:style>
+      </p:cxnSp>
+      <p:cxnSp>
+        <p:nvCxnSpPr>
+          <p:cNvPr id="133" name="Straight Connector 132">
+            <a:extLst>
+              <a:ext uri="{FF2B5EF4-FFF2-40B4-BE49-F238E27FC236}">
+                <a16:creationId xmlns:a16="http://schemas.microsoft.com/office/drawing/2014/main" id="{5B2C5D1D-E128-3FFE-4426-4C98E011501E}"/>
+              </a:ext>
+            </a:extLst>
+          </p:cNvPr>
+          <p:cNvCxnSpPr>
+            <a:cxnSpLocks/>
+          </p:cNvCxnSpPr>
+          <p:nvPr/>
+        </p:nvCxnSpPr>
+        <p:spPr>
+          <a:xfrm flipH="1">
+            <a:off x="7115748" y="6125051"/>
+            <a:ext cx="730791" cy="5784"/>
+          </a:xfrm>
+          <a:prstGeom prst="line">
+            <a:avLst/>
+          </a:prstGeom>
+          <a:ln w="31750">
+            <a:solidFill>
+              <a:schemeClr val="accent3"/>
+            </a:solidFill>
+          </a:ln>
+        </p:spPr>
+        <p:style>
+          <a:lnRef idx="1">
+            <a:schemeClr val="accent1"/>
+          </a:lnRef>
+          <a:fillRef idx="0">
+            <a:schemeClr val="accent1"/>
+          </a:fillRef>
+          <a:effectRef idx="0">
+            <a:schemeClr val="accent1"/>
+          </a:effectRef>
+          <a:fontRef idx="minor">
+            <a:schemeClr val="tx1"/>
+          </a:fontRef>
+        </p:style>
+      </p:cxnSp>
+      <p:cxnSp>
+        <p:nvCxnSpPr>
+          <p:cNvPr id="141" name="Straight Connector 140">
+            <a:extLst>
+              <a:ext uri="{FF2B5EF4-FFF2-40B4-BE49-F238E27FC236}">
+                <a16:creationId xmlns:a16="http://schemas.microsoft.com/office/drawing/2014/main" id="{332E1A4F-584A-126D-D47F-5B5583A3C17A}"/>
+              </a:ext>
+            </a:extLst>
+          </p:cNvPr>
+          <p:cNvCxnSpPr>
+            <a:cxnSpLocks/>
+          </p:cNvCxnSpPr>
+          <p:nvPr/>
+        </p:nvCxnSpPr>
+        <p:spPr>
+          <a:xfrm flipH="1">
+            <a:off x="5706409" y="6131575"/>
+            <a:ext cx="707932" cy="0"/>
+          </a:xfrm>
+          <a:prstGeom prst="line">
+            <a:avLst/>
+          </a:prstGeom>
+          <a:ln w="31750">
+            <a:solidFill>
+              <a:schemeClr val="accent3"/>
+            </a:solidFill>
+          </a:ln>
+        </p:spPr>
+        <p:style>
+          <a:lnRef idx="1">
+            <a:schemeClr val="accent1"/>
+          </a:lnRef>
+          <a:fillRef idx="0">
+            <a:schemeClr val="accent1"/>
+          </a:fillRef>
+          <a:effectRef idx="0">
+            <a:schemeClr val="accent1"/>
+          </a:effectRef>
+          <a:fontRef idx="minor">
+            <a:schemeClr val="tx1"/>
+          </a:fontRef>
+        </p:style>
+      </p:cxnSp>
+      <p:cxnSp>
+        <p:nvCxnSpPr>
+          <p:cNvPr id="142" name="Straight Connector 141">
+            <a:extLst>
+              <a:ext uri="{FF2B5EF4-FFF2-40B4-BE49-F238E27FC236}">
+                <a16:creationId xmlns:a16="http://schemas.microsoft.com/office/drawing/2014/main" id="{3E1C0AF8-583E-EAF3-CF47-196D0822A82C}"/>
+              </a:ext>
+            </a:extLst>
+          </p:cNvPr>
+          <p:cNvCxnSpPr>
+            <a:cxnSpLocks/>
+          </p:cNvCxnSpPr>
+          <p:nvPr/>
+        </p:nvCxnSpPr>
+        <p:spPr>
+          <a:xfrm>
+            <a:off x="6414341" y="6131575"/>
+            <a:ext cx="129584" cy="85088"/>
+          </a:xfrm>
+          <a:prstGeom prst="line">
+            <a:avLst/>
+          </a:prstGeom>
+          <a:ln w="31750">
+            <a:solidFill>
+              <a:schemeClr val="accent3"/>
+            </a:solidFill>
+          </a:ln>
+        </p:spPr>
+        <p:style>
+          <a:lnRef idx="1">
+            <a:schemeClr val="accent1"/>
+          </a:lnRef>
+          <a:fillRef idx="0">
+            <a:schemeClr val="accent1"/>
+          </a:fillRef>
+          <a:effectRef idx="0">
+            <a:schemeClr val="accent1"/>
+          </a:effectRef>
+          <a:fontRef idx="minor">
+            <a:schemeClr val="tx1"/>
+          </a:fontRef>
+        </p:style>
+      </p:cxnSp>
+      <p:cxnSp>
+        <p:nvCxnSpPr>
+          <p:cNvPr id="144" name="Straight Connector 143">
+            <a:extLst>
+              <a:ext uri="{FF2B5EF4-FFF2-40B4-BE49-F238E27FC236}">
+                <a16:creationId xmlns:a16="http://schemas.microsoft.com/office/drawing/2014/main" id="{B972811E-1402-6B30-5171-781B1EF76470}"/>
+              </a:ext>
+            </a:extLst>
+          </p:cNvPr>
+          <p:cNvCxnSpPr>
+            <a:cxnSpLocks/>
+          </p:cNvCxnSpPr>
+          <p:nvPr/>
+        </p:nvCxnSpPr>
+        <p:spPr>
+          <a:xfrm flipH="1">
+            <a:off x="7865764" y="6040067"/>
+            <a:ext cx="75732" cy="84984"/>
+          </a:xfrm>
+          <a:prstGeom prst="line">
+            <a:avLst/>
+          </a:prstGeom>
+          <a:ln w="31750">
+            <a:solidFill>
+              <a:schemeClr val="accent3"/>
+            </a:solidFill>
+          </a:ln>
+        </p:spPr>
+        <p:style>
+          <a:lnRef idx="1">
+            <a:schemeClr val="accent1"/>
+          </a:lnRef>
+          <a:fillRef idx="0">
+            <a:schemeClr val="accent1"/>
+          </a:fillRef>
+          <a:effectRef idx="0">
+            <a:schemeClr val="accent1"/>
+          </a:effectRef>
+          <a:fontRef idx="minor">
+            <a:schemeClr val="tx1"/>
+          </a:fontRef>
+        </p:style>
+      </p:cxnSp>
+      <p:cxnSp>
+        <p:nvCxnSpPr>
+          <p:cNvPr id="146" name="Straight Connector 145">
+            <a:extLst>
+              <a:ext uri="{FF2B5EF4-FFF2-40B4-BE49-F238E27FC236}">
+                <a16:creationId xmlns:a16="http://schemas.microsoft.com/office/drawing/2014/main" id="{F28A637C-BE27-86C6-FC06-646AEF76DD0C}"/>
+              </a:ext>
+            </a:extLst>
+          </p:cNvPr>
+          <p:cNvCxnSpPr>
+            <a:cxnSpLocks/>
+          </p:cNvCxnSpPr>
+          <p:nvPr/>
+        </p:nvCxnSpPr>
+        <p:spPr>
+          <a:xfrm>
+            <a:off x="5630677" y="6044636"/>
+            <a:ext cx="75732" cy="84984"/>
+          </a:xfrm>
+          <a:prstGeom prst="line">
+            <a:avLst/>
+          </a:prstGeom>
+          <a:ln w="31750">
+            <a:solidFill>
+              <a:schemeClr val="accent3"/>
+            </a:solidFill>
+          </a:ln>
+        </p:spPr>
+        <p:style>
+          <a:lnRef idx="1">
+            <a:schemeClr val="accent1"/>
+          </a:lnRef>
+          <a:fillRef idx="0">
+            <a:schemeClr val="accent1"/>
+          </a:fillRef>
+          <a:effectRef idx="0">
+            <a:schemeClr val="accent1"/>
+          </a:effectRef>
+          <a:fontRef idx="minor">
+            <a:schemeClr val="tx1"/>
+          </a:fontRef>
+        </p:style>
+      </p:cxnSp>
+      <p:cxnSp>
+        <p:nvCxnSpPr>
+          <p:cNvPr id="148" name="Straight Connector 147">
+            <a:extLst>
+              <a:ext uri="{FF2B5EF4-FFF2-40B4-BE49-F238E27FC236}">
+                <a16:creationId xmlns:a16="http://schemas.microsoft.com/office/drawing/2014/main" id="{D2AB4594-FD94-187F-1561-34663C6891F6}"/>
+              </a:ext>
+            </a:extLst>
+          </p:cNvPr>
+          <p:cNvCxnSpPr>
+            <a:cxnSpLocks/>
+          </p:cNvCxnSpPr>
+          <p:nvPr/>
+        </p:nvCxnSpPr>
+        <p:spPr>
+          <a:xfrm>
+            <a:off x="7941496" y="5339301"/>
+            <a:ext cx="0" cy="696125"/>
+          </a:xfrm>
+          <a:prstGeom prst="line">
+            <a:avLst/>
+          </a:prstGeom>
+          <a:ln w="31750">
+            <a:solidFill>
+              <a:schemeClr val="accent3"/>
+            </a:solidFill>
+          </a:ln>
+        </p:spPr>
+        <p:style>
+          <a:lnRef idx="1">
+            <a:schemeClr val="accent1"/>
+          </a:lnRef>
+          <a:fillRef idx="0">
+            <a:schemeClr val="accent1"/>
+          </a:fillRef>
+          <a:effectRef idx="0">
+            <a:schemeClr val="accent1"/>
+          </a:effectRef>
+          <a:fontRef idx="minor">
+            <a:schemeClr val="tx1"/>
+          </a:fontRef>
+        </p:style>
+      </p:cxnSp>
+      <p:cxnSp>
+        <p:nvCxnSpPr>
+          <p:cNvPr id="152" name="Straight Connector 151">
+            <a:extLst>
+              <a:ext uri="{FF2B5EF4-FFF2-40B4-BE49-F238E27FC236}">
+                <a16:creationId xmlns:a16="http://schemas.microsoft.com/office/drawing/2014/main" id="{CF02B440-C7EB-0215-2E9A-8CA5D30CBDA4}"/>
+              </a:ext>
+            </a:extLst>
+          </p:cNvPr>
+          <p:cNvCxnSpPr>
+            <a:cxnSpLocks/>
+          </p:cNvCxnSpPr>
+          <p:nvPr/>
+        </p:nvCxnSpPr>
+        <p:spPr>
+          <a:xfrm>
+            <a:off x="5630677" y="5348511"/>
+            <a:ext cx="0" cy="696125"/>
+          </a:xfrm>
+          <a:prstGeom prst="line">
+            <a:avLst/>
+          </a:prstGeom>
+          <a:ln w="31750">
+            <a:solidFill>
+              <a:schemeClr val="accent3"/>
+            </a:solidFill>
+          </a:ln>
+        </p:spPr>
+        <p:style>
+          <a:lnRef idx="1">
+            <a:schemeClr val="accent1"/>
+          </a:lnRef>
+          <a:fillRef idx="0">
+            <a:schemeClr val="accent1"/>
+          </a:fillRef>
+          <a:effectRef idx="0">
+            <a:schemeClr val="accent1"/>
+          </a:effectRef>
+          <a:fontRef idx="minor">
+            <a:schemeClr val="tx1"/>
+          </a:fontRef>
+        </p:style>
+      </p:cxnSp>
+      <p:cxnSp>
+        <p:nvCxnSpPr>
+          <p:cNvPr id="153" name="Straight Connector 152">
+            <a:extLst>
+              <a:ext uri="{FF2B5EF4-FFF2-40B4-BE49-F238E27FC236}">
+                <a16:creationId xmlns:a16="http://schemas.microsoft.com/office/drawing/2014/main" id="{B6869CD1-5ED6-BAAD-EC12-200132F58C7D}"/>
+              </a:ext>
+            </a:extLst>
+          </p:cNvPr>
+          <p:cNvCxnSpPr>
+            <a:cxnSpLocks/>
+          </p:cNvCxnSpPr>
+          <p:nvPr/>
+        </p:nvCxnSpPr>
+        <p:spPr>
+          <a:xfrm flipH="1">
+            <a:off x="7949256" y="5339301"/>
+            <a:ext cx="217868" cy="0"/>
+          </a:xfrm>
+          <a:prstGeom prst="line">
+            <a:avLst/>
+          </a:prstGeom>
+          <a:ln w="31750">
+            <a:solidFill>
+              <a:schemeClr val="accent3"/>
+            </a:solidFill>
+          </a:ln>
+        </p:spPr>
+        <p:style>
+          <a:lnRef idx="1">
+            <a:schemeClr val="accent1"/>
+          </a:lnRef>
+          <a:fillRef idx="0">
+            <a:schemeClr val="accent1"/>
+          </a:fillRef>
+          <a:effectRef idx="0">
+            <a:schemeClr val="accent1"/>
+          </a:effectRef>
+          <a:fontRef idx="minor">
+            <a:schemeClr val="tx1"/>
+          </a:fontRef>
+        </p:style>
+      </p:cxnSp>
+      <p:cxnSp>
+        <p:nvCxnSpPr>
+          <p:cNvPr id="157" name="Straight Connector 156">
+            <a:extLst>
+              <a:ext uri="{FF2B5EF4-FFF2-40B4-BE49-F238E27FC236}">
+                <a16:creationId xmlns:a16="http://schemas.microsoft.com/office/drawing/2014/main" id="{515C3706-58FC-3BB3-BAF7-37F7077B18E8}"/>
+              </a:ext>
+            </a:extLst>
+          </p:cNvPr>
+          <p:cNvCxnSpPr>
+            <a:cxnSpLocks/>
+          </p:cNvCxnSpPr>
+          <p:nvPr/>
+        </p:nvCxnSpPr>
+        <p:spPr>
+          <a:xfrm flipH="1">
+            <a:off x="5411979" y="5348511"/>
+            <a:ext cx="217868" cy="0"/>
+          </a:xfrm>
+          <a:prstGeom prst="line">
+            <a:avLst/>
+          </a:prstGeom>
+          <a:ln w="31750">
+            <a:solidFill>
+              <a:schemeClr val="accent3"/>
+            </a:solidFill>
+          </a:ln>
+        </p:spPr>
+        <p:style>
+          <a:lnRef idx="1">
+            <a:schemeClr val="accent1"/>
+          </a:lnRef>
+          <a:fillRef idx="0">
+            <a:schemeClr val="accent1"/>
+          </a:fillRef>
+          <a:effectRef idx="0">
+            <a:schemeClr val="accent1"/>
+          </a:effectRef>
+          <a:fontRef idx="minor">
+            <a:schemeClr val="tx1"/>
+          </a:fontRef>
+        </p:style>
+      </p:cxnSp>
+      <p:cxnSp>
+        <p:nvCxnSpPr>
+          <p:cNvPr id="159" name="Straight Connector 158">
+            <a:extLst>
+              <a:ext uri="{FF2B5EF4-FFF2-40B4-BE49-F238E27FC236}">
+                <a16:creationId xmlns:a16="http://schemas.microsoft.com/office/drawing/2014/main" id="{6677323C-F099-2EEE-5917-39D1D6E840CE}"/>
+              </a:ext>
+            </a:extLst>
+          </p:cNvPr>
+          <p:cNvCxnSpPr>
+            <a:cxnSpLocks/>
+          </p:cNvCxnSpPr>
+          <p:nvPr/>
+        </p:nvCxnSpPr>
+        <p:spPr>
+          <a:xfrm flipH="1">
+            <a:off x="4985468" y="5348511"/>
+            <a:ext cx="426511" cy="523527"/>
+          </a:xfrm>
+          <a:prstGeom prst="line">
+            <a:avLst/>
+          </a:prstGeom>
+          <a:ln w="31750">
+            <a:solidFill>
+              <a:schemeClr val="accent3"/>
+            </a:solidFill>
+          </a:ln>
+        </p:spPr>
+        <p:style>
+          <a:lnRef idx="1">
+            <a:schemeClr val="accent1"/>
+          </a:lnRef>
+          <a:fillRef idx="0">
+            <a:schemeClr val="accent1"/>
+          </a:fillRef>
+          <a:effectRef idx="0">
+            <a:schemeClr val="accent1"/>
+          </a:effectRef>
+          <a:fontRef idx="minor">
+            <a:schemeClr val="tx1"/>
+          </a:fontRef>
+        </p:style>
+      </p:cxnSp>
+      <p:cxnSp>
+        <p:nvCxnSpPr>
+          <p:cNvPr id="163" name="Straight Connector 162">
+            <a:extLst>
+              <a:ext uri="{FF2B5EF4-FFF2-40B4-BE49-F238E27FC236}">
+                <a16:creationId xmlns:a16="http://schemas.microsoft.com/office/drawing/2014/main" id="{9562E4AC-C791-A560-1112-51DC00C4D72B}"/>
+              </a:ext>
+            </a:extLst>
+          </p:cNvPr>
+          <p:cNvCxnSpPr>
+            <a:cxnSpLocks/>
+          </p:cNvCxnSpPr>
+          <p:nvPr/>
+        </p:nvCxnSpPr>
+        <p:spPr>
+          <a:xfrm>
+            <a:off x="8161480" y="5340772"/>
+            <a:ext cx="426511" cy="523527"/>
+          </a:xfrm>
+          <a:prstGeom prst="line">
+            <a:avLst/>
+          </a:prstGeom>
+          <a:ln w="31750">
+            <a:solidFill>
+              <a:schemeClr val="accent3"/>
+            </a:solidFill>
+          </a:ln>
+        </p:spPr>
+        <p:style>
+          <a:lnRef idx="1">
+            <a:schemeClr val="accent1"/>
+          </a:lnRef>
+          <a:fillRef idx="0">
+            <a:schemeClr val="accent1"/>
+          </a:fillRef>
+          <a:effectRef idx="0">
+            <a:schemeClr val="accent1"/>
+          </a:effectRef>
+          <a:fontRef idx="minor">
+            <a:schemeClr val="tx1"/>
+          </a:fontRef>
+        </p:style>
+      </p:cxnSp>
+      <p:cxnSp>
+        <p:nvCxnSpPr>
+          <p:cNvPr id="164" name="Straight Connector 163">
+            <a:extLst>
+              <a:ext uri="{FF2B5EF4-FFF2-40B4-BE49-F238E27FC236}">
+                <a16:creationId xmlns:a16="http://schemas.microsoft.com/office/drawing/2014/main" id="{E993372C-A01D-D32B-A8A7-2A0EFF3029C5}"/>
+              </a:ext>
+            </a:extLst>
+          </p:cNvPr>
+          <p:cNvCxnSpPr>
+            <a:cxnSpLocks/>
+          </p:cNvCxnSpPr>
+          <p:nvPr/>
+        </p:nvCxnSpPr>
+        <p:spPr>
+          <a:xfrm flipH="1">
+            <a:off x="8589622" y="5602535"/>
+            <a:ext cx="259425" cy="261764"/>
+          </a:xfrm>
+          <a:prstGeom prst="line">
+            <a:avLst/>
+          </a:prstGeom>
+          <a:ln w="31750">
+            <a:solidFill>
+              <a:schemeClr val="accent3"/>
+            </a:solidFill>
+          </a:ln>
+        </p:spPr>
+        <p:style>
+          <a:lnRef idx="1">
+            <a:schemeClr val="accent1"/>
+          </a:lnRef>
+          <a:fillRef idx="0">
+            <a:schemeClr val="accent1"/>
+          </a:fillRef>
+          <a:effectRef idx="0">
+            <a:schemeClr val="accent1"/>
+          </a:effectRef>
+          <a:fontRef idx="minor">
+            <a:schemeClr val="tx1"/>
+          </a:fontRef>
+        </p:style>
+      </p:cxnSp>
+      <p:sp>
+        <p:nvSpPr>
+          <p:cNvPr id="166" name="Content Placeholder 2">
+            <a:extLst>
+              <a:ext uri="{FF2B5EF4-FFF2-40B4-BE49-F238E27FC236}">
+                <a16:creationId xmlns:a16="http://schemas.microsoft.com/office/drawing/2014/main" id="{181F765B-B333-34E5-4A58-E853C52137D4}"/>
+              </a:ext>
+            </a:extLst>
+          </p:cNvPr>
+          <p:cNvSpPr txBox="1">
+            <a:spLocks/>
+          </p:cNvSpPr>
+          <p:nvPr/>
+        </p:nvSpPr>
+        <p:spPr>
+          <a:xfrm>
+            <a:off x="9298473" y="3394507"/>
+            <a:ext cx="1563970" cy="716374"/>
+          </a:xfrm>
+          <a:prstGeom prst="rect">
+            <a:avLst/>
+          </a:prstGeom>
+        </p:spPr>
+        <p:txBody>
+          <a:bodyPr vert="horz" lIns="91440" tIns="45720" rIns="91440" bIns="45720" rtlCol="0">
+            <a:normAutofit lnSpcReduction="10000"/>
+          </a:bodyPr>
+          <a:lstStyle>
+            <a:lvl1pPr marL="342900" indent="-342900" algn="l" defTabSz="457200" rtl="0" eaLnBrk="1" latinLnBrk="0" hangingPunct="1">
+              <a:spcBef>
+                <a:spcPts val="1000"/>
+              </a:spcBef>
+              <a:spcAft>
+                <a:spcPts val="0"/>
+              </a:spcAft>
+              <a:buClr>
+                <a:schemeClr val="accent1"/>
+              </a:buClr>
+              <a:buSzPct val="80000"/>
+              <a:buFont typeface="Wingdings 3" charset="2"/>
+              <a:buChar char=""/>
+              <a:defRPr sz="1800" kern="1200">
+                <a:solidFill>
+                  <a:schemeClr val="tx1">
+                    <a:lumMod val="75000"/>
+                    <a:lumOff val="25000"/>
+                  </a:schemeClr>
+                </a:solidFill>
+                <a:latin typeface="+mn-lt"/>
+                <a:ea typeface="+mn-ea"/>
+                <a:cs typeface="+mn-cs"/>
+              </a:defRPr>
+            </a:lvl1pPr>
+            <a:lvl2pPr marL="742950" indent="-285750" algn="l" defTabSz="457200" rtl="0" eaLnBrk="1" latinLnBrk="0" hangingPunct="1">
+              <a:spcBef>
+                <a:spcPts val="1000"/>
+              </a:spcBef>
+              <a:spcAft>
+                <a:spcPts val="0"/>
+              </a:spcAft>
+              <a:buClr>
+                <a:schemeClr val="accent1"/>
+              </a:buClr>
+              <a:buSzPct val="80000"/>
+              <a:buFont typeface="Wingdings 3" charset="2"/>
+              <a:buChar char=""/>
+              <a:defRPr sz="1600" kern="1200">
+                <a:solidFill>
+                  <a:schemeClr val="tx1">
+                    <a:lumMod val="75000"/>
+                    <a:lumOff val="25000"/>
+                  </a:schemeClr>
+                </a:solidFill>
+                <a:latin typeface="+mn-lt"/>
+                <a:ea typeface="+mn-ea"/>
+                <a:cs typeface="+mn-cs"/>
+              </a:defRPr>
+            </a:lvl2pPr>
+            <a:lvl3pPr marL="1143000" indent="-228600" algn="l" defTabSz="457200" rtl="0" eaLnBrk="1" latinLnBrk="0" hangingPunct="1">
+              <a:spcBef>
+                <a:spcPts val="1000"/>
+              </a:spcBef>
+              <a:spcAft>
+                <a:spcPts val="0"/>
+              </a:spcAft>
+              <a:buClr>
+                <a:schemeClr val="accent1"/>
+              </a:buClr>
+              <a:buSzPct val="80000"/>
+              <a:buFont typeface="Wingdings 3" charset="2"/>
+              <a:buChar char=""/>
+              <a:defRPr sz="1400" kern="1200">
+                <a:solidFill>
+                  <a:schemeClr val="tx1">
+                    <a:lumMod val="75000"/>
+                    <a:lumOff val="25000"/>
+                  </a:schemeClr>
+                </a:solidFill>
+                <a:latin typeface="+mn-lt"/>
+                <a:ea typeface="+mn-ea"/>
+                <a:cs typeface="+mn-cs"/>
+              </a:defRPr>
+            </a:lvl3pPr>
+            <a:lvl4pPr marL="1600200" indent="-228600" algn="l" defTabSz="457200" rtl="0" eaLnBrk="1" latinLnBrk="0" hangingPunct="1">
+              <a:spcBef>
+                <a:spcPts val="1000"/>
+              </a:spcBef>
+              <a:spcAft>
+                <a:spcPts val="0"/>
+              </a:spcAft>
+              <a:buClr>
+                <a:schemeClr val="accent1"/>
+              </a:buClr>
+              <a:buSzPct val="80000"/>
+              <a:buFont typeface="Wingdings 3" charset="2"/>
+              <a:buChar char=""/>
+              <a:defRPr sz="1200" kern="1200">
+                <a:solidFill>
+                  <a:schemeClr val="tx1">
+                    <a:lumMod val="75000"/>
+                    <a:lumOff val="25000"/>
+                  </a:schemeClr>
+                </a:solidFill>
+                <a:latin typeface="+mn-lt"/>
+                <a:ea typeface="+mn-ea"/>
+                <a:cs typeface="+mn-cs"/>
+              </a:defRPr>
+            </a:lvl4pPr>
+            <a:lvl5pPr marL="2057400" indent="-228600" algn="l" defTabSz="457200" rtl="0" eaLnBrk="1" latinLnBrk="0" hangingPunct="1">
+              <a:spcBef>
+                <a:spcPts val="1000"/>
+              </a:spcBef>
+              <a:spcAft>
+                <a:spcPts val="0"/>
+              </a:spcAft>
+              <a:buClr>
+                <a:schemeClr val="accent1"/>
+              </a:buClr>
+              <a:buSzPct val="80000"/>
+              <a:buFont typeface="Wingdings 3" charset="2"/>
+              <a:buChar char=""/>
+              <a:defRPr sz="1200" kern="1200">
+                <a:solidFill>
+                  <a:schemeClr val="tx1">
+                    <a:lumMod val="75000"/>
+                    <a:lumOff val="25000"/>
+                  </a:schemeClr>
+                </a:solidFill>
+                <a:latin typeface="+mn-lt"/>
+                <a:ea typeface="+mn-ea"/>
+                <a:cs typeface="+mn-cs"/>
+              </a:defRPr>
+            </a:lvl5pPr>
+            <a:lvl6pPr marL="2514600" indent="-228600" algn="l" defTabSz="457200" rtl="0" eaLnBrk="1" latinLnBrk="0" hangingPunct="1">
+              <a:spcBef>
+                <a:spcPts val="1000"/>
+              </a:spcBef>
+              <a:spcAft>
+                <a:spcPts val="0"/>
+              </a:spcAft>
+              <a:buClr>
+                <a:schemeClr val="accent1"/>
+              </a:buClr>
+              <a:buSzPct val="80000"/>
+              <a:buFont typeface="Wingdings 3" charset="2"/>
+              <a:buChar char=""/>
+              <a:defRPr sz="1200" kern="1200">
+                <a:solidFill>
+                  <a:schemeClr val="tx1">
+                    <a:lumMod val="75000"/>
+                    <a:lumOff val="25000"/>
+                  </a:schemeClr>
+                </a:solidFill>
+                <a:latin typeface="+mn-lt"/>
+                <a:ea typeface="+mn-ea"/>
+                <a:cs typeface="+mn-cs"/>
+              </a:defRPr>
+            </a:lvl6pPr>
+            <a:lvl7pPr marL="2971800" indent="-228600" algn="l" defTabSz="457200" rtl="0" eaLnBrk="1" latinLnBrk="0" hangingPunct="1">
+              <a:spcBef>
+                <a:spcPts val="1000"/>
+              </a:spcBef>
+              <a:spcAft>
+                <a:spcPts val="0"/>
+              </a:spcAft>
+              <a:buClr>
+                <a:schemeClr val="accent1"/>
+              </a:buClr>
+              <a:buSzPct val="80000"/>
+              <a:buFont typeface="Wingdings 3" charset="2"/>
+              <a:buChar char=""/>
+              <a:defRPr sz="1200" kern="1200">
+                <a:solidFill>
+                  <a:schemeClr val="tx1">
+                    <a:lumMod val="75000"/>
+                    <a:lumOff val="25000"/>
+                  </a:schemeClr>
+                </a:solidFill>
+                <a:latin typeface="+mn-lt"/>
+                <a:ea typeface="+mn-ea"/>
+                <a:cs typeface="+mn-cs"/>
+              </a:defRPr>
+            </a:lvl7pPr>
+            <a:lvl8pPr marL="3429000" indent="-228600" algn="l" defTabSz="457200" rtl="0" eaLnBrk="1" latinLnBrk="0" hangingPunct="1">
+              <a:spcBef>
+                <a:spcPts val="1000"/>
+              </a:spcBef>
+              <a:spcAft>
+                <a:spcPts val="0"/>
+              </a:spcAft>
+              <a:buClr>
+                <a:schemeClr val="accent1"/>
+              </a:buClr>
+              <a:buSzPct val="80000"/>
+              <a:buFont typeface="Wingdings 3" charset="2"/>
+              <a:buChar char=""/>
+              <a:defRPr sz="1200" kern="1200">
+                <a:solidFill>
+                  <a:schemeClr val="tx1">
+                    <a:lumMod val="75000"/>
+                    <a:lumOff val="25000"/>
+                  </a:schemeClr>
+                </a:solidFill>
+                <a:latin typeface="+mn-lt"/>
+                <a:ea typeface="+mn-ea"/>
+                <a:cs typeface="+mn-cs"/>
+              </a:defRPr>
+            </a:lvl8pPr>
+            <a:lvl9pPr marL="3886200" indent="-228600" algn="l" defTabSz="457200" rtl="0" eaLnBrk="1" latinLnBrk="0" hangingPunct="1">
+              <a:spcBef>
+                <a:spcPts val="1000"/>
+              </a:spcBef>
+              <a:spcAft>
+                <a:spcPts val="0"/>
+              </a:spcAft>
+              <a:buClr>
+                <a:schemeClr val="accent1"/>
+              </a:buClr>
+              <a:buSzPct val="80000"/>
+              <a:buFont typeface="Wingdings 3" charset="2"/>
+              <a:buChar char=""/>
+              <a:defRPr sz="1200" kern="1200">
+                <a:solidFill>
+                  <a:schemeClr val="tx1">
+                    <a:lumMod val="75000"/>
+                    <a:lumOff val="25000"/>
+                  </a:schemeClr>
+                </a:solidFill>
+                <a:latin typeface="+mn-lt"/>
+                <a:ea typeface="+mn-ea"/>
+                <a:cs typeface="+mn-cs"/>
+              </a:defRPr>
+            </a:lvl9pPr>
+          </a:lstStyle>
+          <a:p>
+            <a:pPr marL="0" indent="0">
+              <a:buFont typeface="Wingdings 3" charset="2"/>
+              <a:buNone/>
+            </a:pPr>
+            <a:r>
+              <a:rPr lang="en-US" sz="1400" b="1" dirty="0"/>
+              <a:t>one side of each wire longer than the other</a:t>
+            </a:r>
+            <a:endParaRPr lang="en-US" sz="1400" dirty="0"/>
+          </a:p>
+        </p:txBody>
+      </p:sp>
+      <p:cxnSp>
+        <p:nvCxnSpPr>
+          <p:cNvPr id="167" name="Straight Arrow Connector 166">
+            <a:extLst>
+              <a:ext uri="{FF2B5EF4-FFF2-40B4-BE49-F238E27FC236}">
+                <a16:creationId xmlns:a16="http://schemas.microsoft.com/office/drawing/2014/main" id="{706EAF20-8638-51BF-21BE-9ADC34B39158}"/>
+              </a:ext>
+            </a:extLst>
+          </p:cNvPr>
+          <p:cNvCxnSpPr>
+            <a:cxnSpLocks/>
+          </p:cNvCxnSpPr>
+          <p:nvPr/>
+        </p:nvCxnSpPr>
+        <p:spPr>
+          <a:xfrm flipH="1" flipV="1">
+            <a:off x="8912314" y="3572175"/>
+            <a:ext cx="312549" cy="149664"/>
+          </a:xfrm>
+          <a:prstGeom prst="straightConnector1">
+            <a:avLst/>
+          </a:prstGeom>
+          <a:ln w="31750">
+            <a:tailEnd type="triangle"/>
+          </a:ln>
+        </p:spPr>
+        <p:style>
+          <a:lnRef idx="1">
+            <a:schemeClr val="dk1"/>
+          </a:lnRef>
+          <a:fillRef idx="0">
+            <a:schemeClr val="dk1"/>
+          </a:fillRef>
+          <a:effectRef idx="0">
+            <a:schemeClr val="dk1"/>
+          </a:effectRef>
+          <a:fontRef idx="minor">
+            <a:schemeClr val="tx1"/>
+          </a:fontRef>
+        </p:style>
+      </p:cxnSp>
+      <p:cxnSp>
+        <p:nvCxnSpPr>
+          <p:cNvPr id="170" name="Straight Arrow Connector 169">
+            <a:extLst>
+              <a:ext uri="{FF2B5EF4-FFF2-40B4-BE49-F238E27FC236}">
+                <a16:creationId xmlns:a16="http://schemas.microsoft.com/office/drawing/2014/main" id="{DE1B4518-0644-C0B6-5573-06917B9E52D1}"/>
+              </a:ext>
+            </a:extLst>
+          </p:cNvPr>
+          <p:cNvCxnSpPr>
+            <a:cxnSpLocks/>
+          </p:cNvCxnSpPr>
+          <p:nvPr/>
+        </p:nvCxnSpPr>
+        <p:spPr>
+          <a:xfrm flipH="1">
+            <a:off x="8943246" y="3820102"/>
+            <a:ext cx="281617" cy="167570"/>
+          </a:xfrm>
+          <a:prstGeom prst="straightConnector1">
+            <a:avLst/>
+          </a:prstGeom>
+          <a:ln w="31750">
+            <a:tailEnd type="triangle"/>
+          </a:ln>
+        </p:spPr>
+        <p:style>
+          <a:lnRef idx="1">
+            <a:schemeClr val="dk1"/>
+          </a:lnRef>
+          <a:fillRef idx="0">
+            <a:schemeClr val="dk1"/>
+          </a:fillRef>
+          <a:effectRef idx="0">
+            <a:schemeClr val="dk1"/>
+          </a:effectRef>
+          <a:fontRef idx="minor">
+            <a:schemeClr val="tx1"/>
+          </a:fontRef>
+        </p:style>
+      </p:cxnSp>
+      <p:sp>
+        <p:nvSpPr>
+          <p:cNvPr id="176" name="Content Placeholder 2">
+            <a:extLst>
+              <a:ext uri="{FF2B5EF4-FFF2-40B4-BE49-F238E27FC236}">
+                <a16:creationId xmlns:a16="http://schemas.microsoft.com/office/drawing/2014/main" id="{8F19E532-FDD5-20E9-4EE6-2A6487ADFBAD}"/>
+              </a:ext>
+            </a:extLst>
+          </p:cNvPr>
+          <p:cNvSpPr txBox="1">
+            <a:spLocks/>
+          </p:cNvSpPr>
+          <p:nvPr/>
+        </p:nvSpPr>
+        <p:spPr>
+          <a:xfrm>
+            <a:off x="9100310" y="5696573"/>
+            <a:ext cx="1773708" cy="1288379"/>
+          </a:xfrm>
+          <a:prstGeom prst="rect">
+            <a:avLst/>
+          </a:prstGeom>
+        </p:spPr>
+        <p:txBody>
+          <a:bodyPr vert="horz" lIns="91440" tIns="45720" rIns="91440" bIns="45720" rtlCol="0">
+            <a:normAutofit/>
+          </a:bodyPr>
+          <a:lstStyle>
+            <a:lvl1pPr marL="342900" indent="-342900" algn="l" defTabSz="457200" rtl="0" eaLnBrk="1" latinLnBrk="0" hangingPunct="1">
+              <a:spcBef>
+                <a:spcPts val="1000"/>
+              </a:spcBef>
+              <a:spcAft>
+                <a:spcPts val="0"/>
+              </a:spcAft>
+              <a:buClr>
+                <a:schemeClr val="accent1"/>
+              </a:buClr>
+              <a:buSzPct val="80000"/>
+              <a:buFont typeface="Wingdings 3" charset="2"/>
+              <a:buChar char=""/>
+              <a:defRPr sz="1800" kern="1200">
+                <a:solidFill>
+                  <a:schemeClr val="tx1">
+                    <a:lumMod val="75000"/>
+                    <a:lumOff val="25000"/>
+                  </a:schemeClr>
+                </a:solidFill>
+                <a:latin typeface="+mn-lt"/>
+                <a:ea typeface="+mn-ea"/>
+                <a:cs typeface="+mn-cs"/>
+              </a:defRPr>
+            </a:lvl1pPr>
+            <a:lvl2pPr marL="742950" indent="-285750" algn="l" defTabSz="457200" rtl="0" eaLnBrk="1" latinLnBrk="0" hangingPunct="1">
+              <a:spcBef>
+                <a:spcPts val="1000"/>
+              </a:spcBef>
+              <a:spcAft>
+                <a:spcPts val="0"/>
+              </a:spcAft>
+              <a:buClr>
+                <a:schemeClr val="accent1"/>
+              </a:buClr>
+              <a:buSzPct val="80000"/>
+              <a:buFont typeface="Wingdings 3" charset="2"/>
+              <a:buChar char=""/>
+              <a:defRPr sz="1600" kern="1200">
+                <a:solidFill>
+                  <a:schemeClr val="tx1">
+                    <a:lumMod val="75000"/>
+                    <a:lumOff val="25000"/>
+                  </a:schemeClr>
+                </a:solidFill>
+                <a:latin typeface="+mn-lt"/>
+                <a:ea typeface="+mn-ea"/>
+                <a:cs typeface="+mn-cs"/>
+              </a:defRPr>
+            </a:lvl2pPr>
+            <a:lvl3pPr marL="1143000" indent="-228600" algn="l" defTabSz="457200" rtl="0" eaLnBrk="1" latinLnBrk="0" hangingPunct="1">
+              <a:spcBef>
+                <a:spcPts val="1000"/>
+              </a:spcBef>
+              <a:spcAft>
+                <a:spcPts val="0"/>
+              </a:spcAft>
+              <a:buClr>
+                <a:schemeClr val="accent1"/>
+              </a:buClr>
+              <a:buSzPct val="80000"/>
+              <a:buFont typeface="Wingdings 3" charset="2"/>
+              <a:buChar char=""/>
+              <a:defRPr sz="1400" kern="1200">
+                <a:solidFill>
+                  <a:schemeClr val="tx1">
+                    <a:lumMod val="75000"/>
+                    <a:lumOff val="25000"/>
+                  </a:schemeClr>
+                </a:solidFill>
+                <a:latin typeface="+mn-lt"/>
+                <a:ea typeface="+mn-ea"/>
+                <a:cs typeface="+mn-cs"/>
+              </a:defRPr>
+            </a:lvl3pPr>
+            <a:lvl4pPr marL="1600200" indent="-228600" algn="l" defTabSz="457200" rtl="0" eaLnBrk="1" latinLnBrk="0" hangingPunct="1">
+              <a:spcBef>
+                <a:spcPts val="1000"/>
+              </a:spcBef>
+              <a:spcAft>
+                <a:spcPts val="0"/>
+              </a:spcAft>
+              <a:buClr>
+                <a:schemeClr val="accent1"/>
+              </a:buClr>
+              <a:buSzPct val="80000"/>
+              <a:buFont typeface="Wingdings 3" charset="2"/>
+              <a:buChar char=""/>
+              <a:defRPr sz="1200" kern="1200">
+                <a:solidFill>
+                  <a:schemeClr val="tx1">
+                    <a:lumMod val="75000"/>
+                    <a:lumOff val="25000"/>
+                  </a:schemeClr>
+                </a:solidFill>
+                <a:latin typeface="+mn-lt"/>
+                <a:ea typeface="+mn-ea"/>
+                <a:cs typeface="+mn-cs"/>
+              </a:defRPr>
+            </a:lvl4pPr>
+            <a:lvl5pPr marL="2057400" indent="-228600" algn="l" defTabSz="457200" rtl="0" eaLnBrk="1" latinLnBrk="0" hangingPunct="1">
+              <a:spcBef>
+                <a:spcPts val="1000"/>
+              </a:spcBef>
+              <a:spcAft>
+                <a:spcPts val="0"/>
+              </a:spcAft>
+              <a:buClr>
+                <a:schemeClr val="accent1"/>
+              </a:buClr>
+              <a:buSzPct val="80000"/>
+              <a:buFont typeface="Wingdings 3" charset="2"/>
+              <a:buChar char=""/>
+              <a:defRPr sz="1200" kern="1200">
+                <a:solidFill>
+                  <a:schemeClr val="tx1">
+                    <a:lumMod val="75000"/>
+                    <a:lumOff val="25000"/>
+                  </a:schemeClr>
+                </a:solidFill>
+                <a:latin typeface="+mn-lt"/>
+                <a:ea typeface="+mn-ea"/>
+                <a:cs typeface="+mn-cs"/>
+              </a:defRPr>
+            </a:lvl5pPr>
+            <a:lvl6pPr marL="2514600" indent="-228600" algn="l" defTabSz="457200" rtl="0" eaLnBrk="1" latinLnBrk="0" hangingPunct="1">
+              <a:spcBef>
+                <a:spcPts val="1000"/>
+              </a:spcBef>
+              <a:spcAft>
+                <a:spcPts val="0"/>
+              </a:spcAft>
+              <a:buClr>
+                <a:schemeClr val="accent1"/>
+              </a:buClr>
+              <a:buSzPct val="80000"/>
+              <a:buFont typeface="Wingdings 3" charset="2"/>
+              <a:buChar char=""/>
+              <a:defRPr sz="1200" kern="1200">
+                <a:solidFill>
+                  <a:schemeClr val="tx1">
+                    <a:lumMod val="75000"/>
+                    <a:lumOff val="25000"/>
+                  </a:schemeClr>
+                </a:solidFill>
+                <a:latin typeface="+mn-lt"/>
+                <a:ea typeface="+mn-ea"/>
+                <a:cs typeface="+mn-cs"/>
+              </a:defRPr>
+            </a:lvl6pPr>
+            <a:lvl7pPr marL="2971800" indent="-228600" algn="l" defTabSz="457200" rtl="0" eaLnBrk="1" latinLnBrk="0" hangingPunct="1">
+              <a:spcBef>
+                <a:spcPts val="1000"/>
+              </a:spcBef>
+              <a:spcAft>
+                <a:spcPts val="0"/>
+              </a:spcAft>
+              <a:buClr>
+                <a:schemeClr val="accent1"/>
+              </a:buClr>
+              <a:buSzPct val="80000"/>
+              <a:buFont typeface="Wingdings 3" charset="2"/>
+              <a:buChar char=""/>
+              <a:defRPr sz="1200" kern="1200">
+                <a:solidFill>
+                  <a:schemeClr val="tx1">
+                    <a:lumMod val="75000"/>
+                    <a:lumOff val="25000"/>
+                  </a:schemeClr>
+                </a:solidFill>
+                <a:latin typeface="+mn-lt"/>
+                <a:ea typeface="+mn-ea"/>
+                <a:cs typeface="+mn-cs"/>
+              </a:defRPr>
+            </a:lvl7pPr>
+            <a:lvl8pPr marL="3429000" indent="-228600" algn="l" defTabSz="457200" rtl="0" eaLnBrk="1" latinLnBrk="0" hangingPunct="1">
+              <a:spcBef>
+                <a:spcPts val="1000"/>
+              </a:spcBef>
+              <a:spcAft>
+                <a:spcPts val="0"/>
+              </a:spcAft>
+              <a:buClr>
+                <a:schemeClr val="accent1"/>
+              </a:buClr>
+              <a:buSzPct val="80000"/>
+              <a:buFont typeface="Wingdings 3" charset="2"/>
+              <a:buChar char=""/>
+              <a:defRPr sz="1200" kern="1200">
+                <a:solidFill>
+                  <a:schemeClr val="tx1">
+                    <a:lumMod val="75000"/>
+                    <a:lumOff val="25000"/>
+                  </a:schemeClr>
+                </a:solidFill>
+                <a:latin typeface="+mn-lt"/>
+                <a:ea typeface="+mn-ea"/>
+                <a:cs typeface="+mn-cs"/>
+              </a:defRPr>
+            </a:lvl8pPr>
+            <a:lvl9pPr marL="3886200" indent="-228600" algn="l" defTabSz="457200" rtl="0" eaLnBrk="1" latinLnBrk="0" hangingPunct="1">
+              <a:spcBef>
+                <a:spcPts val="1000"/>
+              </a:spcBef>
+              <a:spcAft>
+                <a:spcPts val="0"/>
+              </a:spcAft>
+              <a:buClr>
+                <a:schemeClr val="accent1"/>
+              </a:buClr>
+              <a:buSzPct val="80000"/>
+              <a:buFont typeface="Wingdings 3" charset="2"/>
+              <a:buChar char=""/>
+              <a:defRPr sz="1200" kern="1200">
+                <a:solidFill>
+                  <a:schemeClr val="tx1">
+                    <a:lumMod val="75000"/>
+                    <a:lumOff val="25000"/>
+                  </a:schemeClr>
+                </a:solidFill>
+                <a:latin typeface="+mn-lt"/>
+                <a:ea typeface="+mn-ea"/>
+                <a:cs typeface="+mn-cs"/>
+              </a:defRPr>
+            </a:lvl9pPr>
+          </a:lstStyle>
+          <a:p>
+            <a:pPr marL="0" indent="0">
+              <a:buFont typeface="Wingdings 3" charset="2"/>
+              <a:buNone/>
+            </a:pPr>
+            <a:r>
+              <a:rPr lang="en-US" sz="1400" b="1" dirty="0"/>
+              <a:t>extra bend makes it obvious which is the longer side</a:t>
+            </a:r>
+            <a:endParaRPr lang="en-US" sz="1400" dirty="0"/>
+          </a:p>
+        </p:txBody>
+      </p:sp>
+      <p:cxnSp>
+        <p:nvCxnSpPr>
+          <p:cNvPr id="177" name="Straight Arrow Connector 176">
+            <a:extLst>
+              <a:ext uri="{FF2B5EF4-FFF2-40B4-BE49-F238E27FC236}">
+                <a16:creationId xmlns:a16="http://schemas.microsoft.com/office/drawing/2014/main" id="{42E351B6-17E9-BD55-8F2E-8B0728F54E6D}"/>
+              </a:ext>
+            </a:extLst>
+          </p:cNvPr>
+          <p:cNvCxnSpPr>
+            <a:cxnSpLocks/>
+          </p:cNvCxnSpPr>
+          <p:nvPr/>
+        </p:nvCxnSpPr>
+        <p:spPr>
+          <a:xfrm flipH="1" flipV="1">
+            <a:off x="8658157" y="5962406"/>
+            <a:ext cx="442153" cy="120153"/>
+          </a:xfrm>
+          <a:prstGeom prst="straightConnector1">
+            <a:avLst/>
+          </a:prstGeom>
+          <a:ln w="31750">
+            <a:tailEnd type="triangle"/>
+          </a:ln>
+        </p:spPr>
+        <p:style>
+          <a:lnRef idx="1">
+            <a:schemeClr val="dk1"/>
+          </a:lnRef>
+          <a:fillRef idx="0">
+            <a:schemeClr val="dk1"/>
+          </a:fillRef>
+          <a:effectRef idx="0">
+            <a:schemeClr val="dk1"/>
+          </a:effectRef>
+          <a:fontRef idx="minor">
+            <a:schemeClr val="tx1"/>
+          </a:fontRef>
+        </p:style>
+      </p:cxnSp>
+    </p:spTree>
+    <p:extLst>
+      <p:ext uri="{BB962C8B-B14F-4D97-AF65-F5344CB8AC3E}">
+        <p14:creationId xmlns:p14="http://schemas.microsoft.com/office/powerpoint/2010/main" val="2427528244"/>
+      </p:ext>
+    </p:extLst>
+  </p:cSld>
+  <p:clrMapOvr>
+    <a:masterClrMapping/>
+  </p:clrMapOvr>
+</p:sld>
+</file>
+
 <file path=ppt/slides/slide3.xml><?xml version="1.0" encoding="utf-8"?>
 <p:sld xmlns:a="http://schemas.openxmlformats.org/drawingml/2006/main" xmlns:r="http://schemas.openxmlformats.org/officeDocument/2006/relationships" xmlns:p="http://schemas.openxmlformats.org/presentationml/2006/main">
   <p:cSld>

--- a/Courseware/Bonsai On A Budget (running).pptx
+++ b/Courseware/Bonsai On A Budget (running).pptx
@@ -32,6 +32,7 @@
     <p:sldId id="278" r:id="rId26"/>
     <p:sldId id="261" r:id="rId27"/>
     <p:sldId id="285" r:id="rId28"/>
+    <p:sldId id="286" r:id="rId29"/>
   </p:sldIdLst>
   <p:sldSz cx="12192000" cy="6858000"/>
   <p:notesSz cx="6858000" cy="9144000"/>
@@ -35884,6 +35885,56 @@
           </a:fontRef>
         </p:style>
       </p:cxnSp>
+      <p:sp>
+        <p:nvSpPr>
+          <p:cNvPr id="3" name="Rectangle 2">
+            <a:extLst>
+              <a:ext uri="{FF2B5EF4-FFF2-40B4-BE49-F238E27FC236}">
+                <a16:creationId xmlns:a16="http://schemas.microsoft.com/office/drawing/2014/main" id="{8495920F-608D-4031-F227-398F99555849}"/>
+              </a:ext>
+            </a:extLst>
+          </p:cNvPr>
+          <p:cNvSpPr/>
+          <p:nvPr/>
+        </p:nvSpPr>
+        <p:spPr>
+          <a:xfrm>
+            <a:off x="7070912" y="372088"/>
+            <a:ext cx="3966882" cy="582653"/>
+          </a:xfrm>
+          <a:prstGeom prst="rect">
+            <a:avLst/>
+          </a:prstGeom>
+        </p:spPr>
+        <p:style>
+          <a:lnRef idx="2">
+            <a:schemeClr val="accent1">
+              <a:shade val="15000"/>
+            </a:schemeClr>
+          </a:lnRef>
+          <a:fillRef idx="1">
+            <a:schemeClr val="accent1"/>
+          </a:fillRef>
+          <a:effectRef idx="0">
+            <a:schemeClr val="accent1"/>
+          </a:effectRef>
+          <a:fontRef idx="minor">
+            <a:schemeClr val="lt1"/>
+          </a:fontRef>
+        </p:style>
+        <p:txBody>
+          <a:bodyPr rtlCol="0" anchor="ctr"/>
+          <a:lstStyle/>
+          <a:p>
+            <a:pPr algn="ctr"/>
+            <a:r>
+              <a:rPr lang="en-US" dirty="0"/>
+              <a:t>Good enough</a:t>
+            </a:r>
+            <a:endParaRPr lang="en-GB" dirty="0"/>
+          </a:p>
+        </p:txBody>
+      </p:sp>
     </p:spTree>
     <p:extLst>
       <p:ext uri="{BB962C8B-B14F-4D97-AF65-F5344CB8AC3E}">
@@ -41471,10 +41522,428 @@
           </a:fontRef>
         </p:style>
       </p:cxnSp>
+      <p:sp>
+        <p:nvSpPr>
+          <p:cNvPr id="3" name="Rectangle 2">
+            <a:extLst>
+              <a:ext uri="{FF2B5EF4-FFF2-40B4-BE49-F238E27FC236}">
+                <a16:creationId xmlns:a16="http://schemas.microsoft.com/office/drawing/2014/main" id="{42A4D6AE-EECA-9B58-C43C-AED4EC758516}"/>
+              </a:ext>
+            </a:extLst>
+          </p:cNvPr>
+          <p:cNvSpPr/>
+          <p:nvPr/>
+        </p:nvSpPr>
+        <p:spPr>
+          <a:xfrm>
+            <a:off x="7070912" y="372088"/>
+            <a:ext cx="3966882" cy="582653"/>
+          </a:xfrm>
+          <a:prstGeom prst="rect">
+            <a:avLst/>
+          </a:prstGeom>
+        </p:spPr>
+        <p:style>
+          <a:lnRef idx="2">
+            <a:schemeClr val="accent1">
+              <a:shade val="15000"/>
+            </a:schemeClr>
+          </a:lnRef>
+          <a:fillRef idx="1">
+            <a:schemeClr val="accent1"/>
+          </a:fillRef>
+          <a:effectRef idx="0">
+            <a:schemeClr val="accent1"/>
+          </a:effectRef>
+          <a:fontRef idx="minor">
+            <a:schemeClr val="lt1"/>
+          </a:fontRef>
+        </p:style>
+        <p:txBody>
+          <a:bodyPr rtlCol="0" anchor="ctr"/>
+          <a:lstStyle/>
+          <a:p>
+            <a:pPr algn="ctr"/>
+            <a:r>
+              <a:rPr lang="en-US" dirty="0"/>
+              <a:t>Good enough</a:t>
+            </a:r>
+            <a:endParaRPr lang="en-GB" dirty="0"/>
+          </a:p>
+        </p:txBody>
+      </p:sp>
     </p:spTree>
     <p:extLst>
       <p:ext uri="{BB962C8B-B14F-4D97-AF65-F5344CB8AC3E}">
         <p14:creationId xmlns:p14="http://schemas.microsoft.com/office/powerpoint/2010/main" val="2427528244"/>
+      </p:ext>
+    </p:extLst>
+  </p:cSld>
+  <p:clrMapOvr>
+    <a:masterClrMapping/>
+  </p:clrMapOvr>
+</p:sld>
+</file>
+
+<file path=ppt/slides/slide28.xml><?xml version="1.0" encoding="utf-8"?>
+<p:sld xmlns:a="http://schemas.openxmlformats.org/drawingml/2006/main" xmlns:r="http://schemas.openxmlformats.org/officeDocument/2006/relationships" xmlns:p="http://schemas.openxmlformats.org/presentationml/2006/main">
+  <p:cSld>
+    <p:spTree>
+      <p:nvGrpSpPr>
+        <p:cNvPr id="1" name=""/>
+        <p:cNvGrpSpPr/>
+        <p:nvPr/>
+      </p:nvGrpSpPr>
+      <p:grpSpPr>
+        <a:xfrm>
+          <a:off x="0" y="0"/>
+          <a:ext cx="0" cy="0"/>
+          <a:chOff x="0" y="0"/>
+          <a:chExt cx="0" cy="0"/>
+        </a:xfrm>
+      </p:grpSpPr>
+      <p:sp>
+        <p:nvSpPr>
+          <p:cNvPr id="4" name="Parallelogram 3">
+            <a:extLst>
+              <a:ext uri="{FF2B5EF4-FFF2-40B4-BE49-F238E27FC236}">
+                <a16:creationId xmlns:a16="http://schemas.microsoft.com/office/drawing/2014/main" id="{B64F6F81-92AB-7C0F-84F7-FAA6E5FC3CF2}"/>
+              </a:ext>
+            </a:extLst>
+          </p:cNvPr>
+          <p:cNvSpPr/>
+          <p:nvPr/>
+        </p:nvSpPr>
+        <p:spPr>
+          <a:xfrm>
+            <a:off x="6833360" y="-18874"/>
+            <a:ext cx="5069541" cy="6876874"/>
+          </a:xfrm>
+          <a:prstGeom prst="parallelogram">
+            <a:avLst>
+              <a:gd name="adj" fmla="val 19695"/>
+            </a:avLst>
+          </a:prstGeom>
+          <a:solidFill>
+            <a:schemeClr val="bg1"/>
+          </a:solidFill>
+          <a:ln>
+            <a:solidFill>
+              <a:schemeClr val="bg1"/>
+            </a:solidFill>
+          </a:ln>
+        </p:spPr>
+        <p:style>
+          <a:lnRef idx="2">
+            <a:schemeClr val="accent1">
+              <a:shade val="15000"/>
+            </a:schemeClr>
+          </a:lnRef>
+          <a:fillRef idx="1">
+            <a:schemeClr val="accent1"/>
+          </a:fillRef>
+          <a:effectRef idx="0">
+            <a:schemeClr val="accent1"/>
+          </a:effectRef>
+          <a:fontRef idx="minor">
+            <a:schemeClr val="lt1"/>
+          </a:fontRef>
+        </p:style>
+        <p:txBody>
+          <a:bodyPr rtlCol="0" anchor="ctr"/>
+          <a:lstStyle/>
+          <a:p>
+            <a:pPr algn="ctr"/>
+            <a:endParaRPr lang="en-GB"/>
+          </a:p>
+        </p:txBody>
+      </p:sp>
+      <p:sp>
+        <p:nvSpPr>
+          <p:cNvPr id="2" name="Title 1">
+            <a:extLst>
+              <a:ext uri="{FF2B5EF4-FFF2-40B4-BE49-F238E27FC236}">
+                <a16:creationId xmlns:a16="http://schemas.microsoft.com/office/drawing/2014/main" id="{701973DA-B0F9-E1A4-AE56-F1BD7BF4C677}"/>
+              </a:ext>
+            </a:extLst>
+          </p:cNvPr>
+          <p:cNvSpPr>
+            <a:spLocks noGrp="1"/>
+          </p:cNvSpPr>
+          <p:nvPr>
+            <p:ph type="title"/>
+          </p:nvPr>
+        </p:nvSpPr>
+        <p:spPr/>
+        <p:txBody>
+          <a:bodyPr>
+            <a:normAutofit/>
+          </a:bodyPr>
+          <a:lstStyle/>
+          <a:p>
+            <a:r>
+              <a:rPr lang="en-US" dirty="0"/>
+              <a:t>How Often To Water</a:t>
+            </a:r>
+            <a:br>
+              <a:rPr lang="en-US" dirty="0"/>
+            </a:br>
+            <a:r>
+              <a:rPr lang="en-US" sz="2800" dirty="0"/>
+              <a:t>Some key factors</a:t>
+            </a:r>
+            <a:endParaRPr lang="en-GB" sz="2800" dirty="0"/>
+          </a:p>
+        </p:txBody>
+      </p:sp>
+      <p:sp>
+        <p:nvSpPr>
+          <p:cNvPr id="5" name="Content Placeholder 4">
+            <a:extLst>
+              <a:ext uri="{FF2B5EF4-FFF2-40B4-BE49-F238E27FC236}">
+                <a16:creationId xmlns:a16="http://schemas.microsoft.com/office/drawing/2014/main" id="{40D4EA2C-3624-B6E0-1DEB-32887D9DA8B4}"/>
+              </a:ext>
+            </a:extLst>
+          </p:cNvPr>
+          <p:cNvSpPr>
+            <a:spLocks noGrp="1"/>
+          </p:cNvSpPr>
+          <p:nvPr>
+            <p:ph sz="half" idx="1"/>
+          </p:nvPr>
+        </p:nvSpPr>
+        <p:spPr>
+          <a:xfrm>
+            <a:off x="677334" y="1930400"/>
+            <a:ext cx="4184035" cy="4752788"/>
+          </a:xfrm>
+        </p:spPr>
+        <p:txBody>
+          <a:bodyPr>
+            <a:normAutofit/>
+          </a:bodyPr>
+          <a:lstStyle/>
+          <a:p>
+            <a:pPr marL="0" indent="0">
+              <a:buNone/>
+            </a:pPr>
+            <a:r>
+              <a:rPr lang="en-US" dirty="0"/>
+              <a:t>Pot</a:t>
+            </a:r>
+          </a:p>
+          <a:p>
+            <a:r>
+              <a:rPr lang="en-US" sz="1600" dirty="0"/>
+              <a:t>Depth: deep = less frequent</a:t>
+            </a:r>
+          </a:p>
+          <a:p>
+            <a:r>
+              <a:rPr lang="en-US" sz="1600" dirty="0"/>
+              <a:t>Shape: bulbous = less, fluting = more</a:t>
+            </a:r>
+          </a:p>
+          <a:p>
+            <a:r>
+              <a:rPr lang="en-US" sz="1600" dirty="0"/>
+              <a:t>Inner surface: glazed = more</a:t>
+            </a:r>
+            <a:endParaRPr lang="en-US" dirty="0"/>
+          </a:p>
+          <a:p>
+            <a:pPr marL="0" indent="0">
+              <a:buNone/>
+            </a:pPr>
+            <a:r>
+              <a:rPr lang="en-US" dirty="0"/>
+              <a:t>Soil</a:t>
+            </a:r>
+          </a:p>
+          <a:p>
+            <a:r>
+              <a:rPr lang="en-US" sz="1600" dirty="0"/>
+              <a:t>Drainage: well-draining = more</a:t>
+            </a:r>
+          </a:p>
+          <a:p>
+            <a:r>
+              <a:rPr lang="en-US" sz="1600" dirty="0"/>
+              <a:t>Degradation: older = harder to water</a:t>
+            </a:r>
+            <a:endParaRPr lang="en-US" dirty="0"/>
+          </a:p>
+          <a:p>
+            <a:pPr marL="0" indent="0">
+              <a:buNone/>
+            </a:pPr>
+            <a:r>
+              <a:rPr lang="en-US" dirty="0"/>
+              <a:t>Tree</a:t>
+            </a:r>
+          </a:p>
+          <a:p>
+            <a:r>
+              <a:rPr lang="en-US" sz="1600" dirty="0"/>
+              <a:t>Maturity: older = less (in theory)</a:t>
+            </a:r>
+          </a:p>
+          <a:p>
+            <a:r>
+              <a:rPr lang="en-US" sz="1600" dirty="0" err="1"/>
+              <a:t>Fertilisation</a:t>
+            </a:r>
+            <a:r>
+              <a:rPr lang="en-US" sz="1600" dirty="0"/>
+              <a:t>: heavy = more</a:t>
+            </a:r>
+          </a:p>
+          <a:p>
+            <a:r>
+              <a:rPr lang="en-US" sz="1600" dirty="0"/>
+              <a:t>Re-potting: recent = more</a:t>
+            </a:r>
+            <a:endParaRPr lang="en-GB" sz="1600" dirty="0"/>
+          </a:p>
+        </p:txBody>
+      </p:sp>
+      <p:sp>
+        <p:nvSpPr>
+          <p:cNvPr id="6" name="Content Placeholder 5">
+            <a:extLst>
+              <a:ext uri="{FF2B5EF4-FFF2-40B4-BE49-F238E27FC236}">
+                <a16:creationId xmlns:a16="http://schemas.microsoft.com/office/drawing/2014/main" id="{9103B85F-8084-17B5-B8E1-5DD9D4E7BA15}"/>
+              </a:ext>
+            </a:extLst>
+          </p:cNvPr>
+          <p:cNvSpPr>
+            <a:spLocks noGrp="1"/>
+          </p:cNvSpPr>
+          <p:nvPr>
+            <p:ph sz="half" idx="2"/>
+          </p:nvPr>
+        </p:nvSpPr>
+        <p:spPr>
+          <a:xfrm>
+            <a:off x="5089970" y="1930400"/>
+            <a:ext cx="4184034" cy="4752789"/>
+          </a:xfrm>
+        </p:spPr>
+        <p:txBody>
+          <a:bodyPr>
+            <a:normAutofit/>
+          </a:bodyPr>
+          <a:lstStyle/>
+          <a:p>
+            <a:pPr marL="0" indent="0">
+              <a:buNone/>
+            </a:pPr>
+            <a:r>
+              <a:rPr lang="en-US" dirty="0"/>
+              <a:t>Environment</a:t>
+            </a:r>
+          </a:p>
+          <a:p>
+            <a:r>
+              <a:rPr lang="en-US" sz="1600" dirty="0"/>
+              <a:t>Wind: windier = more</a:t>
+            </a:r>
+          </a:p>
+          <a:p>
+            <a:r>
+              <a:rPr lang="en-US" sz="1600" dirty="0"/>
+              <a:t>Sun: sunny = more, shady = less</a:t>
+            </a:r>
+          </a:p>
+          <a:p>
+            <a:r>
+              <a:rPr lang="en-US" sz="1600" dirty="0"/>
+              <a:t>Heat: hotter = more, colder = less</a:t>
+            </a:r>
+          </a:p>
+          <a:p>
+            <a:r>
+              <a:rPr lang="en-US" sz="1600" dirty="0"/>
+              <a:t>Season: Winter = least, Summer = most</a:t>
+            </a:r>
+          </a:p>
+          <a:p>
+            <a:r>
+              <a:rPr lang="en-US" sz="1600" dirty="0"/>
+              <a:t>Warning: these factors are “non-linear”!  For example: double the sun can mean 4x the water.</a:t>
+            </a:r>
+          </a:p>
+          <a:p>
+            <a:pPr marL="0" indent="0">
+              <a:buNone/>
+            </a:pPr>
+            <a:endParaRPr lang="en-US" sz="1600" dirty="0"/>
+          </a:p>
+          <a:p>
+            <a:pPr marL="0" indent="0">
+              <a:buNone/>
+            </a:pPr>
+            <a:r>
+              <a:rPr lang="en-US" dirty="0"/>
+              <a:t>…Mostly it’s not worth the effort to figure out the “right” watering frequency.  Just keep checking the pot every day!</a:t>
+            </a:r>
+          </a:p>
+        </p:txBody>
+      </p:sp>
+      <p:sp>
+        <p:nvSpPr>
+          <p:cNvPr id="7" name="Rectangle 6">
+            <a:extLst>
+              <a:ext uri="{FF2B5EF4-FFF2-40B4-BE49-F238E27FC236}">
+                <a16:creationId xmlns:a16="http://schemas.microsoft.com/office/drawing/2014/main" id="{8147FB60-E52D-5036-77C6-718944035625}"/>
+              </a:ext>
+            </a:extLst>
+          </p:cNvPr>
+          <p:cNvSpPr/>
+          <p:nvPr/>
+        </p:nvSpPr>
+        <p:spPr>
+          <a:xfrm>
+            <a:off x="7070912" y="372088"/>
+            <a:ext cx="3966882" cy="582653"/>
+          </a:xfrm>
+          <a:prstGeom prst="rect">
+            <a:avLst/>
+          </a:prstGeom>
+        </p:spPr>
+        <p:style>
+          <a:lnRef idx="2">
+            <a:schemeClr val="accent1">
+              <a:shade val="15000"/>
+            </a:schemeClr>
+          </a:lnRef>
+          <a:fillRef idx="1">
+            <a:schemeClr val="accent1"/>
+          </a:fillRef>
+          <a:effectRef idx="0">
+            <a:schemeClr val="accent1"/>
+          </a:effectRef>
+          <a:fontRef idx="minor">
+            <a:schemeClr val="lt1"/>
+          </a:fontRef>
+        </p:style>
+        <p:txBody>
+          <a:bodyPr rtlCol="0" anchor="ctr"/>
+          <a:lstStyle/>
+          <a:p>
+            <a:pPr algn="ctr"/>
+            <a:r>
+              <a:rPr lang="en-US" dirty="0"/>
+              <a:t>Good enough</a:t>
+            </a:r>
+            <a:endParaRPr lang="en-GB" dirty="0"/>
+          </a:p>
+        </p:txBody>
+      </p:sp>
+    </p:spTree>
+    <p:extLst>
+      <p:ext uri="{BB962C8B-B14F-4D97-AF65-F5344CB8AC3E}">
+        <p14:creationId xmlns:p14="http://schemas.microsoft.com/office/powerpoint/2010/main" val="1898086529"/>
       </p:ext>
     </p:extLst>
   </p:cSld>

--- a/Courseware/Bonsai On A Budget (running).pptx
+++ b/Courseware/Bonsai On A Budget (running).pptx
@@ -913,7 +913,7 @@
             <a:fld id="{B61BEF0D-F0BB-DE4B-95CE-6DB70DBA9567}" type="datetimeFigureOut">
               <a:rPr lang="en-US" smtClean="0"/>
               <a:pPr/>
-              <a:t>7/3/2024</a:t>
+              <a:t>7/4/2024</a:t>
             </a:fld>
             <a:endParaRPr lang="en-US" dirty="0"/>
           </a:p>
@@ -1166,7 +1166,7 @@
             <a:fld id="{B61BEF0D-F0BB-DE4B-95CE-6DB70DBA9567}" type="datetimeFigureOut">
               <a:rPr lang="en-US" smtClean="0"/>
               <a:pPr/>
-              <a:t>7/3/2024</a:t>
+              <a:t>7/4/2024</a:t>
             </a:fld>
             <a:endParaRPr lang="en-US" dirty="0"/>
           </a:p>
@@ -1482,7 +1482,7 @@
             <a:fld id="{B61BEF0D-F0BB-DE4B-95CE-6DB70DBA9567}" type="datetimeFigureOut">
               <a:rPr lang="en-US" smtClean="0"/>
               <a:pPr/>
-              <a:t>7/3/2024</a:t>
+              <a:t>7/4/2024</a:t>
             </a:fld>
             <a:endParaRPr lang="en-US" dirty="0"/>
           </a:p>
@@ -1825,7 +1825,7 @@
             <a:fld id="{B61BEF0D-F0BB-DE4B-95CE-6DB70DBA9567}" type="datetimeFigureOut">
               <a:rPr lang="en-US" smtClean="0"/>
               <a:pPr/>
-              <a:t>7/3/2024</a:t>
+              <a:t>7/4/2024</a:t>
             </a:fld>
             <a:endParaRPr lang="en-US" dirty="0"/>
           </a:p>
@@ -2141,7 +2141,7 @@
             <a:fld id="{B61BEF0D-F0BB-DE4B-95CE-6DB70DBA9567}" type="datetimeFigureOut">
               <a:rPr lang="en-US" smtClean="0"/>
               <a:pPr/>
-              <a:t>7/3/2024</a:t>
+              <a:t>7/4/2024</a:t>
             </a:fld>
             <a:endParaRPr lang="en-US" dirty="0"/>
           </a:p>
@@ -2536,7 +2536,7 @@
             <a:fld id="{B61BEF0D-F0BB-DE4B-95CE-6DB70DBA9567}" type="datetimeFigureOut">
               <a:rPr lang="en-US" smtClean="0"/>
               <a:pPr/>
-              <a:t>7/3/2024</a:t>
+              <a:t>7/4/2024</a:t>
             </a:fld>
             <a:endParaRPr lang="en-US" dirty="0"/>
           </a:p>
@@ -2707,7 +2707,7 @@
           <a:p>
             <a:fld id="{55C6B4A9-1611-4792-9094-5F34BCA07E0B}" type="datetimeFigureOut">
               <a:rPr lang="en-US" smtClean="0"/>
-              <a:t>7/3/2024</a:t>
+              <a:t>7/4/2024</a:t>
             </a:fld>
             <a:endParaRPr lang="en-US" dirty="0"/>
           </a:p>
@@ -2888,7 +2888,7 @@
             <a:fld id="{B61BEF0D-F0BB-DE4B-95CE-6DB70DBA9567}" type="datetimeFigureOut">
               <a:rPr lang="en-US" smtClean="0"/>
               <a:pPr/>
-              <a:t>7/3/2024</a:t>
+              <a:t>7/4/2024</a:t>
             </a:fld>
             <a:endParaRPr lang="en-US" dirty="0"/>
           </a:p>
@@ -3066,7 +3066,7 @@
             <a:fld id="{B61BEF0D-F0BB-DE4B-95CE-6DB70DBA9567}" type="datetimeFigureOut">
               <a:rPr lang="en-US" smtClean="0"/>
               <a:pPr/>
-              <a:t>7/3/2024</a:t>
+              <a:t>7/4/2024</a:t>
             </a:fld>
             <a:endParaRPr lang="en-US" dirty="0"/>
           </a:p>
@@ -3315,7 +3315,7 @@
             <a:fld id="{B61BEF0D-F0BB-DE4B-95CE-6DB70DBA9567}" type="datetimeFigureOut">
               <a:rPr lang="en-US" smtClean="0"/>
               <a:pPr/>
-              <a:t>7/3/2024</a:t>
+              <a:t>7/4/2024</a:t>
             </a:fld>
             <a:endParaRPr lang="en-US" dirty="0"/>
           </a:p>
@@ -3548,7 +3548,7 @@
           <a:p>
             <a:fld id="{EB712588-04B1-427B-82EE-E8DB90309F08}" type="datetimeFigureOut">
               <a:rPr lang="en-US" smtClean="0"/>
-              <a:t>7/3/2024</a:t>
+              <a:t>7/4/2024</a:t>
             </a:fld>
             <a:endParaRPr lang="en-US" dirty="0"/>
           </a:p>
@@ -3923,7 +3923,7 @@
             <a:fld id="{B61BEF0D-F0BB-DE4B-95CE-6DB70DBA9567}" type="datetimeFigureOut">
               <a:rPr lang="en-US" smtClean="0"/>
               <a:pPr/>
-              <a:t>7/3/2024</a:t>
+              <a:t>7/4/2024</a:t>
             </a:fld>
             <a:endParaRPr lang="en-US" dirty="0"/>
           </a:p>
@@ -4048,7 +4048,7 @@
             <a:fld id="{B61BEF0D-F0BB-DE4B-95CE-6DB70DBA9567}" type="datetimeFigureOut">
               <a:rPr lang="en-US" smtClean="0"/>
               <a:pPr/>
-              <a:t>7/3/2024</a:t>
+              <a:t>7/4/2024</a:t>
             </a:fld>
             <a:endParaRPr lang="en-US" dirty="0"/>
           </a:p>
@@ -4145,7 +4145,7 @@
             <a:fld id="{B61BEF0D-F0BB-DE4B-95CE-6DB70DBA9567}" type="datetimeFigureOut">
               <a:rPr lang="en-US" smtClean="0"/>
               <a:pPr/>
-              <a:t>7/3/2024</a:t>
+              <a:t>7/4/2024</a:t>
             </a:fld>
             <a:endParaRPr lang="en-US" dirty="0"/>
           </a:p>
@@ -4401,7 +4401,7 @@
           <a:p>
             <a:fld id="{42A54C80-263E-416B-A8E0-580EDEADCBDC}" type="datetimeFigureOut">
               <a:rPr lang="en-US" smtClean="0"/>
-              <a:t>7/3/2024</a:t>
+              <a:t>7/4/2024</a:t>
             </a:fld>
             <a:endParaRPr lang="en-US" dirty="0"/>
           </a:p>
@@ -4665,7 +4665,7 @@
             <a:fld id="{B61BEF0D-F0BB-DE4B-95CE-6DB70DBA9567}" type="datetimeFigureOut">
               <a:rPr lang="en-US" smtClean="0"/>
               <a:pPr/>
-              <a:t>7/3/2024</a:t>
+              <a:t>7/4/2024</a:t>
             </a:fld>
             <a:endParaRPr lang="en-US" dirty="0"/>
           </a:p>
@@ -5410,7 +5410,7 @@
             <a:fld id="{B61BEF0D-F0BB-DE4B-95CE-6DB70DBA9567}" type="datetimeFigureOut">
               <a:rPr lang="en-US" smtClean="0"/>
               <a:pPr/>
-              <a:t>7/3/2024</a:t>
+              <a:t>7/4/2024</a:t>
             </a:fld>
             <a:endParaRPr lang="en-US" dirty="0"/>
           </a:p>
@@ -35979,7 +35979,7 @@
         </p:nvSpPr>
         <p:spPr>
           <a:xfrm>
-            <a:off x="6833360" y="-18874"/>
+            <a:off x="6642709" y="-310166"/>
             <a:ext cx="5069541" cy="6876874"/>
           </a:xfrm>
           <a:prstGeom prst="parallelogram">
@@ -36017,7 +36017,7 @@
           <a:lstStyle/>
           <a:p>
             <a:pPr algn="ctr"/>
-            <a:endParaRPr lang="en-GB"/>
+            <a:endParaRPr lang="en-GB" dirty="0"/>
           </a:p>
         </p:txBody>
       </p:sp>
@@ -36187,8 +36187,8 @@
           <p:nvPr/>
         </p:nvSpPr>
         <p:spPr>
-          <a:xfrm>
-            <a:off x="1876161" y="3281220"/>
+          <a:xfrm rot="5400000">
+            <a:off x="1862715" y="3294667"/>
             <a:ext cx="943896" cy="943896"/>
           </a:xfrm>
           <a:prstGeom prst="ellipse">
@@ -36247,8 +36247,8 @@
           <p:nvPr/>
         </p:nvSpPr>
         <p:spPr>
-          <a:xfrm>
-            <a:off x="2011933" y="3416992"/>
+          <a:xfrm rot="5400000">
+            <a:off x="1998486" y="3430439"/>
             <a:ext cx="672353" cy="672353"/>
           </a:xfrm>
           <a:prstGeom prst="ellipse">
@@ -36301,13 +36301,14 @@
             </a:extLst>
           </p:cNvPr>
           <p:cNvCxnSpPr>
+            <a:cxnSpLocks/>
             <a:stCxn id="9" idx="2"/>
           </p:cNvCxnSpPr>
           <p:nvPr/>
         </p:nvCxnSpPr>
         <p:spPr>
-          <a:xfrm flipV="1">
-            <a:off x="2011933" y="3753168"/>
+          <a:xfrm rot="5400000" flipV="1">
+            <a:off x="1998486" y="3766615"/>
             <a:ext cx="672353" cy="1"/>
           </a:xfrm>
           <a:prstGeom prst="line">
@@ -36349,8 +36350,8 @@
           <p:nvPr/>
         </p:nvCxnSpPr>
         <p:spPr>
-          <a:xfrm>
-            <a:off x="2630499" y="3753167"/>
+          <a:xfrm rot="5400000">
+            <a:off x="2171999" y="4211670"/>
             <a:ext cx="325330" cy="0"/>
           </a:xfrm>
           <a:prstGeom prst="line">
@@ -36394,8 +36395,8 @@
           <p:nvPr/>
         </p:nvCxnSpPr>
         <p:spPr>
-          <a:xfrm>
-            <a:off x="1713496" y="3752694"/>
+          <a:xfrm rot="5400000">
+            <a:off x="2172472" y="3294667"/>
             <a:ext cx="325330" cy="0"/>
           </a:xfrm>
           <a:prstGeom prst="line">
@@ -36823,8 +36824,8 @@
           <p:nvPr/>
         </p:nvSpPr>
         <p:spPr>
-          <a:xfrm>
-            <a:off x="6361410" y="3281220"/>
+          <a:xfrm rot="5400000">
+            <a:off x="6347964" y="3294667"/>
             <a:ext cx="943896" cy="943896"/>
           </a:xfrm>
           <a:prstGeom prst="ellipse">
@@ -36883,8 +36884,8 @@
           <p:nvPr/>
         </p:nvSpPr>
         <p:spPr>
-          <a:xfrm>
-            <a:off x="6497182" y="3416992"/>
+          <a:xfrm rot="5400000">
+            <a:off x="6483735" y="3430439"/>
             <a:ext cx="672353" cy="672353"/>
           </a:xfrm>
           <a:prstGeom prst="ellipse">
@@ -36942,8 +36943,8 @@
           <p:nvPr/>
         </p:nvCxnSpPr>
         <p:spPr>
-          <a:xfrm flipV="1">
-            <a:off x="6497182" y="3753168"/>
+          <a:xfrm rot="5400000" flipV="1">
+            <a:off x="6483735" y="3766615"/>
             <a:ext cx="672353" cy="1"/>
           </a:xfrm>
           <a:prstGeom prst="line">
@@ -36985,8 +36986,8 @@
           <p:nvPr/>
         </p:nvCxnSpPr>
         <p:spPr>
-          <a:xfrm>
-            <a:off x="7115748" y="3753167"/>
+          <a:xfrm rot="5400000">
+            <a:off x="6657248" y="4211670"/>
             <a:ext cx="325330" cy="0"/>
           </a:xfrm>
           <a:prstGeom prst="line">
@@ -37030,8 +37031,8 @@
           <p:nvPr/>
         </p:nvCxnSpPr>
         <p:spPr>
-          <a:xfrm>
-            <a:off x="6198745" y="3752694"/>
+          <a:xfrm rot="5400000">
+            <a:off x="6657721" y="3294667"/>
             <a:ext cx="325330" cy="0"/>
           </a:xfrm>
           <a:prstGeom prst="line">
@@ -37927,8 +37928,8 @@
         </p:nvCxnSpPr>
         <p:spPr>
           <a:xfrm flipH="1">
-            <a:off x="1823131" y="2809491"/>
-            <a:ext cx="1387326" cy="914449"/>
+            <a:off x="2386571" y="2809491"/>
+            <a:ext cx="823886" cy="396076"/>
           </a:xfrm>
           <a:prstGeom prst="straightConnector1">
             <a:avLst/>
@@ -37968,8 +37969,8 @@
         </p:nvCxnSpPr>
         <p:spPr>
           <a:xfrm flipH="1">
-            <a:off x="2869995" y="2814263"/>
-            <a:ext cx="718645" cy="938431"/>
+            <a:off x="2386571" y="2814263"/>
+            <a:ext cx="1202069" cy="1487281"/>
           </a:xfrm>
           <a:prstGeom prst="straightConnector1">
             <a:avLst/>
@@ -38008,54 +38009,9 @@
           <p:nvPr/>
         </p:nvCxnSpPr>
         <p:spPr>
-          <a:xfrm>
-            <a:off x="6543925" y="3687484"/>
-            <a:ext cx="566912" cy="0"/>
-          </a:xfrm>
-          <a:prstGeom prst="line">
-            <a:avLst/>
-          </a:prstGeom>
-          <a:ln w="31750">
-            <a:solidFill>
-              <a:schemeClr val="accent3">
-                <a:lumMod val="50000"/>
-              </a:schemeClr>
-            </a:solidFill>
-          </a:ln>
-        </p:spPr>
-        <p:style>
-          <a:lnRef idx="1">
-            <a:schemeClr val="accent1"/>
-          </a:lnRef>
-          <a:fillRef idx="0">
-            <a:schemeClr val="accent1"/>
-          </a:fillRef>
-          <a:effectRef idx="0">
-            <a:schemeClr val="accent1"/>
-          </a:effectRef>
-          <a:fontRef idx="minor">
-            <a:schemeClr val="tx1"/>
-          </a:fontRef>
-        </p:style>
-      </p:cxnSp>
-      <p:cxnSp>
-        <p:nvCxnSpPr>
-          <p:cNvPr id="51" name="Straight Connector 50">
-            <a:extLst>
-              <a:ext uri="{FF2B5EF4-FFF2-40B4-BE49-F238E27FC236}">
-                <a16:creationId xmlns:a16="http://schemas.microsoft.com/office/drawing/2014/main" id="{FD8D3F51-1C88-AE8D-A3A2-F2EE6D1B06AD}"/>
-              </a:ext>
-            </a:extLst>
-          </p:cNvPr>
-          <p:cNvCxnSpPr>
-            <a:cxnSpLocks/>
-          </p:cNvCxnSpPr>
-          <p:nvPr/>
-        </p:nvCxnSpPr>
-        <p:spPr>
-          <a:xfrm>
-            <a:off x="6543925" y="3831933"/>
-            <a:ext cx="566912" cy="0"/>
+          <a:xfrm flipV="1">
+            <a:off x="6653263" y="3562059"/>
+            <a:ext cx="337565" cy="2161"/>
           </a:xfrm>
           <a:prstGeom prst="line">
             <a:avLst/>
@@ -38099,50 +38055,7 @@
         </p:nvCxnSpPr>
         <p:spPr>
           <a:xfrm>
-            <a:off x="5058188" y="3459027"/>
-            <a:ext cx="1476264" cy="230420"/>
-          </a:xfrm>
-          <a:prstGeom prst="line">
-            <a:avLst/>
-          </a:prstGeom>
-          <a:ln w="31750">
-            <a:solidFill>
-              <a:schemeClr val="accent3"/>
-            </a:solidFill>
-          </a:ln>
-        </p:spPr>
-        <p:style>
-          <a:lnRef idx="1">
-            <a:schemeClr val="accent1"/>
-          </a:lnRef>
-          <a:fillRef idx="0">
-            <a:schemeClr val="accent1"/>
-          </a:fillRef>
-          <a:effectRef idx="0">
-            <a:schemeClr val="accent1"/>
-          </a:effectRef>
-          <a:fontRef idx="minor">
-            <a:schemeClr val="tx1"/>
-          </a:fontRef>
-        </p:style>
-      </p:cxnSp>
-      <p:cxnSp>
-        <p:nvCxnSpPr>
-          <p:cNvPr id="56" name="Straight Connector 55">
-            <a:extLst>
-              <a:ext uri="{FF2B5EF4-FFF2-40B4-BE49-F238E27FC236}">
-                <a16:creationId xmlns:a16="http://schemas.microsoft.com/office/drawing/2014/main" id="{77FBE1BC-19E6-EAB0-5D8C-5A1AF5C58654}"/>
-              </a:ext>
-            </a:extLst>
-          </p:cNvPr>
-          <p:cNvCxnSpPr>
-            <a:cxnSpLocks/>
-          </p:cNvCxnSpPr>
-          <p:nvPr/>
-        </p:nvCxnSpPr>
-        <p:spPr>
-          <a:xfrm flipV="1">
-            <a:off x="5058188" y="3837942"/>
+            <a:off x="5174274" y="3330703"/>
             <a:ext cx="1476264" cy="230420"/>
           </a:xfrm>
           <a:prstGeom prst="line">
@@ -38185,50 +38098,7 @@
         </p:nvCxnSpPr>
         <p:spPr>
           <a:xfrm flipH="1">
-            <a:off x="7108621" y="3459027"/>
-            <a:ext cx="1939464" cy="226296"/>
-          </a:xfrm>
-          <a:prstGeom prst="line">
-            <a:avLst/>
-          </a:prstGeom>
-          <a:ln w="31750">
-            <a:solidFill>
-              <a:schemeClr val="accent3"/>
-            </a:solidFill>
-          </a:ln>
-        </p:spPr>
-        <p:style>
-          <a:lnRef idx="1">
-            <a:schemeClr val="accent1"/>
-          </a:lnRef>
-          <a:fillRef idx="0">
-            <a:schemeClr val="accent1"/>
-          </a:fillRef>
-          <a:effectRef idx="0">
-            <a:schemeClr val="accent1"/>
-          </a:effectRef>
-          <a:fontRef idx="minor">
-            <a:schemeClr val="tx1"/>
-          </a:fontRef>
-        </p:style>
-      </p:cxnSp>
-      <p:cxnSp>
-        <p:nvCxnSpPr>
-          <p:cNvPr id="62" name="Straight Connector 61">
-            <a:extLst>
-              <a:ext uri="{FF2B5EF4-FFF2-40B4-BE49-F238E27FC236}">
-                <a16:creationId xmlns:a16="http://schemas.microsoft.com/office/drawing/2014/main" id="{D7662BF7-AA9D-8F3D-00D7-7F1A85222EA7}"/>
-              </a:ext>
-            </a:extLst>
-          </p:cNvPr>
-          <p:cNvCxnSpPr>
-            <a:cxnSpLocks/>
-          </p:cNvCxnSpPr>
-          <p:nvPr/>
-        </p:nvCxnSpPr>
-        <p:spPr>
-          <a:xfrm flipH="1" flipV="1">
-            <a:off x="7108621" y="3832123"/>
+            <a:off x="6984429" y="3339787"/>
             <a:ext cx="1939464" cy="226296"/>
           </a:xfrm>
           <a:prstGeom prst="line">
@@ -38272,7 +38142,7 @@
         <p:spPr>
           <a:xfrm>
             <a:off x="6067945" y="2818303"/>
-            <a:ext cx="765415" cy="825177"/>
+            <a:ext cx="656203" cy="729683"/>
           </a:xfrm>
           <a:prstGeom prst="straightConnector1">
             <a:avLst/>
@@ -38846,8 +38716,8 @@
         </p:nvCxnSpPr>
         <p:spPr>
           <a:xfrm flipH="1">
-            <a:off x="5912075" y="2809491"/>
-            <a:ext cx="1898933" cy="693921"/>
+            <a:off x="6124935" y="2809491"/>
+            <a:ext cx="1686073" cy="620012"/>
           </a:xfrm>
           <a:prstGeom prst="straightConnector1">
             <a:avLst/>
@@ -38887,131 +38757,8 @@
         </p:nvCxnSpPr>
         <p:spPr>
           <a:xfrm flipH="1">
-            <a:off x="7884731" y="2814263"/>
-            <a:ext cx="304460" cy="758994"/>
-          </a:xfrm>
-          <a:prstGeom prst="straightConnector1">
-            <a:avLst/>
-          </a:prstGeom>
-          <a:ln w="31750">
-            <a:tailEnd type="triangle"/>
-          </a:ln>
-        </p:spPr>
-        <p:style>
-          <a:lnRef idx="1">
-            <a:schemeClr val="dk1"/>
-          </a:lnRef>
-          <a:fillRef idx="0">
-            <a:schemeClr val="dk1"/>
-          </a:fillRef>
-          <a:effectRef idx="0">
-            <a:schemeClr val="dk1"/>
-          </a:effectRef>
-          <a:fontRef idx="minor">
-            <a:schemeClr val="tx1"/>
-          </a:fontRef>
-        </p:style>
-      </p:cxnSp>
-      <p:cxnSp>
-        <p:nvCxnSpPr>
-          <p:cNvPr id="72" name="Straight Arrow Connector 71">
-            <a:extLst>
-              <a:ext uri="{FF2B5EF4-FFF2-40B4-BE49-F238E27FC236}">
-                <a16:creationId xmlns:a16="http://schemas.microsoft.com/office/drawing/2014/main" id="{B378E88A-F926-AEE1-2A4F-99CA0AC7F99F}"/>
-              </a:ext>
-            </a:extLst>
-          </p:cNvPr>
-          <p:cNvCxnSpPr>
-            <a:cxnSpLocks/>
-          </p:cNvCxnSpPr>
-          <p:nvPr/>
-        </p:nvCxnSpPr>
-        <p:spPr>
-          <a:xfrm>
-            <a:off x="6012896" y="2826448"/>
-            <a:ext cx="812229" cy="1005483"/>
-          </a:xfrm>
-          <a:prstGeom prst="straightConnector1">
-            <a:avLst/>
-          </a:prstGeom>
-          <a:ln w="31750">
-            <a:tailEnd type="triangle"/>
-          </a:ln>
-        </p:spPr>
-        <p:style>
-          <a:lnRef idx="1">
-            <a:schemeClr val="dk1"/>
-          </a:lnRef>
-          <a:fillRef idx="0">
-            <a:schemeClr val="dk1"/>
-          </a:fillRef>
-          <a:effectRef idx="0">
-            <a:schemeClr val="dk1"/>
-          </a:effectRef>
-          <a:fontRef idx="minor">
-            <a:schemeClr val="tx1"/>
-          </a:fontRef>
-        </p:style>
-      </p:cxnSp>
-      <p:cxnSp>
-        <p:nvCxnSpPr>
-          <p:cNvPr id="78" name="Straight Arrow Connector 77">
-            <a:extLst>
-              <a:ext uri="{FF2B5EF4-FFF2-40B4-BE49-F238E27FC236}">
-                <a16:creationId xmlns:a16="http://schemas.microsoft.com/office/drawing/2014/main" id="{30340AA8-0A4E-3F38-1F5A-28708C92A011}"/>
-              </a:ext>
-            </a:extLst>
-          </p:cNvPr>
-          <p:cNvCxnSpPr>
-            <a:cxnSpLocks/>
-          </p:cNvCxnSpPr>
-          <p:nvPr/>
-        </p:nvCxnSpPr>
-        <p:spPr>
-          <a:xfrm flipH="1">
-            <a:off x="5756947" y="2828448"/>
-            <a:ext cx="2089592" cy="1090285"/>
-          </a:xfrm>
-          <a:prstGeom prst="straightConnector1">
-            <a:avLst/>
-          </a:prstGeom>
-          <a:ln w="31750">
-            <a:tailEnd type="triangle"/>
-          </a:ln>
-        </p:spPr>
-        <p:style>
-          <a:lnRef idx="1">
-            <a:schemeClr val="dk1"/>
-          </a:lnRef>
-          <a:fillRef idx="0">
-            <a:schemeClr val="dk1"/>
-          </a:fillRef>
-          <a:effectRef idx="0">
-            <a:schemeClr val="dk1"/>
-          </a:effectRef>
-          <a:fontRef idx="minor">
-            <a:schemeClr val="tx1"/>
-          </a:fontRef>
-        </p:style>
-      </p:cxnSp>
-      <p:cxnSp>
-        <p:nvCxnSpPr>
-          <p:cNvPr id="81" name="Straight Arrow Connector 80">
-            <a:extLst>
-              <a:ext uri="{FF2B5EF4-FFF2-40B4-BE49-F238E27FC236}">
-                <a16:creationId xmlns:a16="http://schemas.microsoft.com/office/drawing/2014/main" id="{8E631242-11E8-03C1-F1F2-071EE26823B6}"/>
-              </a:ext>
-            </a:extLst>
-          </p:cNvPr>
-          <p:cNvCxnSpPr>
-            <a:cxnSpLocks/>
-          </p:cNvCxnSpPr>
-          <p:nvPr/>
-        </p:nvCxnSpPr>
-        <p:spPr>
-          <a:xfrm flipH="1">
-            <a:off x="7920262" y="2826448"/>
-            <a:ext cx="285982" cy="1092285"/>
+            <a:off x="7784490" y="2814263"/>
+            <a:ext cx="404701" cy="628017"/>
           </a:xfrm>
           <a:prstGeom prst="straightConnector1">
             <a:avLst/>
@@ -39049,8 +38796,8 @@
         </p:nvSpPr>
         <p:spPr>
           <a:xfrm>
-            <a:off x="1082053" y="5255903"/>
-            <a:ext cx="2589940" cy="1032313"/>
+            <a:off x="1317982" y="5119423"/>
+            <a:ext cx="2058070" cy="1032313"/>
           </a:xfrm>
           <a:prstGeom prst="roundRect">
             <a:avLst/>
@@ -39104,8 +38851,8 @@
         </p:nvSpPr>
         <p:spPr>
           <a:xfrm>
-            <a:off x="1173511" y="5255903"/>
-            <a:ext cx="2407024" cy="943213"/>
+            <a:off x="1411660" y="5119423"/>
+            <a:ext cx="1872934" cy="943213"/>
           </a:xfrm>
           <a:prstGeom prst="roundRect">
             <a:avLst/>
@@ -39159,7 +38906,7 @@
         </p:nvSpPr>
         <p:spPr>
           <a:xfrm>
-            <a:off x="1002979" y="5307913"/>
+            <a:off x="1236710" y="5167314"/>
             <a:ext cx="161071" cy="164757"/>
           </a:xfrm>
           <a:prstGeom prst="ellipse">
@@ -39214,7 +38961,7 @@
         </p:nvSpPr>
         <p:spPr>
           <a:xfrm>
-            <a:off x="3580535" y="5303794"/>
+            <a:off x="3284595" y="5167314"/>
             <a:ext cx="161071" cy="164757"/>
           </a:xfrm>
           <a:prstGeom prst="ellipse">
@@ -39269,8 +39016,8 @@
         </p:nvSpPr>
         <p:spPr>
           <a:xfrm>
-            <a:off x="969787" y="5221416"/>
-            <a:ext cx="2836094" cy="164757"/>
+            <a:off x="1144597" y="5084936"/>
+            <a:ext cx="2365343" cy="164757"/>
           </a:xfrm>
           <a:prstGeom prst="rect">
             <a:avLst/>
@@ -39321,7 +39068,7 @@
         </p:nvSpPr>
         <p:spPr>
           <a:xfrm>
-            <a:off x="2011933" y="6199117"/>
+            <a:off x="2000265" y="6058840"/>
             <a:ext cx="672353" cy="117114"/>
           </a:xfrm>
           <a:prstGeom prst="rect">
@@ -39373,7 +39120,7 @@
         </p:nvSpPr>
         <p:spPr>
           <a:xfrm>
-            <a:off x="1876161" y="6148173"/>
+            <a:off x="1864493" y="6007896"/>
             <a:ext cx="943896" cy="50943"/>
           </a:xfrm>
           <a:prstGeom prst="rect">
@@ -39435,7 +39182,7 @@
         </p:nvCxnSpPr>
         <p:spPr>
           <a:xfrm>
-            <a:off x="2639588" y="6315156"/>
+            <a:off x="2627920" y="6174879"/>
             <a:ext cx="312762" cy="0"/>
           </a:xfrm>
           <a:prstGeom prst="line">
@@ -39481,7 +39228,7 @@
         </p:nvCxnSpPr>
         <p:spPr>
           <a:xfrm>
-            <a:off x="1710017" y="6314683"/>
+            <a:off x="1698349" y="6174406"/>
             <a:ext cx="343055" cy="0"/>
           </a:xfrm>
           <a:prstGeom prst="line">
@@ -39527,7 +39274,7 @@
         </p:nvCxnSpPr>
         <p:spPr>
           <a:xfrm flipV="1">
-            <a:off x="2053072" y="6122329"/>
+            <a:off x="2041404" y="5982052"/>
             <a:ext cx="0" cy="187934"/>
           </a:xfrm>
           <a:prstGeom prst="line">
@@ -39573,7 +39320,7 @@
         </p:nvCxnSpPr>
         <p:spPr>
           <a:xfrm flipV="1">
-            <a:off x="2639588" y="6122329"/>
+            <a:off x="2627920" y="5982052"/>
             <a:ext cx="0" cy="187934"/>
           </a:xfrm>
           <a:prstGeom prst="line">
@@ -39619,7 +39366,7 @@
         </p:nvCxnSpPr>
         <p:spPr>
           <a:xfrm>
-            <a:off x="2053072" y="6116361"/>
+            <a:off x="2041404" y="5976084"/>
             <a:ext cx="586516" cy="3797"/>
           </a:xfrm>
           <a:prstGeom prst="line">
@@ -39663,7 +39410,7 @@
         </p:nvSpPr>
         <p:spPr>
           <a:xfrm>
-            <a:off x="5493692" y="5255903"/>
+            <a:off x="5493692" y="5119423"/>
             <a:ext cx="2589940" cy="1032313"/>
           </a:xfrm>
           <a:prstGeom prst="roundRect">
@@ -39718,7 +39465,7 @@
         </p:nvSpPr>
         <p:spPr>
           <a:xfrm>
-            <a:off x="5585150" y="5255903"/>
+            <a:off x="5585150" y="5119423"/>
             <a:ext cx="2407024" cy="943213"/>
           </a:xfrm>
           <a:prstGeom prst="roundRect">
@@ -39773,7 +39520,7 @@
         </p:nvSpPr>
         <p:spPr>
           <a:xfrm>
-            <a:off x="5414618" y="5307913"/>
+            <a:off x="5414618" y="5171433"/>
             <a:ext cx="161071" cy="164757"/>
           </a:xfrm>
           <a:prstGeom prst="ellipse">
@@ -39828,7 +39575,7 @@
         </p:nvSpPr>
         <p:spPr>
           <a:xfrm>
-            <a:off x="7992174" y="5303794"/>
+            <a:off x="7992174" y="5167314"/>
             <a:ext cx="161071" cy="164757"/>
           </a:xfrm>
           <a:prstGeom prst="ellipse">
@@ -39883,7 +39630,7 @@
         </p:nvSpPr>
         <p:spPr>
           <a:xfrm>
-            <a:off x="5381426" y="5221416"/>
+            <a:off x="5381426" y="5084936"/>
             <a:ext cx="2836094" cy="164757"/>
           </a:xfrm>
           <a:prstGeom prst="rect">
@@ -39935,7 +39682,7 @@
         </p:nvSpPr>
         <p:spPr>
           <a:xfrm>
-            <a:off x="6423572" y="6199117"/>
+            <a:off x="6423572" y="6062637"/>
             <a:ext cx="672353" cy="117114"/>
           </a:xfrm>
           <a:prstGeom prst="rect">
@@ -39987,7 +39734,7 @@
         </p:nvSpPr>
         <p:spPr>
           <a:xfrm>
-            <a:off x="6287800" y="6148173"/>
+            <a:off x="6287800" y="6011693"/>
             <a:ext cx="943896" cy="50943"/>
           </a:xfrm>
           <a:prstGeom prst="rect">
@@ -40035,236 +39782,6 @@
       </p:sp>
       <p:cxnSp>
         <p:nvCxnSpPr>
-          <p:cNvPr id="123" name="Straight Connector 122">
-            <a:extLst>
-              <a:ext uri="{FF2B5EF4-FFF2-40B4-BE49-F238E27FC236}">
-                <a16:creationId xmlns:a16="http://schemas.microsoft.com/office/drawing/2014/main" id="{DE4BAB1D-01BF-4024-7F13-2F877A912D25}"/>
-              </a:ext>
-            </a:extLst>
-          </p:cNvPr>
-          <p:cNvCxnSpPr>
-            <a:cxnSpLocks/>
-          </p:cNvCxnSpPr>
-          <p:nvPr/>
-        </p:nvCxnSpPr>
-        <p:spPr>
-          <a:xfrm>
-            <a:off x="7051227" y="6315156"/>
-            <a:ext cx="312762" cy="0"/>
-          </a:xfrm>
-          <a:prstGeom prst="line">
-            <a:avLst/>
-          </a:prstGeom>
-          <a:ln w="50800">
-            <a:solidFill>
-              <a:schemeClr val="accent3">
-                <a:lumMod val="75000"/>
-              </a:schemeClr>
-            </a:solidFill>
-          </a:ln>
-          <a:effectLst/>
-        </p:spPr>
-        <p:style>
-          <a:lnRef idx="3">
-            <a:schemeClr val="accent3"/>
-          </a:lnRef>
-          <a:fillRef idx="0">
-            <a:schemeClr val="accent3"/>
-          </a:fillRef>
-          <a:effectRef idx="2">
-            <a:schemeClr val="accent3"/>
-          </a:effectRef>
-          <a:fontRef idx="minor">
-            <a:schemeClr val="tx1"/>
-          </a:fontRef>
-        </p:style>
-      </p:cxnSp>
-      <p:cxnSp>
-        <p:nvCxnSpPr>
-          <p:cNvPr id="124" name="Straight Connector 123">
-            <a:extLst>
-              <a:ext uri="{FF2B5EF4-FFF2-40B4-BE49-F238E27FC236}">
-                <a16:creationId xmlns:a16="http://schemas.microsoft.com/office/drawing/2014/main" id="{4AF9F2BE-75FE-CD4B-32D9-260A6A580ADF}"/>
-              </a:ext>
-            </a:extLst>
-          </p:cNvPr>
-          <p:cNvCxnSpPr>
-            <a:cxnSpLocks/>
-          </p:cNvCxnSpPr>
-          <p:nvPr/>
-        </p:nvCxnSpPr>
-        <p:spPr>
-          <a:xfrm>
-            <a:off x="6121656" y="6314683"/>
-            <a:ext cx="343055" cy="0"/>
-          </a:xfrm>
-          <a:prstGeom prst="line">
-            <a:avLst/>
-          </a:prstGeom>
-          <a:ln w="50800">
-            <a:solidFill>
-              <a:schemeClr val="accent3">
-                <a:lumMod val="75000"/>
-              </a:schemeClr>
-            </a:solidFill>
-          </a:ln>
-          <a:effectLst/>
-        </p:spPr>
-        <p:style>
-          <a:lnRef idx="3">
-            <a:schemeClr val="accent3"/>
-          </a:lnRef>
-          <a:fillRef idx="0">
-            <a:schemeClr val="accent3"/>
-          </a:fillRef>
-          <a:effectRef idx="2">
-            <a:schemeClr val="accent3"/>
-          </a:effectRef>
-          <a:fontRef idx="minor">
-            <a:schemeClr val="tx1"/>
-          </a:fontRef>
-        </p:style>
-      </p:cxnSp>
-      <p:cxnSp>
-        <p:nvCxnSpPr>
-          <p:cNvPr id="125" name="Straight Connector 124">
-            <a:extLst>
-              <a:ext uri="{FF2B5EF4-FFF2-40B4-BE49-F238E27FC236}">
-                <a16:creationId xmlns:a16="http://schemas.microsoft.com/office/drawing/2014/main" id="{4F196451-24F1-7F90-2DBB-3788A693A0E0}"/>
-              </a:ext>
-            </a:extLst>
-          </p:cNvPr>
-          <p:cNvCxnSpPr>
-            <a:cxnSpLocks/>
-          </p:cNvCxnSpPr>
-          <p:nvPr/>
-        </p:nvCxnSpPr>
-        <p:spPr>
-          <a:xfrm flipV="1">
-            <a:off x="6464711" y="6122329"/>
-            <a:ext cx="0" cy="187934"/>
-          </a:xfrm>
-          <a:prstGeom prst="line">
-            <a:avLst/>
-          </a:prstGeom>
-          <a:ln w="50800">
-            <a:solidFill>
-              <a:schemeClr val="accent3">
-                <a:lumMod val="75000"/>
-              </a:schemeClr>
-            </a:solidFill>
-          </a:ln>
-          <a:effectLst/>
-        </p:spPr>
-        <p:style>
-          <a:lnRef idx="3">
-            <a:schemeClr val="accent3"/>
-          </a:lnRef>
-          <a:fillRef idx="0">
-            <a:schemeClr val="accent3"/>
-          </a:fillRef>
-          <a:effectRef idx="2">
-            <a:schemeClr val="accent3"/>
-          </a:effectRef>
-          <a:fontRef idx="minor">
-            <a:schemeClr val="tx1"/>
-          </a:fontRef>
-        </p:style>
-      </p:cxnSp>
-      <p:cxnSp>
-        <p:nvCxnSpPr>
-          <p:cNvPr id="126" name="Straight Connector 125">
-            <a:extLst>
-              <a:ext uri="{FF2B5EF4-FFF2-40B4-BE49-F238E27FC236}">
-                <a16:creationId xmlns:a16="http://schemas.microsoft.com/office/drawing/2014/main" id="{0F66B825-A6A4-59F6-0A2B-C29D2835A49A}"/>
-              </a:ext>
-            </a:extLst>
-          </p:cNvPr>
-          <p:cNvCxnSpPr>
-            <a:cxnSpLocks/>
-          </p:cNvCxnSpPr>
-          <p:nvPr/>
-        </p:nvCxnSpPr>
-        <p:spPr>
-          <a:xfrm flipV="1">
-            <a:off x="7051227" y="6122329"/>
-            <a:ext cx="0" cy="187934"/>
-          </a:xfrm>
-          <a:prstGeom prst="line">
-            <a:avLst/>
-          </a:prstGeom>
-          <a:ln w="50800">
-            <a:solidFill>
-              <a:schemeClr val="accent3">
-                <a:lumMod val="75000"/>
-              </a:schemeClr>
-            </a:solidFill>
-          </a:ln>
-          <a:effectLst/>
-        </p:spPr>
-        <p:style>
-          <a:lnRef idx="3">
-            <a:schemeClr val="accent3"/>
-          </a:lnRef>
-          <a:fillRef idx="0">
-            <a:schemeClr val="accent3"/>
-          </a:fillRef>
-          <a:effectRef idx="2">
-            <a:schemeClr val="accent3"/>
-          </a:effectRef>
-          <a:fontRef idx="minor">
-            <a:schemeClr val="tx1"/>
-          </a:fontRef>
-        </p:style>
-      </p:cxnSp>
-      <p:cxnSp>
-        <p:nvCxnSpPr>
-          <p:cNvPr id="127" name="Straight Connector 126">
-            <a:extLst>
-              <a:ext uri="{FF2B5EF4-FFF2-40B4-BE49-F238E27FC236}">
-                <a16:creationId xmlns:a16="http://schemas.microsoft.com/office/drawing/2014/main" id="{A79AF807-D340-5D91-5296-5ED14AE78C04}"/>
-              </a:ext>
-            </a:extLst>
-          </p:cNvPr>
-          <p:cNvCxnSpPr>
-            <a:cxnSpLocks/>
-          </p:cNvCxnSpPr>
-          <p:nvPr/>
-        </p:nvCxnSpPr>
-        <p:spPr>
-          <a:xfrm>
-            <a:off x="6464711" y="6116361"/>
-            <a:ext cx="586516" cy="3797"/>
-          </a:xfrm>
-          <a:prstGeom prst="line">
-            <a:avLst/>
-          </a:prstGeom>
-          <a:ln w="50800">
-            <a:solidFill>
-              <a:schemeClr val="accent3">
-                <a:lumMod val="75000"/>
-              </a:schemeClr>
-            </a:solidFill>
-          </a:ln>
-          <a:effectLst/>
-        </p:spPr>
-        <p:style>
-          <a:lnRef idx="3">
-            <a:schemeClr val="accent3"/>
-          </a:lnRef>
-          <a:fillRef idx="0">
-            <a:schemeClr val="accent3"/>
-          </a:fillRef>
-          <a:effectRef idx="2">
-            <a:schemeClr val="accent3"/>
-          </a:effectRef>
-          <a:fontRef idx="minor">
-            <a:schemeClr val="tx1"/>
-          </a:fontRef>
-        </p:style>
-      </p:cxnSp>
-      <p:cxnSp>
-        <p:nvCxnSpPr>
           <p:cNvPr id="128" name="Straight Connector 127">
             <a:extLst>
               <a:ext uri="{FF2B5EF4-FFF2-40B4-BE49-F238E27FC236}">
@@ -40279,8 +39796,8 @@
         </p:nvCxnSpPr>
         <p:spPr>
           <a:xfrm flipH="1">
-            <a:off x="6534452" y="6218210"/>
-            <a:ext cx="434349" cy="0"/>
+            <a:off x="6663113" y="6080183"/>
+            <a:ext cx="251139" cy="0"/>
           </a:xfrm>
           <a:prstGeom prst="line">
             <a:avLst/>
@@ -40322,7 +39839,7 @@
         </p:nvCxnSpPr>
         <p:spPr>
           <a:xfrm flipH="1">
-            <a:off x="6981253" y="6125051"/>
+            <a:off x="6901984" y="5995530"/>
             <a:ext cx="129584" cy="85088"/>
           </a:xfrm>
           <a:prstGeom prst="line">
@@ -40365,8 +39882,8 @@
         </p:nvCxnSpPr>
         <p:spPr>
           <a:xfrm flipH="1">
-            <a:off x="7115748" y="6125051"/>
-            <a:ext cx="730791" cy="5784"/>
+            <a:off x="7027532" y="5988571"/>
+            <a:ext cx="819007" cy="6524"/>
           </a:xfrm>
           <a:prstGeom prst="line">
             <a:avLst/>
@@ -40408,8 +39925,8 @@
         </p:nvCxnSpPr>
         <p:spPr>
           <a:xfrm flipH="1">
-            <a:off x="5706409" y="6131575"/>
-            <a:ext cx="707932" cy="0"/>
+            <a:off x="5706409" y="5995095"/>
+            <a:ext cx="830682" cy="0"/>
           </a:xfrm>
           <a:prstGeom prst="line">
             <a:avLst/>
@@ -40451,7 +39968,7 @@
         </p:nvCxnSpPr>
         <p:spPr>
           <a:xfrm>
-            <a:off x="6414341" y="6131575"/>
+            <a:off x="6537092" y="5989830"/>
             <a:ext cx="129584" cy="85088"/>
           </a:xfrm>
           <a:prstGeom prst="line">
@@ -40494,7 +40011,7 @@
         </p:nvCxnSpPr>
         <p:spPr>
           <a:xfrm flipH="1">
-            <a:off x="7865764" y="6040067"/>
+            <a:off x="7865764" y="5903587"/>
             <a:ext cx="75732" cy="84984"/>
           </a:xfrm>
           <a:prstGeom prst="line">
@@ -40537,7 +40054,7 @@
         </p:nvCxnSpPr>
         <p:spPr>
           <a:xfrm>
-            <a:off x="5630677" y="6044636"/>
+            <a:off x="5630677" y="5908156"/>
             <a:ext cx="75732" cy="84984"/>
           </a:xfrm>
           <a:prstGeom prst="line">
@@ -40580,7 +40097,7 @@
         </p:nvCxnSpPr>
         <p:spPr>
           <a:xfrm>
-            <a:off x="7941496" y="5339301"/>
+            <a:off x="7941496" y="5202821"/>
             <a:ext cx="0" cy="696125"/>
           </a:xfrm>
           <a:prstGeom prst="line">
@@ -40623,7 +40140,7 @@
         </p:nvCxnSpPr>
         <p:spPr>
           <a:xfrm>
-            <a:off x="5630677" y="5348511"/>
+            <a:off x="5630677" y="5212031"/>
             <a:ext cx="0" cy="696125"/>
           </a:xfrm>
           <a:prstGeom prst="line">
@@ -40666,7 +40183,7 @@
         </p:nvCxnSpPr>
         <p:spPr>
           <a:xfrm flipH="1">
-            <a:off x="7949256" y="5339301"/>
+            <a:off x="7949256" y="5202821"/>
             <a:ext cx="217868" cy="0"/>
           </a:xfrm>
           <a:prstGeom prst="line">
@@ -40709,7 +40226,7 @@
         </p:nvCxnSpPr>
         <p:spPr>
           <a:xfrm flipH="1">
-            <a:off x="5411979" y="5348511"/>
+            <a:off x="5411979" y="5212031"/>
             <a:ext cx="217868" cy="0"/>
           </a:xfrm>
           <a:prstGeom prst="line">
@@ -40752,7 +40269,7 @@
         </p:nvCxnSpPr>
         <p:spPr>
           <a:xfrm flipH="1">
-            <a:off x="4985468" y="5348511"/>
+            <a:off x="4985468" y="5212031"/>
             <a:ext cx="426511" cy="523527"/>
           </a:xfrm>
           <a:prstGeom prst="line">
@@ -40795,7 +40312,7 @@
         </p:nvCxnSpPr>
         <p:spPr>
           <a:xfrm>
-            <a:off x="8161480" y="5340772"/>
+            <a:off x="8161480" y="5204292"/>
             <a:ext cx="426511" cy="523527"/>
           </a:xfrm>
           <a:prstGeom prst="line">
@@ -40838,7 +40355,7 @@
         </p:nvCxnSpPr>
         <p:spPr>
           <a:xfrm flipH="1">
-            <a:off x="8589622" y="5602535"/>
+            <a:off x="8589622" y="5466055"/>
             <a:ext cx="259425" cy="261764"/>
           </a:xfrm>
           <a:prstGeom prst="line">
@@ -41120,7 +40637,7 @@
             </a:lvl9pPr>
           </a:lstStyle>
           <a:p>
-            <a:pPr marL="0" indent="0">
+            <a:pPr marL="0" indent="0" algn="ctr">
               <a:buFont typeface="Wingdings 3" charset="2"/>
               <a:buNone/>
             </a:pPr>
@@ -41230,7 +40747,7 @@
         </p:nvSpPr>
         <p:spPr>
           <a:xfrm>
-            <a:off x="9100310" y="5696573"/>
+            <a:off x="9100310" y="5560093"/>
             <a:ext cx="1773708" cy="1288379"/>
           </a:xfrm>
           <a:prstGeom prst="rect">
@@ -41469,7 +40986,7 @@
             </a:lvl9pPr>
           </a:lstStyle>
           <a:p>
-            <a:pPr marL="0" indent="0">
+            <a:pPr marL="0" indent="0" algn="ctr">
               <a:buFont typeface="Wingdings 3" charset="2"/>
               <a:buNone/>
             </a:pPr>
@@ -41497,7 +41014,7 @@
         </p:nvCxnSpPr>
         <p:spPr>
           <a:xfrm flipH="1" flipV="1">
-            <a:off x="8658157" y="5962406"/>
+            <a:off x="8658157" y="5825926"/>
             <a:ext cx="442153" cy="120153"/>
           </a:xfrm>
           <a:prstGeom prst="straightConnector1">
@@ -41569,6 +41086,1133 @@
               <a:t>Good enough</a:t>
             </a:r>
             <a:endParaRPr lang="en-GB" dirty="0"/>
+          </a:p>
+        </p:txBody>
+      </p:sp>
+      <p:sp>
+        <p:nvSpPr>
+          <p:cNvPr id="29" name="Oval 28">
+            <a:extLst>
+              <a:ext uri="{FF2B5EF4-FFF2-40B4-BE49-F238E27FC236}">
+                <a16:creationId xmlns:a16="http://schemas.microsoft.com/office/drawing/2014/main" id="{F9C9075F-BB5E-6A25-9B77-A873AAB5E7AF}"/>
+              </a:ext>
+            </a:extLst>
+          </p:cNvPr>
+          <p:cNvSpPr/>
+          <p:nvPr/>
+        </p:nvSpPr>
+        <p:spPr>
+          <a:xfrm>
+            <a:off x="6740406" y="5933846"/>
+            <a:ext cx="99663" cy="99663"/>
+          </a:xfrm>
+          <a:prstGeom prst="ellipse">
+            <a:avLst/>
+          </a:prstGeom>
+          <a:solidFill>
+            <a:schemeClr val="accent3">
+              <a:lumMod val="75000"/>
+            </a:schemeClr>
+          </a:solidFill>
+          <a:ln>
+            <a:noFill/>
+          </a:ln>
+        </p:spPr>
+        <p:style>
+          <a:lnRef idx="2">
+            <a:schemeClr val="accent1">
+              <a:shade val="15000"/>
+            </a:schemeClr>
+          </a:lnRef>
+          <a:fillRef idx="1">
+            <a:schemeClr val="accent1"/>
+          </a:fillRef>
+          <a:effectRef idx="0">
+            <a:schemeClr val="accent1"/>
+          </a:effectRef>
+          <a:fontRef idx="minor">
+            <a:schemeClr val="lt1"/>
+          </a:fontRef>
+        </p:style>
+        <p:txBody>
+          <a:bodyPr rtlCol="0" anchor="ctr"/>
+          <a:lstStyle/>
+          <a:p>
+            <a:pPr algn="ctr"/>
+            <a:endParaRPr lang="en-GB"/>
+          </a:p>
+        </p:txBody>
+      </p:sp>
+      <p:sp>
+        <p:nvSpPr>
+          <p:cNvPr id="33" name="Oval 32">
+            <a:extLst>
+              <a:ext uri="{FF2B5EF4-FFF2-40B4-BE49-F238E27FC236}">
+                <a16:creationId xmlns:a16="http://schemas.microsoft.com/office/drawing/2014/main" id="{38EC7BCC-11ED-BC5A-E33E-088952E9D484}"/>
+              </a:ext>
+            </a:extLst>
+          </p:cNvPr>
+          <p:cNvSpPr/>
+          <p:nvPr/>
+        </p:nvSpPr>
+        <p:spPr>
+          <a:xfrm>
+            <a:off x="6738852" y="6119698"/>
+            <a:ext cx="99663" cy="99663"/>
+          </a:xfrm>
+          <a:prstGeom prst="ellipse">
+            <a:avLst/>
+          </a:prstGeom>
+          <a:solidFill>
+            <a:schemeClr val="accent3">
+              <a:lumMod val="75000"/>
+            </a:schemeClr>
+          </a:solidFill>
+          <a:ln>
+            <a:noFill/>
+          </a:ln>
+        </p:spPr>
+        <p:style>
+          <a:lnRef idx="2">
+            <a:schemeClr val="accent1">
+              <a:shade val="15000"/>
+            </a:schemeClr>
+          </a:lnRef>
+          <a:fillRef idx="1">
+            <a:schemeClr val="accent1"/>
+          </a:fillRef>
+          <a:effectRef idx="0">
+            <a:schemeClr val="accent1"/>
+          </a:effectRef>
+          <a:fontRef idx="minor">
+            <a:schemeClr val="lt1"/>
+          </a:fontRef>
+        </p:style>
+        <p:txBody>
+          <a:bodyPr rtlCol="0" anchor="ctr"/>
+          <a:lstStyle/>
+          <a:p>
+            <a:pPr algn="ctr"/>
+            <a:endParaRPr lang="en-GB"/>
+          </a:p>
+        </p:txBody>
+      </p:sp>
+      <p:cxnSp>
+        <p:nvCxnSpPr>
+          <p:cNvPr id="125" name="Straight Connector 124">
+            <a:extLst>
+              <a:ext uri="{FF2B5EF4-FFF2-40B4-BE49-F238E27FC236}">
+                <a16:creationId xmlns:a16="http://schemas.microsoft.com/office/drawing/2014/main" id="{4F196451-24F1-7F90-2DBB-3788A693A0E0}"/>
+              </a:ext>
+            </a:extLst>
+          </p:cNvPr>
+          <p:cNvCxnSpPr>
+            <a:cxnSpLocks/>
+          </p:cNvCxnSpPr>
+          <p:nvPr/>
+        </p:nvCxnSpPr>
+        <p:spPr>
+          <a:xfrm flipV="1">
+            <a:off x="6789754" y="5976084"/>
+            <a:ext cx="0" cy="187934"/>
+          </a:xfrm>
+          <a:prstGeom prst="line">
+            <a:avLst/>
+          </a:prstGeom>
+          <a:ln w="50800">
+            <a:solidFill>
+              <a:schemeClr val="accent3">
+                <a:lumMod val="75000"/>
+              </a:schemeClr>
+            </a:solidFill>
+          </a:ln>
+          <a:effectLst/>
+        </p:spPr>
+        <p:style>
+          <a:lnRef idx="3">
+            <a:schemeClr val="accent3"/>
+          </a:lnRef>
+          <a:fillRef idx="0">
+            <a:schemeClr val="accent3"/>
+          </a:fillRef>
+          <a:effectRef idx="2">
+            <a:schemeClr val="accent3"/>
+          </a:effectRef>
+          <a:fontRef idx="minor">
+            <a:schemeClr val="tx1"/>
+          </a:fontRef>
+        </p:style>
+      </p:cxnSp>
+      <p:sp>
+        <p:nvSpPr>
+          <p:cNvPr id="34" name="Content Placeholder 2">
+            <a:extLst>
+              <a:ext uri="{FF2B5EF4-FFF2-40B4-BE49-F238E27FC236}">
+                <a16:creationId xmlns:a16="http://schemas.microsoft.com/office/drawing/2014/main" id="{E785F280-6E38-9A94-756B-8CC2F5F3A30A}"/>
+              </a:ext>
+            </a:extLst>
+          </p:cNvPr>
+          <p:cNvSpPr txBox="1">
+            <a:spLocks/>
+          </p:cNvSpPr>
+          <p:nvPr/>
+        </p:nvSpPr>
+        <p:spPr>
+          <a:xfrm>
+            <a:off x="3906937" y="5862653"/>
+            <a:ext cx="1474998" cy="830150"/>
+          </a:xfrm>
+          <a:prstGeom prst="rect">
+            <a:avLst/>
+          </a:prstGeom>
+        </p:spPr>
+        <p:txBody>
+          <a:bodyPr vert="horz" lIns="91440" tIns="45720" rIns="91440" bIns="45720" rtlCol="0">
+            <a:normAutofit/>
+          </a:bodyPr>
+          <a:lstStyle>
+            <a:lvl1pPr marL="342900" indent="-342900" algn="l" defTabSz="457200" rtl="0" eaLnBrk="1" latinLnBrk="0" hangingPunct="1">
+              <a:spcBef>
+                <a:spcPts val="1000"/>
+              </a:spcBef>
+              <a:spcAft>
+                <a:spcPts val="0"/>
+              </a:spcAft>
+              <a:buClr>
+                <a:schemeClr val="accent1"/>
+              </a:buClr>
+              <a:buSzPct val="80000"/>
+              <a:buFont typeface="Wingdings 3" charset="2"/>
+              <a:buChar char=""/>
+              <a:defRPr sz="1800" kern="1200">
+                <a:solidFill>
+                  <a:schemeClr val="tx1">
+                    <a:lumMod val="75000"/>
+                    <a:lumOff val="25000"/>
+                  </a:schemeClr>
+                </a:solidFill>
+                <a:latin typeface="+mn-lt"/>
+                <a:ea typeface="+mn-ea"/>
+                <a:cs typeface="+mn-cs"/>
+              </a:defRPr>
+            </a:lvl1pPr>
+            <a:lvl2pPr marL="742950" indent="-285750" algn="l" defTabSz="457200" rtl="0" eaLnBrk="1" latinLnBrk="0" hangingPunct="1">
+              <a:spcBef>
+                <a:spcPts val="1000"/>
+              </a:spcBef>
+              <a:spcAft>
+                <a:spcPts val="0"/>
+              </a:spcAft>
+              <a:buClr>
+                <a:schemeClr val="accent1"/>
+              </a:buClr>
+              <a:buSzPct val="80000"/>
+              <a:buFont typeface="Wingdings 3" charset="2"/>
+              <a:buChar char=""/>
+              <a:defRPr sz="1600" kern="1200">
+                <a:solidFill>
+                  <a:schemeClr val="tx1">
+                    <a:lumMod val="75000"/>
+                    <a:lumOff val="25000"/>
+                  </a:schemeClr>
+                </a:solidFill>
+                <a:latin typeface="+mn-lt"/>
+                <a:ea typeface="+mn-ea"/>
+                <a:cs typeface="+mn-cs"/>
+              </a:defRPr>
+            </a:lvl2pPr>
+            <a:lvl3pPr marL="1143000" indent="-228600" algn="l" defTabSz="457200" rtl="0" eaLnBrk="1" latinLnBrk="0" hangingPunct="1">
+              <a:spcBef>
+                <a:spcPts val="1000"/>
+              </a:spcBef>
+              <a:spcAft>
+                <a:spcPts val="0"/>
+              </a:spcAft>
+              <a:buClr>
+                <a:schemeClr val="accent1"/>
+              </a:buClr>
+              <a:buSzPct val="80000"/>
+              <a:buFont typeface="Wingdings 3" charset="2"/>
+              <a:buChar char=""/>
+              <a:defRPr sz="1400" kern="1200">
+                <a:solidFill>
+                  <a:schemeClr val="tx1">
+                    <a:lumMod val="75000"/>
+                    <a:lumOff val="25000"/>
+                  </a:schemeClr>
+                </a:solidFill>
+                <a:latin typeface="+mn-lt"/>
+                <a:ea typeface="+mn-ea"/>
+                <a:cs typeface="+mn-cs"/>
+              </a:defRPr>
+            </a:lvl3pPr>
+            <a:lvl4pPr marL="1600200" indent="-228600" algn="l" defTabSz="457200" rtl="0" eaLnBrk="1" latinLnBrk="0" hangingPunct="1">
+              <a:spcBef>
+                <a:spcPts val="1000"/>
+              </a:spcBef>
+              <a:spcAft>
+                <a:spcPts val="0"/>
+              </a:spcAft>
+              <a:buClr>
+                <a:schemeClr val="accent1"/>
+              </a:buClr>
+              <a:buSzPct val="80000"/>
+              <a:buFont typeface="Wingdings 3" charset="2"/>
+              <a:buChar char=""/>
+              <a:defRPr sz="1200" kern="1200">
+                <a:solidFill>
+                  <a:schemeClr val="tx1">
+                    <a:lumMod val="75000"/>
+                    <a:lumOff val="25000"/>
+                  </a:schemeClr>
+                </a:solidFill>
+                <a:latin typeface="+mn-lt"/>
+                <a:ea typeface="+mn-ea"/>
+                <a:cs typeface="+mn-cs"/>
+              </a:defRPr>
+            </a:lvl4pPr>
+            <a:lvl5pPr marL="2057400" indent="-228600" algn="l" defTabSz="457200" rtl="0" eaLnBrk="1" latinLnBrk="0" hangingPunct="1">
+              <a:spcBef>
+                <a:spcPts val="1000"/>
+              </a:spcBef>
+              <a:spcAft>
+                <a:spcPts val="0"/>
+              </a:spcAft>
+              <a:buClr>
+                <a:schemeClr val="accent1"/>
+              </a:buClr>
+              <a:buSzPct val="80000"/>
+              <a:buFont typeface="Wingdings 3" charset="2"/>
+              <a:buChar char=""/>
+              <a:defRPr sz="1200" kern="1200">
+                <a:solidFill>
+                  <a:schemeClr val="tx1">
+                    <a:lumMod val="75000"/>
+                    <a:lumOff val="25000"/>
+                  </a:schemeClr>
+                </a:solidFill>
+                <a:latin typeface="+mn-lt"/>
+                <a:ea typeface="+mn-ea"/>
+                <a:cs typeface="+mn-cs"/>
+              </a:defRPr>
+            </a:lvl5pPr>
+            <a:lvl6pPr marL="2514600" indent="-228600" algn="l" defTabSz="457200" rtl="0" eaLnBrk="1" latinLnBrk="0" hangingPunct="1">
+              <a:spcBef>
+                <a:spcPts val="1000"/>
+              </a:spcBef>
+              <a:spcAft>
+                <a:spcPts val="0"/>
+              </a:spcAft>
+              <a:buClr>
+                <a:schemeClr val="accent1"/>
+              </a:buClr>
+              <a:buSzPct val="80000"/>
+              <a:buFont typeface="Wingdings 3" charset="2"/>
+              <a:buChar char=""/>
+              <a:defRPr sz="1200" kern="1200">
+                <a:solidFill>
+                  <a:schemeClr val="tx1">
+                    <a:lumMod val="75000"/>
+                    <a:lumOff val="25000"/>
+                  </a:schemeClr>
+                </a:solidFill>
+                <a:latin typeface="+mn-lt"/>
+                <a:ea typeface="+mn-ea"/>
+                <a:cs typeface="+mn-cs"/>
+              </a:defRPr>
+            </a:lvl6pPr>
+            <a:lvl7pPr marL="2971800" indent="-228600" algn="l" defTabSz="457200" rtl="0" eaLnBrk="1" latinLnBrk="0" hangingPunct="1">
+              <a:spcBef>
+                <a:spcPts val="1000"/>
+              </a:spcBef>
+              <a:spcAft>
+                <a:spcPts val="0"/>
+              </a:spcAft>
+              <a:buClr>
+                <a:schemeClr val="accent1"/>
+              </a:buClr>
+              <a:buSzPct val="80000"/>
+              <a:buFont typeface="Wingdings 3" charset="2"/>
+              <a:buChar char=""/>
+              <a:defRPr sz="1200" kern="1200">
+                <a:solidFill>
+                  <a:schemeClr val="tx1">
+                    <a:lumMod val="75000"/>
+                    <a:lumOff val="25000"/>
+                  </a:schemeClr>
+                </a:solidFill>
+                <a:latin typeface="+mn-lt"/>
+                <a:ea typeface="+mn-ea"/>
+                <a:cs typeface="+mn-cs"/>
+              </a:defRPr>
+            </a:lvl7pPr>
+            <a:lvl8pPr marL="3429000" indent="-228600" algn="l" defTabSz="457200" rtl="0" eaLnBrk="1" latinLnBrk="0" hangingPunct="1">
+              <a:spcBef>
+                <a:spcPts val="1000"/>
+              </a:spcBef>
+              <a:spcAft>
+                <a:spcPts val="0"/>
+              </a:spcAft>
+              <a:buClr>
+                <a:schemeClr val="accent1"/>
+              </a:buClr>
+              <a:buSzPct val="80000"/>
+              <a:buFont typeface="Wingdings 3" charset="2"/>
+              <a:buChar char=""/>
+              <a:defRPr sz="1200" kern="1200">
+                <a:solidFill>
+                  <a:schemeClr val="tx1">
+                    <a:lumMod val="75000"/>
+                    <a:lumOff val="25000"/>
+                  </a:schemeClr>
+                </a:solidFill>
+                <a:latin typeface="+mn-lt"/>
+                <a:ea typeface="+mn-ea"/>
+                <a:cs typeface="+mn-cs"/>
+              </a:defRPr>
+            </a:lvl8pPr>
+            <a:lvl9pPr marL="3886200" indent="-228600" algn="l" defTabSz="457200" rtl="0" eaLnBrk="1" latinLnBrk="0" hangingPunct="1">
+              <a:spcBef>
+                <a:spcPts val="1000"/>
+              </a:spcBef>
+              <a:spcAft>
+                <a:spcPts val="0"/>
+              </a:spcAft>
+              <a:buClr>
+                <a:schemeClr val="accent1"/>
+              </a:buClr>
+              <a:buSzPct val="80000"/>
+              <a:buFont typeface="Wingdings 3" charset="2"/>
+              <a:buChar char=""/>
+              <a:defRPr sz="1200" kern="1200">
+                <a:solidFill>
+                  <a:schemeClr val="tx1">
+                    <a:lumMod val="75000"/>
+                    <a:lumOff val="25000"/>
+                  </a:schemeClr>
+                </a:solidFill>
+                <a:latin typeface="+mn-lt"/>
+                <a:ea typeface="+mn-ea"/>
+                <a:cs typeface="+mn-cs"/>
+              </a:defRPr>
+            </a:lvl9pPr>
+          </a:lstStyle>
+          <a:p>
+            <a:pPr marL="0" indent="0" algn="ctr">
+              <a:buFont typeface="Wingdings 3" charset="2"/>
+              <a:buNone/>
+            </a:pPr>
+            <a:r>
+              <a:rPr lang="en-US" sz="1400" b="1" dirty="0"/>
+              <a:t>guy wire will be held in place by staple</a:t>
+            </a:r>
+            <a:endParaRPr lang="en-US" sz="1400" dirty="0"/>
+          </a:p>
+        </p:txBody>
+      </p:sp>
+      <p:cxnSp>
+        <p:nvCxnSpPr>
+          <p:cNvPr id="36" name="Straight Arrow Connector 35">
+            <a:extLst>
+              <a:ext uri="{FF2B5EF4-FFF2-40B4-BE49-F238E27FC236}">
+                <a16:creationId xmlns:a16="http://schemas.microsoft.com/office/drawing/2014/main" id="{6D2004BC-8847-040E-992B-C101CCC7E537}"/>
+              </a:ext>
+            </a:extLst>
+          </p:cNvPr>
+          <p:cNvCxnSpPr>
+            <a:cxnSpLocks/>
+          </p:cNvCxnSpPr>
+          <p:nvPr/>
+        </p:nvCxnSpPr>
+        <p:spPr>
+          <a:xfrm flipV="1">
+            <a:off x="5224666" y="6164018"/>
+            <a:ext cx="1367450" cy="163505"/>
+          </a:xfrm>
+          <a:prstGeom prst="straightConnector1">
+            <a:avLst/>
+          </a:prstGeom>
+          <a:ln w="31750">
+            <a:tailEnd type="triangle"/>
+          </a:ln>
+        </p:spPr>
+        <p:style>
+          <a:lnRef idx="1">
+            <a:schemeClr val="dk1"/>
+          </a:lnRef>
+          <a:fillRef idx="0">
+            <a:schemeClr val="dk1"/>
+          </a:fillRef>
+          <a:effectRef idx="0">
+            <a:schemeClr val="dk1"/>
+          </a:effectRef>
+          <a:fontRef idx="minor">
+            <a:schemeClr val="tx1"/>
+          </a:fontRef>
+        </p:style>
+      </p:cxnSp>
+      <p:sp>
+        <p:nvSpPr>
+          <p:cNvPr id="39" name="Content Placeholder 2">
+            <a:extLst>
+              <a:ext uri="{FF2B5EF4-FFF2-40B4-BE49-F238E27FC236}">
+                <a16:creationId xmlns:a16="http://schemas.microsoft.com/office/drawing/2014/main" id="{25F18B91-3D11-47B5-0623-426584496B09}"/>
+              </a:ext>
+            </a:extLst>
+          </p:cNvPr>
+          <p:cNvSpPr txBox="1">
+            <a:spLocks/>
+          </p:cNvSpPr>
+          <p:nvPr/>
+        </p:nvSpPr>
+        <p:spPr>
+          <a:xfrm>
+            <a:off x="1813318" y="5287247"/>
+            <a:ext cx="1054894" cy="830150"/>
+          </a:xfrm>
+          <a:prstGeom prst="rect">
+            <a:avLst/>
+          </a:prstGeom>
+        </p:spPr>
+        <p:txBody>
+          <a:bodyPr vert="horz" lIns="91440" tIns="45720" rIns="91440" bIns="45720" rtlCol="0">
+            <a:normAutofit/>
+          </a:bodyPr>
+          <a:lstStyle>
+            <a:lvl1pPr marL="342900" indent="-342900" algn="l" defTabSz="457200" rtl="0" eaLnBrk="1" latinLnBrk="0" hangingPunct="1">
+              <a:spcBef>
+                <a:spcPts val="1000"/>
+              </a:spcBef>
+              <a:spcAft>
+                <a:spcPts val="0"/>
+              </a:spcAft>
+              <a:buClr>
+                <a:schemeClr val="accent1"/>
+              </a:buClr>
+              <a:buSzPct val="80000"/>
+              <a:buFont typeface="Wingdings 3" charset="2"/>
+              <a:buChar char=""/>
+              <a:defRPr sz="1800" kern="1200">
+                <a:solidFill>
+                  <a:schemeClr val="tx1">
+                    <a:lumMod val="75000"/>
+                    <a:lumOff val="25000"/>
+                  </a:schemeClr>
+                </a:solidFill>
+                <a:latin typeface="+mn-lt"/>
+                <a:ea typeface="+mn-ea"/>
+                <a:cs typeface="+mn-cs"/>
+              </a:defRPr>
+            </a:lvl1pPr>
+            <a:lvl2pPr marL="742950" indent="-285750" algn="l" defTabSz="457200" rtl="0" eaLnBrk="1" latinLnBrk="0" hangingPunct="1">
+              <a:spcBef>
+                <a:spcPts val="1000"/>
+              </a:spcBef>
+              <a:spcAft>
+                <a:spcPts val="0"/>
+              </a:spcAft>
+              <a:buClr>
+                <a:schemeClr val="accent1"/>
+              </a:buClr>
+              <a:buSzPct val="80000"/>
+              <a:buFont typeface="Wingdings 3" charset="2"/>
+              <a:buChar char=""/>
+              <a:defRPr sz="1600" kern="1200">
+                <a:solidFill>
+                  <a:schemeClr val="tx1">
+                    <a:lumMod val="75000"/>
+                    <a:lumOff val="25000"/>
+                  </a:schemeClr>
+                </a:solidFill>
+                <a:latin typeface="+mn-lt"/>
+                <a:ea typeface="+mn-ea"/>
+                <a:cs typeface="+mn-cs"/>
+              </a:defRPr>
+            </a:lvl2pPr>
+            <a:lvl3pPr marL="1143000" indent="-228600" algn="l" defTabSz="457200" rtl="0" eaLnBrk="1" latinLnBrk="0" hangingPunct="1">
+              <a:spcBef>
+                <a:spcPts val="1000"/>
+              </a:spcBef>
+              <a:spcAft>
+                <a:spcPts val="0"/>
+              </a:spcAft>
+              <a:buClr>
+                <a:schemeClr val="accent1"/>
+              </a:buClr>
+              <a:buSzPct val="80000"/>
+              <a:buFont typeface="Wingdings 3" charset="2"/>
+              <a:buChar char=""/>
+              <a:defRPr sz="1400" kern="1200">
+                <a:solidFill>
+                  <a:schemeClr val="tx1">
+                    <a:lumMod val="75000"/>
+                    <a:lumOff val="25000"/>
+                  </a:schemeClr>
+                </a:solidFill>
+                <a:latin typeface="+mn-lt"/>
+                <a:ea typeface="+mn-ea"/>
+                <a:cs typeface="+mn-cs"/>
+              </a:defRPr>
+            </a:lvl3pPr>
+            <a:lvl4pPr marL="1600200" indent="-228600" algn="l" defTabSz="457200" rtl="0" eaLnBrk="1" latinLnBrk="0" hangingPunct="1">
+              <a:spcBef>
+                <a:spcPts val="1000"/>
+              </a:spcBef>
+              <a:spcAft>
+                <a:spcPts val="0"/>
+              </a:spcAft>
+              <a:buClr>
+                <a:schemeClr val="accent1"/>
+              </a:buClr>
+              <a:buSzPct val="80000"/>
+              <a:buFont typeface="Wingdings 3" charset="2"/>
+              <a:buChar char=""/>
+              <a:defRPr sz="1200" kern="1200">
+                <a:solidFill>
+                  <a:schemeClr val="tx1">
+                    <a:lumMod val="75000"/>
+                    <a:lumOff val="25000"/>
+                  </a:schemeClr>
+                </a:solidFill>
+                <a:latin typeface="+mn-lt"/>
+                <a:ea typeface="+mn-ea"/>
+                <a:cs typeface="+mn-cs"/>
+              </a:defRPr>
+            </a:lvl4pPr>
+            <a:lvl5pPr marL="2057400" indent="-228600" algn="l" defTabSz="457200" rtl="0" eaLnBrk="1" latinLnBrk="0" hangingPunct="1">
+              <a:spcBef>
+                <a:spcPts val="1000"/>
+              </a:spcBef>
+              <a:spcAft>
+                <a:spcPts val="0"/>
+              </a:spcAft>
+              <a:buClr>
+                <a:schemeClr val="accent1"/>
+              </a:buClr>
+              <a:buSzPct val="80000"/>
+              <a:buFont typeface="Wingdings 3" charset="2"/>
+              <a:buChar char=""/>
+              <a:defRPr sz="1200" kern="1200">
+                <a:solidFill>
+                  <a:schemeClr val="tx1">
+                    <a:lumMod val="75000"/>
+                    <a:lumOff val="25000"/>
+                  </a:schemeClr>
+                </a:solidFill>
+                <a:latin typeface="+mn-lt"/>
+                <a:ea typeface="+mn-ea"/>
+                <a:cs typeface="+mn-cs"/>
+              </a:defRPr>
+            </a:lvl5pPr>
+            <a:lvl6pPr marL="2514600" indent="-228600" algn="l" defTabSz="457200" rtl="0" eaLnBrk="1" latinLnBrk="0" hangingPunct="1">
+              <a:spcBef>
+                <a:spcPts val="1000"/>
+              </a:spcBef>
+              <a:spcAft>
+                <a:spcPts val="0"/>
+              </a:spcAft>
+              <a:buClr>
+                <a:schemeClr val="accent1"/>
+              </a:buClr>
+              <a:buSzPct val="80000"/>
+              <a:buFont typeface="Wingdings 3" charset="2"/>
+              <a:buChar char=""/>
+              <a:defRPr sz="1200" kern="1200">
+                <a:solidFill>
+                  <a:schemeClr val="tx1">
+                    <a:lumMod val="75000"/>
+                    <a:lumOff val="25000"/>
+                  </a:schemeClr>
+                </a:solidFill>
+                <a:latin typeface="+mn-lt"/>
+                <a:ea typeface="+mn-ea"/>
+                <a:cs typeface="+mn-cs"/>
+              </a:defRPr>
+            </a:lvl6pPr>
+            <a:lvl7pPr marL="2971800" indent="-228600" algn="l" defTabSz="457200" rtl="0" eaLnBrk="1" latinLnBrk="0" hangingPunct="1">
+              <a:spcBef>
+                <a:spcPts val="1000"/>
+              </a:spcBef>
+              <a:spcAft>
+                <a:spcPts val="0"/>
+              </a:spcAft>
+              <a:buClr>
+                <a:schemeClr val="accent1"/>
+              </a:buClr>
+              <a:buSzPct val="80000"/>
+              <a:buFont typeface="Wingdings 3" charset="2"/>
+              <a:buChar char=""/>
+              <a:defRPr sz="1200" kern="1200">
+                <a:solidFill>
+                  <a:schemeClr val="tx1">
+                    <a:lumMod val="75000"/>
+                    <a:lumOff val="25000"/>
+                  </a:schemeClr>
+                </a:solidFill>
+                <a:latin typeface="+mn-lt"/>
+                <a:ea typeface="+mn-ea"/>
+                <a:cs typeface="+mn-cs"/>
+              </a:defRPr>
+            </a:lvl7pPr>
+            <a:lvl8pPr marL="3429000" indent="-228600" algn="l" defTabSz="457200" rtl="0" eaLnBrk="1" latinLnBrk="0" hangingPunct="1">
+              <a:spcBef>
+                <a:spcPts val="1000"/>
+              </a:spcBef>
+              <a:spcAft>
+                <a:spcPts val="0"/>
+              </a:spcAft>
+              <a:buClr>
+                <a:schemeClr val="accent1"/>
+              </a:buClr>
+              <a:buSzPct val="80000"/>
+              <a:buFont typeface="Wingdings 3" charset="2"/>
+              <a:buChar char=""/>
+              <a:defRPr sz="1200" kern="1200">
+                <a:solidFill>
+                  <a:schemeClr val="tx1">
+                    <a:lumMod val="75000"/>
+                    <a:lumOff val="25000"/>
+                  </a:schemeClr>
+                </a:solidFill>
+                <a:latin typeface="+mn-lt"/>
+                <a:ea typeface="+mn-ea"/>
+                <a:cs typeface="+mn-cs"/>
+              </a:defRPr>
+            </a:lvl8pPr>
+            <a:lvl9pPr marL="3886200" indent="-228600" algn="l" defTabSz="457200" rtl="0" eaLnBrk="1" latinLnBrk="0" hangingPunct="1">
+              <a:spcBef>
+                <a:spcPts val="1000"/>
+              </a:spcBef>
+              <a:spcAft>
+                <a:spcPts val="0"/>
+              </a:spcAft>
+              <a:buClr>
+                <a:schemeClr val="accent1"/>
+              </a:buClr>
+              <a:buSzPct val="80000"/>
+              <a:buFont typeface="Wingdings 3" charset="2"/>
+              <a:buChar char=""/>
+              <a:defRPr sz="1200" kern="1200">
+                <a:solidFill>
+                  <a:schemeClr val="tx1">
+                    <a:lumMod val="75000"/>
+                    <a:lumOff val="25000"/>
+                  </a:schemeClr>
+                </a:solidFill>
+                <a:latin typeface="+mn-lt"/>
+                <a:ea typeface="+mn-ea"/>
+                <a:cs typeface="+mn-cs"/>
+              </a:defRPr>
+            </a:lvl9pPr>
+          </a:lstStyle>
+          <a:p>
+            <a:pPr marL="0" indent="0" algn="ctr">
+              <a:buFont typeface="Wingdings 3" charset="2"/>
+              <a:buNone/>
+            </a:pPr>
+            <a:r>
+              <a:rPr lang="en-US" sz="1400" b="1" dirty="0"/>
+              <a:t>view from short side</a:t>
+            </a:r>
+            <a:endParaRPr lang="en-US" sz="1400" dirty="0"/>
+          </a:p>
+        </p:txBody>
+      </p:sp>
+      <p:cxnSp>
+        <p:nvCxnSpPr>
+          <p:cNvPr id="26" name="Straight Connector 25">
+            <a:extLst>
+              <a:ext uri="{FF2B5EF4-FFF2-40B4-BE49-F238E27FC236}">
+                <a16:creationId xmlns:a16="http://schemas.microsoft.com/office/drawing/2014/main" id="{FDFE9F13-B1F8-028C-2953-826D80E9E1A0}"/>
+              </a:ext>
+            </a:extLst>
+          </p:cNvPr>
+          <p:cNvCxnSpPr>
+            <a:cxnSpLocks/>
+          </p:cNvCxnSpPr>
+          <p:nvPr/>
+        </p:nvCxnSpPr>
+        <p:spPr>
+          <a:xfrm flipV="1">
+            <a:off x="6650079" y="3962963"/>
+            <a:ext cx="337565" cy="2161"/>
+          </a:xfrm>
+          <a:prstGeom prst="line">
+            <a:avLst/>
+          </a:prstGeom>
+          <a:ln w="31750">
+            <a:solidFill>
+              <a:schemeClr val="accent3">
+                <a:lumMod val="50000"/>
+              </a:schemeClr>
+            </a:solidFill>
+          </a:ln>
+        </p:spPr>
+        <p:style>
+          <a:lnRef idx="1">
+            <a:schemeClr val="accent1"/>
+          </a:lnRef>
+          <a:fillRef idx="0">
+            <a:schemeClr val="accent1"/>
+          </a:fillRef>
+          <a:effectRef idx="0">
+            <a:schemeClr val="accent1"/>
+          </a:effectRef>
+          <a:fontRef idx="minor">
+            <a:schemeClr val="tx1"/>
+          </a:fontRef>
+        </p:style>
+      </p:cxnSp>
+      <p:cxnSp>
+        <p:nvCxnSpPr>
+          <p:cNvPr id="56" name="Straight Connector 55">
+            <a:extLst>
+              <a:ext uri="{FF2B5EF4-FFF2-40B4-BE49-F238E27FC236}">
+                <a16:creationId xmlns:a16="http://schemas.microsoft.com/office/drawing/2014/main" id="{77FBE1BC-19E6-EAB0-5D8C-5A1AF5C58654}"/>
+              </a:ext>
+            </a:extLst>
+          </p:cNvPr>
+          <p:cNvCxnSpPr>
+            <a:cxnSpLocks/>
+          </p:cNvCxnSpPr>
+          <p:nvPr/>
+        </p:nvCxnSpPr>
+        <p:spPr>
+          <a:xfrm flipV="1">
+            <a:off x="5177157" y="3962223"/>
+            <a:ext cx="1476264" cy="230420"/>
+          </a:xfrm>
+          <a:prstGeom prst="line">
+            <a:avLst/>
+          </a:prstGeom>
+          <a:ln w="31750">
+            <a:solidFill>
+              <a:schemeClr val="accent3"/>
+            </a:solidFill>
+          </a:ln>
+        </p:spPr>
+        <p:style>
+          <a:lnRef idx="1">
+            <a:schemeClr val="accent1"/>
+          </a:lnRef>
+          <a:fillRef idx="0">
+            <a:schemeClr val="accent1"/>
+          </a:fillRef>
+          <a:effectRef idx="0">
+            <a:schemeClr val="accent1"/>
+          </a:effectRef>
+          <a:fontRef idx="minor">
+            <a:schemeClr val="tx1"/>
+          </a:fontRef>
+        </p:style>
+      </p:cxnSp>
+      <p:cxnSp>
+        <p:nvCxnSpPr>
+          <p:cNvPr id="62" name="Straight Connector 61">
+            <a:extLst>
+              <a:ext uri="{FF2B5EF4-FFF2-40B4-BE49-F238E27FC236}">
+                <a16:creationId xmlns:a16="http://schemas.microsoft.com/office/drawing/2014/main" id="{D7662BF7-AA9D-8F3D-00D7-7F1A85222EA7}"/>
+              </a:ext>
+            </a:extLst>
+          </p:cNvPr>
+          <p:cNvCxnSpPr>
+            <a:cxnSpLocks/>
+          </p:cNvCxnSpPr>
+          <p:nvPr/>
+        </p:nvCxnSpPr>
+        <p:spPr>
+          <a:xfrm flipH="1" flipV="1">
+            <a:off x="6980822" y="3960383"/>
+            <a:ext cx="1939464" cy="226296"/>
+          </a:xfrm>
+          <a:prstGeom prst="line">
+            <a:avLst/>
+          </a:prstGeom>
+          <a:ln w="31750">
+            <a:solidFill>
+              <a:schemeClr val="accent3"/>
+            </a:solidFill>
+          </a:ln>
+        </p:spPr>
+        <p:style>
+          <a:lnRef idx="1">
+            <a:schemeClr val="accent1"/>
+          </a:lnRef>
+          <a:fillRef idx="0">
+            <a:schemeClr val="accent1"/>
+          </a:fillRef>
+          <a:effectRef idx="0">
+            <a:schemeClr val="accent1"/>
+          </a:effectRef>
+          <a:fontRef idx="minor">
+            <a:schemeClr val="tx1"/>
+          </a:fontRef>
+        </p:style>
+      </p:cxnSp>
+      <p:sp>
+        <p:nvSpPr>
+          <p:cNvPr id="53" name="Content Placeholder 2">
+            <a:extLst>
+              <a:ext uri="{FF2B5EF4-FFF2-40B4-BE49-F238E27FC236}">
+                <a16:creationId xmlns:a16="http://schemas.microsoft.com/office/drawing/2014/main" id="{EA220DD7-D58D-E5AB-CD96-4E7B8B40EEC7}"/>
+              </a:ext>
+            </a:extLst>
+          </p:cNvPr>
+          <p:cNvSpPr txBox="1">
+            <a:spLocks/>
+          </p:cNvSpPr>
+          <p:nvPr/>
+        </p:nvSpPr>
+        <p:spPr>
+          <a:xfrm>
+            <a:off x="6248822" y="5300215"/>
+            <a:ext cx="1054894" cy="830150"/>
+          </a:xfrm>
+          <a:prstGeom prst="rect">
+            <a:avLst/>
+          </a:prstGeom>
+        </p:spPr>
+        <p:txBody>
+          <a:bodyPr vert="horz" lIns="91440" tIns="45720" rIns="91440" bIns="45720" rtlCol="0">
+            <a:normAutofit/>
+          </a:bodyPr>
+          <a:lstStyle>
+            <a:lvl1pPr marL="342900" indent="-342900" algn="l" defTabSz="457200" rtl="0" eaLnBrk="1" latinLnBrk="0" hangingPunct="1">
+              <a:spcBef>
+                <a:spcPts val="1000"/>
+              </a:spcBef>
+              <a:spcAft>
+                <a:spcPts val="0"/>
+              </a:spcAft>
+              <a:buClr>
+                <a:schemeClr val="accent1"/>
+              </a:buClr>
+              <a:buSzPct val="80000"/>
+              <a:buFont typeface="Wingdings 3" charset="2"/>
+              <a:buChar char=""/>
+              <a:defRPr sz="1800" kern="1200">
+                <a:solidFill>
+                  <a:schemeClr val="tx1">
+                    <a:lumMod val="75000"/>
+                    <a:lumOff val="25000"/>
+                  </a:schemeClr>
+                </a:solidFill>
+                <a:latin typeface="+mn-lt"/>
+                <a:ea typeface="+mn-ea"/>
+                <a:cs typeface="+mn-cs"/>
+              </a:defRPr>
+            </a:lvl1pPr>
+            <a:lvl2pPr marL="742950" indent="-285750" algn="l" defTabSz="457200" rtl="0" eaLnBrk="1" latinLnBrk="0" hangingPunct="1">
+              <a:spcBef>
+                <a:spcPts val="1000"/>
+              </a:spcBef>
+              <a:spcAft>
+                <a:spcPts val="0"/>
+              </a:spcAft>
+              <a:buClr>
+                <a:schemeClr val="accent1"/>
+              </a:buClr>
+              <a:buSzPct val="80000"/>
+              <a:buFont typeface="Wingdings 3" charset="2"/>
+              <a:buChar char=""/>
+              <a:defRPr sz="1600" kern="1200">
+                <a:solidFill>
+                  <a:schemeClr val="tx1">
+                    <a:lumMod val="75000"/>
+                    <a:lumOff val="25000"/>
+                  </a:schemeClr>
+                </a:solidFill>
+                <a:latin typeface="+mn-lt"/>
+                <a:ea typeface="+mn-ea"/>
+                <a:cs typeface="+mn-cs"/>
+              </a:defRPr>
+            </a:lvl2pPr>
+            <a:lvl3pPr marL="1143000" indent="-228600" algn="l" defTabSz="457200" rtl="0" eaLnBrk="1" latinLnBrk="0" hangingPunct="1">
+              <a:spcBef>
+                <a:spcPts val="1000"/>
+              </a:spcBef>
+              <a:spcAft>
+                <a:spcPts val="0"/>
+              </a:spcAft>
+              <a:buClr>
+                <a:schemeClr val="accent1"/>
+              </a:buClr>
+              <a:buSzPct val="80000"/>
+              <a:buFont typeface="Wingdings 3" charset="2"/>
+              <a:buChar char=""/>
+              <a:defRPr sz="1400" kern="1200">
+                <a:solidFill>
+                  <a:schemeClr val="tx1">
+                    <a:lumMod val="75000"/>
+                    <a:lumOff val="25000"/>
+                  </a:schemeClr>
+                </a:solidFill>
+                <a:latin typeface="+mn-lt"/>
+                <a:ea typeface="+mn-ea"/>
+                <a:cs typeface="+mn-cs"/>
+              </a:defRPr>
+            </a:lvl3pPr>
+            <a:lvl4pPr marL="1600200" indent="-228600" algn="l" defTabSz="457200" rtl="0" eaLnBrk="1" latinLnBrk="0" hangingPunct="1">
+              <a:spcBef>
+                <a:spcPts val="1000"/>
+              </a:spcBef>
+              <a:spcAft>
+                <a:spcPts val="0"/>
+              </a:spcAft>
+              <a:buClr>
+                <a:schemeClr val="accent1"/>
+              </a:buClr>
+              <a:buSzPct val="80000"/>
+              <a:buFont typeface="Wingdings 3" charset="2"/>
+              <a:buChar char=""/>
+              <a:defRPr sz="1200" kern="1200">
+                <a:solidFill>
+                  <a:schemeClr val="tx1">
+                    <a:lumMod val="75000"/>
+                    <a:lumOff val="25000"/>
+                  </a:schemeClr>
+                </a:solidFill>
+                <a:latin typeface="+mn-lt"/>
+                <a:ea typeface="+mn-ea"/>
+                <a:cs typeface="+mn-cs"/>
+              </a:defRPr>
+            </a:lvl4pPr>
+            <a:lvl5pPr marL="2057400" indent="-228600" algn="l" defTabSz="457200" rtl="0" eaLnBrk="1" latinLnBrk="0" hangingPunct="1">
+              <a:spcBef>
+                <a:spcPts val="1000"/>
+              </a:spcBef>
+              <a:spcAft>
+                <a:spcPts val="0"/>
+              </a:spcAft>
+              <a:buClr>
+                <a:schemeClr val="accent1"/>
+              </a:buClr>
+              <a:buSzPct val="80000"/>
+              <a:buFont typeface="Wingdings 3" charset="2"/>
+              <a:buChar char=""/>
+              <a:defRPr sz="1200" kern="1200">
+                <a:solidFill>
+                  <a:schemeClr val="tx1">
+                    <a:lumMod val="75000"/>
+                    <a:lumOff val="25000"/>
+                  </a:schemeClr>
+                </a:solidFill>
+                <a:latin typeface="+mn-lt"/>
+                <a:ea typeface="+mn-ea"/>
+                <a:cs typeface="+mn-cs"/>
+              </a:defRPr>
+            </a:lvl5pPr>
+            <a:lvl6pPr marL="2514600" indent="-228600" algn="l" defTabSz="457200" rtl="0" eaLnBrk="1" latinLnBrk="0" hangingPunct="1">
+              <a:spcBef>
+                <a:spcPts val="1000"/>
+              </a:spcBef>
+              <a:spcAft>
+                <a:spcPts val="0"/>
+              </a:spcAft>
+              <a:buClr>
+                <a:schemeClr val="accent1"/>
+              </a:buClr>
+              <a:buSzPct val="80000"/>
+              <a:buFont typeface="Wingdings 3" charset="2"/>
+              <a:buChar char=""/>
+              <a:defRPr sz="1200" kern="1200">
+                <a:solidFill>
+                  <a:schemeClr val="tx1">
+                    <a:lumMod val="75000"/>
+                    <a:lumOff val="25000"/>
+                  </a:schemeClr>
+                </a:solidFill>
+                <a:latin typeface="+mn-lt"/>
+                <a:ea typeface="+mn-ea"/>
+                <a:cs typeface="+mn-cs"/>
+              </a:defRPr>
+            </a:lvl6pPr>
+            <a:lvl7pPr marL="2971800" indent="-228600" algn="l" defTabSz="457200" rtl="0" eaLnBrk="1" latinLnBrk="0" hangingPunct="1">
+              <a:spcBef>
+                <a:spcPts val="1000"/>
+              </a:spcBef>
+              <a:spcAft>
+                <a:spcPts val="0"/>
+              </a:spcAft>
+              <a:buClr>
+                <a:schemeClr val="accent1"/>
+              </a:buClr>
+              <a:buSzPct val="80000"/>
+              <a:buFont typeface="Wingdings 3" charset="2"/>
+              <a:buChar char=""/>
+              <a:defRPr sz="1200" kern="1200">
+                <a:solidFill>
+                  <a:schemeClr val="tx1">
+                    <a:lumMod val="75000"/>
+                    <a:lumOff val="25000"/>
+                  </a:schemeClr>
+                </a:solidFill>
+                <a:latin typeface="+mn-lt"/>
+                <a:ea typeface="+mn-ea"/>
+                <a:cs typeface="+mn-cs"/>
+              </a:defRPr>
+            </a:lvl7pPr>
+            <a:lvl8pPr marL="3429000" indent="-228600" algn="l" defTabSz="457200" rtl="0" eaLnBrk="1" latinLnBrk="0" hangingPunct="1">
+              <a:spcBef>
+                <a:spcPts val="1000"/>
+              </a:spcBef>
+              <a:spcAft>
+                <a:spcPts val="0"/>
+              </a:spcAft>
+              <a:buClr>
+                <a:schemeClr val="accent1"/>
+              </a:buClr>
+              <a:buSzPct val="80000"/>
+              <a:buFont typeface="Wingdings 3" charset="2"/>
+              <a:buChar char=""/>
+              <a:defRPr sz="1200" kern="1200">
+                <a:solidFill>
+                  <a:schemeClr val="tx1">
+                    <a:lumMod val="75000"/>
+                    <a:lumOff val="25000"/>
+                  </a:schemeClr>
+                </a:solidFill>
+                <a:latin typeface="+mn-lt"/>
+                <a:ea typeface="+mn-ea"/>
+                <a:cs typeface="+mn-cs"/>
+              </a:defRPr>
+            </a:lvl8pPr>
+            <a:lvl9pPr marL="3886200" indent="-228600" algn="l" defTabSz="457200" rtl="0" eaLnBrk="1" latinLnBrk="0" hangingPunct="1">
+              <a:spcBef>
+                <a:spcPts val="1000"/>
+              </a:spcBef>
+              <a:spcAft>
+                <a:spcPts val="0"/>
+              </a:spcAft>
+              <a:buClr>
+                <a:schemeClr val="accent1"/>
+              </a:buClr>
+              <a:buSzPct val="80000"/>
+              <a:buFont typeface="Wingdings 3" charset="2"/>
+              <a:buChar char=""/>
+              <a:defRPr sz="1200" kern="1200">
+                <a:solidFill>
+                  <a:schemeClr val="tx1">
+                    <a:lumMod val="75000"/>
+                    <a:lumOff val="25000"/>
+                  </a:schemeClr>
+                </a:solidFill>
+                <a:latin typeface="+mn-lt"/>
+                <a:ea typeface="+mn-ea"/>
+                <a:cs typeface="+mn-cs"/>
+              </a:defRPr>
+            </a:lvl9pPr>
+          </a:lstStyle>
+          <a:p>
+            <a:pPr marL="0" indent="0" algn="ctr">
+              <a:buFont typeface="Wingdings 3" charset="2"/>
+              <a:buNone/>
+            </a:pPr>
+            <a:r>
+              <a:rPr lang="en-US" sz="1400" b="1" dirty="0"/>
+              <a:t>view from long side</a:t>
+            </a:r>
+            <a:endParaRPr lang="en-US" sz="1400" dirty="0"/>
           </a:p>
         </p:txBody>
       </p:sp>
@@ -41720,7 +42364,7 @@
         </p:spPr>
         <p:txBody>
           <a:bodyPr>
-            <a:normAutofit/>
+            <a:normAutofit lnSpcReduction="10000"/>
           </a:bodyPr>
           <a:lstStyle/>
           <a:p>
@@ -41735,19 +42379,19 @@
           <a:p>
             <a:r>
               <a:rPr lang="en-US" sz="1600" dirty="0"/>
-              <a:t>Depth: deep = less frequent</a:t>
+              <a:t>Depth: deep → less frequent</a:t>
             </a:r>
           </a:p>
           <a:p>
             <a:r>
               <a:rPr lang="en-US" sz="1600" dirty="0"/>
-              <a:t>Shape: bulbous = less, fluting = more</a:t>
+              <a:t>Shape: bulbous → less, fluting → more</a:t>
             </a:r>
           </a:p>
           <a:p>
             <a:r>
               <a:rPr lang="en-US" sz="1600" dirty="0"/>
-              <a:t>Inner surface: glazed = more</a:t>
+              <a:t>Inner surface: glazed → more</a:t>
             </a:r>
             <a:endParaRPr lang="en-US" dirty="0"/>
           </a:p>
@@ -41763,13 +42407,19 @@
           <a:p>
             <a:r>
               <a:rPr lang="en-US" sz="1600" dirty="0"/>
-              <a:t>Drainage: well-draining = more</a:t>
+              <a:t>Drainage: well-draining → more</a:t>
             </a:r>
           </a:p>
           <a:p>
             <a:r>
               <a:rPr lang="en-US" sz="1600" dirty="0"/>
-              <a:t>Degradation: older = harder to water</a:t>
+              <a:t>Degradation: older → harder to water</a:t>
+            </a:r>
+          </a:p>
+          <a:p>
+            <a:r>
+              <a:rPr lang="en-US" sz="1600" dirty="0"/>
+              <a:t>Covering(s): dead sphagnum and/or live moss → harder to water but slightly less (in theory)</a:t>
             </a:r>
             <a:endParaRPr lang="en-US" dirty="0"/>
           </a:p>
@@ -41785,7 +42435,7 @@
           <a:p>
             <a:r>
               <a:rPr lang="en-US" sz="1600" dirty="0"/>
-              <a:t>Maturity: older = less (in theory)</a:t>
+              <a:t>Maturity: older → less (in theory)</a:t>
             </a:r>
           </a:p>
           <a:p>
@@ -41795,13 +42445,13 @@
             </a:r>
             <a:r>
               <a:rPr lang="en-US" sz="1600" dirty="0"/>
-              <a:t>: heavy = more</a:t>
+              <a:t>: heavy → more</a:t>
             </a:r>
           </a:p>
           <a:p>
             <a:r>
               <a:rPr lang="en-US" sz="1600" dirty="0"/>
-              <a:t>Re-potting: recent = more</a:t>
+              <a:t>Re-potting: recent → more</a:t>
             </a:r>
             <a:endParaRPr lang="en-GB" sz="1600" dirty="0"/>
           </a:p>
@@ -41831,7 +42481,7 @@
         </p:spPr>
         <p:txBody>
           <a:bodyPr>
-            <a:normAutofit/>
+            <a:normAutofit lnSpcReduction="10000"/>
           </a:bodyPr>
           <a:lstStyle/>
           <a:p>
@@ -41846,19 +42496,19 @@
           <a:p>
             <a:r>
               <a:rPr lang="en-US" sz="1600" dirty="0"/>
-              <a:t>Wind: windier = more</a:t>
+              <a:t>Wind: windier → more</a:t>
             </a:r>
           </a:p>
           <a:p>
             <a:r>
               <a:rPr lang="en-US" sz="1600" dirty="0"/>
-              <a:t>Sun: sunny = more, shady = less</a:t>
+              <a:t>Sun: sunny → more, shady → less</a:t>
             </a:r>
           </a:p>
           <a:p>
             <a:r>
               <a:rPr lang="en-US" sz="1600" dirty="0"/>
-              <a:t>Heat: hotter = more, colder = less</a:t>
+              <a:t>Heat: hotter → more, colder → less</a:t>
             </a:r>
           </a:p>
           <a:p>
@@ -41870,7 +42520,7 @@
           <a:p>
             <a:r>
               <a:rPr lang="en-US" sz="1600" dirty="0"/>
-              <a:t>Warning: these factors are “non-linear”!  For example: double the sun can mean 4x the water.</a:t>
+              <a:t>Warning: these factors are “non-linear”!  A small increase in e.g. sun can mean a big increase in watering.</a:t>
             </a:r>
           </a:p>
           <a:p>

--- a/Courseware/Bonsai On A Budget (running).pptx
+++ b/Courseware/Bonsai On A Budget (running).pptx
@@ -5983,7 +5983,7 @@
         <p:spPr/>
         <p:txBody>
           <a:bodyPr>
-            <a:normAutofit lnSpcReduction="10000"/>
+            <a:normAutofit/>
           </a:bodyPr>
           <a:lstStyle/>
           <a:p>
@@ -5998,15 +5998,194 @@
               <a:t>MMM YYYY</a:t>
             </a:r>
           </a:p>
-          <a:p>
-            <a:r>
-              <a:rPr lang="en-US" dirty="0"/>
-              <a:t>Walworth Garden</a:t>
-            </a:r>
-            <a:endParaRPr lang="en-GB" dirty="0"/>
-          </a:p>
         </p:txBody>
       </p:sp>
+      <p:grpSp>
+        <p:nvGrpSpPr>
+          <p:cNvPr id="9" name="Group 8">
+            <a:extLst>
+              <a:ext uri="{FF2B5EF4-FFF2-40B4-BE49-F238E27FC236}">
+                <a16:creationId xmlns:a16="http://schemas.microsoft.com/office/drawing/2014/main" id="{F0FED29D-3814-2F10-FB43-1B9F6C93C75F}"/>
+              </a:ext>
+            </a:extLst>
+          </p:cNvPr>
+          <p:cNvGrpSpPr/>
+          <p:nvPr/>
+        </p:nvGrpSpPr>
+        <p:grpSpPr>
+          <a:xfrm>
+            <a:off x="606114" y="4663538"/>
+            <a:ext cx="1801905" cy="1799092"/>
+            <a:chOff x="606114" y="4663538"/>
+            <a:chExt cx="1801905" cy="1799092"/>
+          </a:xfrm>
+        </p:grpSpPr>
+        <p:pic>
+          <p:nvPicPr>
+            <p:cNvPr id="5" name="Picture 4">
+              <a:extLst>
+                <a:ext uri="{FF2B5EF4-FFF2-40B4-BE49-F238E27FC236}">
+                  <a16:creationId xmlns:a16="http://schemas.microsoft.com/office/drawing/2014/main" id="{7662E7D7-465D-67E7-297B-300075C201B1}"/>
+                </a:ext>
+              </a:extLst>
+            </p:cNvPr>
+            <p:cNvPicPr>
+              <a:picLocks noChangeAspect="1"/>
+            </p:cNvPicPr>
+            <p:nvPr/>
+          </p:nvPicPr>
+          <p:blipFill>
+            <a:blip r:embed="rId2"/>
+            <a:stretch>
+              <a:fillRect/>
+            </a:stretch>
+          </p:blipFill>
+          <p:spPr>
+            <a:xfrm>
+              <a:off x="606114" y="4663538"/>
+              <a:ext cx="1801905" cy="1183540"/>
+            </a:xfrm>
+            <a:prstGeom prst="rect">
+              <a:avLst/>
+            </a:prstGeom>
+          </p:spPr>
+        </p:pic>
+        <p:sp>
+          <p:nvSpPr>
+            <p:cNvPr id="6" name="TextBox 5">
+              <a:extLst>
+                <a:ext uri="{FF2B5EF4-FFF2-40B4-BE49-F238E27FC236}">
+                  <a16:creationId xmlns:a16="http://schemas.microsoft.com/office/drawing/2014/main" id="{30982023-5837-5127-BA43-D3D613DB4D9F}"/>
+                </a:ext>
+              </a:extLst>
+            </p:cNvPr>
+            <p:cNvSpPr txBox="1"/>
+            <p:nvPr/>
+          </p:nvSpPr>
+          <p:spPr>
+            <a:xfrm>
+              <a:off x="606114" y="5847077"/>
+              <a:ext cx="1801905" cy="615553"/>
+            </a:xfrm>
+            <a:prstGeom prst="rect">
+              <a:avLst/>
+            </a:prstGeom>
+            <a:noFill/>
+          </p:spPr>
+          <p:txBody>
+            <a:bodyPr wrap="square" rtlCol="0">
+              <a:spAutoFit/>
+            </a:bodyPr>
+            <a:lstStyle/>
+            <a:p>
+              <a:pPr algn="ctr"/>
+              <a:r>
+                <a:rPr lang="en-US" dirty="0" err="1">
+                  <a:solidFill>
+                    <a:schemeClr val="accent3">
+                      <a:lumMod val="50000"/>
+                    </a:schemeClr>
+                  </a:solidFill>
+                </a:rPr>
+                <a:t>Nemeta</a:t>
+              </a:r>
+              <a:r>
+                <a:rPr lang="en-US" dirty="0">
+                  <a:solidFill>
+                    <a:schemeClr val="accent3">
+                      <a:lumMod val="50000"/>
+                    </a:schemeClr>
+                  </a:solidFill>
+                </a:rPr>
+                <a:t> Bonsai</a:t>
+              </a:r>
+            </a:p>
+            <a:p>
+              <a:pPr algn="ctr"/>
+              <a:r>
+                <a:rPr lang="en-US" sz="1600" dirty="0">
+                  <a:solidFill>
+                    <a:schemeClr val="accent3">
+                      <a:lumMod val="50000"/>
+                    </a:schemeClr>
+                  </a:solidFill>
+                </a:rPr>
+                <a:t>nemeta.co.uk</a:t>
+              </a:r>
+              <a:endParaRPr lang="en-GB" sz="1600" dirty="0">
+                <a:solidFill>
+                  <a:schemeClr val="accent3">
+                    <a:lumMod val="50000"/>
+                  </a:schemeClr>
+                </a:solidFill>
+              </a:endParaRPr>
+            </a:p>
+          </p:txBody>
+        </p:sp>
+      </p:grpSp>
+      <p:pic>
+        <p:nvPicPr>
+          <p:cNvPr id="8" name="Picture 7">
+            <a:extLst>
+              <a:ext uri="{FF2B5EF4-FFF2-40B4-BE49-F238E27FC236}">
+                <a16:creationId xmlns:a16="http://schemas.microsoft.com/office/drawing/2014/main" id="{44657419-78E6-1361-CF7A-12B75EC3F59F}"/>
+              </a:ext>
+            </a:extLst>
+          </p:cNvPr>
+          <p:cNvPicPr>
+            <a:picLocks noChangeAspect="1"/>
+          </p:cNvPicPr>
+          <p:nvPr/>
+        </p:nvPicPr>
+        <p:blipFill>
+          <a:blip r:embed="rId3"/>
+          <a:stretch>
+            <a:fillRect/>
+          </a:stretch>
+        </p:blipFill>
+        <p:spPr>
+          <a:xfrm>
+            <a:off x="2917997" y="4914253"/>
+            <a:ext cx="2649282" cy="1240600"/>
+          </a:xfrm>
+          <a:prstGeom prst="rect">
+            <a:avLst/>
+          </a:prstGeom>
+          <a:solidFill>
+            <a:srgbClr val="4E5F3F"/>
+          </a:solidFill>
+        </p:spPr>
+      </p:pic>
+      <p:pic>
+        <p:nvPicPr>
+          <p:cNvPr id="11" name="Picture 10">
+            <a:extLst>
+              <a:ext uri="{FF2B5EF4-FFF2-40B4-BE49-F238E27FC236}">
+                <a16:creationId xmlns:a16="http://schemas.microsoft.com/office/drawing/2014/main" id="{066F5E04-C1D0-78A3-64DD-C1230C15C83F}"/>
+              </a:ext>
+            </a:extLst>
+          </p:cNvPr>
+          <p:cNvPicPr>
+            <a:picLocks noChangeAspect="1"/>
+          </p:cNvPicPr>
+          <p:nvPr/>
+        </p:nvPicPr>
+        <p:blipFill>
+          <a:blip r:embed="rId4"/>
+          <a:stretch>
+            <a:fillRect/>
+          </a:stretch>
+        </p:blipFill>
+        <p:spPr>
+          <a:xfrm>
+            <a:off x="5850926" y="4599282"/>
+            <a:ext cx="1943746" cy="1943746"/>
+          </a:xfrm>
+          <a:prstGeom prst="rect">
+            <a:avLst/>
+          </a:prstGeom>
+        </p:spPr>
+      </p:pic>
     </p:spTree>
     <p:extLst>
       <p:ext uri="{BB962C8B-B14F-4D97-AF65-F5344CB8AC3E}">

--- a/Courseware/Bonsai On A Budget (running).pptx
+++ b/Courseware/Bonsai On A Budget (running).pptx
@@ -17,9 +17,9 @@
     <p:sldId id="263" r:id="rId11"/>
     <p:sldId id="277" r:id="rId12"/>
     <p:sldId id="267" r:id="rId13"/>
-    <p:sldId id="271" r:id="rId14"/>
-    <p:sldId id="272" r:id="rId15"/>
-    <p:sldId id="281" r:id="rId16"/>
+    <p:sldId id="281" r:id="rId14"/>
+    <p:sldId id="271" r:id="rId15"/>
+    <p:sldId id="272" r:id="rId16"/>
     <p:sldId id="259" r:id="rId17"/>
     <p:sldId id="264" r:id="rId18"/>
     <p:sldId id="279" r:id="rId19"/>
@@ -898,7 +898,7 @@
             <a:fld id="{B61BEF0D-F0BB-DE4B-95CE-6DB70DBA9567}" type="datetimeFigureOut">
               <a:rPr lang="en-US" smtClean="0"/>
               <a:pPr/>
-              <a:t>10/27/2024</a:t>
+              <a:t>12/24/2024</a:t>
             </a:fld>
             <a:endParaRPr lang="en-US" dirty="0"/>
           </a:p>
@@ -1151,7 +1151,7 @@
             <a:fld id="{B61BEF0D-F0BB-DE4B-95CE-6DB70DBA9567}" type="datetimeFigureOut">
               <a:rPr lang="en-US" smtClean="0"/>
               <a:pPr/>
-              <a:t>10/27/2024</a:t>
+              <a:t>12/24/2024</a:t>
             </a:fld>
             <a:endParaRPr lang="en-US" dirty="0"/>
           </a:p>
@@ -1467,7 +1467,7 @@
             <a:fld id="{B61BEF0D-F0BB-DE4B-95CE-6DB70DBA9567}" type="datetimeFigureOut">
               <a:rPr lang="en-US" smtClean="0"/>
               <a:pPr/>
-              <a:t>10/27/2024</a:t>
+              <a:t>12/24/2024</a:t>
             </a:fld>
             <a:endParaRPr lang="en-US" dirty="0"/>
           </a:p>
@@ -1810,7 +1810,7 @@
             <a:fld id="{B61BEF0D-F0BB-DE4B-95CE-6DB70DBA9567}" type="datetimeFigureOut">
               <a:rPr lang="en-US" smtClean="0"/>
               <a:pPr/>
-              <a:t>10/27/2024</a:t>
+              <a:t>12/24/2024</a:t>
             </a:fld>
             <a:endParaRPr lang="en-US" dirty="0"/>
           </a:p>
@@ -2126,7 +2126,7 @@
             <a:fld id="{B61BEF0D-F0BB-DE4B-95CE-6DB70DBA9567}" type="datetimeFigureOut">
               <a:rPr lang="en-US" smtClean="0"/>
               <a:pPr/>
-              <a:t>10/27/2024</a:t>
+              <a:t>12/24/2024</a:t>
             </a:fld>
             <a:endParaRPr lang="en-US" dirty="0"/>
           </a:p>
@@ -2521,7 +2521,7 @@
             <a:fld id="{B61BEF0D-F0BB-DE4B-95CE-6DB70DBA9567}" type="datetimeFigureOut">
               <a:rPr lang="en-US" smtClean="0"/>
               <a:pPr/>
-              <a:t>10/27/2024</a:t>
+              <a:t>12/24/2024</a:t>
             </a:fld>
             <a:endParaRPr lang="en-US" dirty="0"/>
           </a:p>
@@ -2692,7 +2692,7 @@
           <a:p>
             <a:fld id="{55C6B4A9-1611-4792-9094-5F34BCA07E0B}" type="datetimeFigureOut">
               <a:rPr lang="en-US" smtClean="0"/>
-              <a:t>10/27/2024</a:t>
+              <a:t>12/24/2024</a:t>
             </a:fld>
             <a:endParaRPr lang="en-US" dirty="0"/>
           </a:p>
@@ -2873,7 +2873,7 @@
             <a:fld id="{B61BEF0D-F0BB-DE4B-95CE-6DB70DBA9567}" type="datetimeFigureOut">
               <a:rPr lang="en-US" smtClean="0"/>
               <a:pPr/>
-              <a:t>10/27/2024</a:t>
+              <a:t>12/24/2024</a:t>
             </a:fld>
             <a:endParaRPr lang="en-US" dirty="0"/>
           </a:p>
@@ -3051,7 +3051,7 @@
             <a:fld id="{B61BEF0D-F0BB-DE4B-95CE-6DB70DBA9567}" type="datetimeFigureOut">
               <a:rPr lang="en-US" smtClean="0"/>
               <a:pPr/>
-              <a:t>10/27/2024</a:t>
+              <a:t>12/24/2024</a:t>
             </a:fld>
             <a:endParaRPr lang="en-US" dirty="0"/>
           </a:p>
@@ -3300,7 +3300,7 @@
             <a:fld id="{B61BEF0D-F0BB-DE4B-95CE-6DB70DBA9567}" type="datetimeFigureOut">
               <a:rPr lang="en-US" smtClean="0"/>
               <a:pPr/>
-              <a:t>10/27/2024</a:t>
+              <a:t>12/24/2024</a:t>
             </a:fld>
             <a:endParaRPr lang="en-US" dirty="0"/>
           </a:p>
@@ -3533,7 +3533,7 @@
           <a:p>
             <a:fld id="{EB712588-04B1-427B-82EE-E8DB90309F08}" type="datetimeFigureOut">
               <a:rPr lang="en-US" smtClean="0"/>
-              <a:t>10/27/2024</a:t>
+              <a:t>12/24/2024</a:t>
             </a:fld>
             <a:endParaRPr lang="en-US" dirty="0"/>
           </a:p>
@@ -3908,7 +3908,7 @@
             <a:fld id="{B61BEF0D-F0BB-DE4B-95CE-6DB70DBA9567}" type="datetimeFigureOut">
               <a:rPr lang="en-US" smtClean="0"/>
               <a:pPr/>
-              <a:t>10/27/2024</a:t>
+              <a:t>12/24/2024</a:t>
             </a:fld>
             <a:endParaRPr lang="en-US" dirty="0"/>
           </a:p>
@@ -4033,7 +4033,7 @@
             <a:fld id="{B61BEF0D-F0BB-DE4B-95CE-6DB70DBA9567}" type="datetimeFigureOut">
               <a:rPr lang="en-US" smtClean="0"/>
               <a:pPr/>
-              <a:t>10/27/2024</a:t>
+              <a:t>12/24/2024</a:t>
             </a:fld>
             <a:endParaRPr lang="en-US" dirty="0"/>
           </a:p>
@@ -4130,7 +4130,7 @@
             <a:fld id="{B61BEF0D-F0BB-DE4B-95CE-6DB70DBA9567}" type="datetimeFigureOut">
               <a:rPr lang="en-US" smtClean="0"/>
               <a:pPr/>
-              <a:t>10/27/2024</a:t>
+              <a:t>12/24/2024</a:t>
             </a:fld>
             <a:endParaRPr lang="en-US" dirty="0"/>
           </a:p>
@@ -4386,7 +4386,7 @@
           <a:p>
             <a:fld id="{42A54C80-263E-416B-A8E0-580EDEADCBDC}" type="datetimeFigureOut">
               <a:rPr lang="en-US" smtClean="0"/>
-              <a:t>10/27/2024</a:t>
+              <a:t>12/24/2024</a:t>
             </a:fld>
             <a:endParaRPr lang="en-US" dirty="0"/>
           </a:p>
@@ -4650,7 +4650,7 @@
             <a:fld id="{B61BEF0D-F0BB-DE4B-95CE-6DB70DBA9567}" type="datetimeFigureOut">
               <a:rPr lang="en-US" smtClean="0"/>
               <a:pPr/>
-              <a:t>10/27/2024</a:t>
+              <a:t>12/24/2024</a:t>
             </a:fld>
             <a:endParaRPr lang="en-US" dirty="0"/>
           </a:p>
@@ -5395,7 +5395,7 @@
             <a:fld id="{B61BEF0D-F0BB-DE4B-95CE-6DB70DBA9567}" type="datetimeFigureOut">
               <a:rPr lang="en-US" smtClean="0"/>
               <a:pPr/>
-              <a:t>10/27/2024</a:t>
+              <a:t>12/24/2024</a:t>
             </a:fld>
             <a:endParaRPr lang="en-US" dirty="0"/>
           </a:p>
@@ -9916,6 +9916,573 @@
           <a:p>
             <a:r>
               <a:rPr lang="en-US" dirty="0"/>
+              <a:t>Art à la Japan</a:t>
+            </a:r>
+            <a:br>
+              <a:rPr lang="en-US" dirty="0"/>
+            </a:br>
+            <a:r>
+              <a:rPr lang="en-US" sz="2800" dirty="0"/>
+              <a:t>Catching the eye</a:t>
+            </a:r>
+            <a:endParaRPr lang="en-GB" sz="2800" dirty="0"/>
+          </a:p>
+        </p:txBody>
+      </p:sp>
+      <p:sp>
+        <p:nvSpPr>
+          <p:cNvPr id="3" name="Content Placeholder 2">
+            <a:extLst>
+              <a:ext uri="{FF2B5EF4-FFF2-40B4-BE49-F238E27FC236}">
+                <a16:creationId xmlns:a16="http://schemas.microsoft.com/office/drawing/2014/main" id="{F7340934-5684-DA8A-A2B6-BA82211E4513}"/>
+              </a:ext>
+            </a:extLst>
+          </p:cNvPr>
+          <p:cNvSpPr>
+            <a:spLocks noGrp="1"/>
+          </p:cNvSpPr>
+          <p:nvPr>
+            <p:ph idx="1"/>
+          </p:nvPr>
+        </p:nvSpPr>
+        <p:spPr>
+          <a:xfrm>
+            <a:off x="5607423" y="1896034"/>
+            <a:ext cx="5634317" cy="4961965"/>
+          </a:xfrm>
+        </p:spPr>
+        <p:txBody>
+          <a:bodyPr>
+            <a:normAutofit/>
+          </a:bodyPr>
+          <a:lstStyle/>
+          <a:p>
+            <a:pPr marL="0" indent="0">
+              <a:buNone/>
+            </a:pPr>
+            <a:r>
+              <a:rPr lang="en-US" dirty="0"/>
+              <a:t>General aesthetic principles:</a:t>
+            </a:r>
+          </a:p>
+          <a:p>
+            <a:r>
+              <a:rPr lang="en-US" dirty="0"/>
+              <a:t>Harmony: similarity vs variety</a:t>
+            </a:r>
+          </a:p>
+          <a:p>
+            <a:r>
+              <a:rPr lang="en-US" dirty="0"/>
+              <a:t>Perspective</a:t>
+            </a:r>
+          </a:p>
+          <a:p>
+            <a:r>
+              <a:rPr lang="en-US" dirty="0"/>
+              <a:t>Repetition &amp; continuation</a:t>
+            </a:r>
+          </a:p>
+          <a:p>
+            <a:r>
+              <a:rPr lang="en-US" dirty="0"/>
+              <a:t>Balance: symmetry vs asymmetry</a:t>
+            </a:r>
+          </a:p>
+          <a:p>
+            <a:r>
+              <a:rPr lang="en-US" dirty="0"/>
+              <a:t>Rhythm</a:t>
+            </a:r>
+          </a:p>
+          <a:p>
+            <a:pPr marL="0" indent="0">
+              <a:buNone/>
+            </a:pPr>
+            <a:endParaRPr lang="en-US" dirty="0"/>
+          </a:p>
+          <a:p>
+            <a:pPr marL="0" indent="0">
+              <a:buNone/>
+            </a:pPr>
+            <a:r>
+              <a:rPr lang="en-US" dirty="0"/>
+              <a:t>Japan-specific additions:</a:t>
+            </a:r>
+          </a:p>
+          <a:p>
+            <a:r>
+              <a:rPr lang="en-US" dirty="0"/>
+              <a:t>“</a:t>
+            </a:r>
+            <a:r>
+              <a:rPr lang="en-US" dirty="0" err="1"/>
+              <a:t>Wabisabi</a:t>
+            </a:r>
+            <a:r>
+              <a:rPr lang="en-US" dirty="0"/>
+              <a:t>” (</a:t>
+            </a:r>
+            <a:r>
+              <a:rPr lang="ja-JP" altLang="en-US" dirty="0"/>
+              <a:t>侘び寂び</a:t>
+            </a:r>
+            <a:r>
+              <a:rPr lang="en-US" dirty="0"/>
+              <a:t> – literally “forlorn rusticism”): austere naturalistic beauty</a:t>
+            </a:r>
+          </a:p>
+          <a:p>
+            <a:r>
+              <a:rPr lang="en-US" dirty="0"/>
+              <a:t>Top-right to bottom-left traditional reading</a:t>
+            </a:r>
+          </a:p>
+          <a:p>
+            <a:endParaRPr lang="en-US" dirty="0"/>
+          </a:p>
+          <a:p>
+            <a:endParaRPr lang="en-US" dirty="0"/>
+          </a:p>
+        </p:txBody>
+      </p:sp>
+      <p:sp>
+        <p:nvSpPr>
+          <p:cNvPr id="5" name="Content Placeholder 2">
+            <a:extLst>
+              <a:ext uri="{FF2B5EF4-FFF2-40B4-BE49-F238E27FC236}">
+                <a16:creationId xmlns:a16="http://schemas.microsoft.com/office/drawing/2014/main" id="{23FC98BA-4B9A-F5AB-188B-57B429CF9F30}"/>
+              </a:ext>
+            </a:extLst>
+          </p:cNvPr>
+          <p:cNvSpPr txBox="1">
+            <a:spLocks/>
+          </p:cNvSpPr>
+          <p:nvPr/>
+        </p:nvSpPr>
+        <p:spPr>
+          <a:xfrm>
+            <a:off x="884332" y="5467529"/>
+            <a:ext cx="4206808" cy="1151965"/>
+          </a:xfrm>
+          <a:prstGeom prst="rect">
+            <a:avLst/>
+          </a:prstGeom>
+          <a:ln>
+            <a:solidFill>
+              <a:schemeClr val="accent2"/>
+            </a:solidFill>
+          </a:ln>
+        </p:spPr>
+        <p:txBody>
+          <a:bodyPr vert="horz" lIns="91440" tIns="45720" rIns="91440" bIns="45720" rtlCol="0" anchor="ctr">
+            <a:normAutofit/>
+          </a:bodyPr>
+          <a:lstStyle>
+            <a:lvl1pPr marL="342900" indent="-342900" algn="l" defTabSz="457200" rtl="0" eaLnBrk="1" latinLnBrk="0" hangingPunct="1">
+              <a:spcBef>
+                <a:spcPts val="1000"/>
+              </a:spcBef>
+              <a:spcAft>
+                <a:spcPts val="0"/>
+              </a:spcAft>
+              <a:buClr>
+                <a:schemeClr val="accent1"/>
+              </a:buClr>
+              <a:buSzPct val="80000"/>
+              <a:buFont typeface="Wingdings 3" charset="2"/>
+              <a:buChar char=""/>
+              <a:defRPr sz="1800" kern="1200">
+                <a:solidFill>
+                  <a:schemeClr val="tx1">
+                    <a:lumMod val="75000"/>
+                    <a:lumOff val="25000"/>
+                  </a:schemeClr>
+                </a:solidFill>
+                <a:latin typeface="+mn-lt"/>
+                <a:ea typeface="+mn-ea"/>
+                <a:cs typeface="+mn-cs"/>
+              </a:defRPr>
+            </a:lvl1pPr>
+            <a:lvl2pPr marL="742950" indent="-285750" algn="l" defTabSz="457200" rtl="0" eaLnBrk="1" latinLnBrk="0" hangingPunct="1">
+              <a:spcBef>
+                <a:spcPts val="1000"/>
+              </a:spcBef>
+              <a:spcAft>
+                <a:spcPts val="0"/>
+              </a:spcAft>
+              <a:buClr>
+                <a:schemeClr val="accent1"/>
+              </a:buClr>
+              <a:buSzPct val="80000"/>
+              <a:buFont typeface="Wingdings 3" charset="2"/>
+              <a:buChar char=""/>
+              <a:defRPr sz="1600" kern="1200">
+                <a:solidFill>
+                  <a:schemeClr val="tx1">
+                    <a:lumMod val="75000"/>
+                    <a:lumOff val="25000"/>
+                  </a:schemeClr>
+                </a:solidFill>
+                <a:latin typeface="+mn-lt"/>
+                <a:ea typeface="+mn-ea"/>
+                <a:cs typeface="+mn-cs"/>
+              </a:defRPr>
+            </a:lvl2pPr>
+            <a:lvl3pPr marL="1143000" indent="-228600" algn="l" defTabSz="457200" rtl="0" eaLnBrk="1" latinLnBrk="0" hangingPunct="1">
+              <a:spcBef>
+                <a:spcPts val="1000"/>
+              </a:spcBef>
+              <a:spcAft>
+                <a:spcPts val="0"/>
+              </a:spcAft>
+              <a:buClr>
+                <a:schemeClr val="accent1"/>
+              </a:buClr>
+              <a:buSzPct val="80000"/>
+              <a:buFont typeface="Wingdings 3" charset="2"/>
+              <a:buChar char=""/>
+              <a:defRPr sz="1400" kern="1200">
+                <a:solidFill>
+                  <a:schemeClr val="tx1">
+                    <a:lumMod val="75000"/>
+                    <a:lumOff val="25000"/>
+                  </a:schemeClr>
+                </a:solidFill>
+                <a:latin typeface="+mn-lt"/>
+                <a:ea typeface="+mn-ea"/>
+                <a:cs typeface="+mn-cs"/>
+              </a:defRPr>
+            </a:lvl3pPr>
+            <a:lvl4pPr marL="1600200" indent="-228600" algn="l" defTabSz="457200" rtl="0" eaLnBrk="1" latinLnBrk="0" hangingPunct="1">
+              <a:spcBef>
+                <a:spcPts val="1000"/>
+              </a:spcBef>
+              <a:spcAft>
+                <a:spcPts val="0"/>
+              </a:spcAft>
+              <a:buClr>
+                <a:schemeClr val="accent1"/>
+              </a:buClr>
+              <a:buSzPct val="80000"/>
+              <a:buFont typeface="Wingdings 3" charset="2"/>
+              <a:buChar char=""/>
+              <a:defRPr sz="1200" kern="1200">
+                <a:solidFill>
+                  <a:schemeClr val="tx1">
+                    <a:lumMod val="75000"/>
+                    <a:lumOff val="25000"/>
+                  </a:schemeClr>
+                </a:solidFill>
+                <a:latin typeface="+mn-lt"/>
+                <a:ea typeface="+mn-ea"/>
+                <a:cs typeface="+mn-cs"/>
+              </a:defRPr>
+            </a:lvl4pPr>
+            <a:lvl5pPr marL="2057400" indent="-228600" algn="l" defTabSz="457200" rtl="0" eaLnBrk="1" latinLnBrk="0" hangingPunct="1">
+              <a:spcBef>
+                <a:spcPts val="1000"/>
+              </a:spcBef>
+              <a:spcAft>
+                <a:spcPts val="0"/>
+              </a:spcAft>
+              <a:buClr>
+                <a:schemeClr val="accent1"/>
+              </a:buClr>
+              <a:buSzPct val="80000"/>
+              <a:buFont typeface="Wingdings 3" charset="2"/>
+              <a:buChar char=""/>
+              <a:defRPr sz="1200" kern="1200">
+                <a:solidFill>
+                  <a:schemeClr val="tx1">
+                    <a:lumMod val="75000"/>
+                    <a:lumOff val="25000"/>
+                  </a:schemeClr>
+                </a:solidFill>
+                <a:latin typeface="+mn-lt"/>
+                <a:ea typeface="+mn-ea"/>
+                <a:cs typeface="+mn-cs"/>
+              </a:defRPr>
+            </a:lvl5pPr>
+            <a:lvl6pPr marL="2514600" indent="-228600" algn="l" defTabSz="457200" rtl="0" eaLnBrk="1" latinLnBrk="0" hangingPunct="1">
+              <a:spcBef>
+                <a:spcPts val="1000"/>
+              </a:spcBef>
+              <a:spcAft>
+                <a:spcPts val="0"/>
+              </a:spcAft>
+              <a:buClr>
+                <a:schemeClr val="accent1"/>
+              </a:buClr>
+              <a:buSzPct val="80000"/>
+              <a:buFont typeface="Wingdings 3" charset="2"/>
+              <a:buChar char=""/>
+              <a:defRPr sz="1200" kern="1200">
+                <a:solidFill>
+                  <a:schemeClr val="tx1">
+                    <a:lumMod val="75000"/>
+                    <a:lumOff val="25000"/>
+                  </a:schemeClr>
+                </a:solidFill>
+                <a:latin typeface="+mn-lt"/>
+                <a:ea typeface="+mn-ea"/>
+                <a:cs typeface="+mn-cs"/>
+              </a:defRPr>
+            </a:lvl6pPr>
+            <a:lvl7pPr marL="2971800" indent="-228600" algn="l" defTabSz="457200" rtl="0" eaLnBrk="1" latinLnBrk="0" hangingPunct="1">
+              <a:spcBef>
+                <a:spcPts val="1000"/>
+              </a:spcBef>
+              <a:spcAft>
+                <a:spcPts val="0"/>
+              </a:spcAft>
+              <a:buClr>
+                <a:schemeClr val="accent1"/>
+              </a:buClr>
+              <a:buSzPct val="80000"/>
+              <a:buFont typeface="Wingdings 3" charset="2"/>
+              <a:buChar char=""/>
+              <a:defRPr sz="1200" kern="1200">
+                <a:solidFill>
+                  <a:schemeClr val="tx1">
+                    <a:lumMod val="75000"/>
+                    <a:lumOff val="25000"/>
+                  </a:schemeClr>
+                </a:solidFill>
+                <a:latin typeface="+mn-lt"/>
+                <a:ea typeface="+mn-ea"/>
+                <a:cs typeface="+mn-cs"/>
+              </a:defRPr>
+            </a:lvl7pPr>
+            <a:lvl8pPr marL="3429000" indent="-228600" algn="l" defTabSz="457200" rtl="0" eaLnBrk="1" latinLnBrk="0" hangingPunct="1">
+              <a:spcBef>
+                <a:spcPts val="1000"/>
+              </a:spcBef>
+              <a:spcAft>
+                <a:spcPts val="0"/>
+              </a:spcAft>
+              <a:buClr>
+                <a:schemeClr val="accent1"/>
+              </a:buClr>
+              <a:buSzPct val="80000"/>
+              <a:buFont typeface="Wingdings 3" charset="2"/>
+              <a:buChar char=""/>
+              <a:defRPr sz="1200" kern="1200">
+                <a:solidFill>
+                  <a:schemeClr val="tx1">
+                    <a:lumMod val="75000"/>
+                    <a:lumOff val="25000"/>
+                  </a:schemeClr>
+                </a:solidFill>
+                <a:latin typeface="+mn-lt"/>
+                <a:ea typeface="+mn-ea"/>
+                <a:cs typeface="+mn-cs"/>
+              </a:defRPr>
+            </a:lvl8pPr>
+            <a:lvl9pPr marL="3886200" indent="-228600" algn="l" defTabSz="457200" rtl="0" eaLnBrk="1" latinLnBrk="0" hangingPunct="1">
+              <a:spcBef>
+                <a:spcPts val="1000"/>
+              </a:spcBef>
+              <a:spcAft>
+                <a:spcPts val="0"/>
+              </a:spcAft>
+              <a:buClr>
+                <a:schemeClr val="accent1"/>
+              </a:buClr>
+              <a:buSzPct val="80000"/>
+              <a:buFont typeface="Wingdings 3" charset="2"/>
+              <a:buChar char=""/>
+              <a:defRPr sz="1200" kern="1200">
+                <a:solidFill>
+                  <a:schemeClr val="tx1">
+                    <a:lumMod val="75000"/>
+                    <a:lumOff val="25000"/>
+                  </a:schemeClr>
+                </a:solidFill>
+                <a:latin typeface="+mn-lt"/>
+                <a:ea typeface="+mn-ea"/>
+                <a:cs typeface="+mn-cs"/>
+              </a:defRPr>
+            </a:lvl9pPr>
+          </a:lstStyle>
+          <a:p>
+            <a:pPr marL="400050" lvl="1" indent="0">
+              <a:buNone/>
+            </a:pPr>
+            <a:r>
+              <a:rPr lang="en-US" sz="1800" i="1" dirty="0">
+                <a:solidFill>
+                  <a:schemeClr val="accent2"/>
+                </a:solidFill>
+              </a:rPr>
+              <a:t>It is self-evident that nothing concerning art is self-evident.</a:t>
+            </a:r>
+          </a:p>
+          <a:p>
+            <a:pPr marL="0" indent="0" algn="r">
+              <a:buNone/>
+            </a:pPr>
+            <a:r>
+              <a:rPr lang="en-US" dirty="0">
+                <a:solidFill>
+                  <a:schemeClr val="accent2"/>
+                </a:solidFill>
+              </a:rPr>
+              <a:t>- Theodore Adorno (1969)</a:t>
+            </a:r>
+            <a:endParaRPr lang="en-GB" dirty="0">
+              <a:solidFill>
+                <a:schemeClr val="accent2"/>
+              </a:solidFill>
+            </a:endParaRPr>
+          </a:p>
+        </p:txBody>
+      </p:sp>
+      <p:pic>
+        <p:nvPicPr>
+          <p:cNvPr id="10" name="Picture 9">
+            <a:extLst>
+              <a:ext uri="{FF2B5EF4-FFF2-40B4-BE49-F238E27FC236}">
+                <a16:creationId xmlns:a16="http://schemas.microsoft.com/office/drawing/2014/main" id="{BE196C86-3601-0048-86C2-673D2B26FF58}"/>
+              </a:ext>
+            </a:extLst>
+          </p:cNvPr>
+          <p:cNvPicPr>
+            <a:picLocks noChangeAspect="1"/>
+          </p:cNvPicPr>
+          <p:nvPr/>
+        </p:nvPicPr>
+        <p:blipFill rotWithShape="1">
+          <a:blip r:embed="rId2"/>
+          <a:srcRect l="1307" t="15585" r="2614" b="10910"/>
+          <a:stretch/>
+        </p:blipFill>
+        <p:spPr>
+          <a:xfrm>
+            <a:off x="884332" y="2012522"/>
+            <a:ext cx="4206808" cy="3218384"/>
+          </a:xfrm>
+          <a:prstGeom prst="rect">
+            <a:avLst/>
+          </a:prstGeom>
+        </p:spPr>
+      </p:pic>
+    </p:spTree>
+    <p:extLst>
+      <p:ext uri="{BB962C8B-B14F-4D97-AF65-F5344CB8AC3E}">
+        <p14:creationId xmlns:p14="http://schemas.microsoft.com/office/powerpoint/2010/main" val="2628807676"/>
+      </p:ext>
+    </p:extLst>
+  </p:cSld>
+  <p:clrMapOvr>
+    <a:masterClrMapping/>
+  </p:clrMapOvr>
+</p:sld>
+</file>
+
+<file path=ppt/slides/slide14.xml><?xml version="1.0" encoding="utf-8"?>
+<p:sld xmlns:a="http://schemas.openxmlformats.org/drawingml/2006/main" xmlns:r="http://schemas.openxmlformats.org/officeDocument/2006/relationships" xmlns:p="http://schemas.openxmlformats.org/presentationml/2006/main">
+  <p:cSld>
+    <p:spTree>
+      <p:nvGrpSpPr>
+        <p:cNvPr id="1" name=""/>
+        <p:cNvGrpSpPr/>
+        <p:nvPr/>
+      </p:nvGrpSpPr>
+      <p:grpSpPr>
+        <a:xfrm>
+          <a:off x="0" y="0"/>
+          <a:ext cx="0" cy="0"/>
+          <a:chOff x="0" y="0"/>
+          <a:chExt cx="0" cy="0"/>
+        </a:xfrm>
+      </p:grpSpPr>
+      <p:sp>
+        <p:nvSpPr>
+          <p:cNvPr id="4" name="Parallelogram 3">
+            <a:extLst>
+              <a:ext uri="{FF2B5EF4-FFF2-40B4-BE49-F238E27FC236}">
+                <a16:creationId xmlns:a16="http://schemas.microsoft.com/office/drawing/2014/main" id="{B64F6F81-92AB-7C0F-84F7-FAA6E5FC3CF2}"/>
+              </a:ext>
+            </a:extLst>
+          </p:cNvPr>
+          <p:cNvSpPr/>
+          <p:nvPr/>
+        </p:nvSpPr>
+        <p:spPr>
+          <a:xfrm>
+            <a:off x="6833360" y="-18874"/>
+            <a:ext cx="5069541" cy="6876874"/>
+          </a:xfrm>
+          <a:prstGeom prst="parallelogram">
+            <a:avLst>
+              <a:gd name="adj" fmla="val 19695"/>
+            </a:avLst>
+          </a:prstGeom>
+          <a:solidFill>
+            <a:schemeClr val="bg1"/>
+          </a:solidFill>
+          <a:ln>
+            <a:solidFill>
+              <a:schemeClr val="bg1"/>
+            </a:solidFill>
+          </a:ln>
+        </p:spPr>
+        <p:style>
+          <a:lnRef idx="2">
+            <a:schemeClr val="accent1">
+              <a:shade val="15000"/>
+            </a:schemeClr>
+          </a:lnRef>
+          <a:fillRef idx="1">
+            <a:schemeClr val="accent1"/>
+          </a:fillRef>
+          <a:effectRef idx="0">
+            <a:schemeClr val="accent1"/>
+          </a:effectRef>
+          <a:fontRef idx="minor">
+            <a:schemeClr val="lt1"/>
+          </a:fontRef>
+        </p:style>
+        <p:txBody>
+          <a:bodyPr rtlCol="0" anchor="ctr"/>
+          <a:lstStyle/>
+          <a:p>
+            <a:pPr algn="ctr"/>
+            <a:endParaRPr lang="en-GB"/>
+          </a:p>
+        </p:txBody>
+      </p:sp>
+      <p:sp>
+        <p:nvSpPr>
+          <p:cNvPr id="2" name="Title 1">
+            <a:extLst>
+              <a:ext uri="{FF2B5EF4-FFF2-40B4-BE49-F238E27FC236}">
+                <a16:creationId xmlns:a16="http://schemas.microsoft.com/office/drawing/2014/main" id="{701973DA-B0F9-E1A4-AE56-F1BD7BF4C677}"/>
+              </a:ext>
+            </a:extLst>
+          </p:cNvPr>
+          <p:cNvSpPr>
+            <a:spLocks noGrp="1"/>
+          </p:cNvSpPr>
+          <p:nvPr>
+            <p:ph type="title"/>
+          </p:nvPr>
+        </p:nvSpPr>
+        <p:spPr>
+          <a:xfrm>
+            <a:off x="677334" y="609599"/>
+            <a:ext cx="10107206" cy="1151965"/>
+          </a:xfrm>
+        </p:spPr>
+        <p:txBody>
+          <a:bodyPr>
+            <a:normAutofit/>
+          </a:bodyPr>
+          <a:lstStyle/>
+          <a:p>
+            <a:r>
+              <a:rPr lang="en-US" dirty="0"/>
               <a:t>Drama &amp; Perspective</a:t>
             </a:r>
             <a:br>
@@ -10436,7 +11003,7 @@
 </p:sld>
 </file>
 
-<file path=ppt/slides/slide14.xml><?xml version="1.0" encoding="utf-8"?>
+<file path=ppt/slides/slide15.xml><?xml version="1.0" encoding="utf-8"?>
 <p:sld xmlns:a="http://schemas.openxmlformats.org/drawingml/2006/main" xmlns:r="http://schemas.openxmlformats.org/officeDocument/2006/relationships" xmlns:p="http://schemas.openxmlformats.org/presentationml/2006/main">
   <p:cSld>
     <p:spTree>
@@ -11166,7 +11733,7 @@
           <a:p>
             <a:r>
               <a:rPr lang="en-US" dirty="0"/>
-              <a:t>“Weak” branches</a:t>
+              <a:t>Weak / immature-looking branches</a:t>
             </a:r>
           </a:p>
           <a:p>
@@ -11824,554 +12391,6 @@
     <p:extLst>
       <p:ext uri="{BB962C8B-B14F-4D97-AF65-F5344CB8AC3E}">
         <p14:creationId xmlns:p14="http://schemas.microsoft.com/office/powerpoint/2010/main" val="4262373755"/>
-      </p:ext>
-    </p:extLst>
-  </p:cSld>
-  <p:clrMapOvr>
-    <a:masterClrMapping/>
-  </p:clrMapOvr>
-</p:sld>
-</file>
-
-<file path=ppt/slides/slide15.xml><?xml version="1.0" encoding="utf-8"?>
-<p:sld xmlns:a="http://schemas.openxmlformats.org/drawingml/2006/main" xmlns:r="http://schemas.openxmlformats.org/officeDocument/2006/relationships" xmlns:p="http://schemas.openxmlformats.org/presentationml/2006/main">
-  <p:cSld>
-    <p:spTree>
-      <p:nvGrpSpPr>
-        <p:cNvPr id="1" name=""/>
-        <p:cNvGrpSpPr/>
-        <p:nvPr/>
-      </p:nvGrpSpPr>
-      <p:grpSpPr>
-        <a:xfrm>
-          <a:off x="0" y="0"/>
-          <a:ext cx="0" cy="0"/>
-          <a:chOff x="0" y="0"/>
-          <a:chExt cx="0" cy="0"/>
-        </a:xfrm>
-      </p:grpSpPr>
-      <p:sp>
-        <p:nvSpPr>
-          <p:cNvPr id="4" name="Parallelogram 3">
-            <a:extLst>
-              <a:ext uri="{FF2B5EF4-FFF2-40B4-BE49-F238E27FC236}">
-                <a16:creationId xmlns:a16="http://schemas.microsoft.com/office/drawing/2014/main" id="{B64F6F81-92AB-7C0F-84F7-FAA6E5FC3CF2}"/>
-              </a:ext>
-            </a:extLst>
-          </p:cNvPr>
-          <p:cNvSpPr/>
-          <p:nvPr/>
-        </p:nvSpPr>
-        <p:spPr>
-          <a:xfrm>
-            <a:off x="6833360" y="-18874"/>
-            <a:ext cx="5069541" cy="6876874"/>
-          </a:xfrm>
-          <a:prstGeom prst="parallelogram">
-            <a:avLst>
-              <a:gd name="adj" fmla="val 19695"/>
-            </a:avLst>
-          </a:prstGeom>
-          <a:solidFill>
-            <a:schemeClr val="bg1"/>
-          </a:solidFill>
-          <a:ln>
-            <a:solidFill>
-              <a:schemeClr val="bg1"/>
-            </a:solidFill>
-          </a:ln>
-        </p:spPr>
-        <p:style>
-          <a:lnRef idx="2">
-            <a:schemeClr val="accent1">
-              <a:shade val="15000"/>
-            </a:schemeClr>
-          </a:lnRef>
-          <a:fillRef idx="1">
-            <a:schemeClr val="accent1"/>
-          </a:fillRef>
-          <a:effectRef idx="0">
-            <a:schemeClr val="accent1"/>
-          </a:effectRef>
-          <a:fontRef idx="minor">
-            <a:schemeClr val="lt1"/>
-          </a:fontRef>
-        </p:style>
-        <p:txBody>
-          <a:bodyPr rtlCol="0" anchor="ctr"/>
-          <a:lstStyle/>
-          <a:p>
-            <a:pPr algn="ctr"/>
-            <a:endParaRPr lang="en-GB"/>
-          </a:p>
-        </p:txBody>
-      </p:sp>
-      <p:sp>
-        <p:nvSpPr>
-          <p:cNvPr id="2" name="Title 1">
-            <a:extLst>
-              <a:ext uri="{FF2B5EF4-FFF2-40B4-BE49-F238E27FC236}">
-                <a16:creationId xmlns:a16="http://schemas.microsoft.com/office/drawing/2014/main" id="{701973DA-B0F9-E1A4-AE56-F1BD7BF4C677}"/>
-              </a:ext>
-            </a:extLst>
-          </p:cNvPr>
-          <p:cNvSpPr>
-            <a:spLocks noGrp="1"/>
-          </p:cNvSpPr>
-          <p:nvPr>
-            <p:ph type="title"/>
-          </p:nvPr>
-        </p:nvSpPr>
-        <p:spPr>
-          <a:xfrm>
-            <a:off x="677334" y="609599"/>
-            <a:ext cx="10107206" cy="1151965"/>
-          </a:xfrm>
-        </p:spPr>
-        <p:txBody>
-          <a:bodyPr>
-            <a:normAutofit/>
-          </a:bodyPr>
-          <a:lstStyle/>
-          <a:p>
-            <a:r>
-              <a:rPr lang="en-US" dirty="0"/>
-              <a:t>Wabi-Sabi</a:t>
-            </a:r>
-            <a:br>
-              <a:rPr lang="en-US" dirty="0"/>
-            </a:br>
-            <a:r>
-              <a:rPr lang="en-US" sz="2800" dirty="0"/>
-              <a:t>Japanophilia 101</a:t>
-            </a:r>
-            <a:endParaRPr lang="en-GB" sz="2800" dirty="0"/>
-          </a:p>
-        </p:txBody>
-      </p:sp>
-      <p:sp>
-        <p:nvSpPr>
-          <p:cNvPr id="3" name="Content Placeholder 2">
-            <a:extLst>
-              <a:ext uri="{FF2B5EF4-FFF2-40B4-BE49-F238E27FC236}">
-                <a16:creationId xmlns:a16="http://schemas.microsoft.com/office/drawing/2014/main" id="{F7340934-5684-DA8A-A2B6-BA82211E4513}"/>
-              </a:ext>
-            </a:extLst>
-          </p:cNvPr>
-          <p:cNvSpPr>
-            <a:spLocks noGrp="1"/>
-          </p:cNvSpPr>
-          <p:nvPr>
-            <p:ph idx="1"/>
-          </p:nvPr>
-        </p:nvSpPr>
-        <p:spPr>
-          <a:xfrm>
-            <a:off x="5607423" y="1896034"/>
-            <a:ext cx="5634317" cy="4961965"/>
-          </a:xfrm>
-        </p:spPr>
-        <p:txBody>
-          <a:bodyPr>
-            <a:normAutofit/>
-          </a:bodyPr>
-          <a:lstStyle/>
-          <a:p>
-            <a:r>
-              <a:rPr lang="en-US" dirty="0"/>
-              <a:t>Obvious tool marks</a:t>
-            </a:r>
-          </a:p>
-          <a:p>
-            <a:pPr lvl="1"/>
-            <a:r>
-              <a:rPr lang="en-US" dirty="0"/>
-              <a:t>…Including wire scarring</a:t>
-            </a:r>
-          </a:p>
-          <a:p>
-            <a:r>
-              <a:rPr lang="en-US" dirty="0"/>
-              <a:t>xxx</a:t>
-            </a:r>
-          </a:p>
-          <a:p>
-            <a:endParaRPr lang="en-US" dirty="0"/>
-          </a:p>
-        </p:txBody>
-      </p:sp>
-      <p:sp>
-        <p:nvSpPr>
-          <p:cNvPr id="6" name="Content Placeholder 2">
-            <a:extLst>
-              <a:ext uri="{FF2B5EF4-FFF2-40B4-BE49-F238E27FC236}">
-                <a16:creationId xmlns:a16="http://schemas.microsoft.com/office/drawing/2014/main" id="{1D0AFEB3-8E62-C899-A368-55C2FEA2AF98}"/>
-              </a:ext>
-            </a:extLst>
-          </p:cNvPr>
-          <p:cNvSpPr txBox="1">
-            <a:spLocks/>
-          </p:cNvSpPr>
-          <p:nvPr/>
-        </p:nvSpPr>
-        <p:spPr>
-          <a:xfrm>
-            <a:off x="677334" y="4377016"/>
-            <a:ext cx="5069541" cy="2480983"/>
-          </a:xfrm>
-          <a:prstGeom prst="rect">
-            <a:avLst/>
-          </a:prstGeom>
-        </p:spPr>
-        <p:txBody>
-          <a:bodyPr vert="horz" lIns="91440" tIns="45720" rIns="91440" bIns="45720" rtlCol="0">
-            <a:normAutofit/>
-          </a:bodyPr>
-          <a:lstStyle>
-            <a:lvl1pPr marL="342900" indent="-342900" algn="l" defTabSz="457200" rtl="0" eaLnBrk="1" latinLnBrk="0" hangingPunct="1">
-              <a:spcBef>
-                <a:spcPts val="1000"/>
-              </a:spcBef>
-              <a:spcAft>
-                <a:spcPts val="0"/>
-              </a:spcAft>
-              <a:buClr>
-                <a:schemeClr val="accent1"/>
-              </a:buClr>
-              <a:buSzPct val="80000"/>
-              <a:buFont typeface="Wingdings 3" charset="2"/>
-              <a:buChar char=""/>
-              <a:defRPr sz="1800" kern="1200">
-                <a:solidFill>
-                  <a:schemeClr val="tx1">
-                    <a:lumMod val="75000"/>
-                    <a:lumOff val="25000"/>
-                  </a:schemeClr>
-                </a:solidFill>
-                <a:latin typeface="+mn-lt"/>
-                <a:ea typeface="+mn-ea"/>
-                <a:cs typeface="+mn-cs"/>
-              </a:defRPr>
-            </a:lvl1pPr>
-            <a:lvl2pPr marL="742950" indent="-285750" algn="l" defTabSz="457200" rtl="0" eaLnBrk="1" latinLnBrk="0" hangingPunct="1">
-              <a:spcBef>
-                <a:spcPts val="1000"/>
-              </a:spcBef>
-              <a:spcAft>
-                <a:spcPts val="0"/>
-              </a:spcAft>
-              <a:buClr>
-                <a:schemeClr val="accent1"/>
-              </a:buClr>
-              <a:buSzPct val="80000"/>
-              <a:buFont typeface="Wingdings 3" charset="2"/>
-              <a:buChar char=""/>
-              <a:defRPr sz="1600" kern="1200">
-                <a:solidFill>
-                  <a:schemeClr val="tx1">
-                    <a:lumMod val="75000"/>
-                    <a:lumOff val="25000"/>
-                  </a:schemeClr>
-                </a:solidFill>
-                <a:latin typeface="+mn-lt"/>
-                <a:ea typeface="+mn-ea"/>
-                <a:cs typeface="+mn-cs"/>
-              </a:defRPr>
-            </a:lvl2pPr>
-            <a:lvl3pPr marL="1143000" indent="-228600" algn="l" defTabSz="457200" rtl="0" eaLnBrk="1" latinLnBrk="0" hangingPunct="1">
-              <a:spcBef>
-                <a:spcPts val="1000"/>
-              </a:spcBef>
-              <a:spcAft>
-                <a:spcPts val="0"/>
-              </a:spcAft>
-              <a:buClr>
-                <a:schemeClr val="accent1"/>
-              </a:buClr>
-              <a:buSzPct val="80000"/>
-              <a:buFont typeface="Wingdings 3" charset="2"/>
-              <a:buChar char=""/>
-              <a:defRPr sz="1400" kern="1200">
-                <a:solidFill>
-                  <a:schemeClr val="tx1">
-                    <a:lumMod val="75000"/>
-                    <a:lumOff val="25000"/>
-                  </a:schemeClr>
-                </a:solidFill>
-                <a:latin typeface="+mn-lt"/>
-                <a:ea typeface="+mn-ea"/>
-                <a:cs typeface="+mn-cs"/>
-              </a:defRPr>
-            </a:lvl3pPr>
-            <a:lvl4pPr marL="1600200" indent="-228600" algn="l" defTabSz="457200" rtl="0" eaLnBrk="1" latinLnBrk="0" hangingPunct="1">
-              <a:spcBef>
-                <a:spcPts val="1000"/>
-              </a:spcBef>
-              <a:spcAft>
-                <a:spcPts val="0"/>
-              </a:spcAft>
-              <a:buClr>
-                <a:schemeClr val="accent1"/>
-              </a:buClr>
-              <a:buSzPct val="80000"/>
-              <a:buFont typeface="Wingdings 3" charset="2"/>
-              <a:buChar char=""/>
-              <a:defRPr sz="1200" kern="1200">
-                <a:solidFill>
-                  <a:schemeClr val="tx1">
-                    <a:lumMod val="75000"/>
-                    <a:lumOff val="25000"/>
-                  </a:schemeClr>
-                </a:solidFill>
-                <a:latin typeface="+mn-lt"/>
-                <a:ea typeface="+mn-ea"/>
-                <a:cs typeface="+mn-cs"/>
-              </a:defRPr>
-            </a:lvl4pPr>
-            <a:lvl5pPr marL="2057400" indent="-228600" algn="l" defTabSz="457200" rtl="0" eaLnBrk="1" latinLnBrk="0" hangingPunct="1">
-              <a:spcBef>
-                <a:spcPts val="1000"/>
-              </a:spcBef>
-              <a:spcAft>
-                <a:spcPts val="0"/>
-              </a:spcAft>
-              <a:buClr>
-                <a:schemeClr val="accent1"/>
-              </a:buClr>
-              <a:buSzPct val="80000"/>
-              <a:buFont typeface="Wingdings 3" charset="2"/>
-              <a:buChar char=""/>
-              <a:defRPr sz="1200" kern="1200">
-                <a:solidFill>
-                  <a:schemeClr val="tx1">
-                    <a:lumMod val="75000"/>
-                    <a:lumOff val="25000"/>
-                  </a:schemeClr>
-                </a:solidFill>
-                <a:latin typeface="+mn-lt"/>
-                <a:ea typeface="+mn-ea"/>
-                <a:cs typeface="+mn-cs"/>
-              </a:defRPr>
-            </a:lvl5pPr>
-            <a:lvl6pPr marL="2514600" indent="-228600" algn="l" defTabSz="457200" rtl="0" eaLnBrk="1" latinLnBrk="0" hangingPunct="1">
-              <a:spcBef>
-                <a:spcPts val="1000"/>
-              </a:spcBef>
-              <a:spcAft>
-                <a:spcPts val="0"/>
-              </a:spcAft>
-              <a:buClr>
-                <a:schemeClr val="accent1"/>
-              </a:buClr>
-              <a:buSzPct val="80000"/>
-              <a:buFont typeface="Wingdings 3" charset="2"/>
-              <a:buChar char=""/>
-              <a:defRPr sz="1200" kern="1200">
-                <a:solidFill>
-                  <a:schemeClr val="tx1">
-                    <a:lumMod val="75000"/>
-                    <a:lumOff val="25000"/>
-                  </a:schemeClr>
-                </a:solidFill>
-                <a:latin typeface="+mn-lt"/>
-                <a:ea typeface="+mn-ea"/>
-                <a:cs typeface="+mn-cs"/>
-              </a:defRPr>
-            </a:lvl6pPr>
-            <a:lvl7pPr marL="2971800" indent="-228600" algn="l" defTabSz="457200" rtl="0" eaLnBrk="1" latinLnBrk="0" hangingPunct="1">
-              <a:spcBef>
-                <a:spcPts val="1000"/>
-              </a:spcBef>
-              <a:spcAft>
-                <a:spcPts val="0"/>
-              </a:spcAft>
-              <a:buClr>
-                <a:schemeClr val="accent1"/>
-              </a:buClr>
-              <a:buSzPct val="80000"/>
-              <a:buFont typeface="Wingdings 3" charset="2"/>
-              <a:buChar char=""/>
-              <a:defRPr sz="1200" kern="1200">
-                <a:solidFill>
-                  <a:schemeClr val="tx1">
-                    <a:lumMod val="75000"/>
-                    <a:lumOff val="25000"/>
-                  </a:schemeClr>
-                </a:solidFill>
-                <a:latin typeface="+mn-lt"/>
-                <a:ea typeface="+mn-ea"/>
-                <a:cs typeface="+mn-cs"/>
-              </a:defRPr>
-            </a:lvl7pPr>
-            <a:lvl8pPr marL="3429000" indent="-228600" algn="l" defTabSz="457200" rtl="0" eaLnBrk="1" latinLnBrk="0" hangingPunct="1">
-              <a:spcBef>
-                <a:spcPts val="1000"/>
-              </a:spcBef>
-              <a:spcAft>
-                <a:spcPts val="0"/>
-              </a:spcAft>
-              <a:buClr>
-                <a:schemeClr val="accent1"/>
-              </a:buClr>
-              <a:buSzPct val="80000"/>
-              <a:buFont typeface="Wingdings 3" charset="2"/>
-              <a:buChar char=""/>
-              <a:defRPr sz="1200" kern="1200">
-                <a:solidFill>
-                  <a:schemeClr val="tx1">
-                    <a:lumMod val="75000"/>
-                    <a:lumOff val="25000"/>
-                  </a:schemeClr>
-                </a:solidFill>
-                <a:latin typeface="+mn-lt"/>
-                <a:ea typeface="+mn-ea"/>
-                <a:cs typeface="+mn-cs"/>
-              </a:defRPr>
-            </a:lvl8pPr>
-            <a:lvl9pPr marL="3886200" indent="-228600" algn="l" defTabSz="457200" rtl="0" eaLnBrk="1" latinLnBrk="0" hangingPunct="1">
-              <a:spcBef>
-                <a:spcPts val="1000"/>
-              </a:spcBef>
-              <a:spcAft>
-                <a:spcPts val="0"/>
-              </a:spcAft>
-              <a:buClr>
-                <a:schemeClr val="accent1"/>
-              </a:buClr>
-              <a:buSzPct val="80000"/>
-              <a:buFont typeface="Wingdings 3" charset="2"/>
-              <a:buChar char=""/>
-              <a:defRPr sz="1200" kern="1200">
-                <a:solidFill>
-                  <a:schemeClr val="tx1">
-                    <a:lumMod val="75000"/>
-                    <a:lumOff val="25000"/>
-                  </a:schemeClr>
-                </a:solidFill>
-                <a:latin typeface="+mn-lt"/>
-                <a:ea typeface="+mn-ea"/>
-                <a:cs typeface="+mn-cs"/>
-              </a:defRPr>
-            </a:lvl9pPr>
-          </a:lstStyle>
-          <a:p>
-            <a:r>
-              <a:rPr lang="en-US" dirty="0"/>
-              <a:t>“Wabi” () – literally “forlorn”</a:t>
-            </a:r>
-          </a:p>
-          <a:p>
-            <a:r>
-              <a:rPr lang="en-US" dirty="0"/>
-              <a:t>“Sabi” () – literally “rustic”</a:t>
-            </a:r>
-          </a:p>
-        </p:txBody>
-      </p:sp>
-      <p:sp>
-        <p:nvSpPr>
-          <p:cNvPr id="7" name="Rectangle 6">
-            <a:extLst>
-              <a:ext uri="{FF2B5EF4-FFF2-40B4-BE49-F238E27FC236}">
-                <a16:creationId xmlns:a16="http://schemas.microsoft.com/office/drawing/2014/main" id="{D1471E41-7663-9037-5260-15F24A9C295E}"/>
-              </a:ext>
-            </a:extLst>
-          </p:cNvPr>
-          <p:cNvSpPr/>
-          <p:nvPr/>
-        </p:nvSpPr>
-        <p:spPr>
-          <a:xfrm>
-            <a:off x="677333" y="1896034"/>
-            <a:ext cx="4620807" cy="2245660"/>
-          </a:xfrm>
-          <a:prstGeom prst="rect">
-            <a:avLst/>
-          </a:prstGeom>
-        </p:spPr>
-        <p:style>
-          <a:lnRef idx="2">
-            <a:schemeClr val="accent1">
-              <a:shade val="15000"/>
-            </a:schemeClr>
-          </a:lnRef>
-          <a:fillRef idx="1">
-            <a:schemeClr val="accent1"/>
-          </a:fillRef>
-          <a:effectRef idx="0">
-            <a:schemeClr val="accent1"/>
-          </a:effectRef>
-          <a:fontRef idx="minor">
-            <a:schemeClr val="lt1"/>
-          </a:fontRef>
-        </p:style>
-        <p:txBody>
-          <a:bodyPr rtlCol="0" anchor="ctr"/>
-          <a:lstStyle/>
-          <a:p>
-            <a:pPr algn="ctr"/>
-            <a:r>
-              <a:rPr lang="en-US" dirty="0"/>
-              <a:t>Image</a:t>
-            </a:r>
-            <a:endParaRPr lang="en-GB" dirty="0"/>
-          </a:p>
-        </p:txBody>
-      </p:sp>
-      <p:sp>
-        <p:nvSpPr>
-          <p:cNvPr id="8" name="Rectangle 7">
-            <a:extLst>
-              <a:ext uri="{FF2B5EF4-FFF2-40B4-BE49-F238E27FC236}">
-                <a16:creationId xmlns:a16="http://schemas.microsoft.com/office/drawing/2014/main" id="{F61D0B2B-246B-0419-E389-DA8B691598FB}"/>
-              </a:ext>
-            </a:extLst>
-          </p:cNvPr>
-          <p:cNvSpPr/>
-          <p:nvPr/>
-        </p:nvSpPr>
-        <p:spPr>
-          <a:xfrm>
-            <a:off x="7070912" y="358641"/>
-            <a:ext cx="3966882" cy="582653"/>
-          </a:xfrm>
-          <a:prstGeom prst="rect">
-            <a:avLst/>
-          </a:prstGeom>
-        </p:spPr>
-        <p:style>
-          <a:lnRef idx="2">
-            <a:schemeClr val="accent3">
-              <a:shade val="15000"/>
-            </a:schemeClr>
-          </a:lnRef>
-          <a:fillRef idx="1">
-            <a:schemeClr val="accent3"/>
-          </a:fillRef>
-          <a:effectRef idx="0">
-            <a:schemeClr val="accent3"/>
-          </a:effectRef>
-          <a:fontRef idx="minor">
-            <a:schemeClr val="lt1"/>
-          </a:fontRef>
-        </p:style>
-        <p:txBody>
-          <a:bodyPr rtlCol="0" anchor="ctr"/>
-          <a:lstStyle/>
-          <a:p>
-            <a:pPr algn="ctr"/>
-            <a:r>
-              <a:rPr lang="en-US" dirty="0"/>
-              <a:t>Finish slide</a:t>
-            </a:r>
-            <a:endParaRPr lang="en-GB" dirty="0"/>
-          </a:p>
-        </p:txBody>
-      </p:sp>
-    </p:spTree>
-    <p:extLst>
-      <p:ext uri="{BB962C8B-B14F-4D97-AF65-F5344CB8AC3E}">
-        <p14:creationId xmlns:p14="http://schemas.microsoft.com/office/powerpoint/2010/main" val="2628807676"/>
       </p:ext>
     </p:extLst>
   </p:cSld>

--- a/Courseware/Bonsai On A Budget (running).pptx
+++ b/Courseware/Bonsai On A Budget (running).pptx
@@ -9962,19 +9962,31 @@
             </a:pPr>
             <a:r>
               <a:rPr lang="en-US" dirty="0"/>
-              <a:t>General aesthetic principles:</a:t>
+              <a:t>Key elements of visual design:</a:t>
             </a:r>
           </a:p>
           <a:p>
             <a:r>
               <a:rPr lang="en-US" dirty="0"/>
-              <a:t>Harmony: similarity vs variety</a:t>
+              <a:t>Movement &amp; rhythm</a:t>
             </a:r>
           </a:p>
           <a:p>
             <a:r>
               <a:rPr lang="en-US" dirty="0"/>
-              <a:t>Perspective</a:t>
+              <a:t>Balance: symmetry vs asymmetry</a:t>
+            </a:r>
+          </a:p>
+          <a:p>
+            <a:r>
+              <a:rPr lang="en-US" dirty="0"/>
+              <a:t>Similarity &amp; harmony vs contrast &amp; variety</a:t>
+            </a:r>
+          </a:p>
+          <a:p>
+            <a:r>
+              <a:rPr lang="en-US" dirty="0"/>
+              <a:t>Perspective &amp; proportion</a:t>
             </a:r>
           </a:p>
           <a:p>
@@ -9986,13 +9998,7 @@
           <a:p>
             <a:r>
               <a:rPr lang="en-US" dirty="0"/>
-              <a:t>Balance: symmetry vs asymmetry</a:t>
-            </a:r>
-          </a:p>
-          <a:p>
-            <a:r>
-              <a:rPr lang="en-US" dirty="0"/>
-              <a:t>Rhythm</a:t>
+              <a:t>Unity: wow factor</a:t>
             </a:r>
           </a:p>
           <a:p>
@@ -10367,6 +10373,56 @@
           </a:prstGeom>
         </p:spPr>
       </p:pic>
+      <p:sp>
+        <p:nvSpPr>
+          <p:cNvPr id="6" name="Rectangle 5">
+            <a:extLst>
+              <a:ext uri="{FF2B5EF4-FFF2-40B4-BE49-F238E27FC236}">
+                <a16:creationId xmlns:a16="http://schemas.microsoft.com/office/drawing/2014/main" id="{3188895D-BD49-78A3-101B-EA9976103472}"/>
+              </a:ext>
+            </a:extLst>
+          </p:cNvPr>
+          <p:cNvSpPr/>
+          <p:nvPr/>
+        </p:nvSpPr>
+        <p:spPr>
+          <a:xfrm>
+            <a:off x="7070912" y="372088"/>
+            <a:ext cx="3966882" cy="582653"/>
+          </a:xfrm>
+          <a:prstGeom prst="rect">
+            <a:avLst/>
+          </a:prstGeom>
+        </p:spPr>
+        <p:style>
+          <a:lnRef idx="2">
+            <a:schemeClr val="accent1">
+              <a:shade val="15000"/>
+            </a:schemeClr>
+          </a:lnRef>
+          <a:fillRef idx="1">
+            <a:schemeClr val="accent1"/>
+          </a:fillRef>
+          <a:effectRef idx="0">
+            <a:schemeClr val="accent1"/>
+          </a:effectRef>
+          <a:fontRef idx="minor">
+            <a:schemeClr val="lt1"/>
+          </a:fontRef>
+        </p:style>
+        <p:txBody>
+          <a:bodyPr rtlCol="0" anchor="ctr"/>
+          <a:lstStyle/>
+          <a:p>
+            <a:pPr algn="ctr"/>
+            <a:r>
+              <a:rPr lang="en-US" dirty="0"/>
+              <a:t>Good enough</a:t>
+            </a:r>
+            <a:endParaRPr lang="en-GB" dirty="0"/>
+          </a:p>
+        </p:txBody>
+      </p:sp>
     </p:spTree>
     <p:extLst>
       <p:ext uri="{BB962C8B-B14F-4D97-AF65-F5344CB8AC3E}">

--- a/Courseware/Bonsai On A Budget (running).pptx
+++ b/Courseware/Bonsai On A Budget (running).pptx
@@ -19788,7 +19788,9 @@
           </a:xfrm>
         </p:spPr>
         <p:txBody>
-          <a:bodyPr/>
+          <a:bodyPr>
+            <a:normAutofit/>
+          </a:bodyPr>
           <a:lstStyle/>
           <a:p>
             <a:r>
@@ -19817,12 +19819,27 @@
             </a:r>
           </a:p>
           <a:p>
+            <a:pPr lvl="1"/>
             <a:r>
               <a:rPr lang="en-GB" dirty="0"/>
-              <a:t>Pick winners (before the tree can pick for us!) - improve spacing and remove congestion</a:t>
-            </a:r>
-          </a:p>
-          <a:p>
+              <a:t>Continuing the ramification past the eye’s limits creates the illusion of infinite depth</a:t>
+            </a:r>
+          </a:p>
+          <a:p>
+            <a:r>
+              <a:rPr lang="en-GB" dirty="0"/>
+              <a:t>Pick winners - before the tree can pick for us!</a:t>
+            </a:r>
+          </a:p>
+          <a:p>
+            <a:pPr lvl="1"/>
+            <a:r>
+              <a:rPr lang="en-GB" dirty="0"/>
+              <a:t>Improve spacing and remove congestion and “fluff”</a:t>
+            </a:r>
+          </a:p>
+          <a:p>
+            <a:pPr lvl="1"/>
             <a:r>
               <a:rPr lang="en-GB" dirty="0"/>
               <a:t>“Balance energy” to fight apical dominance and force growth in more interesting areas</a:t>
@@ -19846,22 +19863,16 @@
             <a:r>
               <a:rPr lang="en-GB" dirty="0"/>
               <a:t>Reduce water shock when re-potting</a:t>
-            </a:r>
-          </a:p>
-          <a:p>
-            <a:r>
-              <a:rPr lang="en-GB" dirty="0"/>
-              <a:t>Remove “fluff”</a:t>
             </a:r>
           </a:p>
         </p:txBody>
       </p:sp>
       <p:sp>
         <p:nvSpPr>
-          <p:cNvPr id="6" name="Rectangle 5">
+          <p:cNvPr id="5" name="Rectangle 4">
             <a:extLst>
               <a:ext uri="{FF2B5EF4-FFF2-40B4-BE49-F238E27FC236}">
-                <a16:creationId xmlns:a16="http://schemas.microsoft.com/office/drawing/2014/main" id="{73C3CDBD-AFA8-F7FD-914C-CC76F8D0E2A8}"/>
+                <a16:creationId xmlns:a16="http://schemas.microsoft.com/office/drawing/2014/main" id="{79417E18-8FBC-F29E-544E-05CC635A49BD}"/>
               </a:ext>
             </a:extLst>
           </p:cNvPr>
@@ -19879,15 +19890,15 @@
         </p:spPr>
         <p:style>
           <a:lnRef idx="2">
-            <a:schemeClr val="accent3">
+            <a:schemeClr val="accent1">
               <a:shade val="15000"/>
             </a:schemeClr>
           </a:lnRef>
           <a:fillRef idx="1">
-            <a:schemeClr val="accent3"/>
+            <a:schemeClr val="accent1"/>
           </a:fillRef>
           <a:effectRef idx="0">
-            <a:schemeClr val="accent3"/>
+            <a:schemeClr val="accent1"/>
           </a:effectRef>
           <a:fontRef idx="minor">
             <a:schemeClr val="lt1"/>
@@ -19900,7 +19911,7 @@
             <a:pPr algn="ctr"/>
             <a:r>
               <a:rPr lang="en-US" dirty="0"/>
-              <a:t>Can I reduce the number of bullets here?  Structural vs ram vs canopy</a:t>
+              <a:t>Good enough</a:t>
             </a:r>
             <a:endParaRPr lang="en-GB" dirty="0"/>
           </a:p>
